--- a/Ontology for weed´s stress detection.pptx
+++ b/Ontology for weed´s stress detection.pptx
@@ -8,15 +8,20 @@
     <p:sldId id="256" r:id="rId2"/>
     <p:sldId id="257" r:id="rId3"/>
     <p:sldId id="258" r:id="rId4"/>
-    <p:sldId id="259" r:id="rId5"/>
-    <p:sldId id="261" r:id="rId6"/>
-    <p:sldId id="266" r:id="rId7"/>
-    <p:sldId id="267" r:id="rId8"/>
-    <p:sldId id="260" r:id="rId9"/>
-    <p:sldId id="262" r:id="rId10"/>
-    <p:sldId id="263" r:id="rId11"/>
-    <p:sldId id="264" r:id="rId12"/>
-    <p:sldId id="265" r:id="rId13"/>
+    <p:sldId id="268" r:id="rId5"/>
+    <p:sldId id="269" r:id="rId6"/>
+    <p:sldId id="259" r:id="rId7"/>
+    <p:sldId id="270" r:id="rId8"/>
+    <p:sldId id="266" r:id="rId9"/>
+    <p:sldId id="271" r:id="rId10"/>
+    <p:sldId id="260" r:id="rId11"/>
+    <p:sldId id="273" r:id="rId12"/>
+    <p:sldId id="275" r:id="rId13"/>
+    <p:sldId id="274" r:id="rId14"/>
+    <p:sldId id="262" r:id="rId15"/>
+    <p:sldId id="263" r:id="rId16"/>
+    <p:sldId id="264" r:id="rId17"/>
+    <p:sldId id="265" r:id="rId18"/>
   </p:sldIdLst>
   <p:sldSz cx="12192000" cy="6858000"/>
   <p:notesSz cx="6858000" cy="9144000"/>
@@ -115,6 +120,11 @@
       </a:defRPr>
     </a:lvl9pPr>
   </p:defaultTextStyle>
+  <p:extLst>
+    <p:ext uri="{EFAFB233-063F-42B5-8137-9DF3F51BA10A}">
+      <p15:sldGuideLst xmlns:p15="http://schemas.microsoft.com/office/powerpoint/2012/main"/>
+    </p:ext>
+  </p:extLst>
 </p:presentation>
 </file>
 
@@ -265,7 +275,7 @@
           <a:p>
             <a:fld id="{C60D012B-2C91-49A1-B484-D1B9D163E833}" type="datetimeFigureOut">
               <a:rPr lang="pt-BR" smtClean="0"/>
-              <a:t>14/12/2023</a:t>
+              <a:t>15/12/2023</a:t>
             </a:fld>
             <a:endParaRPr lang="pt-BR"/>
           </a:p>
@@ -463,7 +473,7 @@
           <a:p>
             <a:fld id="{C60D012B-2C91-49A1-B484-D1B9D163E833}" type="datetimeFigureOut">
               <a:rPr lang="pt-BR" smtClean="0"/>
-              <a:t>14/12/2023</a:t>
+              <a:t>15/12/2023</a:t>
             </a:fld>
             <a:endParaRPr lang="pt-BR"/>
           </a:p>
@@ -671,7 +681,7 @@
           <a:p>
             <a:fld id="{C60D012B-2C91-49A1-B484-D1B9D163E833}" type="datetimeFigureOut">
               <a:rPr lang="pt-BR" smtClean="0"/>
-              <a:t>14/12/2023</a:t>
+              <a:t>15/12/2023</a:t>
             </a:fld>
             <a:endParaRPr lang="pt-BR"/>
           </a:p>
@@ -869,7 +879,7 @@
           <a:p>
             <a:fld id="{C60D012B-2C91-49A1-B484-D1B9D163E833}" type="datetimeFigureOut">
               <a:rPr lang="pt-BR" smtClean="0"/>
-              <a:t>14/12/2023</a:t>
+              <a:t>15/12/2023</a:t>
             </a:fld>
             <a:endParaRPr lang="pt-BR"/>
           </a:p>
@@ -1144,7 +1154,7 @@
           <a:p>
             <a:fld id="{C60D012B-2C91-49A1-B484-D1B9D163E833}" type="datetimeFigureOut">
               <a:rPr lang="pt-BR" smtClean="0"/>
-              <a:t>14/12/2023</a:t>
+              <a:t>15/12/2023</a:t>
             </a:fld>
             <a:endParaRPr lang="pt-BR"/>
           </a:p>
@@ -1409,7 +1419,7 @@
           <a:p>
             <a:fld id="{C60D012B-2C91-49A1-B484-D1B9D163E833}" type="datetimeFigureOut">
               <a:rPr lang="pt-BR" smtClean="0"/>
-              <a:t>14/12/2023</a:t>
+              <a:t>15/12/2023</a:t>
             </a:fld>
             <a:endParaRPr lang="pt-BR"/>
           </a:p>
@@ -1821,7 +1831,7 @@
           <a:p>
             <a:fld id="{C60D012B-2C91-49A1-B484-D1B9D163E833}" type="datetimeFigureOut">
               <a:rPr lang="pt-BR" smtClean="0"/>
-              <a:t>14/12/2023</a:t>
+              <a:t>15/12/2023</a:t>
             </a:fld>
             <a:endParaRPr lang="pt-BR"/>
           </a:p>
@@ -1962,7 +1972,7 @@
           <a:p>
             <a:fld id="{C60D012B-2C91-49A1-B484-D1B9D163E833}" type="datetimeFigureOut">
               <a:rPr lang="pt-BR" smtClean="0"/>
-              <a:t>14/12/2023</a:t>
+              <a:t>15/12/2023</a:t>
             </a:fld>
             <a:endParaRPr lang="pt-BR"/>
           </a:p>
@@ -2075,7 +2085,7 @@
           <a:p>
             <a:fld id="{C60D012B-2C91-49A1-B484-D1B9D163E833}" type="datetimeFigureOut">
               <a:rPr lang="pt-BR" smtClean="0"/>
-              <a:t>14/12/2023</a:t>
+              <a:t>15/12/2023</a:t>
             </a:fld>
             <a:endParaRPr lang="pt-BR"/>
           </a:p>
@@ -2386,7 +2396,7 @@
           <a:p>
             <a:fld id="{C60D012B-2C91-49A1-B484-D1B9D163E833}" type="datetimeFigureOut">
               <a:rPr lang="pt-BR" smtClean="0"/>
-              <a:t>14/12/2023</a:t>
+              <a:t>15/12/2023</a:t>
             </a:fld>
             <a:endParaRPr lang="pt-BR"/>
           </a:p>
@@ -2674,7 +2684,7 @@
           <a:p>
             <a:fld id="{C60D012B-2C91-49A1-B484-D1B9D163E833}" type="datetimeFigureOut">
               <a:rPr lang="pt-BR" smtClean="0"/>
-              <a:t>14/12/2023</a:t>
+              <a:t>15/12/2023</a:t>
             </a:fld>
             <a:endParaRPr lang="pt-BR"/>
           </a:p>
@@ -2915,7 +2925,7 @@
           <a:p>
             <a:fld id="{C60D012B-2C91-49A1-B484-D1B9D163E833}" type="datetimeFigureOut">
               <a:rPr lang="pt-BR" smtClean="0"/>
-              <a:t>14/12/2023</a:t>
+              <a:t>15/12/2023</a:t>
             </a:fld>
             <a:endParaRPr lang="pt-BR"/>
           </a:p>
@@ -4395,7 +4405,7 @@
       </p:grpSpPr>
       <p:sp useBgFill="1">
         <p:nvSpPr>
-          <p:cNvPr id="6151" name="Rectangle 6150">
+          <p:cNvPr id="72" name="Rectangle 71">
             <a:extLst>
               <a:ext uri="{FF2B5EF4-FFF2-40B4-BE49-F238E27FC236}">
                 <a16:creationId xmlns:a16="http://schemas.microsoft.com/office/drawing/2014/main" id="{79BB35BC-D5C2-4C8B-A22A-A71E6191913B}"/>
@@ -4458,7 +4468,7 @@
           <p:cNvPr id="2" name="Título 1">
             <a:extLst>
               <a:ext uri="{FF2B5EF4-FFF2-40B4-BE49-F238E27FC236}">
-                <a16:creationId xmlns:a16="http://schemas.microsoft.com/office/drawing/2014/main" id="{09A850BE-9364-0D46-FB62-A4E04461CA9C}"/>
+                <a16:creationId xmlns:a16="http://schemas.microsoft.com/office/drawing/2014/main" id="{87C8F801-C1CD-6B21-B7DF-D9D7D028C819}"/>
               </a:ext>
             </a:extLst>
           </p:cNvPr>
@@ -4486,7 +4496,7 @@
                 <a:effectLst/>
                 <a:latin typeface="Söhne"/>
               </a:rPr>
-              <a:t>Usos Potenciais</a:t>
+              <a:t>Estrutura da Ontologia (OWL)</a:t>
             </a:r>
             <a:endParaRPr lang="pt-BR" dirty="0"/>
           </a:p>
@@ -4494,10 +4504,3240 @@
       </p:sp>
       <p:pic>
         <p:nvPicPr>
-          <p:cNvPr id="6146" name="Picture 2">
+          <p:cNvPr id="6" name="Imagem 5">
             <a:extLst>
               <a:ext uri="{FF2B5EF4-FFF2-40B4-BE49-F238E27FC236}">
-                <a16:creationId xmlns:a16="http://schemas.microsoft.com/office/drawing/2014/main" id="{BB51EC1F-EB3B-0EC9-6F9A-D5506A038BC2}"/>
+                <a16:creationId xmlns:a16="http://schemas.microsoft.com/office/drawing/2014/main" id="{DBC6190B-5E79-3B3D-1DC0-26C2EC4C186B}"/>
+              </a:ext>
+            </a:extLst>
+          </p:cNvPr>
+          <p:cNvPicPr>
+            <a:picLocks noChangeAspect="1"/>
+          </p:cNvPicPr>
+          <p:nvPr/>
+        </p:nvPicPr>
+        <p:blipFill rotWithShape="1">
+          <a:blip r:embed="rId2"/>
+          <a:srcRect t="15341" r="2" b="12081"/>
+          <a:stretch/>
+        </p:blipFill>
+        <p:spPr>
+          <a:xfrm>
+            <a:off x="20" y="10"/>
+            <a:ext cx="6116549" cy="6857990"/>
+          </a:xfrm>
+          <a:custGeom>
+            <a:avLst/>
+            <a:gdLst/>
+            <a:ahLst/>
+            <a:cxnLst/>
+            <a:rect l="l" t="t" r="r" b="b"/>
+            <a:pathLst>
+              <a:path w="6116569" h="6879321">
+                <a:moveTo>
+                  <a:pt x="0" y="0"/>
+                </a:moveTo>
+                <a:lnTo>
+                  <a:pt x="2935851" y="0"/>
+                </a:lnTo>
+                <a:cubicBezTo>
+                  <a:pt x="3035710" y="10660"/>
+                  <a:pt x="3138421" y="17767"/>
+                  <a:pt x="3238280" y="31980"/>
+                </a:cubicBezTo>
+                <a:cubicBezTo>
+                  <a:pt x="3817462" y="106602"/>
+                  <a:pt x="3127009" y="277163"/>
+                  <a:pt x="3660541" y="550772"/>
+                </a:cubicBezTo>
+                <a:cubicBezTo>
+                  <a:pt x="3706191" y="575645"/>
+                  <a:pt x="3757546" y="579199"/>
+                  <a:pt x="3808902" y="589860"/>
+                </a:cubicBezTo>
+                <a:cubicBezTo>
+                  <a:pt x="4008620" y="625393"/>
+                  <a:pt x="4211192" y="618286"/>
+                  <a:pt x="4413762" y="625393"/>
+                </a:cubicBezTo>
+                <a:cubicBezTo>
+                  <a:pt x="4465118" y="628946"/>
+                  <a:pt x="4525033" y="625393"/>
+                  <a:pt x="4567830" y="721333"/>
+                </a:cubicBezTo>
+                <a:cubicBezTo>
+                  <a:pt x="4425175" y="724888"/>
+                  <a:pt x="4305344" y="731994"/>
+                  <a:pt x="4171247" y="792401"/>
+                </a:cubicBezTo>
+                <a:cubicBezTo>
+                  <a:pt x="4239722" y="859916"/>
+                  <a:pt x="4322462" y="795955"/>
+                  <a:pt x="4376671" y="842148"/>
+                </a:cubicBezTo>
+                <a:cubicBezTo>
+                  <a:pt x="4428027" y="888342"/>
+                  <a:pt x="4470824" y="891896"/>
+                  <a:pt x="4527887" y="813722"/>
+                </a:cubicBezTo>
+                <a:cubicBezTo>
+                  <a:pt x="4556417" y="774634"/>
+                  <a:pt x="4604920" y="778187"/>
+                  <a:pt x="4633452" y="799508"/>
+                </a:cubicBezTo>
+                <a:cubicBezTo>
+                  <a:pt x="4781813" y="913216"/>
+                  <a:pt x="4778960" y="909662"/>
+                  <a:pt x="4947293" y="870576"/>
+                </a:cubicBezTo>
+                <a:cubicBezTo>
+                  <a:pt x="5055712" y="845701"/>
+                  <a:pt x="5166983" y="806615"/>
+                  <a:pt x="5263988" y="820828"/>
+                </a:cubicBezTo>
+                <a:cubicBezTo>
+                  <a:pt x="5275401" y="867022"/>
+                  <a:pt x="5263988" y="888342"/>
+                  <a:pt x="5249723" y="895449"/>
+                </a:cubicBezTo>
+                <a:cubicBezTo>
+                  <a:pt x="5021475" y="1005604"/>
+                  <a:pt x="4975825" y="1122864"/>
+                  <a:pt x="4744723" y="1197485"/>
+                </a:cubicBezTo>
+                <a:cubicBezTo>
+                  <a:pt x="4724751" y="1268552"/>
+                  <a:pt x="4807491" y="1275660"/>
+                  <a:pt x="4767548" y="1346727"/>
+                </a:cubicBezTo>
+                <a:cubicBezTo>
+                  <a:pt x="4693367" y="1407134"/>
+                  <a:pt x="4610627" y="1346727"/>
+                  <a:pt x="4539299" y="1421348"/>
+                </a:cubicBezTo>
+                <a:cubicBezTo>
+                  <a:pt x="4550712" y="1471094"/>
+                  <a:pt x="4610627" y="1432008"/>
+                  <a:pt x="4607773" y="1485309"/>
+                </a:cubicBezTo>
+                <a:cubicBezTo>
+                  <a:pt x="4604920" y="1517288"/>
+                  <a:pt x="4593508" y="1527948"/>
+                  <a:pt x="4579242" y="1535055"/>
+                </a:cubicBezTo>
+                <a:cubicBezTo>
+                  <a:pt x="4776107" y="1538608"/>
+                  <a:pt x="5383820" y="1574142"/>
+                  <a:pt x="5278255" y="1609676"/>
+                </a:cubicBezTo>
+                <a:cubicBezTo>
+                  <a:pt x="5418057" y="1698511"/>
+                  <a:pt x="5623481" y="1609676"/>
+                  <a:pt x="5771843" y="1630997"/>
+                </a:cubicBezTo>
+                <a:cubicBezTo>
+                  <a:pt x="5925911" y="1652316"/>
+                  <a:pt x="6171278" y="1719830"/>
+                  <a:pt x="6105656" y="1748257"/>
+                </a:cubicBezTo>
+                <a:cubicBezTo>
+                  <a:pt x="6031475" y="1780238"/>
+                  <a:pt x="5766136" y="2146235"/>
+                  <a:pt x="5691955" y="2167555"/>
+                </a:cubicBezTo>
+                <a:cubicBezTo>
+                  <a:pt x="5606362" y="2188875"/>
+                  <a:pt x="5589243" y="2217302"/>
+                  <a:pt x="5475118" y="2348776"/>
+                </a:cubicBezTo>
+                <a:cubicBezTo>
+                  <a:pt x="5398085" y="2437610"/>
+                  <a:pt x="5709074" y="2238623"/>
+                  <a:pt x="5826051" y="2291922"/>
+                </a:cubicBezTo>
+                <a:cubicBezTo>
+                  <a:pt x="5868848" y="2309690"/>
+                  <a:pt x="5552153" y="2554872"/>
+                  <a:pt x="5552153" y="2597513"/>
+                </a:cubicBezTo>
+                <a:cubicBezTo>
+                  <a:pt x="5549300" y="2640153"/>
+                  <a:pt x="5577831" y="2647260"/>
+                  <a:pt x="5603508" y="2647260"/>
+                </a:cubicBezTo>
+                <a:cubicBezTo>
+                  <a:pt x="5660571" y="2647260"/>
+                  <a:pt x="5640599" y="2686346"/>
+                  <a:pt x="5700515" y="2679240"/>
+                </a:cubicBezTo>
+                <a:cubicBezTo>
+                  <a:pt x="5523622" y="2800055"/>
+                  <a:pt x="5418057" y="2778734"/>
+                  <a:pt x="5246870" y="2888889"/>
+                </a:cubicBezTo>
+                <a:cubicBezTo>
+                  <a:pt x="5164130" y="2942189"/>
+                  <a:pt x="4921615" y="3119857"/>
+                  <a:pt x="4836022" y="3169605"/>
+                </a:cubicBezTo>
+                <a:cubicBezTo>
+                  <a:pt x="4801785" y="3187371"/>
+                  <a:pt x="4758988" y="3173158"/>
+                  <a:pt x="4736163" y="3233565"/>
+                </a:cubicBezTo>
+                <a:cubicBezTo>
+                  <a:pt x="4770400" y="3279759"/>
+                  <a:pt x="4816050" y="3254885"/>
+                  <a:pt x="4853141" y="3233565"/>
+                </a:cubicBezTo>
+                <a:cubicBezTo>
+                  <a:pt x="4944440" y="3176711"/>
+                  <a:pt x="4935881" y="3190925"/>
+                  <a:pt x="4944440" y="3226459"/>
+                </a:cubicBezTo>
+                <a:cubicBezTo>
+                  <a:pt x="4972972" y="3350827"/>
+                  <a:pt x="5044300" y="3308186"/>
+                  <a:pt x="5109921" y="3283313"/>
+                </a:cubicBezTo>
+                <a:cubicBezTo>
+                  <a:pt x="5303932" y="3208692"/>
+                  <a:pt x="5500797" y="3215799"/>
+                  <a:pt x="5694809" y="3141178"/>
+                </a:cubicBezTo>
+                <a:cubicBezTo>
+                  <a:pt x="5714781" y="3134070"/>
+                  <a:pt x="5612068" y="3283313"/>
+                  <a:pt x="5566419" y="3301079"/>
+                </a:cubicBezTo>
+                <a:cubicBezTo>
+                  <a:pt x="5515063" y="3322399"/>
+                  <a:pt x="5452294" y="3311739"/>
+                  <a:pt x="5415203" y="3397020"/>
+                </a:cubicBezTo>
+                <a:cubicBezTo>
+                  <a:pt x="5477972" y="3414787"/>
+                  <a:pt x="5552153" y="3372147"/>
+                  <a:pt x="5612068" y="3432554"/>
+                </a:cubicBezTo>
+                <a:cubicBezTo>
+                  <a:pt x="5469413" y="3528494"/>
+                  <a:pt x="5329610" y="3535601"/>
+                  <a:pt x="5206927" y="3599562"/>
+                </a:cubicBezTo>
+                <a:cubicBezTo>
+                  <a:pt x="5192661" y="3706163"/>
+                  <a:pt x="5272548" y="3663523"/>
+                  <a:pt x="5301079" y="3723930"/>
+                </a:cubicBezTo>
+                <a:cubicBezTo>
+                  <a:pt x="5072830" y="3844745"/>
+                  <a:pt x="4564977" y="4232062"/>
+                  <a:pt x="4507915" y="4306683"/>
+                </a:cubicBezTo>
+                <a:cubicBezTo>
+                  <a:pt x="4390937" y="4463031"/>
+                  <a:pt x="3900202" y="4562525"/>
+                  <a:pt x="3982942" y="4587399"/>
+                </a:cubicBezTo>
+                <a:cubicBezTo>
+                  <a:pt x="4051417" y="4608719"/>
+                  <a:pt x="4119891" y="4587399"/>
+                  <a:pt x="4185513" y="4541205"/>
+                </a:cubicBezTo>
+                <a:cubicBezTo>
+                  <a:pt x="4291078" y="4466584"/>
+                  <a:pt x="5010062" y="4523438"/>
+                  <a:pt x="5212633" y="4455924"/>
+                </a:cubicBezTo>
+                <a:cubicBezTo>
+                  <a:pt x="5241164" y="4445264"/>
+                  <a:pt x="5283960" y="4409730"/>
+                  <a:pt x="5312492" y="4473691"/>
+                </a:cubicBezTo>
+                <a:cubicBezTo>
+                  <a:pt x="5098508" y="4704659"/>
+                  <a:pt x="4833169" y="4654913"/>
+                  <a:pt x="4596361" y="4818368"/>
+                </a:cubicBezTo>
+                <a:cubicBezTo>
+                  <a:pt x="4684807" y="4917861"/>
+                  <a:pt x="4776107" y="4907202"/>
+                  <a:pt x="4873113" y="4885882"/>
+                </a:cubicBezTo>
+                <a:cubicBezTo>
+                  <a:pt x="4895938" y="4878775"/>
+                  <a:pt x="4930175" y="4871668"/>
+                  <a:pt x="4935881" y="4914309"/>
+                </a:cubicBezTo>
+                <a:cubicBezTo>
+                  <a:pt x="4941587" y="4967609"/>
+                  <a:pt x="4898790" y="4978270"/>
+                  <a:pt x="4873113" y="5003143"/>
+                </a:cubicBezTo>
+                <a:cubicBezTo>
+                  <a:pt x="4833169" y="5038676"/>
+                  <a:pt x="4773254" y="4999590"/>
+                  <a:pt x="4721898" y="5095530"/>
+                </a:cubicBezTo>
+                <a:cubicBezTo>
+                  <a:pt x="4873113" y="5067104"/>
+                  <a:pt x="4998650" y="5020910"/>
+                  <a:pt x="5132745" y="4949842"/>
+                </a:cubicBezTo>
+                <a:cubicBezTo>
+                  <a:pt x="5121333" y="5006696"/>
+                  <a:pt x="5081390" y="5035123"/>
+                  <a:pt x="5101362" y="5081317"/>
+                </a:cubicBezTo>
+                <a:cubicBezTo>
+                  <a:pt x="5118480" y="5116850"/>
+                  <a:pt x="5164130" y="5131063"/>
+                  <a:pt x="5138452" y="5198578"/>
+                </a:cubicBezTo>
+                <a:cubicBezTo>
+                  <a:pt x="5067125" y="5273199"/>
+                  <a:pt x="4967265" y="5258986"/>
+                  <a:pt x="4904497" y="5362033"/>
+                </a:cubicBezTo>
+                <a:cubicBezTo>
+                  <a:pt x="4818903" y="5507721"/>
+                  <a:pt x="4684807" y="5564575"/>
+                  <a:pt x="4579242" y="5674729"/>
+                </a:cubicBezTo>
+                <a:cubicBezTo>
+                  <a:pt x="4545005" y="5713816"/>
+                  <a:pt x="4313903" y="5841738"/>
+                  <a:pt x="4253988" y="5884379"/>
+                </a:cubicBezTo>
+                <a:cubicBezTo>
+                  <a:pt x="4168395" y="5944786"/>
+                  <a:pt x="4071389" y="5966106"/>
+                  <a:pt x="3985795" y="6069153"/>
+                </a:cubicBezTo>
+                <a:cubicBezTo>
+                  <a:pt x="4065682" y="6086921"/>
+                  <a:pt x="4134157" y="5990979"/>
+                  <a:pt x="4231163" y="6030066"/>
+                </a:cubicBezTo>
+                <a:cubicBezTo>
+                  <a:pt x="4074242" y="6133114"/>
+                  <a:pt x="3931586" y="6182861"/>
+                  <a:pt x="3814609" y="6317889"/>
+                </a:cubicBezTo>
+                <a:cubicBezTo>
+                  <a:pt x="3800343" y="6335656"/>
+                  <a:pt x="3771812" y="6332102"/>
+                  <a:pt x="3751840" y="6339209"/>
+                </a:cubicBezTo>
+                <a:cubicBezTo>
+                  <a:pt x="3529298" y="6406723"/>
+                  <a:pt x="3309608" y="6467130"/>
+                  <a:pt x="3089919" y="6563071"/>
+                </a:cubicBezTo>
+                <a:cubicBezTo>
+                  <a:pt x="3041416" y="6584392"/>
+                  <a:pt x="2955823" y="6595052"/>
+                  <a:pt x="2961529" y="6662566"/>
+                </a:cubicBezTo>
+                <a:cubicBezTo>
+                  <a:pt x="2972941" y="6765613"/>
+                  <a:pt x="3055681" y="6687439"/>
+                  <a:pt x="3107038" y="6673226"/>
+                </a:cubicBezTo>
+                <a:cubicBezTo>
+                  <a:pt x="3269664" y="6634138"/>
+                  <a:pt x="3432292" y="6570178"/>
+                  <a:pt x="3594919" y="6591499"/>
+                </a:cubicBezTo>
+                <a:cubicBezTo>
+                  <a:pt x="3483648" y="6637693"/>
+                  <a:pt x="3372376" y="6680332"/>
+                  <a:pt x="3261106" y="6726527"/>
+                </a:cubicBezTo>
+                <a:cubicBezTo>
+                  <a:pt x="3386642" y="6705206"/>
+                  <a:pt x="3495061" y="6786934"/>
+                  <a:pt x="3620597" y="6740740"/>
+                </a:cubicBezTo>
+                <a:cubicBezTo>
+                  <a:pt x="3660541" y="6726527"/>
+                  <a:pt x="3700484" y="6765613"/>
+                  <a:pt x="3703337" y="6826020"/>
+                </a:cubicBezTo>
+                <a:cubicBezTo>
+                  <a:pt x="3706191" y="6847340"/>
+                  <a:pt x="3700484" y="6865108"/>
+                  <a:pt x="3689072" y="6879321"/>
+                </a:cubicBezTo>
+                <a:lnTo>
+                  <a:pt x="0" y="6879321"/>
+                </a:lnTo>
+                <a:close/>
+              </a:path>
+            </a:pathLst>
+          </a:custGeom>
+        </p:spPr>
+      </p:pic>
+      <p:sp>
+        <p:nvSpPr>
+          <p:cNvPr id="3" name="Espaço Reservado para Conteúdo 2">
+            <a:extLst>
+              <a:ext uri="{FF2B5EF4-FFF2-40B4-BE49-F238E27FC236}">
+                <a16:creationId xmlns:a16="http://schemas.microsoft.com/office/drawing/2014/main" id="{4CA99AD0-5797-8371-0EB4-6D85EAC047E6}"/>
+              </a:ext>
+            </a:extLst>
+          </p:cNvPr>
+          <p:cNvSpPr>
+            <a:spLocks noGrp="1"/>
+          </p:cNvSpPr>
+          <p:nvPr>
+            <p:ph idx="1"/>
+          </p:nvPr>
+        </p:nvSpPr>
+        <p:spPr>
+          <a:xfrm>
+            <a:off x="6513788" y="2981739"/>
+            <a:ext cx="4840010" cy="3195224"/>
+          </a:xfrm>
+        </p:spPr>
+        <p:txBody>
+          <a:bodyPr>
+            <a:noAutofit/>
+          </a:bodyPr>
+          <a:lstStyle/>
+          <a:p>
+            <a:r>
+              <a:rPr lang="pt-BR" sz="3000" b="1" dirty="0"/>
+              <a:t>Classes Principais: </a:t>
+            </a:r>
+            <a:r>
+              <a:rPr lang="pt-BR" sz="3000" dirty="0"/>
+              <a:t>Herbicida, Planta Daninha, Imagem, Efeito, Processamento de Imagem, Aprendizado de Máquina, entre outras.</a:t>
+            </a:r>
+          </a:p>
+        </p:txBody>
+      </p:sp>
+      <p:grpSp>
+        <p:nvGrpSpPr>
+          <p:cNvPr id="7" name="Agrupar 6">
+            <a:extLst>
+              <a:ext uri="{FF2B5EF4-FFF2-40B4-BE49-F238E27FC236}">
+                <a16:creationId xmlns:a16="http://schemas.microsoft.com/office/drawing/2014/main" id="{83F4C8F7-9F26-FCAD-16D7-B219C0F7E855}"/>
+              </a:ext>
+            </a:extLst>
+          </p:cNvPr>
+          <p:cNvGrpSpPr/>
+          <p:nvPr/>
+        </p:nvGrpSpPr>
+        <p:grpSpPr>
+          <a:xfrm>
+            <a:off x="10173742" y="6176963"/>
+            <a:ext cx="1767154" cy="450511"/>
+            <a:chOff x="463685" y="371326"/>
+            <a:chExt cx="4527137" cy="1154130"/>
+          </a:xfrm>
+        </p:grpSpPr>
+        <p:pic>
+          <p:nvPicPr>
+            <p:cNvPr id="8" name="Picture 6" descr="Universidade do Estado do Rio Grande do Norte – Wikipédia, a enciclopédia  livre">
+              <a:extLst>
+                <a:ext uri="{FF2B5EF4-FFF2-40B4-BE49-F238E27FC236}">
+                  <a16:creationId xmlns:a16="http://schemas.microsoft.com/office/drawing/2014/main" id="{F92CB0E4-9BD1-DC04-A4F4-2E28AB718DC8}"/>
+                </a:ext>
+              </a:extLst>
+            </p:cNvPr>
+            <p:cNvPicPr>
+              <a:picLocks noChangeAspect="1" noChangeArrowheads="1"/>
+            </p:cNvPicPr>
+            <p:nvPr/>
+          </p:nvPicPr>
+          <p:blipFill>
+            <a:blip r:embed="rId3">
+              <a:extLst>
+                <a:ext uri="{28A0092B-C50C-407E-A947-70E740481C1C}">
+                  <a14:useLocalDpi xmlns:a14="http://schemas.microsoft.com/office/drawing/2010/main" val="0"/>
+                </a:ext>
+              </a:extLst>
+            </a:blip>
+            <a:srcRect/>
+            <a:stretch>
+              <a:fillRect/>
+            </a:stretch>
+          </p:blipFill>
+          <p:spPr bwMode="auto">
+            <a:xfrm>
+              <a:off x="4219279" y="371326"/>
+              <a:ext cx="771543" cy="1061519"/>
+            </a:xfrm>
+            <a:prstGeom prst="rect">
+              <a:avLst/>
+            </a:prstGeom>
+            <a:noFill/>
+            <a:extLst>
+              <a:ext uri="{909E8E84-426E-40DD-AFC4-6F175D3DCCD1}">
+                <a14:hiddenFill xmlns:a14="http://schemas.microsoft.com/office/drawing/2010/main">
+                  <a:solidFill>
+                    <a:srgbClr val="FFFFFF"/>
+                  </a:solidFill>
+                </a14:hiddenFill>
+              </a:ext>
+            </a:extLst>
+          </p:spPr>
+        </p:pic>
+        <p:pic>
+          <p:nvPicPr>
+            <p:cNvPr id="9" name="Picture 8" descr="Matriz de bordado - Ufersa 001 | Elo7 Produtos Especiais">
+              <a:extLst>
+                <a:ext uri="{FF2B5EF4-FFF2-40B4-BE49-F238E27FC236}">
+                  <a16:creationId xmlns:a16="http://schemas.microsoft.com/office/drawing/2014/main" id="{9885EA06-3967-A3CD-EDD7-F0E83C1BE537}"/>
+                </a:ext>
+              </a:extLst>
+            </p:cNvPr>
+            <p:cNvPicPr>
+              <a:picLocks noChangeAspect="1" noChangeArrowheads="1"/>
+            </p:cNvPicPr>
+            <p:nvPr/>
+          </p:nvPicPr>
+          <p:blipFill>
+            <a:blip r:embed="rId4">
+              <a:extLst>
+                <a:ext uri="{28A0092B-C50C-407E-A947-70E740481C1C}">
+                  <a14:useLocalDpi xmlns:a14="http://schemas.microsoft.com/office/drawing/2010/main" val="0"/>
+                </a:ext>
+              </a:extLst>
+            </a:blip>
+            <a:srcRect/>
+            <a:stretch>
+              <a:fillRect/>
+            </a:stretch>
+          </p:blipFill>
+          <p:spPr bwMode="auto">
+            <a:xfrm>
+              <a:off x="463685" y="371326"/>
+              <a:ext cx="1441227" cy="1154130"/>
+            </a:xfrm>
+            <a:prstGeom prst="rect">
+              <a:avLst/>
+            </a:prstGeom>
+            <a:noFill/>
+            <a:extLst>
+              <a:ext uri="{909E8E84-426E-40DD-AFC4-6F175D3DCCD1}">
+                <a14:hiddenFill xmlns:a14="http://schemas.microsoft.com/office/drawing/2010/main">
+                  <a:solidFill>
+                    <a:srgbClr val="FFFFFF"/>
+                  </a:solidFill>
+                </a14:hiddenFill>
+              </a:ext>
+            </a:extLst>
+          </p:spPr>
+        </p:pic>
+        <p:pic>
+          <p:nvPicPr>
+            <p:cNvPr id="10" name="Picture 4" descr="Programa de Pósgraduação em Ciência da Computação - ppgcc - Uern/Ufersa |  Mossoró RN">
+              <a:extLst>
+                <a:ext uri="{FF2B5EF4-FFF2-40B4-BE49-F238E27FC236}">
+                  <a16:creationId xmlns:a16="http://schemas.microsoft.com/office/drawing/2014/main" id="{A848740B-78D2-7E4E-E17E-98609A6818B3}"/>
+                </a:ext>
+              </a:extLst>
+            </p:cNvPr>
+            <p:cNvPicPr>
+              <a:picLocks noChangeAspect="1" noChangeArrowheads="1"/>
+            </p:cNvPicPr>
+            <p:nvPr/>
+          </p:nvPicPr>
+          <p:blipFill>
+            <a:blip r:embed="rId5">
+              <a:extLst>
+                <a:ext uri="{28A0092B-C50C-407E-A947-70E740481C1C}">
+                  <a14:useLocalDpi xmlns:a14="http://schemas.microsoft.com/office/drawing/2010/main" val="0"/>
+                </a:ext>
+              </a:extLst>
+            </a:blip>
+            <a:srcRect/>
+            <a:stretch>
+              <a:fillRect/>
+            </a:stretch>
+          </p:blipFill>
+          <p:spPr bwMode="auto">
+            <a:xfrm>
+              <a:off x="1879600" y="442839"/>
+              <a:ext cx="2005076" cy="990006"/>
+            </a:xfrm>
+            <a:prstGeom prst="rect">
+              <a:avLst/>
+            </a:prstGeom>
+            <a:noFill/>
+            <a:extLst>
+              <a:ext uri="{909E8E84-426E-40DD-AFC4-6F175D3DCCD1}">
+                <a14:hiddenFill xmlns:a14="http://schemas.microsoft.com/office/drawing/2010/main">
+                  <a:solidFill>
+                    <a:srgbClr val="FFFFFF"/>
+                  </a:solidFill>
+                </a14:hiddenFill>
+              </a:ext>
+            </a:extLst>
+          </p:spPr>
+        </p:pic>
+      </p:grpSp>
+    </p:spTree>
+    <p:extLst>
+      <p:ext uri="{BB962C8B-B14F-4D97-AF65-F5344CB8AC3E}">
+        <p14:creationId xmlns:p14="http://schemas.microsoft.com/office/powerpoint/2010/main" val="3160726127"/>
+      </p:ext>
+    </p:extLst>
+  </p:cSld>
+  <p:clrMapOvr>
+    <a:masterClrMapping/>
+  </p:clrMapOvr>
+</p:sld>
+</file>
+
+<file path=ppt/slides/slide11.xml><?xml version="1.0" encoding="utf-8"?>
+<p:sld xmlns:a="http://schemas.openxmlformats.org/drawingml/2006/main" xmlns:r="http://schemas.openxmlformats.org/officeDocument/2006/relationships" xmlns:p="http://schemas.openxmlformats.org/presentationml/2006/main">
+  <p:cSld>
+    <p:bg>
+      <p:bgPr>
+        <a:solidFill>
+          <a:schemeClr val="bg1"/>
+        </a:solidFill>
+        <a:effectLst/>
+      </p:bgPr>
+    </p:bg>
+    <p:spTree>
+      <p:nvGrpSpPr>
+        <p:cNvPr id="1" name=""/>
+        <p:cNvGrpSpPr/>
+        <p:nvPr/>
+      </p:nvGrpSpPr>
+      <p:grpSpPr>
+        <a:xfrm>
+          <a:off x="0" y="0"/>
+          <a:ext cx="0" cy="0"/>
+          <a:chOff x="0" y="0"/>
+          <a:chExt cx="0" cy="0"/>
+        </a:xfrm>
+      </p:grpSpPr>
+      <p:sp useBgFill="1">
+        <p:nvSpPr>
+          <p:cNvPr id="10" name="Rectangle 9">
+            <a:extLst>
+              <a:ext uri="{FF2B5EF4-FFF2-40B4-BE49-F238E27FC236}">
+                <a16:creationId xmlns:a16="http://schemas.microsoft.com/office/drawing/2014/main" id="{79BB35BC-D5C2-4C8B-A22A-A71E6191913B}"/>
+              </a:ext>
+              <a:ext uri="{C183D7F6-B498-43B3-948B-1728B52AA6E4}">
+                <adec:decorative xmlns:adec="http://schemas.microsoft.com/office/drawing/2017/decorative" val="1"/>
+              </a:ext>
+            </a:extLst>
+          </p:cNvPr>
+          <p:cNvSpPr>
+            <a:spLocks noGrp="1" noRot="1" noChangeAspect="1" noMove="1" noResize="1" noEditPoints="1" noAdjustHandles="1" noChangeArrowheads="1" noChangeShapeType="1" noTextEdit="1"/>
+          </p:cNvSpPr>
+          <p:nvPr>
+            <p:extLst>
+              <p:ext uri="{386F3935-93C4-4BCD-93E2-E3B085C9AB24}">
+                <p16:designElem xmlns:p16="http://schemas.microsoft.com/office/powerpoint/2015/main" val="1"/>
+              </p:ext>
+            </p:extLst>
+          </p:nvPr>
+        </p:nvSpPr>
+        <p:spPr>
+          <a:xfrm>
+            <a:off x="0" y="0"/>
+            <a:ext cx="12188952" cy="6858000"/>
+          </a:xfrm>
+          <a:prstGeom prst="rect">
+            <a:avLst/>
+          </a:prstGeom>
+          <a:ln>
+            <a:noFill/>
+          </a:ln>
+        </p:spPr>
+        <p:style>
+          <a:lnRef idx="2">
+            <a:schemeClr val="accent1">
+              <a:shade val="50000"/>
+            </a:schemeClr>
+          </a:lnRef>
+          <a:fillRef idx="1">
+            <a:schemeClr val="accent1"/>
+          </a:fillRef>
+          <a:effectRef idx="0">
+            <a:schemeClr val="accent1"/>
+          </a:effectRef>
+          <a:fontRef idx="minor">
+            <a:schemeClr val="lt1"/>
+          </a:fontRef>
+        </p:style>
+        <p:txBody>
+          <a:bodyPr rtlCol="0" anchor="ctr"/>
+          <a:lstStyle/>
+          <a:p>
+            <a:pPr algn="ctr"/>
+            <a:endParaRPr lang="en-US"/>
+          </a:p>
+        </p:txBody>
+      </p:sp>
+      <p:pic>
+        <p:nvPicPr>
+          <p:cNvPr id="5" name="Imagem 4">
+            <a:extLst>
+              <a:ext uri="{FF2B5EF4-FFF2-40B4-BE49-F238E27FC236}">
+                <a16:creationId xmlns:a16="http://schemas.microsoft.com/office/drawing/2014/main" id="{70A7D6D4-5325-FCC1-2A8C-9EB0DF292055}"/>
+              </a:ext>
+            </a:extLst>
+          </p:cNvPr>
+          <p:cNvPicPr>
+            <a:picLocks noChangeAspect="1"/>
+          </p:cNvPicPr>
+          <p:nvPr/>
+        </p:nvPicPr>
+        <p:blipFill rotWithShape="1">
+          <a:blip r:embed="rId2"/>
+          <a:srcRect t="9588" r="2" b="1030"/>
+          <a:stretch/>
+        </p:blipFill>
+        <p:spPr>
+          <a:xfrm>
+            <a:off x="20" y="10"/>
+            <a:ext cx="6116549" cy="6857990"/>
+          </a:xfrm>
+          <a:custGeom>
+            <a:avLst/>
+            <a:gdLst/>
+            <a:ahLst/>
+            <a:cxnLst/>
+            <a:rect l="l" t="t" r="r" b="b"/>
+            <a:pathLst>
+              <a:path w="6116569" h="6879321">
+                <a:moveTo>
+                  <a:pt x="0" y="0"/>
+                </a:moveTo>
+                <a:lnTo>
+                  <a:pt x="2935851" y="0"/>
+                </a:lnTo>
+                <a:cubicBezTo>
+                  <a:pt x="3035710" y="10660"/>
+                  <a:pt x="3138421" y="17767"/>
+                  <a:pt x="3238280" y="31980"/>
+                </a:cubicBezTo>
+                <a:cubicBezTo>
+                  <a:pt x="3817462" y="106602"/>
+                  <a:pt x="3127009" y="277163"/>
+                  <a:pt x="3660541" y="550772"/>
+                </a:cubicBezTo>
+                <a:cubicBezTo>
+                  <a:pt x="3706191" y="575645"/>
+                  <a:pt x="3757546" y="579199"/>
+                  <a:pt x="3808902" y="589860"/>
+                </a:cubicBezTo>
+                <a:cubicBezTo>
+                  <a:pt x="4008620" y="625393"/>
+                  <a:pt x="4211192" y="618286"/>
+                  <a:pt x="4413762" y="625393"/>
+                </a:cubicBezTo>
+                <a:cubicBezTo>
+                  <a:pt x="4465118" y="628946"/>
+                  <a:pt x="4525033" y="625393"/>
+                  <a:pt x="4567830" y="721333"/>
+                </a:cubicBezTo>
+                <a:cubicBezTo>
+                  <a:pt x="4425175" y="724888"/>
+                  <a:pt x="4305344" y="731994"/>
+                  <a:pt x="4171247" y="792401"/>
+                </a:cubicBezTo>
+                <a:cubicBezTo>
+                  <a:pt x="4239722" y="859916"/>
+                  <a:pt x="4322462" y="795955"/>
+                  <a:pt x="4376671" y="842148"/>
+                </a:cubicBezTo>
+                <a:cubicBezTo>
+                  <a:pt x="4428027" y="888342"/>
+                  <a:pt x="4470824" y="891896"/>
+                  <a:pt x="4527887" y="813722"/>
+                </a:cubicBezTo>
+                <a:cubicBezTo>
+                  <a:pt x="4556417" y="774634"/>
+                  <a:pt x="4604920" y="778187"/>
+                  <a:pt x="4633452" y="799508"/>
+                </a:cubicBezTo>
+                <a:cubicBezTo>
+                  <a:pt x="4781813" y="913216"/>
+                  <a:pt x="4778960" y="909662"/>
+                  <a:pt x="4947293" y="870576"/>
+                </a:cubicBezTo>
+                <a:cubicBezTo>
+                  <a:pt x="5055712" y="845701"/>
+                  <a:pt x="5166983" y="806615"/>
+                  <a:pt x="5263988" y="820828"/>
+                </a:cubicBezTo>
+                <a:cubicBezTo>
+                  <a:pt x="5275401" y="867022"/>
+                  <a:pt x="5263988" y="888342"/>
+                  <a:pt x="5249723" y="895449"/>
+                </a:cubicBezTo>
+                <a:cubicBezTo>
+                  <a:pt x="5021475" y="1005604"/>
+                  <a:pt x="4975825" y="1122864"/>
+                  <a:pt x="4744723" y="1197485"/>
+                </a:cubicBezTo>
+                <a:cubicBezTo>
+                  <a:pt x="4724751" y="1268552"/>
+                  <a:pt x="4807491" y="1275660"/>
+                  <a:pt x="4767548" y="1346727"/>
+                </a:cubicBezTo>
+                <a:cubicBezTo>
+                  <a:pt x="4693367" y="1407134"/>
+                  <a:pt x="4610627" y="1346727"/>
+                  <a:pt x="4539299" y="1421348"/>
+                </a:cubicBezTo>
+                <a:cubicBezTo>
+                  <a:pt x="4550712" y="1471094"/>
+                  <a:pt x="4610627" y="1432008"/>
+                  <a:pt x="4607773" y="1485309"/>
+                </a:cubicBezTo>
+                <a:cubicBezTo>
+                  <a:pt x="4604920" y="1517288"/>
+                  <a:pt x="4593508" y="1527948"/>
+                  <a:pt x="4579242" y="1535055"/>
+                </a:cubicBezTo>
+                <a:cubicBezTo>
+                  <a:pt x="4776107" y="1538608"/>
+                  <a:pt x="5383820" y="1574142"/>
+                  <a:pt x="5278255" y="1609676"/>
+                </a:cubicBezTo>
+                <a:cubicBezTo>
+                  <a:pt x="5418057" y="1698511"/>
+                  <a:pt x="5623481" y="1609676"/>
+                  <a:pt x="5771843" y="1630997"/>
+                </a:cubicBezTo>
+                <a:cubicBezTo>
+                  <a:pt x="5925911" y="1652316"/>
+                  <a:pt x="6171278" y="1719830"/>
+                  <a:pt x="6105656" y="1748257"/>
+                </a:cubicBezTo>
+                <a:cubicBezTo>
+                  <a:pt x="6031475" y="1780238"/>
+                  <a:pt x="5766136" y="2146235"/>
+                  <a:pt x="5691955" y="2167555"/>
+                </a:cubicBezTo>
+                <a:cubicBezTo>
+                  <a:pt x="5606362" y="2188875"/>
+                  <a:pt x="5589243" y="2217302"/>
+                  <a:pt x="5475118" y="2348776"/>
+                </a:cubicBezTo>
+                <a:cubicBezTo>
+                  <a:pt x="5398085" y="2437610"/>
+                  <a:pt x="5709074" y="2238623"/>
+                  <a:pt x="5826051" y="2291922"/>
+                </a:cubicBezTo>
+                <a:cubicBezTo>
+                  <a:pt x="5868848" y="2309690"/>
+                  <a:pt x="5552153" y="2554872"/>
+                  <a:pt x="5552153" y="2597513"/>
+                </a:cubicBezTo>
+                <a:cubicBezTo>
+                  <a:pt x="5549300" y="2640153"/>
+                  <a:pt x="5577831" y="2647260"/>
+                  <a:pt x="5603508" y="2647260"/>
+                </a:cubicBezTo>
+                <a:cubicBezTo>
+                  <a:pt x="5660571" y="2647260"/>
+                  <a:pt x="5640599" y="2686346"/>
+                  <a:pt x="5700515" y="2679240"/>
+                </a:cubicBezTo>
+                <a:cubicBezTo>
+                  <a:pt x="5523622" y="2800055"/>
+                  <a:pt x="5418057" y="2778734"/>
+                  <a:pt x="5246870" y="2888889"/>
+                </a:cubicBezTo>
+                <a:cubicBezTo>
+                  <a:pt x="5164130" y="2942189"/>
+                  <a:pt x="4921615" y="3119857"/>
+                  <a:pt x="4836022" y="3169605"/>
+                </a:cubicBezTo>
+                <a:cubicBezTo>
+                  <a:pt x="4801785" y="3187371"/>
+                  <a:pt x="4758988" y="3173158"/>
+                  <a:pt x="4736163" y="3233565"/>
+                </a:cubicBezTo>
+                <a:cubicBezTo>
+                  <a:pt x="4770400" y="3279759"/>
+                  <a:pt x="4816050" y="3254885"/>
+                  <a:pt x="4853141" y="3233565"/>
+                </a:cubicBezTo>
+                <a:cubicBezTo>
+                  <a:pt x="4944440" y="3176711"/>
+                  <a:pt x="4935881" y="3190925"/>
+                  <a:pt x="4944440" y="3226459"/>
+                </a:cubicBezTo>
+                <a:cubicBezTo>
+                  <a:pt x="4972972" y="3350827"/>
+                  <a:pt x="5044300" y="3308186"/>
+                  <a:pt x="5109921" y="3283313"/>
+                </a:cubicBezTo>
+                <a:cubicBezTo>
+                  <a:pt x="5303932" y="3208692"/>
+                  <a:pt x="5500797" y="3215799"/>
+                  <a:pt x="5694809" y="3141178"/>
+                </a:cubicBezTo>
+                <a:cubicBezTo>
+                  <a:pt x="5714781" y="3134070"/>
+                  <a:pt x="5612068" y="3283313"/>
+                  <a:pt x="5566419" y="3301079"/>
+                </a:cubicBezTo>
+                <a:cubicBezTo>
+                  <a:pt x="5515063" y="3322399"/>
+                  <a:pt x="5452294" y="3311739"/>
+                  <a:pt x="5415203" y="3397020"/>
+                </a:cubicBezTo>
+                <a:cubicBezTo>
+                  <a:pt x="5477972" y="3414787"/>
+                  <a:pt x="5552153" y="3372147"/>
+                  <a:pt x="5612068" y="3432554"/>
+                </a:cubicBezTo>
+                <a:cubicBezTo>
+                  <a:pt x="5469413" y="3528494"/>
+                  <a:pt x="5329610" y="3535601"/>
+                  <a:pt x="5206927" y="3599562"/>
+                </a:cubicBezTo>
+                <a:cubicBezTo>
+                  <a:pt x="5192661" y="3706163"/>
+                  <a:pt x="5272548" y="3663523"/>
+                  <a:pt x="5301079" y="3723930"/>
+                </a:cubicBezTo>
+                <a:cubicBezTo>
+                  <a:pt x="5072830" y="3844745"/>
+                  <a:pt x="4564977" y="4232062"/>
+                  <a:pt x="4507915" y="4306683"/>
+                </a:cubicBezTo>
+                <a:cubicBezTo>
+                  <a:pt x="4390937" y="4463031"/>
+                  <a:pt x="3900202" y="4562525"/>
+                  <a:pt x="3982942" y="4587399"/>
+                </a:cubicBezTo>
+                <a:cubicBezTo>
+                  <a:pt x="4051417" y="4608719"/>
+                  <a:pt x="4119891" y="4587399"/>
+                  <a:pt x="4185513" y="4541205"/>
+                </a:cubicBezTo>
+                <a:cubicBezTo>
+                  <a:pt x="4291078" y="4466584"/>
+                  <a:pt x="5010062" y="4523438"/>
+                  <a:pt x="5212633" y="4455924"/>
+                </a:cubicBezTo>
+                <a:cubicBezTo>
+                  <a:pt x="5241164" y="4445264"/>
+                  <a:pt x="5283960" y="4409730"/>
+                  <a:pt x="5312492" y="4473691"/>
+                </a:cubicBezTo>
+                <a:cubicBezTo>
+                  <a:pt x="5098508" y="4704659"/>
+                  <a:pt x="4833169" y="4654913"/>
+                  <a:pt x="4596361" y="4818368"/>
+                </a:cubicBezTo>
+                <a:cubicBezTo>
+                  <a:pt x="4684807" y="4917861"/>
+                  <a:pt x="4776107" y="4907202"/>
+                  <a:pt x="4873113" y="4885882"/>
+                </a:cubicBezTo>
+                <a:cubicBezTo>
+                  <a:pt x="4895938" y="4878775"/>
+                  <a:pt x="4930175" y="4871668"/>
+                  <a:pt x="4935881" y="4914309"/>
+                </a:cubicBezTo>
+                <a:cubicBezTo>
+                  <a:pt x="4941587" y="4967609"/>
+                  <a:pt x="4898790" y="4978270"/>
+                  <a:pt x="4873113" y="5003143"/>
+                </a:cubicBezTo>
+                <a:cubicBezTo>
+                  <a:pt x="4833169" y="5038676"/>
+                  <a:pt x="4773254" y="4999590"/>
+                  <a:pt x="4721898" y="5095530"/>
+                </a:cubicBezTo>
+                <a:cubicBezTo>
+                  <a:pt x="4873113" y="5067104"/>
+                  <a:pt x="4998650" y="5020910"/>
+                  <a:pt x="5132745" y="4949842"/>
+                </a:cubicBezTo>
+                <a:cubicBezTo>
+                  <a:pt x="5121333" y="5006696"/>
+                  <a:pt x="5081390" y="5035123"/>
+                  <a:pt x="5101362" y="5081317"/>
+                </a:cubicBezTo>
+                <a:cubicBezTo>
+                  <a:pt x="5118480" y="5116850"/>
+                  <a:pt x="5164130" y="5131063"/>
+                  <a:pt x="5138452" y="5198578"/>
+                </a:cubicBezTo>
+                <a:cubicBezTo>
+                  <a:pt x="5067125" y="5273199"/>
+                  <a:pt x="4967265" y="5258986"/>
+                  <a:pt x="4904497" y="5362033"/>
+                </a:cubicBezTo>
+                <a:cubicBezTo>
+                  <a:pt x="4818903" y="5507721"/>
+                  <a:pt x="4684807" y="5564575"/>
+                  <a:pt x="4579242" y="5674729"/>
+                </a:cubicBezTo>
+                <a:cubicBezTo>
+                  <a:pt x="4545005" y="5713816"/>
+                  <a:pt x="4313903" y="5841738"/>
+                  <a:pt x="4253988" y="5884379"/>
+                </a:cubicBezTo>
+                <a:cubicBezTo>
+                  <a:pt x="4168395" y="5944786"/>
+                  <a:pt x="4071389" y="5966106"/>
+                  <a:pt x="3985795" y="6069153"/>
+                </a:cubicBezTo>
+                <a:cubicBezTo>
+                  <a:pt x="4065682" y="6086921"/>
+                  <a:pt x="4134157" y="5990979"/>
+                  <a:pt x="4231163" y="6030066"/>
+                </a:cubicBezTo>
+                <a:cubicBezTo>
+                  <a:pt x="4074242" y="6133114"/>
+                  <a:pt x="3931586" y="6182861"/>
+                  <a:pt x="3814609" y="6317889"/>
+                </a:cubicBezTo>
+                <a:cubicBezTo>
+                  <a:pt x="3800343" y="6335656"/>
+                  <a:pt x="3771812" y="6332102"/>
+                  <a:pt x="3751840" y="6339209"/>
+                </a:cubicBezTo>
+                <a:cubicBezTo>
+                  <a:pt x="3529298" y="6406723"/>
+                  <a:pt x="3309608" y="6467130"/>
+                  <a:pt x="3089919" y="6563071"/>
+                </a:cubicBezTo>
+                <a:cubicBezTo>
+                  <a:pt x="3041416" y="6584392"/>
+                  <a:pt x="2955823" y="6595052"/>
+                  <a:pt x="2961529" y="6662566"/>
+                </a:cubicBezTo>
+                <a:cubicBezTo>
+                  <a:pt x="2972941" y="6765613"/>
+                  <a:pt x="3055681" y="6687439"/>
+                  <a:pt x="3107038" y="6673226"/>
+                </a:cubicBezTo>
+                <a:cubicBezTo>
+                  <a:pt x="3269664" y="6634138"/>
+                  <a:pt x="3432292" y="6570178"/>
+                  <a:pt x="3594919" y="6591499"/>
+                </a:cubicBezTo>
+                <a:cubicBezTo>
+                  <a:pt x="3483648" y="6637693"/>
+                  <a:pt x="3372376" y="6680332"/>
+                  <a:pt x="3261106" y="6726527"/>
+                </a:cubicBezTo>
+                <a:cubicBezTo>
+                  <a:pt x="3386642" y="6705206"/>
+                  <a:pt x="3495061" y="6786934"/>
+                  <a:pt x="3620597" y="6740740"/>
+                </a:cubicBezTo>
+                <a:cubicBezTo>
+                  <a:pt x="3660541" y="6726527"/>
+                  <a:pt x="3700484" y="6765613"/>
+                  <a:pt x="3703337" y="6826020"/>
+                </a:cubicBezTo>
+                <a:cubicBezTo>
+                  <a:pt x="3706191" y="6847340"/>
+                  <a:pt x="3700484" y="6865108"/>
+                  <a:pt x="3689072" y="6879321"/>
+                </a:cubicBezTo>
+                <a:lnTo>
+                  <a:pt x="0" y="6879321"/>
+                </a:lnTo>
+                <a:close/>
+              </a:path>
+            </a:pathLst>
+          </a:custGeom>
+        </p:spPr>
+      </p:pic>
+      <p:sp>
+        <p:nvSpPr>
+          <p:cNvPr id="3" name="Espaço Reservado para Conteúdo 2">
+            <a:extLst>
+              <a:ext uri="{FF2B5EF4-FFF2-40B4-BE49-F238E27FC236}">
+                <a16:creationId xmlns:a16="http://schemas.microsoft.com/office/drawing/2014/main" id="{99B8B06F-2F88-30D6-D67F-F92585754ADF}"/>
+              </a:ext>
+            </a:extLst>
+          </p:cNvPr>
+          <p:cNvSpPr>
+            <a:spLocks noGrp="1"/>
+          </p:cNvSpPr>
+          <p:nvPr>
+            <p:ph idx="1"/>
+          </p:nvPr>
+        </p:nvSpPr>
+        <p:spPr>
+          <a:xfrm>
+            <a:off x="6513788" y="3428999"/>
+            <a:ext cx="4840010" cy="2747963"/>
+          </a:xfrm>
+        </p:spPr>
+        <p:txBody>
+          <a:bodyPr>
+            <a:normAutofit/>
+          </a:bodyPr>
+          <a:lstStyle/>
+          <a:p>
+            <a:r>
+              <a:rPr lang="pt-BR" sz="3000" b="1" dirty="0"/>
+              <a:t>Propriedades de Objetos: </a:t>
+            </a:r>
+            <a:r>
+              <a:rPr lang="pt-BR" sz="3000" dirty="0"/>
+              <a:t>Exemplo - “</a:t>
+            </a:r>
+            <a:r>
+              <a:rPr lang="pt-BR" sz="3000" dirty="0" err="1"/>
+              <a:t>mediatres</a:t>
+            </a:r>
+            <a:r>
+              <a:rPr lang="pt-BR" sz="3000" dirty="0"/>
+              <a:t>", “</a:t>
+            </a:r>
+            <a:r>
+              <a:rPr lang="pt-BR" sz="3000" dirty="0" err="1"/>
+              <a:t>knows</a:t>
+            </a:r>
+            <a:r>
+              <a:rPr lang="pt-BR" sz="3000" dirty="0"/>
+              <a:t>", “</a:t>
+            </a:r>
+            <a:r>
+              <a:rPr lang="pt-BR" sz="3000" dirty="0" err="1"/>
+              <a:t>participatedIn</a:t>
+            </a:r>
+            <a:r>
+              <a:rPr lang="pt-BR" sz="3000" dirty="0"/>
+              <a:t>".</a:t>
+            </a:r>
+          </a:p>
+          <a:p>
+            <a:endParaRPr lang="pt-BR" sz="3000" dirty="0"/>
+          </a:p>
+        </p:txBody>
+      </p:sp>
+      <p:sp>
+        <p:nvSpPr>
+          <p:cNvPr id="6" name="Título 1">
+            <a:extLst>
+              <a:ext uri="{FF2B5EF4-FFF2-40B4-BE49-F238E27FC236}">
+                <a16:creationId xmlns:a16="http://schemas.microsoft.com/office/drawing/2014/main" id="{7D48F6E8-2014-FACB-E01F-DB3030DFFB5A}"/>
+              </a:ext>
+            </a:extLst>
+          </p:cNvPr>
+          <p:cNvSpPr>
+            <a:spLocks noGrp="1"/>
+          </p:cNvSpPr>
+          <p:nvPr>
+            <p:ph type="title"/>
+          </p:nvPr>
+        </p:nvSpPr>
+        <p:spPr>
+          <a:xfrm>
+            <a:off x="6513513" y="365125"/>
+            <a:ext cx="4840287" cy="1806575"/>
+          </a:xfrm>
+        </p:spPr>
+        <p:txBody>
+          <a:bodyPr>
+            <a:normAutofit/>
+          </a:bodyPr>
+          <a:lstStyle/>
+          <a:p>
+            <a:r>
+              <a:rPr lang="pt-BR" b="1" i="0" dirty="0">
+                <a:effectLst/>
+                <a:latin typeface="Söhne"/>
+              </a:rPr>
+              <a:t>Estrutura da Ontologia (OWL)</a:t>
+            </a:r>
+            <a:endParaRPr lang="pt-BR" dirty="0"/>
+          </a:p>
+        </p:txBody>
+      </p:sp>
+      <p:grpSp>
+        <p:nvGrpSpPr>
+          <p:cNvPr id="7" name="Agrupar 6">
+            <a:extLst>
+              <a:ext uri="{FF2B5EF4-FFF2-40B4-BE49-F238E27FC236}">
+                <a16:creationId xmlns:a16="http://schemas.microsoft.com/office/drawing/2014/main" id="{BB71DF4F-92DF-0AEC-3CB4-9BFDB3ECE8B5}"/>
+              </a:ext>
+            </a:extLst>
+          </p:cNvPr>
+          <p:cNvGrpSpPr/>
+          <p:nvPr/>
+        </p:nvGrpSpPr>
+        <p:grpSpPr>
+          <a:xfrm>
+            <a:off x="10173742" y="6176963"/>
+            <a:ext cx="1767154" cy="450511"/>
+            <a:chOff x="463685" y="371326"/>
+            <a:chExt cx="4527137" cy="1154130"/>
+          </a:xfrm>
+        </p:grpSpPr>
+        <p:pic>
+          <p:nvPicPr>
+            <p:cNvPr id="8" name="Picture 6" descr="Universidade do Estado do Rio Grande do Norte – Wikipédia, a enciclopédia  livre">
+              <a:extLst>
+                <a:ext uri="{FF2B5EF4-FFF2-40B4-BE49-F238E27FC236}">
+                  <a16:creationId xmlns:a16="http://schemas.microsoft.com/office/drawing/2014/main" id="{353492AB-527A-4701-8102-BB7DA79A1E48}"/>
+                </a:ext>
+              </a:extLst>
+            </p:cNvPr>
+            <p:cNvPicPr>
+              <a:picLocks noChangeAspect="1" noChangeArrowheads="1"/>
+            </p:cNvPicPr>
+            <p:nvPr/>
+          </p:nvPicPr>
+          <p:blipFill>
+            <a:blip r:embed="rId3">
+              <a:extLst>
+                <a:ext uri="{28A0092B-C50C-407E-A947-70E740481C1C}">
+                  <a14:useLocalDpi xmlns:a14="http://schemas.microsoft.com/office/drawing/2010/main" val="0"/>
+                </a:ext>
+              </a:extLst>
+            </a:blip>
+            <a:srcRect/>
+            <a:stretch>
+              <a:fillRect/>
+            </a:stretch>
+          </p:blipFill>
+          <p:spPr bwMode="auto">
+            <a:xfrm>
+              <a:off x="4219279" y="371326"/>
+              <a:ext cx="771543" cy="1061519"/>
+            </a:xfrm>
+            <a:prstGeom prst="rect">
+              <a:avLst/>
+            </a:prstGeom>
+            <a:noFill/>
+            <a:extLst>
+              <a:ext uri="{909E8E84-426E-40DD-AFC4-6F175D3DCCD1}">
+                <a14:hiddenFill xmlns:a14="http://schemas.microsoft.com/office/drawing/2010/main">
+                  <a:solidFill>
+                    <a:srgbClr val="FFFFFF"/>
+                  </a:solidFill>
+                </a14:hiddenFill>
+              </a:ext>
+            </a:extLst>
+          </p:spPr>
+        </p:pic>
+        <p:pic>
+          <p:nvPicPr>
+            <p:cNvPr id="9" name="Picture 8" descr="Matriz de bordado - Ufersa 001 | Elo7 Produtos Especiais">
+              <a:extLst>
+                <a:ext uri="{FF2B5EF4-FFF2-40B4-BE49-F238E27FC236}">
+                  <a16:creationId xmlns:a16="http://schemas.microsoft.com/office/drawing/2014/main" id="{A3926F2D-8A52-09DA-9842-85C3FBEA3B67}"/>
+                </a:ext>
+              </a:extLst>
+            </p:cNvPr>
+            <p:cNvPicPr>
+              <a:picLocks noChangeAspect="1" noChangeArrowheads="1"/>
+            </p:cNvPicPr>
+            <p:nvPr/>
+          </p:nvPicPr>
+          <p:blipFill>
+            <a:blip r:embed="rId4">
+              <a:extLst>
+                <a:ext uri="{28A0092B-C50C-407E-A947-70E740481C1C}">
+                  <a14:useLocalDpi xmlns:a14="http://schemas.microsoft.com/office/drawing/2010/main" val="0"/>
+                </a:ext>
+              </a:extLst>
+            </a:blip>
+            <a:srcRect/>
+            <a:stretch>
+              <a:fillRect/>
+            </a:stretch>
+          </p:blipFill>
+          <p:spPr bwMode="auto">
+            <a:xfrm>
+              <a:off x="463685" y="371326"/>
+              <a:ext cx="1441227" cy="1154130"/>
+            </a:xfrm>
+            <a:prstGeom prst="rect">
+              <a:avLst/>
+            </a:prstGeom>
+            <a:noFill/>
+            <a:extLst>
+              <a:ext uri="{909E8E84-426E-40DD-AFC4-6F175D3DCCD1}">
+                <a14:hiddenFill xmlns:a14="http://schemas.microsoft.com/office/drawing/2010/main">
+                  <a:solidFill>
+                    <a:srgbClr val="FFFFFF"/>
+                  </a:solidFill>
+                </a14:hiddenFill>
+              </a:ext>
+            </a:extLst>
+          </p:spPr>
+        </p:pic>
+        <p:pic>
+          <p:nvPicPr>
+            <p:cNvPr id="11" name="Picture 4" descr="Programa de Pósgraduação em Ciência da Computação - ppgcc - Uern/Ufersa |  Mossoró RN">
+              <a:extLst>
+                <a:ext uri="{FF2B5EF4-FFF2-40B4-BE49-F238E27FC236}">
+                  <a16:creationId xmlns:a16="http://schemas.microsoft.com/office/drawing/2014/main" id="{FBE0679C-9333-4349-BCFB-BE128A1D47EC}"/>
+                </a:ext>
+              </a:extLst>
+            </p:cNvPr>
+            <p:cNvPicPr>
+              <a:picLocks noChangeAspect="1" noChangeArrowheads="1"/>
+            </p:cNvPicPr>
+            <p:nvPr/>
+          </p:nvPicPr>
+          <p:blipFill>
+            <a:blip r:embed="rId5">
+              <a:extLst>
+                <a:ext uri="{28A0092B-C50C-407E-A947-70E740481C1C}">
+                  <a14:useLocalDpi xmlns:a14="http://schemas.microsoft.com/office/drawing/2010/main" val="0"/>
+                </a:ext>
+              </a:extLst>
+            </a:blip>
+            <a:srcRect/>
+            <a:stretch>
+              <a:fillRect/>
+            </a:stretch>
+          </p:blipFill>
+          <p:spPr bwMode="auto">
+            <a:xfrm>
+              <a:off x="1879600" y="442839"/>
+              <a:ext cx="2005076" cy="990006"/>
+            </a:xfrm>
+            <a:prstGeom prst="rect">
+              <a:avLst/>
+            </a:prstGeom>
+            <a:noFill/>
+            <a:extLst>
+              <a:ext uri="{909E8E84-426E-40DD-AFC4-6F175D3DCCD1}">
+                <a14:hiddenFill xmlns:a14="http://schemas.microsoft.com/office/drawing/2010/main">
+                  <a:solidFill>
+                    <a:srgbClr val="FFFFFF"/>
+                  </a:solidFill>
+                </a14:hiddenFill>
+              </a:ext>
+            </a:extLst>
+          </p:spPr>
+        </p:pic>
+      </p:grpSp>
+    </p:spTree>
+    <p:extLst>
+      <p:ext uri="{BB962C8B-B14F-4D97-AF65-F5344CB8AC3E}">
+        <p14:creationId xmlns:p14="http://schemas.microsoft.com/office/powerpoint/2010/main" val="60887216"/>
+      </p:ext>
+    </p:extLst>
+  </p:cSld>
+  <p:clrMapOvr>
+    <a:masterClrMapping/>
+  </p:clrMapOvr>
+</p:sld>
+</file>
+
+<file path=ppt/slides/slide12.xml><?xml version="1.0" encoding="utf-8"?>
+<p:sld xmlns:a="http://schemas.openxmlformats.org/drawingml/2006/main" xmlns:r="http://schemas.openxmlformats.org/officeDocument/2006/relationships" xmlns:p="http://schemas.openxmlformats.org/presentationml/2006/main">
+  <p:cSld>
+    <p:bg>
+      <p:bgPr>
+        <a:solidFill>
+          <a:schemeClr val="bg1"/>
+        </a:solidFill>
+        <a:effectLst/>
+      </p:bgPr>
+    </p:bg>
+    <p:spTree>
+      <p:nvGrpSpPr>
+        <p:cNvPr id="1" name=""/>
+        <p:cNvGrpSpPr/>
+        <p:nvPr/>
+      </p:nvGrpSpPr>
+      <p:grpSpPr>
+        <a:xfrm>
+          <a:off x="0" y="0"/>
+          <a:ext cx="0" cy="0"/>
+          <a:chOff x="0" y="0"/>
+          <a:chExt cx="0" cy="0"/>
+        </a:xfrm>
+      </p:grpSpPr>
+      <p:sp useBgFill="1">
+        <p:nvSpPr>
+          <p:cNvPr id="21" name="Rectangle 10">
+            <a:extLst>
+              <a:ext uri="{FF2B5EF4-FFF2-40B4-BE49-F238E27FC236}">
+                <a16:creationId xmlns:a16="http://schemas.microsoft.com/office/drawing/2014/main" id="{79BB35BC-D5C2-4C8B-A22A-A71E6191913B}"/>
+              </a:ext>
+              <a:ext uri="{C183D7F6-B498-43B3-948B-1728B52AA6E4}">
+                <adec:decorative xmlns:adec="http://schemas.microsoft.com/office/drawing/2017/decorative" val="1"/>
+              </a:ext>
+            </a:extLst>
+          </p:cNvPr>
+          <p:cNvSpPr>
+            <a:spLocks noGrp="1" noRot="1" noChangeAspect="1" noMove="1" noResize="1" noEditPoints="1" noAdjustHandles="1" noChangeArrowheads="1" noChangeShapeType="1" noTextEdit="1"/>
+          </p:cNvSpPr>
+          <p:nvPr>
+            <p:extLst>
+              <p:ext uri="{386F3935-93C4-4BCD-93E2-E3B085C9AB24}">
+                <p16:designElem xmlns:p16="http://schemas.microsoft.com/office/powerpoint/2015/main" val="1"/>
+              </p:ext>
+            </p:extLst>
+          </p:nvPr>
+        </p:nvSpPr>
+        <p:spPr>
+          <a:xfrm>
+            <a:off x="0" y="0"/>
+            <a:ext cx="12188952" cy="6858000"/>
+          </a:xfrm>
+          <a:prstGeom prst="rect">
+            <a:avLst/>
+          </a:prstGeom>
+          <a:ln>
+            <a:noFill/>
+          </a:ln>
+        </p:spPr>
+        <p:style>
+          <a:lnRef idx="2">
+            <a:schemeClr val="accent1">
+              <a:shade val="50000"/>
+            </a:schemeClr>
+          </a:lnRef>
+          <a:fillRef idx="1">
+            <a:schemeClr val="accent1"/>
+          </a:fillRef>
+          <a:effectRef idx="0">
+            <a:schemeClr val="accent1"/>
+          </a:effectRef>
+          <a:fontRef idx="minor">
+            <a:schemeClr val="lt1"/>
+          </a:fontRef>
+        </p:style>
+        <p:txBody>
+          <a:bodyPr rtlCol="0" anchor="ctr"/>
+          <a:lstStyle/>
+          <a:p>
+            <a:pPr algn="ctr"/>
+            <a:endParaRPr lang="en-US"/>
+          </a:p>
+        </p:txBody>
+      </p:sp>
+      <p:sp>
+        <p:nvSpPr>
+          <p:cNvPr id="6" name="Título 1">
+            <a:extLst>
+              <a:ext uri="{FF2B5EF4-FFF2-40B4-BE49-F238E27FC236}">
+                <a16:creationId xmlns:a16="http://schemas.microsoft.com/office/drawing/2014/main" id="{7D48F6E8-2014-FACB-E01F-DB3030DFFB5A}"/>
+              </a:ext>
+            </a:extLst>
+          </p:cNvPr>
+          <p:cNvSpPr>
+            <a:spLocks noGrp="1"/>
+          </p:cNvSpPr>
+          <p:nvPr>
+            <p:ph type="title"/>
+          </p:nvPr>
+        </p:nvSpPr>
+        <p:spPr>
+          <a:xfrm>
+            <a:off x="6513513" y="365125"/>
+            <a:ext cx="4840287" cy="1806575"/>
+          </a:xfrm>
+        </p:spPr>
+        <p:txBody>
+          <a:bodyPr>
+            <a:normAutofit/>
+          </a:bodyPr>
+          <a:lstStyle/>
+          <a:p>
+            <a:r>
+              <a:rPr lang="pt-BR" b="1" i="0">
+                <a:effectLst/>
+                <a:latin typeface="Söhne"/>
+              </a:rPr>
+              <a:t>Estrutura da Ontologia (OWL)</a:t>
+            </a:r>
+            <a:endParaRPr lang="pt-BR" dirty="0"/>
+          </a:p>
+        </p:txBody>
+      </p:sp>
+      <p:pic>
+        <p:nvPicPr>
+          <p:cNvPr id="4" name="Imagem 3">
+            <a:extLst>
+              <a:ext uri="{FF2B5EF4-FFF2-40B4-BE49-F238E27FC236}">
+                <a16:creationId xmlns:a16="http://schemas.microsoft.com/office/drawing/2014/main" id="{A7EB6B70-12C4-B9B6-3C91-8C6976F0754A}"/>
+              </a:ext>
+            </a:extLst>
+          </p:cNvPr>
+          <p:cNvPicPr>
+            <a:picLocks noChangeAspect="1"/>
+          </p:cNvPicPr>
+          <p:nvPr/>
+        </p:nvPicPr>
+        <p:blipFill rotWithShape="1">
+          <a:blip r:embed="rId2"/>
+          <a:srcRect t="15002" r="1" b="23010"/>
+          <a:stretch/>
+        </p:blipFill>
+        <p:spPr>
+          <a:xfrm>
+            <a:off x="20" y="10"/>
+            <a:ext cx="6116549" cy="6857990"/>
+          </a:xfrm>
+          <a:custGeom>
+            <a:avLst/>
+            <a:gdLst/>
+            <a:ahLst/>
+            <a:cxnLst/>
+            <a:rect l="l" t="t" r="r" b="b"/>
+            <a:pathLst>
+              <a:path w="6116569" h="6879321">
+                <a:moveTo>
+                  <a:pt x="0" y="0"/>
+                </a:moveTo>
+                <a:lnTo>
+                  <a:pt x="2935851" y="0"/>
+                </a:lnTo>
+                <a:cubicBezTo>
+                  <a:pt x="3035710" y="10660"/>
+                  <a:pt x="3138421" y="17767"/>
+                  <a:pt x="3238280" y="31980"/>
+                </a:cubicBezTo>
+                <a:cubicBezTo>
+                  <a:pt x="3817462" y="106602"/>
+                  <a:pt x="3127009" y="277163"/>
+                  <a:pt x="3660541" y="550772"/>
+                </a:cubicBezTo>
+                <a:cubicBezTo>
+                  <a:pt x="3706191" y="575645"/>
+                  <a:pt x="3757546" y="579199"/>
+                  <a:pt x="3808902" y="589860"/>
+                </a:cubicBezTo>
+                <a:cubicBezTo>
+                  <a:pt x="4008620" y="625393"/>
+                  <a:pt x="4211192" y="618286"/>
+                  <a:pt x="4413762" y="625393"/>
+                </a:cubicBezTo>
+                <a:cubicBezTo>
+                  <a:pt x="4465118" y="628946"/>
+                  <a:pt x="4525033" y="625393"/>
+                  <a:pt x="4567830" y="721333"/>
+                </a:cubicBezTo>
+                <a:cubicBezTo>
+                  <a:pt x="4425175" y="724888"/>
+                  <a:pt x="4305344" y="731994"/>
+                  <a:pt x="4171247" y="792401"/>
+                </a:cubicBezTo>
+                <a:cubicBezTo>
+                  <a:pt x="4239722" y="859916"/>
+                  <a:pt x="4322462" y="795955"/>
+                  <a:pt x="4376671" y="842148"/>
+                </a:cubicBezTo>
+                <a:cubicBezTo>
+                  <a:pt x="4428027" y="888342"/>
+                  <a:pt x="4470824" y="891896"/>
+                  <a:pt x="4527887" y="813722"/>
+                </a:cubicBezTo>
+                <a:cubicBezTo>
+                  <a:pt x="4556417" y="774634"/>
+                  <a:pt x="4604920" y="778187"/>
+                  <a:pt x="4633452" y="799508"/>
+                </a:cubicBezTo>
+                <a:cubicBezTo>
+                  <a:pt x="4781813" y="913216"/>
+                  <a:pt x="4778960" y="909662"/>
+                  <a:pt x="4947293" y="870576"/>
+                </a:cubicBezTo>
+                <a:cubicBezTo>
+                  <a:pt x="5055712" y="845701"/>
+                  <a:pt x="5166983" y="806615"/>
+                  <a:pt x="5263988" y="820828"/>
+                </a:cubicBezTo>
+                <a:cubicBezTo>
+                  <a:pt x="5275401" y="867022"/>
+                  <a:pt x="5263988" y="888342"/>
+                  <a:pt x="5249723" y="895449"/>
+                </a:cubicBezTo>
+                <a:cubicBezTo>
+                  <a:pt x="5021475" y="1005604"/>
+                  <a:pt x="4975825" y="1122864"/>
+                  <a:pt x="4744723" y="1197485"/>
+                </a:cubicBezTo>
+                <a:cubicBezTo>
+                  <a:pt x="4724751" y="1268552"/>
+                  <a:pt x="4807491" y="1275660"/>
+                  <a:pt x="4767548" y="1346727"/>
+                </a:cubicBezTo>
+                <a:cubicBezTo>
+                  <a:pt x="4693367" y="1407134"/>
+                  <a:pt x="4610627" y="1346727"/>
+                  <a:pt x="4539299" y="1421348"/>
+                </a:cubicBezTo>
+                <a:cubicBezTo>
+                  <a:pt x="4550712" y="1471094"/>
+                  <a:pt x="4610627" y="1432008"/>
+                  <a:pt x="4607773" y="1485309"/>
+                </a:cubicBezTo>
+                <a:cubicBezTo>
+                  <a:pt x="4604920" y="1517288"/>
+                  <a:pt x="4593508" y="1527948"/>
+                  <a:pt x="4579242" y="1535055"/>
+                </a:cubicBezTo>
+                <a:cubicBezTo>
+                  <a:pt x="4776107" y="1538608"/>
+                  <a:pt x="5383820" y="1574142"/>
+                  <a:pt x="5278255" y="1609676"/>
+                </a:cubicBezTo>
+                <a:cubicBezTo>
+                  <a:pt x="5418057" y="1698511"/>
+                  <a:pt x="5623481" y="1609676"/>
+                  <a:pt x="5771843" y="1630997"/>
+                </a:cubicBezTo>
+                <a:cubicBezTo>
+                  <a:pt x="5925911" y="1652316"/>
+                  <a:pt x="6171278" y="1719830"/>
+                  <a:pt x="6105656" y="1748257"/>
+                </a:cubicBezTo>
+                <a:cubicBezTo>
+                  <a:pt x="6031475" y="1780238"/>
+                  <a:pt x="5766136" y="2146235"/>
+                  <a:pt x="5691955" y="2167555"/>
+                </a:cubicBezTo>
+                <a:cubicBezTo>
+                  <a:pt x="5606362" y="2188875"/>
+                  <a:pt x="5589243" y="2217302"/>
+                  <a:pt x="5475118" y="2348776"/>
+                </a:cubicBezTo>
+                <a:cubicBezTo>
+                  <a:pt x="5398085" y="2437610"/>
+                  <a:pt x="5709074" y="2238623"/>
+                  <a:pt x="5826051" y="2291922"/>
+                </a:cubicBezTo>
+                <a:cubicBezTo>
+                  <a:pt x="5868848" y="2309690"/>
+                  <a:pt x="5552153" y="2554872"/>
+                  <a:pt x="5552153" y="2597513"/>
+                </a:cubicBezTo>
+                <a:cubicBezTo>
+                  <a:pt x="5549300" y="2640153"/>
+                  <a:pt x="5577831" y="2647260"/>
+                  <a:pt x="5603508" y="2647260"/>
+                </a:cubicBezTo>
+                <a:cubicBezTo>
+                  <a:pt x="5660571" y="2647260"/>
+                  <a:pt x="5640599" y="2686346"/>
+                  <a:pt x="5700515" y="2679240"/>
+                </a:cubicBezTo>
+                <a:cubicBezTo>
+                  <a:pt x="5523622" y="2800055"/>
+                  <a:pt x="5418057" y="2778734"/>
+                  <a:pt x="5246870" y="2888889"/>
+                </a:cubicBezTo>
+                <a:cubicBezTo>
+                  <a:pt x="5164130" y="2942189"/>
+                  <a:pt x="4921615" y="3119857"/>
+                  <a:pt x="4836022" y="3169605"/>
+                </a:cubicBezTo>
+                <a:cubicBezTo>
+                  <a:pt x="4801785" y="3187371"/>
+                  <a:pt x="4758988" y="3173158"/>
+                  <a:pt x="4736163" y="3233565"/>
+                </a:cubicBezTo>
+                <a:cubicBezTo>
+                  <a:pt x="4770400" y="3279759"/>
+                  <a:pt x="4816050" y="3254885"/>
+                  <a:pt x="4853141" y="3233565"/>
+                </a:cubicBezTo>
+                <a:cubicBezTo>
+                  <a:pt x="4944440" y="3176711"/>
+                  <a:pt x="4935881" y="3190925"/>
+                  <a:pt x="4944440" y="3226459"/>
+                </a:cubicBezTo>
+                <a:cubicBezTo>
+                  <a:pt x="4972972" y="3350827"/>
+                  <a:pt x="5044300" y="3308186"/>
+                  <a:pt x="5109921" y="3283313"/>
+                </a:cubicBezTo>
+                <a:cubicBezTo>
+                  <a:pt x="5303932" y="3208692"/>
+                  <a:pt x="5500797" y="3215799"/>
+                  <a:pt x="5694809" y="3141178"/>
+                </a:cubicBezTo>
+                <a:cubicBezTo>
+                  <a:pt x="5714781" y="3134070"/>
+                  <a:pt x="5612068" y="3283313"/>
+                  <a:pt x="5566419" y="3301079"/>
+                </a:cubicBezTo>
+                <a:cubicBezTo>
+                  <a:pt x="5515063" y="3322399"/>
+                  <a:pt x="5452294" y="3311739"/>
+                  <a:pt x="5415203" y="3397020"/>
+                </a:cubicBezTo>
+                <a:cubicBezTo>
+                  <a:pt x="5477972" y="3414787"/>
+                  <a:pt x="5552153" y="3372147"/>
+                  <a:pt x="5612068" y="3432554"/>
+                </a:cubicBezTo>
+                <a:cubicBezTo>
+                  <a:pt x="5469413" y="3528494"/>
+                  <a:pt x="5329610" y="3535601"/>
+                  <a:pt x="5206927" y="3599562"/>
+                </a:cubicBezTo>
+                <a:cubicBezTo>
+                  <a:pt x="5192661" y="3706163"/>
+                  <a:pt x="5272548" y="3663523"/>
+                  <a:pt x="5301079" y="3723930"/>
+                </a:cubicBezTo>
+                <a:cubicBezTo>
+                  <a:pt x="5072830" y="3844745"/>
+                  <a:pt x="4564977" y="4232062"/>
+                  <a:pt x="4507915" y="4306683"/>
+                </a:cubicBezTo>
+                <a:cubicBezTo>
+                  <a:pt x="4390937" y="4463031"/>
+                  <a:pt x="3900202" y="4562525"/>
+                  <a:pt x="3982942" y="4587399"/>
+                </a:cubicBezTo>
+                <a:cubicBezTo>
+                  <a:pt x="4051417" y="4608719"/>
+                  <a:pt x="4119891" y="4587399"/>
+                  <a:pt x="4185513" y="4541205"/>
+                </a:cubicBezTo>
+                <a:cubicBezTo>
+                  <a:pt x="4291078" y="4466584"/>
+                  <a:pt x="5010062" y="4523438"/>
+                  <a:pt x="5212633" y="4455924"/>
+                </a:cubicBezTo>
+                <a:cubicBezTo>
+                  <a:pt x="5241164" y="4445264"/>
+                  <a:pt x="5283960" y="4409730"/>
+                  <a:pt x="5312492" y="4473691"/>
+                </a:cubicBezTo>
+                <a:cubicBezTo>
+                  <a:pt x="5098508" y="4704659"/>
+                  <a:pt x="4833169" y="4654913"/>
+                  <a:pt x="4596361" y="4818368"/>
+                </a:cubicBezTo>
+                <a:cubicBezTo>
+                  <a:pt x="4684807" y="4917861"/>
+                  <a:pt x="4776107" y="4907202"/>
+                  <a:pt x="4873113" y="4885882"/>
+                </a:cubicBezTo>
+                <a:cubicBezTo>
+                  <a:pt x="4895938" y="4878775"/>
+                  <a:pt x="4930175" y="4871668"/>
+                  <a:pt x="4935881" y="4914309"/>
+                </a:cubicBezTo>
+                <a:cubicBezTo>
+                  <a:pt x="4941587" y="4967609"/>
+                  <a:pt x="4898790" y="4978270"/>
+                  <a:pt x="4873113" y="5003143"/>
+                </a:cubicBezTo>
+                <a:cubicBezTo>
+                  <a:pt x="4833169" y="5038676"/>
+                  <a:pt x="4773254" y="4999590"/>
+                  <a:pt x="4721898" y="5095530"/>
+                </a:cubicBezTo>
+                <a:cubicBezTo>
+                  <a:pt x="4873113" y="5067104"/>
+                  <a:pt x="4998650" y="5020910"/>
+                  <a:pt x="5132745" y="4949842"/>
+                </a:cubicBezTo>
+                <a:cubicBezTo>
+                  <a:pt x="5121333" y="5006696"/>
+                  <a:pt x="5081390" y="5035123"/>
+                  <a:pt x="5101362" y="5081317"/>
+                </a:cubicBezTo>
+                <a:cubicBezTo>
+                  <a:pt x="5118480" y="5116850"/>
+                  <a:pt x="5164130" y="5131063"/>
+                  <a:pt x="5138452" y="5198578"/>
+                </a:cubicBezTo>
+                <a:cubicBezTo>
+                  <a:pt x="5067125" y="5273199"/>
+                  <a:pt x="4967265" y="5258986"/>
+                  <a:pt x="4904497" y="5362033"/>
+                </a:cubicBezTo>
+                <a:cubicBezTo>
+                  <a:pt x="4818903" y="5507721"/>
+                  <a:pt x="4684807" y="5564575"/>
+                  <a:pt x="4579242" y="5674729"/>
+                </a:cubicBezTo>
+                <a:cubicBezTo>
+                  <a:pt x="4545005" y="5713816"/>
+                  <a:pt x="4313903" y="5841738"/>
+                  <a:pt x="4253988" y="5884379"/>
+                </a:cubicBezTo>
+                <a:cubicBezTo>
+                  <a:pt x="4168395" y="5944786"/>
+                  <a:pt x="4071389" y="5966106"/>
+                  <a:pt x="3985795" y="6069153"/>
+                </a:cubicBezTo>
+                <a:cubicBezTo>
+                  <a:pt x="4065682" y="6086921"/>
+                  <a:pt x="4134157" y="5990979"/>
+                  <a:pt x="4231163" y="6030066"/>
+                </a:cubicBezTo>
+                <a:cubicBezTo>
+                  <a:pt x="4074242" y="6133114"/>
+                  <a:pt x="3931586" y="6182861"/>
+                  <a:pt x="3814609" y="6317889"/>
+                </a:cubicBezTo>
+                <a:cubicBezTo>
+                  <a:pt x="3800343" y="6335656"/>
+                  <a:pt x="3771812" y="6332102"/>
+                  <a:pt x="3751840" y="6339209"/>
+                </a:cubicBezTo>
+                <a:cubicBezTo>
+                  <a:pt x="3529298" y="6406723"/>
+                  <a:pt x="3309608" y="6467130"/>
+                  <a:pt x="3089919" y="6563071"/>
+                </a:cubicBezTo>
+                <a:cubicBezTo>
+                  <a:pt x="3041416" y="6584392"/>
+                  <a:pt x="2955823" y="6595052"/>
+                  <a:pt x="2961529" y="6662566"/>
+                </a:cubicBezTo>
+                <a:cubicBezTo>
+                  <a:pt x="2972941" y="6765613"/>
+                  <a:pt x="3055681" y="6687439"/>
+                  <a:pt x="3107038" y="6673226"/>
+                </a:cubicBezTo>
+                <a:cubicBezTo>
+                  <a:pt x="3269664" y="6634138"/>
+                  <a:pt x="3432292" y="6570178"/>
+                  <a:pt x="3594919" y="6591499"/>
+                </a:cubicBezTo>
+                <a:cubicBezTo>
+                  <a:pt x="3483648" y="6637693"/>
+                  <a:pt x="3372376" y="6680332"/>
+                  <a:pt x="3261106" y="6726527"/>
+                </a:cubicBezTo>
+                <a:cubicBezTo>
+                  <a:pt x="3386642" y="6705206"/>
+                  <a:pt x="3495061" y="6786934"/>
+                  <a:pt x="3620597" y="6740740"/>
+                </a:cubicBezTo>
+                <a:cubicBezTo>
+                  <a:pt x="3660541" y="6726527"/>
+                  <a:pt x="3700484" y="6765613"/>
+                  <a:pt x="3703337" y="6826020"/>
+                </a:cubicBezTo>
+                <a:cubicBezTo>
+                  <a:pt x="3706191" y="6847340"/>
+                  <a:pt x="3700484" y="6865108"/>
+                  <a:pt x="3689072" y="6879321"/>
+                </a:cubicBezTo>
+                <a:lnTo>
+                  <a:pt x="0" y="6879321"/>
+                </a:lnTo>
+                <a:close/>
+              </a:path>
+            </a:pathLst>
+          </a:custGeom>
+        </p:spPr>
+      </p:pic>
+      <p:sp>
+        <p:nvSpPr>
+          <p:cNvPr id="3" name="Espaço Reservado para Conteúdo 2">
+            <a:extLst>
+              <a:ext uri="{FF2B5EF4-FFF2-40B4-BE49-F238E27FC236}">
+                <a16:creationId xmlns:a16="http://schemas.microsoft.com/office/drawing/2014/main" id="{99B8B06F-2F88-30D6-D67F-F92585754ADF}"/>
+              </a:ext>
+            </a:extLst>
+          </p:cNvPr>
+          <p:cNvSpPr>
+            <a:spLocks noGrp="1"/>
+          </p:cNvSpPr>
+          <p:nvPr>
+            <p:ph idx="1"/>
+          </p:nvPr>
+        </p:nvSpPr>
+        <p:spPr>
+          <a:xfrm>
+            <a:off x="6513788" y="3629465"/>
+            <a:ext cx="4840010" cy="2547498"/>
+          </a:xfrm>
+        </p:spPr>
+        <p:txBody>
+          <a:bodyPr>
+            <a:normAutofit/>
+          </a:bodyPr>
+          <a:lstStyle/>
+          <a:p>
+            <a:r>
+              <a:rPr lang="pt-BR" sz="3000" b="1" dirty="0" err="1"/>
+              <a:t>Instânceas</a:t>
+            </a:r>
+            <a:r>
+              <a:rPr lang="pt-BR" sz="3000" b="1" dirty="0"/>
+              <a:t> de Objetos: </a:t>
+            </a:r>
+            <a:r>
+              <a:rPr lang="pt-BR" sz="3000" dirty="0"/>
+              <a:t>Exemplo - “</a:t>
+            </a:r>
+            <a:r>
+              <a:rPr lang="pt-BR" sz="3000" dirty="0" err="1"/>
+              <a:t>Buva</a:t>
+            </a:r>
+            <a:r>
+              <a:rPr lang="pt-BR" sz="3000" dirty="0"/>
+              <a:t>", “Caruru".</a:t>
+            </a:r>
+          </a:p>
+          <a:p>
+            <a:endParaRPr lang="pt-BR" sz="3000" dirty="0"/>
+          </a:p>
+        </p:txBody>
+      </p:sp>
+      <p:grpSp>
+        <p:nvGrpSpPr>
+          <p:cNvPr id="7" name="Agrupar 6">
+            <a:extLst>
+              <a:ext uri="{FF2B5EF4-FFF2-40B4-BE49-F238E27FC236}">
+                <a16:creationId xmlns:a16="http://schemas.microsoft.com/office/drawing/2014/main" id="{E468E019-622F-D907-E5F4-E48CED1D6B33}"/>
+              </a:ext>
+            </a:extLst>
+          </p:cNvPr>
+          <p:cNvGrpSpPr/>
+          <p:nvPr/>
+        </p:nvGrpSpPr>
+        <p:grpSpPr>
+          <a:xfrm>
+            <a:off x="10173742" y="6176963"/>
+            <a:ext cx="1767154" cy="450511"/>
+            <a:chOff x="463685" y="371326"/>
+            <a:chExt cx="4527137" cy="1154130"/>
+          </a:xfrm>
+        </p:grpSpPr>
+        <p:pic>
+          <p:nvPicPr>
+            <p:cNvPr id="8" name="Picture 6" descr="Universidade do Estado do Rio Grande do Norte – Wikipédia, a enciclopédia  livre">
+              <a:extLst>
+                <a:ext uri="{FF2B5EF4-FFF2-40B4-BE49-F238E27FC236}">
+                  <a16:creationId xmlns:a16="http://schemas.microsoft.com/office/drawing/2014/main" id="{E8BA60FE-9AF1-FE22-BFF4-6FE8DCF876B6}"/>
+                </a:ext>
+              </a:extLst>
+            </p:cNvPr>
+            <p:cNvPicPr>
+              <a:picLocks noChangeAspect="1" noChangeArrowheads="1"/>
+            </p:cNvPicPr>
+            <p:nvPr/>
+          </p:nvPicPr>
+          <p:blipFill>
+            <a:blip r:embed="rId3">
+              <a:extLst>
+                <a:ext uri="{28A0092B-C50C-407E-A947-70E740481C1C}">
+                  <a14:useLocalDpi xmlns:a14="http://schemas.microsoft.com/office/drawing/2010/main" val="0"/>
+                </a:ext>
+              </a:extLst>
+            </a:blip>
+            <a:srcRect/>
+            <a:stretch>
+              <a:fillRect/>
+            </a:stretch>
+          </p:blipFill>
+          <p:spPr bwMode="auto">
+            <a:xfrm>
+              <a:off x="4219279" y="371326"/>
+              <a:ext cx="771543" cy="1061519"/>
+            </a:xfrm>
+            <a:prstGeom prst="rect">
+              <a:avLst/>
+            </a:prstGeom>
+            <a:noFill/>
+            <a:extLst>
+              <a:ext uri="{909E8E84-426E-40DD-AFC4-6F175D3DCCD1}">
+                <a14:hiddenFill xmlns:a14="http://schemas.microsoft.com/office/drawing/2010/main">
+                  <a:solidFill>
+                    <a:srgbClr val="FFFFFF"/>
+                  </a:solidFill>
+                </a14:hiddenFill>
+              </a:ext>
+            </a:extLst>
+          </p:spPr>
+        </p:pic>
+        <p:pic>
+          <p:nvPicPr>
+            <p:cNvPr id="9" name="Picture 8" descr="Matriz de bordado - Ufersa 001 | Elo7 Produtos Especiais">
+              <a:extLst>
+                <a:ext uri="{FF2B5EF4-FFF2-40B4-BE49-F238E27FC236}">
+                  <a16:creationId xmlns:a16="http://schemas.microsoft.com/office/drawing/2014/main" id="{14CB04D2-465F-2962-B25C-546EBDF8DBE1}"/>
+                </a:ext>
+              </a:extLst>
+            </p:cNvPr>
+            <p:cNvPicPr>
+              <a:picLocks noChangeAspect="1" noChangeArrowheads="1"/>
+            </p:cNvPicPr>
+            <p:nvPr/>
+          </p:nvPicPr>
+          <p:blipFill>
+            <a:blip r:embed="rId4">
+              <a:extLst>
+                <a:ext uri="{28A0092B-C50C-407E-A947-70E740481C1C}">
+                  <a14:useLocalDpi xmlns:a14="http://schemas.microsoft.com/office/drawing/2010/main" val="0"/>
+                </a:ext>
+              </a:extLst>
+            </a:blip>
+            <a:srcRect/>
+            <a:stretch>
+              <a:fillRect/>
+            </a:stretch>
+          </p:blipFill>
+          <p:spPr bwMode="auto">
+            <a:xfrm>
+              <a:off x="463685" y="371326"/>
+              <a:ext cx="1441227" cy="1154130"/>
+            </a:xfrm>
+            <a:prstGeom prst="rect">
+              <a:avLst/>
+            </a:prstGeom>
+            <a:noFill/>
+            <a:extLst>
+              <a:ext uri="{909E8E84-426E-40DD-AFC4-6F175D3DCCD1}">
+                <a14:hiddenFill xmlns:a14="http://schemas.microsoft.com/office/drawing/2010/main">
+                  <a:solidFill>
+                    <a:srgbClr val="FFFFFF"/>
+                  </a:solidFill>
+                </a14:hiddenFill>
+              </a:ext>
+            </a:extLst>
+          </p:spPr>
+        </p:pic>
+        <p:pic>
+          <p:nvPicPr>
+            <p:cNvPr id="12" name="Picture 4" descr="Programa de Pósgraduação em Ciência da Computação - ppgcc - Uern/Ufersa |  Mossoró RN">
+              <a:extLst>
+                <a:ext uri="{FF2B5EF4-FFF2-40B4-BE49-F238E27FC236}">
+                  <a16:creationId xmlns:a16="http://schemas.microsoft.com/office/drawing/2014/main" id="{71E5A606-0A42-F4C8-BF46-7F77BBF8F5D6}"/>
+                </a:ext>
+              </a:extLst>
+            </p:cNvPr>
+            <p:cNvPicPr>
+              <a:picLocks noChangeAspect="1" noChangeArrowheads="1"/>
+            </p:cNvPicPr>
+            <p:nvPr/>
+          </p:nvPicPr>
+          <p:blipFill>
+            <a:blip r:embed="rId5">
+              <a:extLst>
+                <a:ext uri="{28A0092B-C50C-407E-A947-70E740481C1C}">
+                  <a14:useLocalDpi xmlns:a14="http://schemas.microsoft.com/office/drawing/2010/main" val="0"/>
+                </a:ext>
+              </a:extLst>
+            </a:blip>
+            <a:srcRect/>
+            <a:stretch>
+              <a:fillRect/>
+            </a:stretch>
+          </p:blipFill>
+          <p:spPr bwMode="auto">
+            <a:xfrm>
+              <a:off x="1879600" y="442839"/>
+              <a:ext cx="2005076" cy="990006"/>
+            </a:xfrm>
+            <a:prstGeom prst="rect">
+              <a:avLst/>
+            </a:prstGeom>
+            <a:noFill/>
+            <a:extLst>
+              <a:ext uri="{909E8E84-426E-40DD-AFC4-6F175D3DCCD1}">
+                <a14:hiddenFill xmlns:a14="http://schemas.microsoft.com/office/drawing/2010/main">
+                  <a:solidFill>
+                    <a:srgbClr val="FFFFFF"/>
+                  </a:solidFill>
+                </a14:hiddenFill>
+              </a:ext>
+            </a:extLst>
+          </p:spPr>
+        </p:pic>
+      </p:grpSp>
+    </p:spTree>
+    <p:extLst>
+      <p:ext uri="{BB962C8B-B14F-4D97-AF65-F5344CB8AC3E}">
+        <p14:creationId xmlns:p14="http://schemas.microsoft.com/office/powerpoint/2010/main" val="584814689"/>
+      </p:ext>
+    </p:extLst>
+  </p:cSld>
+  <p:clrMapOvr>
+    <a:masterClrMapping/>
+  </p:clrMapOvr>
+</p:sld>
+</file>
+
+<file path=ppt/slides/slide13.xml><?xml version="1.0" encoding="utf-8"?>
+<p:sld xmlns:a="http://schemas.openxmlformats.org/drawingml/2006/main" xmlns:r="http://schemas.openxmlformats.org/officeDocument/2006/relationships" xmlns:p="http://schemas.openxmlformats.org/presentationml/2006/main">
+  <p:cSld>
+    <p:bg>
+      <p:bgPr>
+        <a:solidFill>
+          <a:schemeClr val="bg1"/>
+        </a:solidFill>
+        <a:effectLst/>
+      </p:bgPr>
+    </p:bg>
+    <p:spTree>
+      <p:nvGrpSpPr>
+        <p:cNvPr id="1" name=""/>
+        <p:cNvGrpSpPr/>
+        <p:nvPr/>
+      </p:nvGrpSpPr>
+      <p:grpSpPr>
+        <a:xfrm>
+          <a:off x="0" y="0"/>
+          <a:ext cx="0" cy="0"/>
+          <a:chOff x="0" y="0"/>
+          <a:chExt cx="0" cy="0"/>
+        </a:xfrm>
+      </p:grpSpPr>
+      <p:sp useBgFill="1">
+        <p:nvSpPr>
+          <p:cNvPr id="10" name="Rectangle 9">
+            <a:extLst>
+              <a:ext uri="{FF2B5EF4-FFF2-40B4-BE49-F238E27FC236}">
+                <a16:creationId xmlns:a16="http://schemas.microsoft.com/office/drawing/2014/main" id="{79BB35BC-D5C2-4C8B-A22A-A71E6191913B}"/>
+              </a:ext>
+              <a:ext uri="{C183D7F6-B498-43B3-948B-1728B52AA6E4}">
+                <adec:decorative xmlns:adec="http://schemas.microsoft.com/office/drawing/2017/decorative" val="1"/>
+              </a:ext>
+            </a:extLst>
+          </p:cNvPr>
+          <p:cNvSpPr>
+            <a:spLocks noGrp="1" noRot="1" noChangeAspect="1" noMove="1" noResize="1" noEditPoints="1" noAdjustHandles="1" noChangeArrowheads="1" noChangeShapeType="1" noTextEdit="1"/>
+          </p:cNvSpPr>
+          <p:nvPr>
+            <p:extLst>
+              <p:ext uri="{386F3935-93C4-4BCD-93E2-E3B085C9AB24}">
+                <p16:designElem xmlns:p16="http://schemas.microsoft.com/office/powerpoint/2015/main" val="1"/>
+              </p:ext>
+            </p:extLst>
+          </p:nvPr>
+        </p:nvSpPr>
+        <p:spPr>
+          <a:xfrm>
+            <a:off x="0" y="0"/>
+            <a:ext cx="12188952" cy="6858000"/>
+          </a:xfrm>
+          <a:prstGeom prst="rect">
+            <a:avLst/>
+          </a:prstGeom>
+          <a:ln>
+            <a:noFill/>
+          </a:ln>
+        </p:spPr>
+        <p:style>
+          <a:lnRef idx="2">
+            <a:schemeClr val="accent1">
+              <a:shade val="50000"/>
+            </a:schemeClr>
+          </a:lnRef>
+          <a:fillRef idx="1">
+            <a:schemeClr val="accent1"/>
+          </a:fillRef>
+          <a:effectRef idx="0">
+            <a:schemeClr val="accent1"/>
+          </a:effectRef>
+          <a:fontRef idx="minor">
+            <a:schemeClr val="lt1"/>
+          </a:fontRef>
+        </p:style>
+        <p:txBody>
+          <a:bodyPr rtlCol="0" anchor="ctr"/>
+          <a:lstStyle/>
+          <a:p>
+            <a:pPr algn="ctr"/>
+            <a:endParaRPr lang="en-US"/>
+          </a:p>
+        </p:txBody>
+      </p:sp>
+      <p:sp>
+        <p:nvSpPr>
+          <p:cNvPr id="2" name="Título 1">
+            <a:extLst>
+              <a:ext uri="{FF2B5EF4-FFF2-40B4-BE49-F238E27FC236}">
+                <a16:creationId xmlns:a16="http://schemas.microsoft.com/office/drawing/2014/main" id="{77C4FAAE-ED8A-4452-D16C-13819CA43594}"/>
+              </a:ext>
+            </a:extLst>
+          </p:cNvPr>
+          <p:cNvSpPr>
+            <a:spLocks noGrp="1"/>
+          </p:cNvSpPr>
+          <p:nvPr>
+            <p:ph type="title"/>
+          </p:nvPr>
+        </p:nvSpPr>
+        <p:spPr>
+          <a:xfrm>
+            <a:off x="6513788" y="365125"/>
+            <a:ext cx="4840010" cy="1807305"/>
+          </a:xfrm>
+        </p:spPr>
+        <p:txBody>
+          <a:bodyPr>
+            <a:normAutofit/>
+          </a:bodyPr>
+          <a:lstStyle/>
+          <a:p>
+            <a:r>
+              <a:rPr lang="pt-BR" b="1" i="0" dirty="0">
+                <a:effectLst/>
+                <a:latin typeface="Söhne"/>
+              </a:rPr>
+              <a:t>Estrutura da Ontologia (SPARQL)</a:t>
+            </a:r>
+            <a:endParaRPr lang="pt-BR" dirty="0"/>
+          </a:p>
+        </p:txBody>
+      </p:sp>
+      <p:sp>
+        <p:nvSpPr>
+          <p:cNvPr id="3" name="Espaço Reservado para Conteúdo 2">
+            <a:extLst>
+              <a:ext uri="{FF2B5EF4-FFF2-40B4-BE49-F238E27FC236}">
+                <a16:creationId xmlns:a16="http://schemas.microsoft.com/office/drawing/2014/main" id="{6338AF2F-E22C-DC51-6403-E85ED56C5DAF}"/>
+              </a:ext>
+            </a:extLst>
+          </p:cNvPr>
+          <p:cNvSpPr>
+            <a:spLocks noGrp="1"/>
+          </p:cNvSpPr>
+          <p:nvPr>
+            <p:ph idx="1"/>
+          </p:nvPr>
+        </p:nvSpPr>
+        <p:spPr>
+          <a:xfrm>
+            <a:off x="6434867" y="3383130"/>
+            <a:ext cx="4840010" cy="1746046"/>
+          </a:xfrm>
+        </p:spPr>
+        <p:txBody>
+          <a:bodyPr>
+            <a:normAutofit/>
+          </a:bodyPr>
+          <a:lstStyle/>
+          <a:p>
+            <a:r>
+              <a:rPr lang="pt-BR" sz="3000" b="1" dirty="0"/>
+              <a:t>Consulta à Ontologia: </a:t>
+            </a:r>
+            <a:r>
+              <a:rPr lang="pt-BR" sz="3000" dirty="0"/>
+              <a:t>Uso de SPARQL para recuperar informações estruturadas.</a:t>
+            </a:r>
+          </a:p>
+          <a:p>
+            <a:endParaRPr lang="pt-BR" sz="3000" dirty="0"/>
+          </a:p>
+        </p:txBody>
+      </p:sp>
+      <p:sp>
+        <p:nvSpPr>
+          <p:cNvPr id="7" name="CaixaDeTexto 6">
+            <a:extLst>
+              <a:ext uri="{FF2B5EF4-FFF2-40B4-BE49-F238E27FC236}">
+                <a16:creationId xmlns:a16="http://schemas.microsoft.com/office/drawing/2014/main" id="{0B3BB83D-A208-2E58-C246-961D0EBBC150}"/>
+              </a:ext>
+            </a:extLst>
+          </p:cNvPr>
+          <p:cNvSpPr txBox="1"/>
+          <p:nvPr/>
+        </p:nvSpPr>
+        <p:spPr>
+          <a:xfrm>
+            <a:off x="305449" y="365125"/>
+            <a:ext cx="5790552" cy="6036011"/>
+          </a:xfrm>
+          <a:prstGeom prst="rect">
+            <a:avLst/>
+          </a:prstGeom>
+          <a:noFill/>
+        </p:spPr>
+        <p:txBody>
+          <a:bodyPr wrap="square">
+            <a:spAutoFit/>
+          </a:bodyPr>
+          <a:lstStyle/>
+          <a:p>
+            <a:pPr indent="449580" algn="just">
+              <a:lnSpc>
+                <a:spcPct val="150000"/>
+              </a:lnSpc>
+            </a:pPr>
+            <a:r>
+              <a:rPr lang="pt-BR" sz="2000" dirty="0">
+                <a:solidFill>
+                  <a:srgbClr val="AA0D91"/>
+                </a:solidFill>
+                <a:effectLst/>
+                <a:latin typeface="Calibri" panose="020F0502020204030204" pitchFamily="34" charset="0"/>
+                <a:ea typeface="Arial" panose="020B0604020202020204" pitchFamily="34" charset="0"/>
+              </a:rPr>
+              <a:t>SELECT </a:t>
+            </a:r>
+            <a:r>
+              <a:rPr lang="pt-BR" sz="2000" b="1" dirty="0">
+                <a:solidFill>
+                  <a:srgbClr val="1C00CF"/>
+                </a:solidFill>
+                <a:effectLst/>
+                <a:latin typeface="Calibri" panose="020F0502020204030204" pitchFamily="34" charset="0"/>
+                <a:ea typeface="Arial" panose="020B0604020202020204" pitchFamily="34" charset="0"/>
+              </a:rPr>
+              <a:t>?x</a:t>
+            </a:r>
+            <a:r>
+              <a:rPr lang="pt-BR" sz="2000" dirty="0">
+                <a:solidFill>
+                  <a:srgbClr val="AA0D91"/>
+                </a:solidFill>
+                <a:effectLst/>
+                <a:latin typeface="Calibri" panose="020F0502020204030204" pitchFamily="34" charset="0"/>
+                <a:ea typeface="Arial" panose="020B0604020202020204" pitchFamily="34" charset="0"/>
+              </a:rPr>
+              <a:t> WHERE </a:t>
+            </a:r>
+            <a:r>
+              <a:rPr lang="pt-BR" sz="2000" dirty="0">
+                <a:solidFill>
+                  <a:srgbClr val="000000"/>
+                </a:solidFill>
+                <a:effectLst/>
+                <a:latin typeface="Calibri" panose="020F0502020204030204" pitchFamily="34" charset="0"/>
+                <a:ea typeface="Arial" panose="020B0604020202020204" pitchFamily="34" charset="0"/>
+              </a:rPr>
+              <a:t>{</a:t>
+            </a:r>
+            <a:endParaRPr lang="pt-BR" sz="2000" dirty="0">
+              <a:effectLst/>
+              <a:latin typeface="Arial" panose="020B0604020202020204" pitchFamily="34" charset="0"/>
+              <a:ea typeface="Arial" panose="020B0604020202020204" pitchFamily="34" charset="0"/>
+            </a:endParaRPr>
+          </a:p>
+          <a:p>
+            <a:pPr indent="449580" algn="just">
+              <a:lnSpc>
+                <a:spcPct val="150000"/>
+              </a:lnSpc>
+            </a:pPr>
+            <a:r>
+              <a:rPr lang="pt-BR" sz="2000" dirty="0">
+                <a:solidFill>
+                  <a:srgbClr val="AA0D91"/>
+                </a:solidFill>
+                <a:effectLst/>
+                <a:latin typeface="Calibri" panose="020F0502020204030204" pitchFamily="34" charset="0"/>
+                <a:ea typeface="Arial" panose="020B0604020202020204" pitchFamily="34" charset="0"/>
+              </a:rPr>
+              <a:t>	</a:t>
+            </a:r>
+            <a:r>
+              <a:rPr lang="pt-BR" sz="2000" b="1" dirty="0">
+                <a:solidFill>
+                  <a:srgbClr val="1C00CF"/>
+                </a:solidFill>
+                <a:effectLst/>
+                <a:latin typeface="Calibri" panose="020F0502020204030204" pitchFamily="34" charset="0"/>
+                <a:ea typeface="Arial" panose="020B0604020202020204" pitchFamily="34" charset="0"/>
+              </a:rPr>
+              <a:t>?x</a:t>
+            </a:r>
+            <a:r>
+              <a:rPr lang="pt-BR" sz="2000" dirty="0">
+                <a:solidFill>
+                  <a:srgbClr val="AA0D91"/>
+                </a:solidFill>
+                <a:effectLst/>
+                <a:latin typeface="Calibri" panose="020F0502020204030204" pitchFamily="34" charset="0"/>
+                <a:ea typeface="Arial" panose="020B0604020202020204" pitchFamily="34" charset="0"/>
+              </a:rPr>
+              <a:t>  </a:t>
+            </a:r>
+            <a:r>
+              <a:rPr lang="pt-BR" sz="2000" dirty="0" err="1">
+                <a:solidFill>
+                  <a:srgbClr val="3F6E74"/>
+                </a:solidFill>
+                <a:effectLst/>
+                <a:latin typeface="Calibri" panose="020F0502020204030204" pitchFamily="34" charset="0"/>
+                <a:ea typeface="Arial" panose="020B0604020202020204" pitchFamily="34" charset="0"/>
+              </a:rPr>
+              <a:t>rdf:type</a:t>
+            </a:r>
+            <a:r>
+              <a:rPr lang="pt-BR" sz="2000" dirty="0">
+                <a:solidFill>
+                  <a:srgbClr val="AA0D91"/>
+                </a:solidFill>
+                <a:effectLst/>
+                <a:latin typeface="Calibri" panose="020F0502020204030204" pitchFamily="34" charset="0"/>
+                <a:ea typeface="Arial" panose="020B0604020202020204" pitchFamily="34" charset="0"/>
+              </a:rPr>
+              <a:t> </a:t>
+            </a:r>
+            <a:r>
+              <a:rPr lang="pt-BR" sz="2000" dirty="0" err="1">
+                <a:solidFill>
+                  <a:srgbClr val="3F6E74"/>
+                </a:solidFill>
+                <a:effectLst/>
+                <a:latin typeface="Calibri" panose="020F0502020204030204" pitchFamily="34" charset="0"/>
+                <a:ea typeface="Arial" panose="020B0604020202020204" pitchFamily="34" charset="0"/>
+              </a:rPr>
+              <a:t>owl:Class</a:t>
+            </a:r>
+            <a:r>
+              <a:rPr lang="pt-BR" sz="2000" dirty="0">
+                <a:solidFill>
+                  <a:srgbClr val="AA0D91"/>
+                </a:solidFill>
+                <a:effectLst/>
+                <a:latin typeface="Calibri" panose="020F0502020204030204" pitchFamily="34" charset="0"/>
+                <a:ea typeface="Arial" panose="020B0604020202020204" pitchFamily="34" charset="0"/>
+              </a:rPr>
+              <a:t>.</a:t>
+            </a:r>
+            <a:endParaRPr lang="pt-BR" sz="2000" dirty="0">
+              <a:effectLst/>
+              <a:latin typeface="Arial" panose="020B0604020202020204" pitchFamily="34" charset="0"/>
+              <a:ea typeface="Arial" panose="020B0604020202020204" pitchFamily="34" charset="0"/>
+            </a:endParaRPr>
+          </a:p>
+          <a:p>
+            <a:pPr indent="449580" algn="just">
+              <a:lnSpc>
+                <a:spcPct val="150000"/>
+              </a:lnSpc>
+            </a:pPr>
+            <a:r>
+              <a:rPr lang="pt-BR" sz="2000" dirty="0">
+                <a:solidFill>
+                  <a:srgbClr val="000000"/>
+                </a:solidFill>
+                <a:effectLst/>
+                <a:latin typeface="Calibri" panose="020F0502020204030204" pitchFamily="34" charset="0"/>
+                <a:ea typeface="Arial" panose="020B0604020202020204" pitchFamily="34" charset="0"/>
+              </a:rPr>
+              <a:t>}</a:t>
+            </a:r>
+            <a:endParaRPr lang="pt-BR" sz="2000" dirty="0">
+              <a:effectLst/>
+              <a:latin typeface="Arial" panose="020B0604020202020204" pitchFamily="34" charset="0"/>
+              <a:ea typeface="Arial" panose="020B0604020202020204" pitchFamily="34" charset="0"/>
+            </a:endParaRPr>
+          </a:p>
+          <a:p>
+            <a:pPr indent="449580" algn="just">
+              <a:lnSpc>
+                <a:spcPct val="150000"/>
+              </a:lnSpc>
+            </a:pPr>
+            <a:endParaRPr lang="pt-BR" sz="2000" dirty="0">
+              <a:solidFill>
+                <a:srgbClr val="AA0D91"/>
+              </a:solidFill>
+              <a:effectLst/>
+              <a:ea typeface="Arial" panose="020B0604020202020204" pitchFamily="34" charset="0"/>
+              <a:cs typeface="Verdana" panose="020B0604030504040204" pitchFamily="34" charset="0"/>
+            </a:endParaRPr>
+          </a:p>
+          <a:p>
+            <a:pPr indent="449580" algn="just">
+              <a:lnSpc>
+                <a:spcPct val="150000"/>
+              </a:lnSpc>
+            </a:pPr>
+            <a:r>
+              <a:rPr lang="pt-BR" sz="2000" dirty="0">
+                <a:solidFill>
+                  <a:srgbClr val="AA0D91"/>
+                </a:solidFill>
+                <a:effectLst/>
+                <a:ea typeface="Arial" panose="020B0604020202020204" pitchFamily="34" charset="0"/>
+                <a:cs typeface="Verdana" panose="020B0604030504040204" pitchFamily="34" charset="0"/>
+              </a:rPr>
+              <a:t>SELECT </a:t>
+            </a:r>
+            <a:r>
+              <a:rPr lang="pt-BR" sz="2000" b="1" dirty="0">
+                <a:solidFill>
+                  <a:srgbClr val="1C00CF"/>
+                </a:solidFill>
+                <a:effectLst/>
+                <a:ea typeface="Arial" panose="020B0604020202020204" pitchFamily="34" charset="0"/>
+                <a:cs typeface="Verdana" panose="020B0604030504040204" pitchFamily="34" charset="0"/>
+              </a:rPr>
+              <a:t>?x</a:t>
+            </a:r>
+            <a:r>
+              <a:rPr lang="pt-BR" sz="2000" dirty="0">
+                <a:solidFill>
+                  <a:srgbClr val="AA0D91"/>
+                </a:solidFill>
+                <a:effectLst/>
+                <a:ea typeface="Arial" panose="020B0604020202020204" pitchFamily="34" charset="0"/>
+                <a:cs typeface="Verdana" panose="020B0604030504040204" pitchFamily="34" charset="0"/>
+              </a:rPr>
+              <a:t> WHERE </a:t>
+            </a:r>
+            <a:r>
+              <a:rPr lang="pt-BR" sz="2000" dirty="0">
+                <a:solidFill>
+                  <a:srgbClr val="000000"/>
+                </a:solidFill>
+                <a:effectLst/>
+                <a:ea typeface="Arial" panose="020B0604020202020204" pitchFamily="34" charset="0"/>
+                <a:cs typeface="Verdana" panose="020B0604030504040204" pitchFamily="34" charset="0"/>
+              </a:rPr>
+              <a:t>{</a:t>
+            </a:r>
+            <a:endParaRPr lang="pt-BR" sz="2000" dirty="0">
+              <a:effectLst/>
+              <a:ea typeface="Arial" panose="020B0604020202020204" pitchFamily="34" charset="0"/>
+            </a:endParaRPr>
+          </a:p>
+          <a:p>
+            <a:pPr indent="449580" algn="just">
+              <a:lnSpc>
+                <a:spcPct val="150000"/>
+              </a:lnSpc>
+            </a:pPr>
+            <a:r>
+              <a:rPr lang="pt-BR" sz="2000" dirty="0">
+                <a:solidFill>
+                  <a:srgbClr val="000000"/>
+                </a:solidFill>
+                <a:effectLst/>
+                <a:ea typeface="Arial" panose="020B0604020202020204" pitchFamily="34" charset="0"/>
+                <a:cs typeface="Verdana" panose="020B0604030504040204" pitchFamily="34" charset="0"/>
+              </a:rPr>
+              <a:t>    </a:t>
+            </a:r>
+            <a:r>
+              <a:rPr lang="pt-BR" sz="2000" b="1" dirty="0">
+                <a:solidFill>
+                  <a:srgbClr val="1C00CF"/>
+                </a:solidFill>
+                <a:effectLst/>
+                <a:ea typeface="Arial" panose="020B0604020202020204" pitchFamily="34" charset="0"/>
+                <a:cs typeface="Verdana" panose="020B0604030504040204" pitchFamily="34" charset="0"/>
+              </a:rPr>
+              <a:t>?x  </a:t>
+            </a:r>
+            <a:r>
+              <a:rPr lang="pt-BR" sz="2000" dirty="0" err="1">
+                <a:solidFill>
+                  <a:srgbClr val="3F6E74"/>
+                </a:solidFill>
+                <a:effectLst/>
+                <a:ea typeface="Arial" panose="020B0604020202020204" pitchFamily="34" charset="0"/>
+                <a:cs typeface="Verdana" panose="020B0604030504040204" pitchFamily="34" charset="0"/>
+              </a:rPr>
+              <a:t>rdf:type</a:t>
+            </a:r>
+            <a:r>
+              <a:rPr lang="pt-BR" sz="2000" dirty="0">
+                <a:solidFill>
+                  <a:srgbClr val="000000"/>
+                </a:solidFill>
+                <a:effectLst/>
+                <a:ea typeface="Arial" panose="020B0604020202020204" pitchFamily="34" charset="0"/>
+                <a:cs typeface="Verdana" panose="020B0604030504040204" pitchFamily="34" charset="0"/>
+              </a:rPr>
+              <a:t> </a:t>
+            </a:r>
+            <a:r>
+              <a:rPr lang="pt-BR" sz="2000" dirty="0" err="1">
+                <a:solidFill>
+                  <a:srgbClr val="3F6E74"/>
+                </a:solidFill>
+                <a:effectLst/>
+                <a:ea typeface="Arial" panose="020B0604020202020204" pitchFamily="34" charset="0"/>
+                <a:cs typeface="Verdana" panose="020B0604030504040204" pitchFamily="34" charset="0"/>
+              </a:rPr>
+              <a:t>owl:NamedIndividual</a:t>
+            </a:r>
+            <a:r>
+              <a:rPr lang="pt-BR" sz="2000" dirty="0">
+                <a:solidFill>
+                  <a:srgbClr val="AA0D91"/>
+                </a:solidFill>
+                <a:effectLst/>
+                <a:ea typeface="Arial" panose="020B0604020202020204" pitchFamily="34" charset="0"/>
+                <a:cs typeface="Verdana" panose="020B0604030504040204" pitchFamily="34" charset="0"/>
+              </a:rPr>
+              <a:t>.</a:t>
+            </a:r>
+            <a:endParaRPr lang="pt-BR" sz="2000" dirty="0">
+              <a:effectLst/>
+              <a:ea typeface="Arial" panose="020B0604020202020204" pitchFamily="34" charset="0"/>
+            </a:endParaRPr>
+          </a:p>
+          <a:p>
+            <a:pPr indent="449580" algn="just">
+              <a:lnSpc>
+                <a:spcPct val="150000"/>
+              </a:lnSpc>
+            </a:pPr>
+            <a:r>
+              <a:rPr lang="pt-BR" sz="2000" dirty="0">
+                <a:solidFill>
+                  <a:srgbClr val="AA0D91"/>
+                </a:solidFill>
+                <a:effectLst/>
+                <a:ea typeface="Arial" panose="020B0604020202020204" pitchFamily="34" charset="0"/>
+                <a:cs typeface="Verdana" panose="020B0604030504040204" pitchFamily="34" charset="0"/>
+              </a:rPr>
+              <a:t>	OPTIONAL </a:t>
+            </a:r>
+            <a:r>
+              <a:rPr lang="pt-BR" sz="2000" dirty="0">
+                <a:solidFill>
+                  <a:srgbClr val="000000"/>
+                </a:solidFill>
+                <a:effectLst/>
+                <a:ea typeface="Arial" panose="020B0604020202020204" pitchFamily="34" charset="0"/>
+                <a:cs typeface="Verdana" panose="020B0604030504040204" pitchFamily="34" charset="0"/>
+              </a:rPr>
+              <a:t>{ </a:t>
+            </a:r>
+            <a:r>
+              <a:rPr lang="pt-BR" sz="2000" b="1" dirty="0">
+                <a:solidFill>
+                  <a:srgbClr val="1C00CF"/>
+                </a:solidFill>
+                <a:effectLst/>
+                <a:ea typeface="Arial" panose="020B0604020202020204" pitchFamily="34" charset="0"/>
+                <a:cs typeface="Verdana" panose="020B0604030504040204" pitchFamily="34" charset="0"/>
+              </a:rPr>
+              <a:t>?x</a:t>
+            </a:r>
+            <a:r>
+              <a:rPr lang="pt-BR" sz="2000" dirty="0">
+                <a:solidFill>
+                  <a:srgbClr val="000000"/>
+                </a:solidFill>
+                <a:effectLst/>
+                <a:ea typeface="Arial" panose="020B0604020202020204" pitchFamily="34" charset="0"/>
+                <a:cs typeface="Verdana" panose="020B0604030504040204" pitchFamily="34" charset="0"/>
+              </a:rPr>
+              <a:t> </a:t>
+            </a:r>
+            <a:r>
+              <a:rPr lang="pt-BR" sz="2000" dirty="0" err="1">
+                <a:solidFill>
+                  <a:srgbClr val="3F6E74"/>
+                </a:solidFill>
+                <a:effectLst/>
+                <a:ea typeface="Arial" panose="020B0604020202020204" pitchFamily="34" charset="0"/>
+                <a:cs typeface="Verdana" panose="020B0604030504040204" pitchFamily="34" charset="0"/>
+              </a:rPr>
+              <a:t>rdfs:subClassOf</a:t>
+            </a:r>
+            <a:r>
+              <a:rPr lang="pt-BR" sz="2000" dirty="0">
+                <a:solidFill>
+                  <a:srgbClr val="000000"/>
+                </a:solidFill>
+                <a:effectLst/>
+                <a:ea typeface="Arial" panose="020B0604020202020204" pitchFamily="34" charset="0"/>
+                <a:cs typeface="Verdana" panose="020B0604030504040204" pitchFamily="34" charset="0"/>
+              </a:rPr>
+              <a:t> :</a:t>
+            </a:r>
+            <a:r>
+              <a:rPr lang="pt-BR" sz="2000" dirty="0" err="1">
+                <a:solidFill>
+                  <a:srgbClr val="000000"/>
+                </a:solidFill>
+                <a:effectLst/>
+                <a:ea typeface="Arial" panose="020B0604020202020204" pitchFamily="34" charset="0"/>
+                <a:cs typeface="Verdana" panose="020B0604030504040204" pitchFamily="34" charset="0"/>
+              </a:rPr>
+              <a:t>Weed</a:t>
+            </a:r>
+            <a:r>
+              <a:rPr lang="pt-BR" sz="2000" dirty="0">
+                <a:solidFill>
+                  <a:srgbClr val="000000"/>
+                </a:solidFill>
+                <a:effectLst/>
+                <a:ea typeface="Arial" panose="020B0604020202020204" pitchFamily="34" charset="0"/>
+                <a:cs typeface="Verdana" panose="020B0604030504040204" pitchFamily="34" charset="0"/>
+              </a:rPr>
+              <a:t>}</a:t>
+            </a:r>
+            <a:endParaRPr lang="pt-BR" sz="2000" dirty="0">
+              <a:effectLst/>
+              <a:ea typeface="Arial" panose="020B0604020202020204" pitchFamily="34" charset="0"/>
+            </a:endParaRPr>
+          </a:p>
+          <a:p>
+            <a:pPr indent="449580" algn="just">
+              <a:lnSpc>
+                <a:spcPct val="150000"/>
+              </a:lnSpc>
+            </a:pPr>
+            <a:r>
+              <a:rPr lang="pt-BR" sz="2000" dirty="0">
+                <a:solidFill>
+                  <a:srgbClr val="000000"/>
+                </a:solidFill>
+                <a:effectLst/>
+                <a:ea typeface="Arial" panose="020B0604020202020204" pitchFamily="34" charset="0"/>
+                <a:cs typeface="Verdana" panose="020B0604030504040204" pitchFamily="34" charset="0"/>
+              </a:rPr>
+              <a:t>}</a:t>
+            </a:r>
+          </a:p>
+          <a:p>
+            <a:pPr indent="449580" algn="just">
+              <a:lnSpc>
+                <a:spcPct val="150000"/>
+              </a:lnSpc>
+            </a:pPr>
+            <a:endParaRPr lang="pt-BR" sz="2000" dirty="0">
+              <a:solidFill>
+                <a:srgbClr val="000000"/>
+              </a:solidFill>
+              <a:ea typeface="Arial" panose="020B0604020202020204" pitchFamily="34" charset="0"/>
+            </a:endParaRPr>
+          </a:p>
+          <a:p>
+            <a:pPr indent="449580" algn="just">
+              <a:lnSpc>
+                <a:spcPct val="150000"/>
+              </a:lnSpc>
+            </a:pPr>
+            <a:r>
+              <a:rPr lang="pt-BR" sz="2000" dirty="0">
+                <a:solidFill>
+                  <a:srgbClr val="AA0D91"/>
+                </a:solidFill>
+                <a:effectLst/>
+                <a:latin typeface="Verdana" panose="020B0604030504040204" pitchFamily="34" charset="0"/>
+                <a:ea typeface="Arial" panose="020B0604020202020204" pitchFamily="34" charset="0"/>
+                <a:cs typeface="Verdana" panose="020B0604030504040204" pitchFamily="34" charset="0"/>
+              </a:rPr>
+              <a:t>SELECT DISTINCT </a:t>
+            </a:r>
+            <a:r>
+              <a:rPr lang="pt-BR" sz="2000" dirty="0">
+                <a:solidFill>
+                  <a:srgbClr val="1C00CF"/>
+                </a:solidFill>
+                <a:effectLst/>
+                <a:latin typeface="Verdana" panose="020B0604030504040204" pitchFamily="34" charset="0"/>
+                <a:ea typeface="Arial" panose="020B0604020202020204" pitchFamily="34" charset="0"/>
+                <a:cs typeface="Verdana" panose="020B0604030504040204" pitchFamily="34" charset="0"/>
+              </a:rPr>
+              <a:t>?</a:t>
+            </a:r>
+            <a:r>
+              <a:rPr lang="pt-BR" sz="2000" dirty="0" err="1">
+                <a:solidFill>
+                  <a:srgbClr val="1C00CF"/>
+                </a:solidFill>
+                <a:effectLst/>
+                <a:latin typeface="Verdana" panose="020B0604030504040204" pitchFamily="34" charset="0"/>
+                <a:ea typeface="Arial" panose="020B0604020202020204" pitchFamily="34" charset="0"/>
+                <a:cs typeface="Verdana" panose="020B0604030504040204" pitchFamily="34" charset="0"/>
+              </a:rPr>
+              <a:t>property</a:t>
+            </a:r>
+            <a:endParaRPr lang="pt-BR" sz="2000" dirty="0">
+              <a:effectLst/>
+              <a:latin typeface="Arial" panose="020B0604020202020204" pitchFamily="34" charset="0"/>
+              <a:ea typeface="Arial" panose="020B0604020202020204" pitchFamily="34" charset="0"/>
+            </a:endParaRPr>
+          </a:p>
+          <a:p>
+            <a:pPr indent="449580" algn="just">
+              <a:lnSpc>
+                <a:spcPct val="150000"/>
+              </a:lnSpc>
+            </a:pPr>
+            <a:r>
+              <a:rPr lang="pt-BR" sz="2000" dirty="0">
+                <a:solidFill>
+                  <a:srgbClr val="AA0D91"/>
+                </a:solidFill>
+                <a:effectLst/>
+                <a:latin typeface="Verdana" panose="020B0604030504040204" pitchFamily="34" charset="0"/>
+                <a:ea typeface="Arial" panose="020B0604020202020204" pitchFamily="34" charset="0"/>
+                <a:cs typeface="Verdana" panose="020B0604030504040204" pitchFamily="34" charset="0"/>
+              </a:rPr>
+              <a:t>   WHERE </a:t>
+            </a:r>
+            <a:r>
+              <a:rPr lang="pt-BR" sz="2000" dirty="0">
+                <a:solidFill>
+                  <a:srgbClr val="000000"/>
+                </a:solidFill>
+                <a:effectLst/>
+                <a:latin typeface="Verdana" panose="020B0604030504040204" pitchFamily="34" charset="0"/>
+                <a:ea typeface="Arial" panose="020B0604020202020204" pitchFamily="34" charset="0"/>
+                <a:cs typeface="Verdana" panose="020B0604030504040204" pitchFamily="34" charset="0"/>
+              </a:rPr>
+              <a:t>{</a:t>
+            </a:r>
+            <a:endParaRPr lang="pt-BR" sz="2000" dirty="0">
+              <a:effectLst/>
+              <a:latin typeface="Arial" panose="020B0604020202020204" pitchFamily="34" charset="0"/>
+              <a:ea typeface="Arial" panose="020B0604020202020204" pitchFamily="34" charset="0"/>
+            </a:endParaRPr>
+          </a:p>
+          <a:p>
+            <a:pPr indent="449580" algn="just">
+              <a:lnSpc>
+                <a:spcPct val="150000"/>
+              </a:lnSpc>
+            </a:pPr>
+            <a:r>
+              <a:rPr lang="pt-BR" sz="2000" dirty="0">
+                <a:solidFill>
+                  <a:srgbClr val="AA0D91"/>
+                </a:solidFill>
+                <a:effectLst/>
+                <a:latin typeface="Verdana" panose="020B0604030504040204" pitchFamily="34" charset="0"/>
+                <a:ea typeface="Arial" panose="020B0604020202020204" pitchFamily="34" charset="0"/>
+                <a:cs typeface="Verdana" panose="020B0604030504040204" pitchFamily="34" charset="0"/>
+              </a:rPr>
+              <a:t>       </a:t>
+            </a:r>
+            <a:r>
+              <a:rPr lang="pt-BR" sz="2000" dirty="0">
+                <a:solidFill>
+                  <a:srgbClr val="1C00CF"/>
+                </a:solidFill>
+                <a:effectLst/>
+                <a:latin typeface="Verdana" panose="020B0604030504040204" pitchFamily="34" charset="0"/>
+                <a:ea typeface="Arial" panose="020B0604020202020204" pitchFamily="34" charset="0"/>
+                <a:cs typeface="Verdana" panose="020B0604030504040204" pitchFamily="34" charset="0"/>
+              </a:rPr>
+              <a:t>?</a:t>
+            </a:r>
+            <a:r>
+              <a:rPr lang="pt-BR" sz="2000" dirty="0" err="1">
+                <a:solidFill>
+                  <a:srgbClr val="1C00CF"/>
+                </a:solidFill>
+                <a:effectLst/>
+                <a:latin typeface="Verdana" panose="020B0604030504040204" pitchFamily="34" charset="0"/>
+                <a:ea typeface="Arial" panose="020B0604020202020204" pitchFamily="34" charset="0"/>
+                <a:cs typeface="Verdana" panose="020B0604030504040204" pitchFamily="34" charset="0"/>
+              </a:rPr>
+              <a:t>property</a:t>
+            </a:r>
+            <a:r>
+              <a:rPr lang="pt-BR" sz="2000" dirty="0">
+                <a:solidFill>
+                  <a:srgbClr val="AA0D91"/>
+                </a:solidFill>
+                <a:effectLst/>
+                <a:latin typeface="Verdana" panose="020B0604030504040204" pitchFamily="34" charset="0"/>
+                <a:ea typeface="Arial" panose="020B0604020202020204" pitchFamily="34" charset="0"/>
+                <a:cs typeface="Verdana" panose="020B0604030504040204" pitchFamily="34" charset="0"/>
+              </a:rPr>
+              <a:t> </a:t>
+            </a:r>
+            <a:r>
+              <a:rPr lang="pt-BR" sz="2000" dirty="0">
+                <a:solidFill>
+                  <a:srgbClr val="3F6E74"/>
+                </a:solidFill>
+                <a:effectLst/>
+                <a:latin typeface="Verdana" panose="020B0604030504040204" pitchFamily="34" charset="0"/>
+                <a:ea typeface="Arial" panose="020B0604020202020204" pitchFamily="34" charset="0"/>
+                <a:cs typeface="Verdana" panose="020B0604030504040204" pitchFamily="34" charset="0"/>
+              </a:rPr>
+              <a:t>a</a:t>
+            </a:r>
+            <a:r>
+              <a:rPr lang="pt-BR" sz="2000" dirty="0">
+                <a:solidFill>
+                  <a:srgbClr val="AA0D91"/>
+                </a:solidFill>
+                <a:effectLst/>
+                <a:latin typeface="Verdana" panose="020B0604030504040204" pitchFamily="34" charset="0"/>
+                <a:ea typeface="Arial" panose="020B0604020202020204" pitchFamily="34" charset="0"/>
+                <a:cs typeface="Verdana" panose="020B0604030504040204" pitchFamily="34" charset="0"/>
+              </a:rPr>
+              <a:t> </a:t>
+            </a:r>
+            <a:r>
+              <a:rPr lang="pt-BR" sz="2000" dirty="0" err="1">
+                <a:solidFill>
+                  <a:srgbClr val="3F6E74"/>
+                </a:solidFill>
+                <a:effectLst/>
+                <a:latin typeface="Verdana" panose="020B0604030504040204" pitchFamily="34" charset="0"/>
+                <a:ea typeface="Arial" panose="020B0604020202020204" pitchFamily="34" charset="0"/>
+                <a:cs typeface="Verdana" panose="020B0604030504040204" pitchFamily="34" charset="0"/>
+              </a:rPr>
+              <a:t>owl:ObjectProperty</a:t>
+            </a:r>
+            <a:r>
+              <a:rPr lang="pt-BR" sz="2000" dirty="0">
+                <a:solidFill>
+                  <a:srgbClr val="AA0D91"/>
+                </a:solidFill>
+                <a:effectLst/>
+                <a:latin typeface="Verdana" panose="020B0604030504040204" pitchFamily="34" charset="0"/>
+                <a:ea typeface="Arial" panose="020B0604020202020204" pitchFamily="34" charset="0"/>
+                <a:cs typeface="Verdana" panose="020B0604030504040204" pitchFamily="34" charset="0"/>
+              </a:rPr>
+              <a:t>.</a:t>
+            </a:r>
+            <a:endParaRPr lang="pt-BR" sz="2000" dirty="0">
+              <a:effectLst/>
+              <a:latin typeface="Arial" panose="020B0604020202020204" pitchFamily="34" charset="0"/>
+              <a:ea typeface="Arial" panose="020B0604020202020204" pitchFamily="34" charset="0"/>
+            </a:endParaRPr>
+          </a:p>
+          <a:p>
+            <a:pPr indent="449580" algn="just">
+              <a:lnSpc>
+                <a:spcPct val="150000"/>
+              </a:lnSpc>
+            </a:pPr>
+            <a:r>
+              <a:rPr lang="pt-BR" sz="2000" dirty="0">
+                <a:solidFill>
+                  <a:srgbClr val="AA0D91"/>
+                </a:solidFill>
+                <a:effectLst/>
+                <a:latin typeface="Verdana" panose="020B0604030504040204" pitchFamily="34" charset="0"/>
+                <a:ea typeface="Arial" panose="020B0604020202020204" pitchFamily="34" charset="0"/>
+                <a:cs typeface="Verdana" panose="020B0604030504040204" pitchFamily="34" charset="0"/>
+              </a:rPr>
+              <a:t>   </a:t>
+            </a:r>
+            <a:r>
+              <a:rPr lang="pt-BR" sz="2000" dirty="0">
+                <a:solidFill>
+                  <a:srgbClr val="000000"/>
+                </a:solidFill>
+                <a:effectLst/>
+                <a:latin typeface="Verdana" panose="020B0604030504040204" pitchFamily="34" charset="0"/>
+                <a:ea typeface="Arial" panose="020B0604020202020204" pitchFamily="34" charset="0"/>
+                <a:cs typeface="Verdana" panose="020B0604030504040204" pitchFamily="34" charset="0"/>
+              </a:rPr>
+              <a:t>}</a:t>
+            </a:r>
+            <a:endParaRPr lang="pt-BR" sz="2000" dirty="0">
+              <a:effectLst/>
+              <a:latin typeface="Arial" panose="020B0604020202020204" pitchFamily="34" charset="0"/>
+              <a:ea typeface="Arial" panose="020B0604020202020204" pitchFamily="34" charset="0"/>
+            </a:endParaRPr>
+          </a:p>
+        </p:txBody>
+      </p:sp>
+      <p:grpSp>
+        <p:nvGrpSpPr>
+          <p:cNvPr id="11" name="Agrupar 10">
+            <a:extLst>
+              <a:ext uri="{FF2B5EF4-FFF2-40B4-BE49-F238E27FC236}">
+                <a16:creationId xmlns:a16="http://schemas.microsoft.com/office/drawing/2014/main" id="{615FC498-3417-3189-C86A-342274F31D9A}"/>
+              </a:ext>
+            </a:extLst>
+          </p:cNvPr>
+          <p:cNvGrpSpPr/>
+          <p:nvPr/>
+        </p:nvGrpSpPr>
+        <p:grpSpPr>
+          <a:xfrm>
+            <a:off x="10173742" y="6176963"/>
+            <a:ext cx="1767154" cy="450511"/>
+            <a:chOff x="463685" y="371326"/>
+            <a:chExt cx="4527137" cy="1154130"/>
+          </a:xfrm>
+        </p:grpSpPr>
+        <p:pic>
+          <p:nvPicPr>
+            <p:cNvPr id="12" name="Picture 6" descr="Universidade do Estado do Rio Grande do Norte – Wikipédia, a enciclopédia  livre">
+              <a:extLst>
+                <a:ext uri="{FF2B5EF4-FFF2-40B4-BE49-F238E27FC236}">
+                  <a16:creationId xmlns:a16="http://schemas.microsoft.com/office/drawing/2014/main" id="{0EE251DD-A004-F099-1458-3EDB3D94A40F}"/>
+                </a:ext>
+              </a:extLst>
+            </p:cNvPr>
+            <p:cNvPicPr>
+              <a:picLocks noChangeAspect="1" noChangeArrowheads="1"/>
+            </p:cNvPicPr>
+            <p:nvPr/>
+          </p:nvPicPr>
+          <p:blipFill>
+            <a:blip r:embed="rId2">
+              <a:extLst>
+                <a:ext uri="{28A0092B-C50C-407E-A947-70E740481C1C}">
+                  <a14:useLocalDpi xmlns:a14="http://schemas.microsoft.com/office/drawing/2010/main" val="0"/>
+                </a:ext>
+              </a:extLst>
+            </a:blip>
+            <a:srcRect/>
+            <a:stretch>
+              <a:fillRect/>
+            </a:stretch>
+          </p:blipFill>
+          <p:spPr bwMode="auto">
+            <a:xfrm>
+              <a:off x="4219279" y="371326"/>
+              <a:ext cx="771543" cy="1061519"/>
+            </a:xfrm>
+            <a:prstGeom prst="rect">
+              <a:avLst/>
+            </a:prstGeom>
+            <a:noFill/>
+            <a:extLst>
+              <a:ext uri="{909E8E84-426E-40DD-AFC4-6F175D3DCCD1}">
+                <a14:hiddenFill xmlns:a14="http://schemas.microsoft.com/office/drawing/2010/main">
+                  <a:solidFill>
+                    <a:srgbClr val="FFFFFF"/>
+                  </a:solidFill>
+                </a14:hiddenFill>
+              </a:ext>
+            </a:extLst>
+          </p:spPr>
+        </p:pic>
+        <p:pic>
+          <p:nvPicPr>
+            <p:cNvPr id="13" name="Picture 8" descr="Matriz de bordado - Ufersa 001 | Elo7 Produtos Especiais">
+              <a:extLst>
+                <a:ext uri="{FF2B5EF4-FFF2-40B4-BE49-F238E27FC236}">
+                  <a16:creationId xmlns:a16="http://schemas.microsoft.com/office/drawing/2014/main" id="{737F1156-9327-0DC5-8166-76CD378918C1}"/>
+                </a:ext>
+              </a:extLst>
+            </p:cNvPr>
+            <p:cNvPicPr>
+              <a:picLocks noChangeAspect="1" noChangeArrowheads="1"/>
+            </p:cNvPicPr>
+            <p:nvPr/>
+          </p:nvPicPr>
+          <p:blipFill>
+            <a:blip r:embed="rId3">
+              <a:extLst>
+                <a:ext uri="{28A0092B-C50C-407E-A947-70E740481C1C}">
+                  <a14:useLocalDpi xmlns:a14="http://schemas.microsoft.com/office/drawing/2010/main" val="0"/>
+                </a:ext>
+              </a:extLst>
+            </a:blip>
+            <a:srcRect/>
+            <a:stretch>
+              <a:fillRect/>
+            </a:stretch>
+          </p:blipFill>
+          <p:spPr bwMode="auto">
+            <a:xfrm>
+              <a:off x="463685" y="371326"/>
+              <a:ext cx="1441227" cy="1154130"/>
+            </a:xfrm>
+            <a:prstGeom prst="rect">
+              <a:avLst/>
+            </a:prstGeom>
+            <a:noFill/>
+            <a:extLst>
+              <a:ext uri="{909E8E84-426E-40DD-AFC4-6F175D3DCCD1}">
+                <a14:hiddenFill xmlns:a14="http://schemas.microsoft.com/office/drawing/2010/main">
+                  <a:solidFill>
+                    <a:srgbClr val="FFFFFF"/>
+                  </a:solidFill>
+                </a14:hiddenFill>
+              </a:ext>
+            </a:extLst>
+          </p:spPr>
+        </p:pic>
+        <p:pic>
+          <p:nvPicPr>
+            <p:cNvPr id="14" name="Picture 4" descr="Programa de Pósgraduação em Ciência da Computação - ppgcc - Uern/Ufersa |  Mossoró RN">
+              <a:extLst>
+                <a:ext uri="{FF2B5EF4-FFF2-40B4-BE49-F238E27FC236}">
+                  <a16:creationId xmlns:a16="http://schemas.microsoft.com/office/drawing/2014/main" id="{01F5BA48-BBB2-B5D5-600F-6E951BD7884E}"/>
+                </a:ext>
+              </a:extLst>
+            </p:cNvPr>
+            <p:cNvPicPr>
+              <a:picLocks noChangeAspect="1" noChangeArrowheads="1"/>
+            </p:cNvPicPr>
+            <p:nvPr/>
+          </p:nvPicPr>
+          <p:blipFill>
+            <a:blip r:embed="rId4">
+              <a:extLst>
+                <a:ext uri="{28A0092B-C50C-407E-A947-70E740481C1C}">
+                  <a14:useLocalDpi xmlns:a14="http://schemas.microsoft.com/office/drawing/2010/main" val="0"/>
+                </a:ext>
+              </a:extLst>
+            </a:blip>
+            <a:srcRect/>
+            <a:stretch>
+              <a:fillRect/>
+            </a:stretch>
+          </p:blipFill>
+          <p:spPr bwMode="auto">
+            <a:xfrm>
+              <a:off x="1879600" y="442839"/>
+              <a:ext cx="2005076" cy="990006"/>
+            </a:xfrm>
+            <a:prstGeom prst="rect">
+              <a:avLst/>
+            </a:prstGeom>
+            <a:noFill/>
+            <a:extLst>
+              <a:ext uri="{909E8E84-426E-40DD-AFC4-6F175D3DCCD1}">
+                <a14:hiddenFill xmlns:a14="http://schemas.microsoft.com/office/drawing/2010/main">
+                  <a:solidFill>
+                    <a:srgbClr val="FFFFFF"/>
+                  </a:solidFill>
+                </a14:hiddenFill>
+              </a:ext>
+            </a:extLst>
+          </p:spPr>
+        </p:pic>
+      </p:grpSp>
+    </p:spTree>
+    <p:extLst>
+      <p:ext uri="{BB962C8B-B14F-4D97-AF65-F5344CB8AC3E}">
+        <p14:creationId xmlns:p14="http://schemas.microsoft.com/office/powerpoint/2010/main" val="2390578901"/>
+      </p:ext>
+    </p:extLst>
+  </p:cSld>
+  <p:clrMapOvr>
+    <a:masterClrMapping/>
+  </p:clrMapOvr>
+</p:sld>
+</file>
+
+<file path=ppt/slides/slide14.xml><?xml version="1.0" encoding="utf-8"?>
+<p:sld xmlns:a="http://schemas.openxmlformats.org/drawingml/2006/main" xmlns:r="http://schemas.openxmlformats.org/officeDocument/2006/relationships" xmlns:p="http://schemas.openxmlformats.org/presentationml/2006/main">
+  <p:cSld>
+    <p:bg>
+      <p:bgPr>
+        <a:solidFill>
+          <a:schemeClr val="bg1"/>
+        </a:solidFill>
+        <a:effectLst/>
+      </p:bgPr>
+    </p:bg>
+    <p:spTree>
+      <p:nvGrpSpPr>
+        <p:cNvPr id="1" name=""/>
+        <p:cNvGrpSpPr/>
+        <p:nvPr/>
+      </p:nvGrpSpPr>
+      <p:grpSpPr>
+        <a:xfrm>
+          <a:off x="0" y="0"/>
+          <a:ext cx="0" cy="0"/>
+          <a:chOff x="0" y="0"/>
+          <a:chExt cx="0" cy="0"/>
+        </a:xfrm>
+      </p:grpSpPr>
+      <p:sp useBgFill="1">
+        <p:nvSpPr>
+          <p:cNvPr id="5129" name="Rectangle 5126">
+            <a:extLst>
+              <a:ext uri="{FF2B5EF4-FFF2-40B4-BE49-F238E27FC236}">
+                <a16:creationId xmlns:a16="http://schemas.microsoft.com/office/drawing/2014/main" id="{79BB35BC-D5C2-4C8B-A22A-A71E6191913B}"/>
+              </a:ext>
+              <a:ext uri="{C183D7F6-B498-43B3-948B-1728B52AA6E4}">
+                <adec:decorative xmlns:adec="http://schemas.microsoft.com/office/drawing/2017/decorative" val="1"/>
+              </a:ext>
+            </a:extLst>
+          </p:cNvPr>
+          <p:cNvSpPr>
+            <a:spLocks noGrp="1" noRot="1" noChangeAspect="1" noMove="1" noResize="1" noEditPoints="1" noAdjustHandles="1" noChangeArrowheads="1" noChangeShapeType="1" noTextEdit="1"/>
+          </p:cNvSpPr>
+          <p:nvPr>
+            <p:extLst>
+              <p:ext uri="{386F3935-93C4-4BCD-93E2-E3B085C9AB24}">
+                <p16:designElem xmlns:p16="http://schemas.microsoft.com/office/powerpoint/2015/main" val="1"/>
+              </p:ext>
+            </p:extLst>
+          </p:nvPr>
+        </p:nvSpPr>
+        <p:spPr>
+          <a:xfrm>
+            <a:off x="0" y="0"/>
+            <a:ext cx="12188952" cy="6858000"/>
+          </a:xfrm>
+          <a:prstGeom prst="rect">
+            <a:avLst/>
+          </a:prstGeom>
+          <a:ln>
+            <a:noFill/>
+          </a:ln>
+        </p:spPr>
+        <p:style>
+          <a:lnRef idx="2">
+            <a:schemeClr val="accent1">
+              <a:shade val="50000"/>
+            </a:schemeClr>
+          </a:lnRef>
+          <a:fillRef idx="1">
+            <a:schemeClr val="accent1"/>
+          </a:fillRef>
+          <a:effectRef idx="0">
+            <a:schemeClr val="accent1"/>
+          </a:effectRef>
+          <a:fontRef idx="minor">
+            <a:schemeClr val="lt1"/>
+          </a:fontRef>
+        </p:style>
+        <p:txBody>
+          <a:bodyPr rtlCol="0" anchor="ctr"/>
+          <a:lstStyle/>
+          <a:p>
+            <a:pPr algn="ctr"/>
+            <a:endParaRPr lang="en-US"/>
+          </a:p>
+        </p:txBody>
+      </p:sp>
+      <p:sp>
+        <p:nvSpPr>
+          <p:cNvPr id="2" name="Título 1">
+            <a:extLst>
+              <a:ext uri="{FF2B5EF4-FFF2-40B4-BE49-F238E27FC236}">
+                <a16:creationId xmlns:a16="http://schemas.microsoft.com/office/drawing/2014/main" id="{6DDA4021-2595-FAED-8D5F-30A303CB94DA}"/>
+              </a:ext>
+            </a:extLst>
+          </p:cNvPr>
+          <p:cNvSpPr>
+            <a:spLocks noGrp="1"/>
+          </p:cNvSpPr>
+          <p:nvPr>
+            <p:ph type="title"/>
+          </p:nvPr>
+        </p:nvSpPr>
+        <p:spPr>
+          <a:xfrm>
+            <a:off x="6513788" y="365125"/>
+            <a:ext cx="4840010" cy="1807305"/>
+          </a:xfrm>
+        </p:spPr>
+        <p:txBody>
+          <a:bodyPr>
+            <a:normAutofit/>
+          </a:bodyPr>
+          <a:lstStyle/>
+          <a:p>
+            <a:r>
+              <a:rPr lang="pt-BR" b="1" i="0" dirty="0">
+                <a:effectLst/>
+                <a:latin typeface="Söhne"/>
+              </a:rPr>
+              <a:t>Usos Potenciais</a:t>
+            </a:r>
+            <a:endParaRPr lang="pt-BR" dirty="0"/>
+          </a:p>
+        </p:txBody>
+      </p:sp>
+      <p:pic>
+        <p:nvPicPr>
+          <p:cNvPr id="5122" name="Picture 2">
+            <a:extLst>
+              <a:ext uri="{FF2B5EF4-FFF2-40B4-BE49-F238E27FC236}">
+                <a16:creationId xmlns:a16="http://schemas.microsoft.com/office/drawing/2014/main" id="{32992524-A920-96F6-962E-DB32DD69F396}"/>
               </a:ext>
             </a:extLst>
           </p:cNvPr>
@@ -4890,7 +8130,7 @@
           <p:cNvPr id="3" name="Espaço Reservado para Conteúdo 2">
             <a:extLst>
               <a:ext uri="{FF2B5EF4-FFF2-40B4-BE49-F238E27FC236}">
-                <a16:creationId xmlns:a16="http://schemas.microsoft.com/office/drawing/2014/main" id="{1DA6C39E-AECD-6D53-79E1-39B25F13E0C6}"/>
+                <a16:creationId xmlns:a16="http://schemas.microsoft.com/office/drawing/2014/main" id="{71692BF3-8F85-771B-A91A-44CC89B68E29}"/>
               </a:ext>
             </a:extLst>
           </p:cNvPr>
@@ -4903,8 +8143,327 @@
         </p:nvSpPr>
         <p:spPr>
           <a:xfrm>
-            <a:off x="6513788" y="2333297"/>
+            <a:off x="6277767" y="1644184"/>
             <a:ext cx="4840010" cy="3843666"/>
+          </a:xfrm>
+        </p:spPr>
+        <p:txBody>
+          <a:bodyPr>
+            <a:noAutofit/>
+          </a:bodyPr>
+          <a:lstStyle/>
+          <a:p>
+            <a:r>
+              <a:rPr lang="pt-BR" sz="2500" b="1" dirty="0"/>
+              <a:t>Aprimoramento da Compreensão do Processo: </a:t>
+            </a:r>
+            <a:r>
+              <a:rPr lang="pt-BR" sz="2500" dirty="0"/>
+              <a:t>Representação precisa e semântica do processo de identificação de efeitos de herbicidas.</a:t>
+            </a:r>
+          </a:p>
+          <a:p>
+            <a:r>
+              <a:rPr lang="pt-BR" sz="2500" b="1" dirty="0"/>
+              <a:t>Integração de Tecnologias: </a:t>
+            </a:r>
+            <a:r>
+              <a:rPr lang="pt-BR" sz="2500" dirty="0"/>
+              <a:t>Ponte semântica entre processamento de imagem e aprendizado de máquina.</a:t>
+            </a:r>
+          </a:p>
+          <a:p>
+            <a:r>
+              <a:rPr lang="pt-BR" sz="2500" b="1" dirty="0"/>
+              <a:t>Padronização de Dados: </a:t>
+            </a:r>
+            <a:r>
+              <a:rPr lang="pt-BR" sz="2500" dirty="0"/>
+              <a:t>Estabelecimento de padrões claros para representação de informações.</a:t>
+            </a:r>
+          </a:p>
+        </p:txBody>
+      </p:sp>
+      <p:grpSp>
+        <p:nvGrpSpPr>
+          <p:cNvPr id="4" name="Agrupar 3">
+            <a:extLst>
+              <a:ext uri="{FF2B5EF4-FFF2-40B4-BE49-F238E27FC236}">
+                <a16:creationId xmlns:a16="http://schemas.microsoft.com/office/drawing/2014/main" id="{DA79D8CA-316E-E363-DDBC-820A112BC6F5}"/>
+              </a:ext>
+            </a:extLst>
+          </p:cNvPr>
+          <p:cNvGrpSpPr/>
+          <p:nvPr/>
+        </p:nvGrpSpPr>
+        <p:grpSpPr>
+          <a:xfrm>
+            <a:off x="10173742" y="6176963"/>
+            <a:ext cx="1767154" cy="450511"/>
+            <a:chOff x="463685" y="371326"/>
+            <a:chExt cx="4527137" cy="1154130"/>
+          </a:xfrm>
+        </p:grpSpPr>
+        <p:pic>
+          <p:nvPicPr>
+            <p:cNvPr id="5" name="Picture 6" descr="Universidade do Estado do Rio Grande do Norte – Wikipédia, a enciclopédia  livre">
+              <a:extLst>
+                <a:ext uri="{FF2B5EF4-FFF2-40B4-BE49-F238E27FC236}">
+                  <a16:creationId xmlns:a16="http://schemas.microsoft.com/office/drawing/2014/main" id="{72DE999A-A847-2CD3-5E68-6B9B3C88EDB7}"/>
+                </a:ext>
+              </a:extLst>
+            </p:cNvPr>
+            <p:cNvPicPr>
+              <a:picLocks noChangeAspect="1" noChangeArrowheads="1"/>
+            </p:cNvPicPr>
+            <p:nvPr/>
+          </p:nvPicPr>
+          <p:blipFill>
+            <a:blip r:embed="rId3">
+              <a:extLst>
+                <a:ext uri="{28A0092B-C50C-407E-A947-70E740481C1C}">
+                  <a14:useLocalDpi xmlns:a14="http://schemas.microsoft.com/office/drawing/2010/main" val="0"/>
+                </a:ext>
+              </a:extLst>
+            </a:blip>
+            <a:srcRect/>
+            <a:stretch>
+              <a:fillRect/>
+            </a:stretch>
+          </p:blipFill>
+          <p:spPr bwMode="auto">
+            <a:xfrm>
+              <a:off x="4219279" y="371326"/>
+              <a:ext cx="771543" cy="1061519"/>
+            </a:xfrm>
+            <a:prstGeom prst="rect">
+              <a:avLst/>
+            </a:prstGeom>
+            <a:noFill/>
+            <a:extLst>
+              <a:ext uri="{909E8E84-426E-40DD-AFC4-6F175D3DCCD1}">
+                <a14:hiddenFill xmlns:a14="http://schemas.microsoft.com/office/drawing/2010/main">
+                  <a:solidFill>
+                    <a:srgbClr val="FFFFFF"/>
+                  </a:solidFill>
+                </a14:hiddenFill>
+              </a:ext>
+            </a:extLst>
+          </p:spPr>
+        </p:pic>
+        <p:pic>
+          <p:nvPicPr>
+            <p:cNvPr id="6" name="Picture 8" descr="Matriz de bordado - Ufersa 001 | Elo7 Produtos Especiais">
+              <a:extLst>
+                <a:ext uri="{FF2B5EF4-FFF2-40B4-BE49-F238E27FC236}">
+                  <a16:creationId xmlns:a16="http://schemas.microsoft.com/office/drawing/2014/main" id="{CE27A7DB-DBE0-DA0D-E52A-4C0C8D3D39CD}"/>
+                </a:ext>
+              </a:extLst>
+            </p:cNvPr>
+            <p:cNvPicPr>
+              <a:picLocks noChangeAspect="1" noChangeArrowheads="1"/>
+            </p:cNvPicPr>
+            <p:nvPr/>
+          </p:nvPicPr>
+          <p:blipFill>
+            <a:blip r:embed="rId4">
+              <a:extLst>
+                <a:ext uri="{28A0092B-C50C-407E-A947-70E740481C1C}">
+                  <a14:useLocalDpi xmlns:a14="http://schemas.microsoft.com/office/drawing/2010/main" val="0"/>
+                </a:ext>
+              </a:extLst>
+            </a:blip>
+            <a:srcRect/>
+            <a:stretch>
+              <a:fillRect/>
+            </a:stretch>
+          </p:blipFill>
+          <p:spPr bwMode="auto">
+            <a:xfrm>
+              <a:off x="463685" y="371326"/>
+              <a:ext cx="1441227" cy="1154130"/>
+            </a:xfrm>
+            <a:prstGeom prst="rect">
+              <a:avLst/>
+            </a:prstGeom>
+            <a:noFill/>
+            <a:extLst>
+              <a:ext uri="{909E8E84-426E-40DD-AFC4-6F175D3DCCD1}">
+                <a14:hiddenFill xmlns:a14="http://schemas.microsoft.com/office/drawing/2010/main">
+                  <a:solidFill>
+                    <a:srgbClr val="FFFFFF"/>
+                  </a:solidFill>
+                </a14:hiddenFill>
+              </a:ext>
+            </a:extLst>
+          </p:spPr>
+        </p:pic>
+        <p:pic>
+          <p:nvPicPr>
+            <p:cNvPr id="7" name="Picture 4" descr="Programa de Pósgraduação em Ciência da Computação - ppgcc - Uern/Ufersa |  Mossoró RN">
+              <a:extLst>
+                <a:ext uri="{FF2B5EF4-FFF2-40B4-BE49-F238E27FC236}">
+                  <a16:creationId xmlns:a16="http://schemas.microsoft.com/office/drawing/2014/main" id="{D8B0DD3D-9062-CDCF-F5CE-FA34B1A63D40}"/>
+                </a:ext>
+              </a:extLst>
+            </p:cNvPr>
+            <p:cNvPicPr>
+              <a:picLocks noChangeAspect="1" noChangeArrowheads="1"/>
+            </p:cNvPicPr>
+            <p:nvPr/>
+          </p:nvPicPr>
+          <p:blipFill>
+            <a:blip r:embed="rId5">
+              <a:extLst>
+                <a:ext uri="{28A0092B-C50C-407E-A947-70E740481C1C}">
+                  <a14:useLocalDpi xmlns:a14="http://schemas.microsoft.com/office/drawing/2010/main" val="0"/>
+                </a:ext>
+              </a:extLst>
+            </a:blip>
+            <a:srcRect/>
+            <a:stretch>
+              <a:fillRect/>
+            </a:stretch>
+          </p:blipFill>
+          <p:spPr bwMode="auto">
+            <a:xfrm>
+              <a:off x="1879600" y="442839"/>
+              <a:ext cx="2005076" cy="990006"/>
+            </a:xfrm>
+            <a:prstGeom prst="rect">
+              <a:avLst/>
+            </a:prstGeom>
+            <a:noFill/>
+            <a:extLst>
+              <a:ext uri="{909E8E84-426E-40DD-AFC4-6F175D3DCCD1}">
+                <a14:hiddenFill xmlns:a14="http://schemas.microsoft.com/office/drawing/2010/main">
+                  <a:solidFill>
+                    <a:srgbClr val="FFFFFF"/>
+                  </a:solidFill>
+                </a14:hiddenFill>
+              </a:ext>
+            </a:extLst>
+          </p:spPr>
+        </p:pic>
+      </p:grpSp>
+    </p:spTree>
+    <p:extLst>
+      <p:ext uri="{BB962C8B-B14F-4D97-AF65-F5344CB8AC3E}">
+        <p14:creationId xmlns:p14="http://schemas.microsoft.com/office/powerpoint/2010/main" val="1521491632"/>
+      </p:ext>
+    </p:extLst>
+  </p:cSld>
+  <p:clrMapOvr>
+    <a:masterClrMapping/>
+  </p:clrMapOvr>
+</p:sld>
+</file>
+
+<file path=ppt/slides/slide15.xml><?xml version="1.0" encoding="utf-8"?>
+<p:sld xmlns:a="http://schemas.openxmlformats.org/drawingml/2006/main" xmlns:r="http://schemas.openxmlformats.org/officeDocument/2006/relationships" xmlns:p="http://schemas.openxmlformats.org/presentationml/2006/main">
+  <p:cSld>
+    <p:bg>
+      <p:bgPr>
+        <a:solidFill>
+          <a:schemeClr val="bg1"/>
+        </a:solidFill>
+        <a:effectLst/>
+      </p:bgPr>
+    </p:bg>
+    <p:spTree>
+      <p:nvGrpSpPr>
+        <p:cNvPr id="1" name=""/>
+        <p:cNvGrpSpPr/>
+        <p:nvPr/>
+      </p:nvGrpSpPr>
+      <p:grpSpPr>
+        <a:xfrm>
+          <a:off x="0" y="0"/>
+          <a:ext cx="0" cy="0"/>
+          <a:chOff x="0" y="0"/>
+          <a:chExt cx="0" cy="0"/>
+        </a:xfrm>
+      </p:grpSpPr>
+      <p:sp useBgFill="1">
+        <p:nvSpPr>
+          <p:cNvPr id="6151" name="Rectangle 6150">
+            <a:extLst>
+              <a:ext uri="{FF2B5EF4-FFF2-40B4-BE49-F238E27FC236}">
+                <a16:creationId xmlns:a16="http://schemas.microsoft.com/office/drawing/2014/main" id="{79BB35BC-D5C2-4C8B-A22A-A71E6191913B}"/>
+              </a:ext>
+              <a:ext uri="{C183D7F6-B498-43B3-948B-1728B52AA6E4}">
+                <adec:decorative xmlns:adec="http://schemas.microsoft.com/office/drawing/2017/decorative" val="1"/>
+              </a:ext>
+            </a:extLst>
+          </p:cNvPr>
+          <p:cNvSpPr>
+            <a:spLocks noGrp="1" noRot="1" noChangeAspect="1" noMove="1" noResize="1" noEditPoints="1" noAdjustHandles="1" noChangeArrowheads="1" noChangeShapeType="1" noTextEdit="1"/>
+          </p:cNvSpPr>
+          <p:nvPr>
+            <p:extLst>
+              <p:ext uri="{386F3935-93C4-4BCD-93E2-E3B085C9AB24}">
+                <p16:designElem xmlns:p16="http://schemas.microsoft.com/office/powerpoint/2015/main" val="1"/>
+              </p:ext>
+            </p:extLst>
+          </p:nvPr>
+        </p:nvSpPr>
+        <p:spPr>
+          <a:xfrm>
+            <a:off x="0" y="0"/>
+            <a:ext cx="12188952" cy="6858000"/>
+          </a:xfrm>
+          <a:prstGeom prst="rect">
+            <a:avLst/>
+          </a:prstGeom>
+          <a:ln>
+            <a:noFill/>
+          </a:ln>
+        </p:spPr>
+        <p:style>
+          <a:lnRef idx="2">
+            <a:schemeClr val="accent1">
+              <a:shade val="50000"/>
+            </a:schemeClr>
+          </a:lnRef>
+          <a:fillRef idx="1">
+            <a:schemeClr val="accent1"/>
+          </a:fillRef>
+          <a:effectRef idx="0">
+            <a:schemeClr val="accent1"/>
+          </a:effectRef>
+          <a:fontRef idx="minor">
+            <a:schemeClr val="lt1"/>
+          </a:fontRef>
+        </p:style>
+        <p:txBody>
+          <a:bodyPr rtlCol="0" anchor="ctr"/>
+          <a:lstStyle/>
+          <a:p>
+            <a:pPr algn="ctr"/>
+            <a:endParaRPr lang="en-US"/>
+          </a:p>
+        </p:txBody>
+      </p:sp>
+      <p:sp>
+        <p:nvSpPr>
+          <p:cNvPr id="2" name="Título 1">
+            <a:extLst>
+              <a:ext uri="{FF2B5EF4-FFF2-40B4-BE49-F238E27FC236}">
+                <a16:creationId xmlns:a16="http://schemas.microsoft.com/office/drawing/2014/main" id="{09A850BE-9364-0D46-FB62-A4E04461CA9C}"/>
+              </a:ext>
+            </a:extLst>
+          </p:cNvPr>
+          <p:cNvSpPr>
+            <a:spLocks noGrp="1"/>
+          </p:cNvSpPr>
+          <p:nvPr>
+            <p:ph type="title"/>
+          </p:nvPr>
+        </p:nvSpPr>
+        <p:spPr>
+          <a:xfrm>
+            <a:off x="6513788" y="365125"/>
+            <a:ext cx="4840010" cy="1807305"/>
           </a:xfrm>
         </p:spPr>
         <p:txBody>
@@ -4914,37 +8473,463 @@
           <a:lstStyle/>
           <a:p>
             <a:r>
-              <a:rPr lang="pt-BR" sz="2000" b="1"/>
+              <a:rPr lang="pt-BR" b="1" i="0" dirty="0">
+                <a:effectLst/>
+                <a:latin typeface="Söhne"/>
+              </a:rPr>
+              <a:t>Usos Potenciais</a:t>
+            </a:r>
+            <a:endParaRPr lang="pt-BR" dirty="0"/>
+          </a:p>
+        </p:txBody>
+      </p:sp>
+      <p:pic>
+        <p:nvPicPr>
+          <p:cNvPr id="6146" name="Picture 2">
+            <a:extLst>
+              <a:ext uri="{FF2B5EF4-FFF2-40B4-BE49-F238E27FC236}">
+                <a16:creationId xmlns:a16="http://schemas.microsoft.com/office/drawing/2014/main" id="{BB51EC1F-EB3B-0EC9-6F9A-D5506A038BC2}"/>
+              </a:ext>
+            </a:extLst>
+          </p:cNvPr>
+          <p:cNvPicPr>
+            <a:picLocks noChangeAspect="1" noChangeArrowheads="1"/>
+          </p:cNvPicPr>
+          <p:nvPr/>
+        </p:nvPicPr>
+        <p:blipFill rotWithShape="1">
+          <a:blip r:embed="rId2">
+            <a:extLst>
+              <a:ext uri="{28A0092B-C50C-407E-A947-70E740481C1C}">
+                <a14:useLocalDpi xmlns:a14="http://schemas.microsoft.com/office/drawing/2010/main" val="0"/>
+              </a:ext>
+            </a:extLst>
+          </a:blip>
+          <a:srcRect r="10811"/>
+          <a:stretch/>
+        </p:blipFill>
+        <p:spPr bwMode="auto">
+          <a:xfrm>
+            <a:off x="20" y="10"/>
+            <a:ext cx="6116549" cy="6857990"/>
+          </a:xfrm>
+          <a:custGeom>
+            <a:avLst/>
+            <a:gdLst/>
+            <a:ahLst/>
+            <a:cxnLst/>
+            <a:rect l="l" t="t" r="r" b="b"/>
+            <a:pathLst>
+              <a:path w="6116569" h="6879321">
+                <a:moveTo>
+                  <a:pt x="0" y="0"/>
+                </a:moveTo>
+                <a:lnTo>
+                  <a:pt x="2935851" y="0"/>
+                </a:lnTo>
+                <a:cubicBezTo>
+                  <a:pt x="3035710" y="10660"/>
+                  <a:pt x="3138421" y="17767"/>
+                  <a:pt x="3238280" y="31980"/>
+                </a:cubicBezTo>
+                <a:cubicBezTo>
+                  <a:pt x="3817462" y="106602"/>
+                  <a:pt x="3127009" y="277163"/>
+                  <a:pt x="3660541" y="550772"/>
+                </a:cubicBezTo>
+                <a:cubicBezTo>
+                  <a:pt x="3706191" y="575645"/>
+                  <a:pt x="3757546" y="579199"/>
+                  <a:pt x="3808902" y="589860"/>
+                </a:cubicBezTo>
+                <a:cubicBezTo>
+                  <a:pt x="4008620" y="625393"/>
+                  <a:pt x="4211192" y="618286"/>
+                  <a:pt x="4413762" y="625393"/>
+                </a:cubicBezTo>
+                <a:cubicBezTo>
+                  <a:pt x="4465118" y="628946"/>
+                  <a:pt x="4525033" y="625393"/>
+                  <a:pt x="4567830" y="721333"/>
+                </a:cubicBezTo>
+                <a:cubicBezTo>
+                  <a:pt x="4425175" y="724888"/>
+                  <a:pt x="4305344" y="731994"/>
+                  <a:pt x="4171247" y="792401"/>
+                </a:cubicBezTo>
+                <a:cubicBezTo>
+                  <a:pt x="4239722" y="859916"/>
+                  <a:pt x="4322462" y="795955"/>
+                  <a:pt x="4376671" y="842148"/>
+                </a:cubicBezTo>
+                <a:cubicBezTo>
+                  <a:pt x="4428027" y="888342"/>
+                  <a:pt x="4470824" y="891896"/>
+                  <a:pt x="4527887" y="813722"/>
+                </a:cubicBezTo>
+                <a:cubicBezTo>
+                  <a:pt x="4556417" y="774634"/>
+                  <a:pt x="4604920" y="778187"/>
+                  <a:pt x="4633452" y="799508"/>
+                </a:cubicBezTo>
+                <a:cubicBezTo>
+                  <a:pt x="4781813" y="913216"/>
+                  <a:pt x="4778960" y="909662"/>
+                  <a:pt x="4947293" y="870576"/>
+                </a:cubicBezTo>
+                <a:cubicBezTo>
+                  <a:pt x="5055712" y="845701"/>
+                  <a:pt x="5166983" y="806615"/>
+                  <a:pt x="5263988" y="820828"/>
+                </a:cubicBezTo>
+                <a:cubicBezTo>
+                  <a:pt x="5275401" y="867022"/>
+                  <a:pt x="5263988" y="888342"/>
+                  <a:pt x="5249723" y="895449"/>
+                </a:cubicBezTo>
+                <a:cubicBezTo>
+                  <a:pt x="5021475" y="1005604"/>
+                  <a:pt x="4975825" y="1122864"/>
+                  <a:pt x="4744723" y="1197485"/>
+                </a:cubicBezTo>
+                <a:cubicBezTo>
+                  <a:pt x="4724751" y="1268552"/>
+                  <a:pt x="4807491" y="1275660"/>
+                  <a:pt x="4767548" y="1346727"/>
+                </a:cubicBezTo>
+                <a:cubicBezTo>
+                  <a:pt x="4693367" y="1407134"/>
+                  <a:pt x="4610627" y="1346727"/>
+                  <a:pt x="4539299" y="1421348"/>
+                </a:cubicBezTo>
+                <a:cubicBezTo>
+                  <a:pt x="4550712" y="1471094"/>
+                  <a:pt x="4610627" y="1432008"/>
+                  <a:pt x="4607773" y="1485309"/>
+                </a:cubicBezTo>
+                <a:cubicBezTo>
+                  <a:pt x="4604920" y="1517288"/>
+                  <a:pt x="4593508" y="1527948"/>
+                  <a:pt x="4579242" y="1535055"/>
+                </a:cubicBezTo>
+                <a:cubicBezTo>
+                  <a:pt x="4776107" y="1538608"/>
+                  <a:pt x="5383820" y="1574142"/>
+                  <a:pt x="5278255" y="1609676"/>
+                </a:cubicBezTo>
+                <a:cubicBezTo>
+                  <a:pt x="5418057" y="1698511"/>
+                  <a:pt x="5623481" y="1609676"/>
+                  <a:pt x="5771843" y="1630997"/>
+                </a:cubicBezTo>
+                <a:cubicBezTo>
+                  <a:pt x="5925911" y="1652316"/>
+                  <a:pt x="6171278" y="1719830"/>
+                  <a:pt x="6105656" y="1748257"/>
+                </a:cubicBezTo>
+                <a:cubicBezTo>
+                  <a:pt x="6031475" y="1780238"/>
+                  <a:pt x="5766136" y="2146235"/>
+                  <a:pt x="5691955" y="2167555"/>
+                </a:cubicBezTo>
+                <a:cubicBezTo>
+                  <a:pt x="5606362" y="2188875"/>
+                  <a:pt x="5589243" y="2217302"/>
+                  <a:pt x="5475118" y="2348776"/>
+                </a:cubicBezTo>
+                <a:cubicBezTo>
+                  <a:pt x="5398085" y="2437610"/>
+                  <a:pt x="5709074" y="2238623"/>
+                  <a:pt x="5826051" y="2291922"/>
+                </a:cubicBezTo>
+                <a:cubicBezTo>
+                  <a:pt x="5868848" y="2309690"/>
+                  <a:pt x="5552153" y="2554872"/>
+                  <a:pt x="5552153" y="2597513"/>
+                </a:cubicBezTo>
+                <a:cubicBezTo>
+                  <a:pt x="5549300" y="2640153"/>
+                  <a:pt x="5577831" y="2647260"/>
+                  <a:pt x="5603508" y="2647260"/>
+                </a:cubicBezTo>
+                <a:cubicBezTo>
+                  <a:pt x="5660571" y="2647260"/>
+                  <a:pt x="5640599" y="2686346"/>
+                  <a:pt x="5700515" y="2679240"/>
+                </a:cubicBezTo>
+                <a:cubicBezTo>
+                  <a:pt x="5523622" y="2800055"/>
+                  <a:pt x="5418057" y="2778734"/>
+                  <a:pt x="5246870" y="2888889"/>
+                </a:cubicBezTo>
+                <a:cubicBezTo>
+                  <a:pt x="5164130" y="2942189"/>
+                  <a:pt x="4921615" y="3119857"/>
+                  <a:pt x="4836022" y="3169605"/>
+                </a:cubicBezTo>
+                <a:cubicBezTo>
+                  <a:pt x="4801785" y="3187371"/>
+                  <a:pt x="4758988" y="3173158"/>
+                  <a:pt x="4736163" y="3233565"/>
+                </a:cubicBezTo>
+                <a:cubicBezTo>
+                  <a:pt x="4770400" y="3279759"/>
+                  <a:pt x="4816050" y="3254885"/>
+                  <a:pt x="4853141" y="3233565"/>
+                </a:cubicBezTo>
+                <a:cubicBezTo>
+                  <a:pt x="4944440" y="3176711"/>
+                  <a:pt x="4935881" y="3190925"/>
+                  <a:pt x="4944440" y="3226459"/>
+                </a:cubicBezTo>
+                <a:cubicBezTo>
+                  <a:pt x="4972972" y="3350827"/>
+                  <a:pt x="5044300" y="3308186"/>
+                  <a:pt x="5109921" y="3283313"/>
+                </a:cubicBezTo>
+                <a:cubicBezTo>
+                  <a:pt x="5303932" y="3208692"/>
+                  <a:pt x="5500797" y="3215799"/>
+                  <a:pt x="5694809" y="3141178"/>
+                </a:cubicBezTo>
+                <a:cubicBezTo>
+                  <a:pt x="5714781" y="3134070"/>
+                  <a:pt x="5612068" y="3283313"/>
+                  <a:pt x="5566419" y="3301079"/>
+                </a:cubicBezTo>
+                <a:cubicBezTo>
+                  <a:pt x="5515063" y="3322399"/>
+                  <a:pt x="5452294" y="3311739"/>
+                  <a:pt x="5415203" y="3397020"/>
+                </a:cubicBezTo>
+                <a:cubicBezTo>
+                  <a:pt x="5477972" y="3414787"/>
+                  <a:pt x="5552153" y="3372147"/>
+                  <a:pt x="5612068" y="3432554"/>
+                </a:cubicBezTo>
+                <a:cubicBezTo>
+                  <a:pt x="5469413" y="3528494"/>
+                  <a:pt x="5329610" y="3535601"/>
+                  <a:pt x="5206927" y="3599562"/>
+                </a:cubicBezTo>
+                <a:cubicBezTo>
+                  <a:pt x="5192661" y="3706163"/>
+                  <a:pt x="5272548" y="3663523"/>
+                  <a:pt x="5301079" y="3723930"/>
+                </a:cubicBezTo>
+                <a:cubicBezTo>
+                  <a:pt x="5072830" y="3844745"/>
+                  <a:pt x="4564977" y="4232062"/>
+                  <a:pt x="4507915" y="4306683"/>
+                </a:cubicBezTo>
+                <a:cubicBezTo>
+                  <a:pt x="4390937" y="4463031"/>
+                  <a:pt x="3900202" y="4562525"/>
+                  <a:pt x="3982942" y="4587399"/>
+                </a:cubicBezTo>
+                <a:cubicBezTo>
+                  <a:pt x="4051417" y="4608719"/>
+                  <a:pt x="4119891" y="4587399"/>
+                  <a:pt x="4185513" y="4541205"/>
+                </a:cubicBezTo>
+                <a:cubicBezTo>
+                  <a:pt x="4291078" y="4466584"/>
+                  <a:pt x="5010062" y="4523438"/>
+                  <a:pt x="5212633" y="4455924"/>
+                </a:cubicBezTo>
+                <a:cubicBezTo>
+                  <a:pt x="5241164" y="4445264"/>
+                  <a:pt x="5283960" y="4409730"/>
+                  <a:pt x="5312492" y="4473691"/>
+                </a:cubicBezTo>
+                <a:cubicBezTo>
+                  <a:pt x="5098508" y="4704659"/>
+                  <a:pt x="4833169" y="4654913"/>
+                  <a:pt x="4596361" y="4818368"/>
+                </a:cubicBezTo>
+                <a:cubicBezTo>
+                  <a:pt x="4684807" y="4917861"/>
+                  <a:pt x="4776107" y="4907202"/>
+                  <a:pt x="4873113" y="4885882"/>
+                </a:cubicBezTo>
+                <a:cubicBezTo>
+                  <a:pt x="4895938" y="4878775"/>
+                  <a:pt x="4930175" y="4871668"/>
+                  <a:pt x="4935881" y="4914309"/>
+                </a:cubicBezTo>
+                <a:cubicBezTo>
+                  <a:pt x="4941587" y="4967609"/>
+                  <a:pt x="4898790" y="4978270"/>
+                  <a:pt x="4873113" y="5003143"/>
+                </a:cubicBezTo>
+                <a:cubicBezTo>
+                  <a:pt x="4833169" y="5038676"/>
+                  <a:pt x="4773254" y="4999590"/>
+                  <a:pt x="4721898" y="5095530"/>
+                </a:cubicBezTo>
+                <a:cubicBezTo>
+                  <a:pt x="4873113" y="5067104"/>
+                  <a:pt x="4998650" y="5020910"/>
+                  <a:pt x="5132745" y="4949842"/>
+                </a:cubicBezTo>
+                <a:cubicBezTo>
+                  <a:pt x="5121333" y="5006696"/>
+                  <a:pt x="5081390" y="5035123"/>
+                  <a:pt x="5101362" y="5081317"/>
+                </a:cubicBezTo>
+                <a:cubicBezTo>
+                  <a:pt x="5118480" y="5116850"/>
+                  <a:pt x="5164130" y="5131063"/>
+                  <a:pt x="5138452" y="5198578"/>
+                </a:cubicBezTo>
+                <a:cubicBezTo>
+                  <a:pt x="5067125" y="5273199"/>
+                  <a:pt x="4967265" y="5258986"/>
+                  <a:pt x="4904497" y="5362033"/>
+                </a:cubicBezTo>
+                <a:cubicBezTo>
+                  <a:pt x="4818903" y="5507721"/>
+                  <a:pt x="4684807" y="5564575"/>
+                  <a:pt x="4579242" y="5674729"/>
+                </a:cubicBezTo>
+                <a:cubicBezTo>
+                  <a:pt x="4545005" y="5713816"/>
+                  <a:pt x="4313903" y="5841738"/>
+                  <a:pt x="4253988" y="5884379"/>
+                </a:cubicBezTo>
+                <a:cubicBezTo>
+                  <a:pt x="4168395" y="5944786"/>
+                  <a:pt x="4071389" y="5966106"/>
+                  <a:pt x="3985795" y="6069153"/>
+                </a:cubicBezTo>
+                <a:cubicBezTo>
+                  <a:pt x="4065682" y="6086921"/>
+                  <a:pt x="4134157" y="5990979"/>
+                  <a:pt x="4231163" y="6030066"/>
+                </a:cubicBezTo>
+                <a:cubicBezTo>
+                  <a:pt x="4074242" y="6133114"/>
+                  <a:pt x="3931586" y="6182861"/>
+                  <a:pt x="3814609" y="6317889"/>
+                </a:cubicBezTo>
+                <a:cubicBezTo>
+                  <a:pt x="3800343" y="6335656"/>
+                  <a:pt x="3771812" y="6332102"/>
+                  <a:pt x="3751840" y="6339209"/>
+                </a:cubicBezTo>
+                <a:cubicBezTo>
+                  <a:pt x="3529298" y="6406723"/>
+                  <a:pt x="3309608" y="6467130"/>
+                  <a:pt x="3089919" y="6563071"/>
+                </a:cubicBezTo>
+                <a:cubicBezTo>
+                  <a:pt x="3041416" y="6584392"/>
+                  <a:pt x="2955823" y="6595052"/>
+                  <a:pt x="2961529" y="6662566"/>
+                </a:cubicBezTo>
+                <a:cubicBezTo>
+                  <a:pt x="2972941" y="6765613"/>
+                  <a:pt x="3055681" y="6687439"/>
+                  <a:pt x="3107038" y="6673226"/>
+                </a:cubicBezTo>
+                <a:cubicBezTo>
+                  <a:pt x="3269664" y="6634138"/>
+                  <a:pt x="3432292" y="6570178"/>
+                  <a:pt x="3594919" y="6591499"/>
+                </a:cubicBezTo>
+                <a:cubicBezTo>
+                  <a:pt x="3483648" y="6637693"/>
+                  <a:pt x="3372376" y="6680332"/>
+                  <a:pt x="3261106" y="6726527"/>
+                </a:cubicBezTo>
+                <a:cubicBezTo>
+                  <a:pt x="3386642" y="6705206"/>
+                  <a:pt x="3495061" y="6786934"/>
+                  <a:pt x="3620597" y="6740740"/>
+                </a:cubicBezTo>
+                <a:cubicBezTo>
+                  <a:pt x="3660541" y="6726527"/>
+                  <a:pt x="3700484" y="6765613"/>
+                  <a:pt x="3703337" y="6826020"/>
+                </a:cubicBezTo>
+                <a:cubicBezTo>
+                  <a:pt x="3706191" y="6847340"/>
+                  <a:pt x="3700484" y="6865108"/>
+                  <a:pt x="3689072" y="6879321"/>
+                </a:cubicBezTo>
+                <a:lnTo>
+                  <a:pt x="0" y="6879321"/>
+                </a:lnTo>
+                <a:close/>
+              </a:path>
+            </a:pathLst>
+          </a:custGeom>
+          <a:noFill/>
+          <a:extLst>
+            <a:ext uri="{909E8E84-426E-40DD-AFC4-6F175D3DCCD1}">
+              <a14:hiddenFill xmlns:a14="http://schemas.microsoft.com/office/drawing/2010/main">
+                <a:solidFill>
+                  <a:srgbClr val="FFFFFF"/>
+                </a:solidFill>
+              </a14:hiddenFill>
+            </a:ext>
+          </a:extLst>
+        </p:spPr>
+      </p:pic>
+      <p:sp>
+        <p:nvSpPr>
+          <p:cNvPr id="3" name="Espaço Reservado para Conteúdo 2">
+            <a:extLst>
+              <a:ext uri="{FF2B5EF4-FFF2-40B4-BE49-F238E27FC236}">
+                <a16:creationId xmlns:a16="http://schemas.microsoft.com/office/drawing/2014/main" id="{1DA6C39E-AECD-6D53-79E1-39B25F13E0C6}"/>
+              </a:ext>
+            </a:extLst>
+          </p:cNvPr>
+          <p:cNvSpPr>
+            <a:spLocks noGrp="1"/>
+          </p:cNvSpPr>
+          <p:nvPr>
+            <p:ph idx="1"/>
+          </p:nvPr>
+        </p:nvSpPr>
+        <p:spPr>
+          <a:xfrm>
+            <a:off x="6513788" y="1736949"/>
+            <a:ext cx="4840010" cy="3843666"/>
+          </a:xfrm>
+        </p:spPr>
+        <p:txBody>
+          <a:bodyPr>
+            <a:noAutofit/>
+          </a:bodyPr>
+          <a:lstStyle/>
+          <a:p>
+            <a:r>
+              <a:rPr lang="pt-BR" sz="2500" b="1" dirty="0"/>
               <a:t>Suporte à Tomada de Decisões: </a:t>
             </a:r>
             <a:r>
-              <a:rPr lang="pt-BR" sz="2000"/>
+              <a:rPr lang="pt-BR" sz="2500" dirty="0"/>
               <a:t>Ferramenta para análise de dados e decisões informadas na agricultura.</a:t>
             </a:r>
           </a:p>
           <a:p>
-            <a:endParaRPr lang="pt-BR" sz="2000"/>
-          </a:p>
-          <a:p>
-            <a:r>
-              <a:rPr lang="pt-BR" sz="2000" b="1"/>
+            <a:r>
+              <a:rPr lang="pt-BR" sz="2500" b="1" dirty="0"/>
               <a:t>Contribuição para Agricultura Sustentável: </a:t>
             </a:r>
             <a:r>
-              <a:rPr lang="pt-BR" sz="2000"/>
+              <a:rPr lang="pt-BR" sz="2500" dirty="0"/>
               <a:t>Avanço do conhecimento em práticas agrícolas sustentáveis.</a:t>
             </a:r>
           </a:p>
           <a:p>
-            <a:endParaRPr lang="pt-BR" sz="2000"/>
-          </a:p>
-          <a:p>
-            <a:r>
-              <a:rPr lang="pt-BR" sz="2000" b="1"/>
+            <a:r>
+              <a:rPr lang="pt-BR" sz="2500" b="1" dirty="0"/>
               <a:t>Suporte a Pesquisas Futuras: </a:t>
             </a:r>
             <a:r>
-              <a:rPr lang="pt-BR" sz="2000"/>
+              <a:rPr lang="pt-BR" sz="2500" dirty="0"/>
               <a:t>Base sólida para desenvolvimentos contínuos e colaboração eficaz.</a:t>
             </a:r>
           </a:p>
@@ -5125,7 +9110,7 @@
 </p:sld>
 </file>
 
-<file path=ppt/slides/slide11.xml><?xml version="1.0" encoding="utf-8"?>
+<file path=ppt/slides/slide16.xml><?xml version="1.0" encoding="utf-8"?>
 <p:sld xmlns:a="http://schemas.openxmlformats.org/drawingml/2006/main" xmlns:r="http://schemas.openxmlformats.org/officeDocument/2006/relationships" xmlns:p="http://schemas.openxmlformats.org/presentationml/2006/main">
   <p:cSld>
     <p:bg>
@@ -5947,8 +9932,8 @@
         </p:nvSpPr>
         <p:spPr>
           <a:xfrm>
-            <a:off x="8046720" y="1045597"/>
-            <a:ext cx="3633746" cy="1588422"/>
+            <a:off x="8490382" y="687832"/>
+            <a:ext cx="2813722" cy="743446"/>
           </a:xfrm>
         </p:spPr>
         <p:txBody>
@@ -5958,13 +9943,13 @@
           <a:lstStyle/>
           <a:p>
             <a:r>
-              <a:rPr lang="pt-BR" sz="3600" b="1" i="0">
+              <a:rPr lang="pt-BR" sz="3600" b="1" i="0" dirty="0">
                 <a:effectLst/>
                 <a:latin typeface="Söhne"/>
               </a:rPr>
               <a:t>Conclusão</a:t>
             </a:r>
-            <a:endParaRPr lang="pt-BR" sz="3600"/>
+            <a:endParaRPr lang="pt-BR" sz="3600" dirty="0"/>
           </a:p>
         </p:txBody>
       </p:sp>
@@ -5986,35 +9971,32 @@
         </p:nvSpPr>
         <p:spPr>
           <a:xfrm>
-            <a:off x="8046719" y="2722729"/>
+            <a:off x="8224012" y="1459193"/>
             <a:ext cx="3633747" cy="2700062"/>
           </a:xfrm>
         </p:spPr>
         <p:txBody>
           <a:bodyPr>
-            <a:normAutofit/>
+            <a:noAutofit/>
           </a:bodyPr>
           <a:lstStyle/>
           <a:p>
             <a:r>
-              <a:rPr lang="pt-BR" sz="1700" b="1"/>
+              <a:rPr lang="pt-BR" sz="2500" b="1" dirty="0"/>
               <a:t>Destaque da Importância da Ontologia: </a:t>
             </a:r>
             <a:r>
-              <a:rPr lang="pt-BR" sz="1700"/>
+              <a:rPr lang="pt-BR" sz="2500" dirty="0"/>
               <a:t>Ferramenta prática para pesquisa e aplicação em diversos cenários.</a:t>
             </a:r>
           </a:p>
           <a:p>
-            <a:endParaRPr lang="pt-BR" sz="1700"/>
-          </a:p>
-          <a:p>
-            <a:r>
-              <a:rPr lang="pt-BR" sz="1700" b="1"/>
+            <a:r>
+              <a:rPr lang="pt-BR" sz="2500" b="1" dirty="0"/>
               <a:t>Valor na Tomada de Decisões e na Inovação Agrícola: </a:t>
             </a:r>
             <a:r>
-              <a:rPr lang="pt-BR" sz="1700"/>
+              <a:rPr lang="pt-BR" sz="2500" dirty="0"/>
               <a:t>Contribuição significativa para a gestão eficaz de herbicidas e práticas agrícolas sustentáveis.</a:t>
             </a:r>
           </a:p>
@@ -6195,13 +10177,13 @@
 </p:sld>
 </file>
 
-<file path=ppt/slides/slide12.xml><?xml version="1.0" encoding="utf-8"?>
+<file path=ppt/slides/slide17.xml><?xml version="1.0" encoding="utf-8"?>
 <p:sld xmlns:a="http://schemas.openxmlformats.org/drawingml/2006/main" xmlns:r="http://schemas.openxmlformats.org/officeDocument/2006/relationships" xmlns:p="http://schemas.openxmlformats.org/presentationml/2006/main">
   <p:cSld>
     <p:bg>
       <p:bgPr>
         <a:solidFill>
-          <a:srgbClr val="000000"/>
+          <a:schemeClr val="bg1"/>
         </a:solidFill>
         <a:effectLst/>
       </p:bgPr>
@@ -6220,12 +10202,12 @@
           <a:chExt cx="0" cy="0"/>
         </a:xfrm>
       </p:grpSpPr>
-      <p:sp>
+      <p:sp useBgFill="1">
         <p:nvSpPr>
-          <p:cNvPr id="8203" name="Rectangle 8198">
+          <p:cNvPr id="8215" name="Rectangle 8214">
             <a:extLst>
               <a:ext uri="{FF2B5EF4-FFF2-40B4-BE49-F238E27FC236}">
-                <a16:creationId xmlns:a16="http://schemas.microsoft.com/office/drawing/2014/main" id="{71B2258F-86CA-4D4D-8270-BC05FCDEBFB3}"/>
+                <a16:creationId xmlns:a16="http://schemas.microsoft.com/office/drawing/2014/main" id="{0671A8AE-40A1-4631-A6B8-581AFF065482}"/>
               </a:ext>
               <a:ext uri="{C183D7F6-B498-43B3-948B-1728B52AA6E4}">
                 <adec:decorative xmlns:adec="http://schemas.microsoft.com/office/drawing/2017/decorative" val="1"/>
@@ -6246,13 +10228,228 @@
         <p:spPr>
           <a:xfrm>
             <a:off x="0" y="0"/>
-            <a:ext cx="12192000" cy="6857999"/>
+            <a:ext cx="12192000" cy="6858000"/>
+          </a:xfrm>
+          <a:prstGeom prst="rect">
+            <a:avLst/>
+          </a:prstGeom>
+          <a:ln>
+            <a:noFill/>
+          </a:ln>
+        </p:spPr>
+        <p:style>
+          <a:lnRef idx="2">
+            <a:schemeClr val="accent1">
+              <a:shade val="50000"/>
+            </a:schemeClr>
+          </a:lnRef>
+          <a:fillRef idx="1">
+            <a:schemeClr val="accent1"/>
+          </a:fillRef>
+          <a:effectRef idx="0">
+            <a:schemeClr val="accent1"/>
+          </a:effectRef>
+          <a:fontRef idx="minor">
+            <a:schemeClr val="lt1"/>
+          </a:fontRef>
+        </p:style>
+        <p:txBody>
+          <a:bodyPr rtlCol="0" anchor="ctr"/>
+          <a:lstStyle/>
+          <a:p>
+            <a:pPr algn="ctr"/>
+            <a:endParaRPr lang="en-US"/>
+          </a:p>
+        </p:txBody>
+      </p:sp>
+      <p:pic>
+        <p:nvPicPr>
+          <p:cNvPr id="4" name="Imagem 3" descr="Mapa com linhas coloridas&#10;&#10;Descrição gerada automaticamente com confiança baixa">
+            <a:extLst>
+              <a:ext uri="{FF2B5EF4-FFF2-40B4-BE49-F238E27FC236}">
+                <a16:creationId xmlns:a16="http://schemas.microsoft.com/office/drawing/2014/main" id="{B6A88F4B-2981-7241-6649-B95366414D03}"/>
+              </a:ext>
+            </a:extLst>
+          </p:cNvPr>
+          <p:cNvPicPr>
+            <a:picLocks noChangeAspect="1"/>
+          </p:cNvPicPr>
+          <p:nvPr/>
+        </p:nvPicPr>
+        <p:blipFill rotWithShape="1">
+          <a:blip r:embed="rId2"/>
+          <a:srcRect r="17840" b="9091"/>
+          <a:stretch/>
+        </p:blipFill>
+        <p:spPr>
+          <a:xfrm>
+            <a:off x="3523488" y="10"/>
+            <a:ext cx="8668512" cy="6857990"/>
+          </a:xfrm>
+          <a:prstGeom prst="rect">
+            <a:avLst/>
+          </a:prstGeom>
+        </p:spPr>
+      </p:pic>
+      <p:sp>
+        <p:nvSpPr>
+          <p:cNvPr id="8217" name="Rectangle 8216">
+            <a:extLst>
+              <a:ext uri="{FF2B5EF4-FFF2-40B4-BE49-F238E27FC236}">
+                <a16:creationId xmlns:a16="http://schemas.microsoft.com/office/drawing/2014/main" id="{AB58EF07-17C2-48CF-ABB0-EEF1F17CB8F0}"/>
+              </a:ext>
+              <a:ext uri="{C183D7F6-B498-43B3-948B-1728B52AA6E4}">
+                <adec:decorative xmlns:adec="http://schemas.microsoft.com/office/drawing/2017/decorative" val="1"/>
+              </a:ext>
+            </a:extLst>
+          </p:cNvPr>
+          <p:cNvSpPr>
+            <a:spLocks noGrp="1" noRot="1" noChangeAspect="1" noMove="1" noResize="1" noEditPoints="1" noAdjustHandles="1" noChangeArrowheads="1" noChangeShapeType="1" noTextEdit="1"/>
+          </p:cNvSpPr>
+          <p:nvPr>
+            <p:extLst>
+              <p:ext uri="{386F3935-93C4-4BCD-93E2-E3B085C9AB24}">
+                <p16:designElem xmlns:p16="http://schemas.microsoft.com/office/powerpoint/2015/main" val="1"/>
+              </p:ext>
+            </p:extLst>
+          </p:nvPr>
+        </p:nvSpPr>
+        <p:spPr>
+          <a:xfrm>
+            <a:off x="3" y="0"/>
+            <a:ext cx="9339206" cy="6858000"/>
+          </a:xfrm>
+          <a:prstGeom prst="rect">
+            <a:avLst/>
+          </a:prstGeom>
+          <a:gradFill>
+            <a:gsLst>
+              <a:gs pos="58000">
+                <a:schemeClr val="tx1"/>
+              </a:gs>
+              <a:gs pos="33000">
+                <a:schemeClr val="tx1">
+                  <a:alpha val="64000"/>
+                </a:schemeClr>
+              </a:gs>
+              <a:gs pos="0">
+                <a:schemeClr val="tx1">
+                  <a:alpha val="0"/>
+                </a:schemeClr>
+              </a:gs>
+              <a:gs pos="100000">
+                <a:schemeClr val="tx1"/>
+              </a:gs>
+            </a:gsLst>
+            <a:lin ang="10800000" scaled="0"/>
+          </a:gradFill>
+          <a:ln>
+            <a:noFill/>
+          </a:ln>
+        </p:spPr>
+        <p:style>
+          <a:lnRef idx="2">
+            <a:schemeClr val="accent1">
+              <a:shade val="50000"/>
+            </a:schemeClr>
+          </a:lnRef>
+          <a:fillRef idx="1">
+            <a:schemeClr val="accent1"/>
+          </a:fillRef>
+          <a:effectRef idx="0">
+            <a:schemeClr val="accent1"/>
+          </a:effectRef>
+          <a:fontRef idx="minor">
+            <a:schemeClr val="lt1"/>
+          </a:fontRef>
+        </p:style>
+        <p:txBody>
+          <a:bodyPr rtlCol="0" anchor="ctr"/>
+          <a:lstStyle/>
+          <a:p>
+            <a:pPr algn="ctr"/>
+            <a:endParaRPr lang="en-US" dirty="0"/>
+          </a:p>
+        </p:txBody>
+      </p:sp>
+      <p:sp>
+        <p:nvSpPr>
+          <p:cNvPr id="2" name="Título 1">
+            <a:extLst>
+              <a:ext uri="{FF2B5EF4-FFF2-40B4-BE49-F238E27FC236}">
+                <a16:creationId xmlns:a16="http://schemas.microsoft.com/office/drawing/2014/main" id="{C3980BF6-72F4-52BD-74FB-2660513968BA}"/>
+              </a:ext>
+            </a:extLst>
+          </p:cNvPr>
+          <p:cNvSpPr>
+            <a:spLocks noGrp="1"/>
+          </p:cNvSpPr>
+          <p:nvPr>
+            <p:ph type="title"/>
+          </p:nvPr>
+        </p:nvSpPr>
+        <p:spPr>
+          <a:xfrm>
+            <a:off x="477981" y="1122363"/>
+            <a:ext cx="4023360" cy="3204134"/>
+          </a:xfrm>
+        </p:spPr>
+        <p:txBody>
+          <a:bodyPr vert="horz" lIns="91440" tIns="45720" rIns="91440" bIns="45720" rtlCol="0" anchor="b">
+            <a:normAutofit/>
+          </a:bodyPr>
+          <a:lstStyle/>
+          <a:p>
+            <a:r>
+              <a:rPr lang="en-US" sz="4800" b="1" i="0">
+                <a:solidFill>
+                  <a:schemeClr val="bg1"/>
+                </a:solidFill>
+                <a:effectLst/>
+              </a:rPr>
+              <a:t>Perguntas e Discussão</a:t>
+            </a:r>
+            <a:endParaRPr lang="en-US" sz="4800">
+              <a:solidFill>
+                <a:schemeClr val="bg1"/>
+              </a:solidFill>
+            </a:endParaRPr>
+          </a:p>
+        </p:txBody>
+      </p:sp>
+      <p:sp>
+        <p:nvSpPr>
+          <p:cNvPr id="8219" name="Rectangle 8218">
+            <a:extLst>
+              <a:ext uri="{FF2B5EF4-FFF2-40B4-BE49-F238E27FC236}">
+                <a16:creationId xmlns:a16="http://schemas.microsoft.com/office/drawing/2014/main" id="{AF2F604E-43BE-4DC3-B983-E071523364F8}"/>
+              </a:ext>
+              <a:ext uri="{C183D7F6-B498-43B3-948B-1728B52AA6E4}">
+                <adec:decorative xmlns:adec="http://schemas.microsoft.com/office/drawing/2017/decorative" val="1"/>
+              </a:ext>
+            </a:extLst>
+          </p:cNvPr>
+          <p:cNvSpPr>
+            <a:spLocks noGrp="1" noRot="1" noChangeAspect="1" noMove="1" noResize="1" noEditPoints="1" noAdjustHandles="1" noChangeArrowheads="1" noChangeShapeType="1" noTextEdit="1"/>
+          </p:cNvSpPr>
+          <p:nvPr>
+            <p:extLst>
+              <p:ext uri="{386F3935-93C4-4BCD-93E2-E3B085C9AB24}">
+                <p16:designElem xmlns:p16="http://schemas.microsoft.com/office/powerpoint/2015/main" val="1"/>
+              </p:ext>
+            </p:extLst>
+          </p:nvPr>
+        </p:nvSpPr>
+        <p:spPr>
+          <a:xfrm rot="5400000">
+            <a:off x="759921" y="346791"/>
+            <a:ext cx="146304" cy="704088"/>
           </a:xfrm>
           <a:prstGeom prst="rect">
             <a:avLst/>
           </a:prstGeom>
           <a:solidFill>
-            <a:srgbClr val="000000"/>
+            <a:schemeClr val="accent2"/>
           </a:solidFill>
           <a:ln>
             <a:noFill/>
@@ -6279,102 +10476,270 @@
           <a:lstStyle/>
           <a:p>
             <a:pPr algn="ctr"/>
-            <a:endParaRPr lang="en-US"/>
+            <a:endParaRPr lang="en-US">
+              <a:solidFill>
+                <a:prstClr val="white"/>
+              </a:solidFill>
+              <a:latin typeface="Calibri" panose="020F0502020204030204"/>
+            </a:endParaRPr>
           </a:p>
         </p:txBody>
       </p:sp>
-      <p:pic>
-        <p:nvPicPr>
-          <p:cNvPr id="8194" name="Picture 2">
+      <p:sp>
+        <p:nvSpPr>
+          <p:cNvPr id="8221" name="Rectangle 8220">
             <a:extLst>
               <a:ext uri="{FF2B5EF4-FFF2-40B4-BE49-F238E27FC236}">
-                <a16:creationId xmlns:a16="http://schemas.microsoft.com/office/drawing/2014/main" id="{C7CEC1B1-942B-E942-DC67-CB8796F28B3D}"/>
+                <a16:creationId xmlns:a16="http://schemas.microsoft.com/office/drawing/2014/main" id="{08C9B587-E65E-4B52-B37C-ABEBB6E87928}"/>
+              </a:ext>
+              <a:ext uri="{C183D7F6-B498-43B3-948B-1728B52AA6E4}">
+                <adec:decorative xmlns:adec="http://schemas.microsoft.com/office/drawing/2017/decorative" val="1"/>
               </a:ext>
             </a:extLst>
           </p:cNvPr>
-          <p:cNvPicPr>
-            <a:picLocks noChangeAspect="1" noChangeArrowheads="1"/>
-          </p:cNvPicPr>
-          <p:nvPr/>
-        </p:nvPicPr>
-        <p:blipFill rotWithShape="1">
-          <a:blip r:embed="rId2">
-            <a:alphaModFix amt="50000"/>
-            <a:extLst>
-              <a:ext uri="{28A0092B-C50C-407E-A947-70E740481C1C}">
-                <a14:useLocalDpi xmlns:a14="http://schemas.microsoft.com/office/drawing/2010/main" val="0"/>
-              </a:ext>
-            </a:extLst>
-          </a:blip>
-          <a:srcRect t="32144" b="11606"/>
-          <a:stretch/>
-        </p:blipFill>
-        <p:spPr bwMode="auto">
+          <p:cNvSpPr>
+            <a:spLocks noGrp="1" noRot="1" noChangeAspect="1" noMove="1" noResize="1" noEditPoints="1" noAdjustHandles="1" noChangeArrowheads="1" noChangeShapeType="1" noTextEdit="1"/>
+          </p:cNvSpPr>
+          <p:nvPr>
+            <p:extLst>
+              <p:ext uri="{386F3935-93C4-4BCD-93E2-E3B085C9AB24}">
+                <p16:designElem xmlns:p16="http://schemas.microsoft.com/office/powerpoint/2015/main" val="1"/>
+              </p:ext>
+            </p:extLst>
+          </p:nvPr>
+        </p:nvSpPr>
+        <p:spPr>
           <a:xfrm>
-            <a:off x="20" y="1"/>
-            <a:ext cx="12191980" cy="6857999"/>
+            <a:off x="481029" y="4546920"/>
+            <a:ext cx="3977640" cy="18288"/>
           </a:xfrm>
           <a:prstGeom prst="rect">
             <a:avLst/>
           </a:prstGeom>
-          <a:noFill/>
-          <a:extLst>
-            <a:ext uri="{909E8E84-426E-40DD-AFC4-6F175D3DCCD1}">
-              <a14:hiddenFill xmlns:a14="http://schemas.microsoft.com/office/drawing/2010/main">
-                <a:solidFill>
-                  <a:srgbClr val="FFFFFF"/>
-                </a:solidFill>
-              </a14:hiddenFill>
-            </a:ext>
-          </a:extLst>
+          <a:solidFill>
+            <a:schemeClr val="tx1"/>
+          </a:solidFill>
+          <a:ln w="3175">
+            <a:noFill/>
+          </a:ln>
+          <a:effectLst/>
         </p:spPr>
-      </p:pic>
-      <p:sp>
-        <p:nvSpPr>
-          <p:cNvPr id="2" name="Título 1">
-            <a:extLst>
-              <a:ext uri="{FF2B5EF4-FFF2-40B4-BE49-F238E27FC236}">
-                <a16:creationId xmlns:a16="http://schemas.microsoft.com/office/drawing/2014/main" id="{C3980BF6-72F4-52BD-74FB-2660513968BA}"/>
-              </a:ext>
-            </a:extLst>
-          </p:cNvPr>
-          <p:cNvSpPr>
-            <a:spLocks noGrp="1"/>
-          </p:cNvSpPr>
-          <p:nvPr>
-            <p:ph type="title"/>
-          </p:nvPr>
-        </p:nvSpPr>
-        <p:spPr>
-          <a:xfrm>
-            <a:off x="1524000" y="1122362"/>
-            <a:ext cx="9144000" cy="2900518"/>
-          </a:xfrm>
-        </p:spPr>
+        <p:style>
+          <a:lnRef idx="2">
+            <a:schemeClr val="accent1">
+              <a:shade val="50000"/>
+            </a:schemeClr>
+          </a:lnRef>
+          <a:fillRef idx="1">
+            <a:schemeClr val="accent1"/>
+          </a:fillRef>
+          <a:effectRef idx="0">
+            <a:schemeClr val="accent1"/>
+          </a:effectRef>
+          <a:fontRef idx="minor">
+            <a:schemeClr val="lt1"/>
+          </a:fontRef>
+        </p:style>
         <p:txBody>
-          <a:bodyPr vert="horz" lIns="91440" tIns="45720" rIns="91440" bIns="45720" rtlCol="0" anchor="b">
-            <a:normAutofit/>
-          </a:bodyPr>
+          <a:bodyPr rtlCol="0" anchor="ctr"/>
           <a:lstStyle/>
           <a:p>
-            <a:pPr algn="ctr"/>
-            <a:r>
-              <a:rPr lang="en-US" sz="6000" b="1" i="0">
-                <a:solidFill>
-                  <a:srgbClr val="FFFFFF"/>
-                </a:solidFill>
-                <a:effectLst/>
-              </a:rPr>
-              <a:t>Perguntas e Discussão</a:t>
-            </a:r>
-            <a:endParaRPr lang="en-US" sz="6000">
+            <a:pPr marL="0" marR="0" lvl="0" indent="0" algn="ctr" defTabSz="914400" rtl="0" eaLnBrk="1" fontAlgn="auto" latinLnBrk="0" hangingPunct="1">
+              <a:lnSpc>
+                <a:spcPct val="100000"/>
+              </a:lnSpc>
+              <a:spcBef>
+                <a:spcPts val="0"/>
+              </a:spcBef>
+              <a:spcAft>
+                <a:spcPts val="0"/>
+              </a:spcAft>
+              <a:buClrTx/>
+              <a:buSzTx/>
+              <a:buFontTx/>
+              <a:buNone/>
+              <a:tabLst/>
+              <a:defRPr/>
+            </a:pPr>
+            <a:endParaRPr kumimoji="0" lang="en-US" sz="1800" b="0" i="0" u="none" strike="noStrike" kern="1200" cap="none" spc="0" normalizeH="0" baseline="0" noProof="0">
+              <a:ln>
+                <a:noFill/>
+              </a:ln>
               <a:solidFill>
-                <a:srgbClr val="FFFFFF"/>
+                <a:prstClr val="white"/>
               </a:solidFill>
+              <a:effectLst/>
+              <a:uLnTx/>
+              <a:uFillTx/>
+              <a:latin typeface="Calibri" panose="020F0502020204030204"/>
+              <a:ea typeface="+mn-ea"/>
+              <a:cs typeface="+mn-cs"/>
             </a:endParaRPr>
           </a:p>
         </p:txBody>
       </p:sp>
+      <p:grpSp>
+        <p:nvGrpSpPr>
+          <p:cNvPr id="5" name="Agrupar 4">
+            <a:extLst>
+              <a:ext uri="{FF2B5EF4-FFF2-40B4-BE49-F238E27FC236}">
+                <a16:creationId xmlns:a16="http://schemas.microsoft.com/office/drawing/2014/main" id="{AD1348FB-F44B-1DDB-1EA0-DE22B739D792}"/>
+              </a:ext>
+            </a:extLst>
+          </p:cNvPr>
+          <p:cNvGrpSpPr/>
+          <p:nvPr/>
+        </p:nvGrpSpPr>
+        <p:grpSpPr>
+          <a:xfrm>
+            <a:off x="10173742" y="6176963"/>
+            <a:ext cx="1767154" cy="450511"/>
+            <a:chOff x="463685" y="371326"/>
+            <a:chExt cx="4527137" cy="1154130"/>
+          </a:xfrm>
+        </p:grpSpPr>
+        <p:pic>
+          <p:nvPicPr>
+            <p:cNvPr id="6" name="Picture 6" descr="Universidade do Estado do Rio Grande do Norte – Wikipédia, a enciclopédia  livre">
+              <a:extLst>
+                <a:ext uri="{FF2B5EF4-FFF2-40B4-BE49-F238E27FC236}">
+                  <a16:creationId xmlns:a16="http://schemas.microsoft.com/office/drawing/2014/main" id="{73D6FE6C-CD46-8B19-79C4-9832016E5E3B}"/>
+                </a:ext>
+              </a:extLst>
+            </p:cNvPr>
+            <p:cNvPicPr>
+              <a:picLocks noChangeAspect="1" noChangeArrowheads="1"/>
+            </p:cNvPicPr>
+            <p:nvPr/>
+          </p:nvPicPr>
+          <p:blipFill>
+            <a:blip r:embed="rId3">
+              <a:extLst>
+                <a:ext uri="{28A0092B-C50C-407E-A947-70E740481C1C}">
+                  <a14:useLocalDpi xmlns:a14="http://schemas.microsoft.com/office/drawing/2010/main" val="0"/>
+                </a:ext>
+              </a:extLst>
+            </a:blip>
+            <a:srcRect/>
+            <a:stretch>
+              <a:fillRect/>
+            </a:stretch>
+          </p:blipFill>
+          <p:spPr bwMode="auto">
+            <a:xfrm>
+              <a:off x="4219279" y="371326"/>
+              <a:ext cx="771543" cy="1061519"/>
+            </a:xfrm>
+            <a:prstGeom prst="rect">
+              <a:avLst/>
+            </a:prstGeom>
+            <a:noFill/>
+            <a:extLst>
+              <a:ext uri="{909E8E84-426E-40DD-AFC4-6F175D3DCCD1}">
+                <a14:hiddenFill xmlns:a14="http://schemas.microsoft.com/office/drawing/2010/main">
+                  <a:solidFill>
+                    <a:srgbClr val="FFFFFF"/>
+                  </a:solidFill>
+                </a14:hiddenFill>
+              </a:ext>
+            </a:extLst>
+          </p:spPr>
+        </p:pic>
+        <p:pic>
+          <p:nvPicPr>
+            <p:cNvPr id="7" name="Picture 8" descr="Matriz de bordado - Ufersa 001 | Elo7 Produtos Especiais">
+              <a:extLst>
+                <a:ext uri="{FF2B5EF4-FFF2-40B4-BE49-F238E27FC236}">
+                  <a16:creationId xmlns:a16="http://schemas.microsoft.com/office/drawing/2014/main" id="{AC49D5A8-A0B7-864D-4B90-14E4DAC184D5}"/>
+                </a:ext>
+              </a:extLst>
+            </p:cNvPr>
+            <p:cNvPicPr>
+              <a:picLocks noChangeAspect="1" noChangeArrowheads="1"/>
+            </p:cNvPicPr>
+            <p:nvPr/>
+          </p:nvPicPr>
+          <p:blipFill>
+            <a:blip r:embed="rId4">
+              <a:extLst>
+                <a:ext uri="{28A0092B-C50C-407E-A947-70E740481C1C}">
+                  <a14:useLocalDpi xmlns:a14="http://schemas.microsoft.com/office/drawing/2010/main" val="0"/>
+                </a:ext>
+              </a:extLst>
+            </a:blip>
+            <a:srcRect/>
+            <a:stretch>
+              <a:fillRect/>
+            </a:stretch>
+          </p:blipFill>
+          <p:spPr bwMode="auto">
+            <a:xfrm>
+              <a:off x="463685" y="371326"/>
+              <a:ext cx="1441227" cy="1154130"/>
+            </a:xfrm>
+            <a:prstGeom prst="rect">
+              <a:avLst/>
+            </a:prstGeom>
+            <a:noFill/>
+            <a:extLst>
+              <a:ext uri="{909E8E84-426E-40DD-AFC4-6F175D3DCCD1}">
+                <a14:hiddenFill xmlns:a14="http://schemas.microsoft.com/office/drawing/2010/main">
+                  <a:solidFill>
+                    <a:srgbClr val="FFFFFF"/>
+                  </a:solidFill>
+                </a14:hiddenFill>
+              </a:ext>
+            </a:extLst>
+          </p:spPr>
+        </p:pic>
+        <p:pic>
+          <p:nvPicPr>
+            <p:cNvPr id="8" name="Picture 4" descr="Programa de Pósgraduação em Ciência da Computação - ppgcc - Uern/Ufersa |  Mossoró RN">
+              <a:extLst>
+                <a:ext uri="{FF2B5EF4-FFF2-40B4-BE49-F238E27FC236}">
+                  <a16:creationId xmlns:a16="http://schemas.microsoft.com/office/drawing/2014/main" id="{DB18185F-E511-AE7E-C704-9709265EFB2C}"/>
+                </a:ext>
+              </a:extLst>
+            </p:cNvPr>
+            <p:cNvPicPr>
+              <a:picLocks noChangeAspect="1" noChangeArrowheads="1"/>
+            </p:cNvPicPr>
+            <p:nvPr/>
+          </p:nvPicPr>
+          <p:blipFill>
+            <a:blip r:embed="rId5">
+              <a:extLst>
+                <a:ext uri="{28A0092B-C50C-407E-A947-70E740481C1C}">
+                  <a14:useLocalDpi xmlns:a14="http://schemas.microsoft.com/office/drawing/2010/main" val="0"/>
+                </a:ext>
+              </a:extLst>
+            </a:blip>
+            <a:srcRect/>
+            <a:stretch>
+              <a:fillRect/>
+            </a:stretch>
+          </p:blipFill>
+          <p:spPr bwMode="auto">
+            <a:xfrm>
+              <a:off x="1879600" y="442839"/>
+              <a:ext cx="2005076" cy="990006"/>
+            </a:xfrm>
+            <a:prstGeom prst="rect">
+              <a:avLst/>
+            </a:prstGeom>
+            <a:noFill/>
+            <a:extLst>
+              <a:ext uri="{909E8E84-426E-40DD-AFC4-6F175D3DCCD1}">
+                <a14:hiddenFill xmlns:a14="http://schemas.microsoft.com/office/drawing/2010/main">
+                  <a:solidFill>
+                    <a:srgbClr val="FFFFFF"/>
+                  </a:solidFill>
+                </a14:hiddenFill>
+              </a:ext>
+            </a:extLst>
+          </p:spPr>
+        </p:pic>
+      </p:grpSp>
     </p:spTree>
     <p:extLst>
       <p:ext uri="{BB962C8B-B14F-4D97-AF65-F5344CB8AC3E}">
@@ -6383,7 +10748,7 @@
     </p:extLst>
   </p:cSld>
   <p:clrMapOvr>
-    <a:overrideClrMapping bg1="dk1" tx1="lt1" bg2="dk2" tx2="lt2" accent1="accent1" accent2="accent2" accent3="accent3" accent4="accent4" accent5="accent5" accent6="accent6" hlink="hlink" folHlink="folHlink"/>
+    <a:masterClrMapping/>
   </p:clrMapOvr>
   <p:timing>
     <p:tnLst>
@@ -6633,13 +10998,13 @@
           <a:lstStyle/>
           <a:p>
             <a:r>
-              <a:rPr lang="pt-BR" sz="2000" dirty="0"/>
+              <a:rPr lang="pt-BR" sz="3000" dirty="0"/>
               <a:t>Técnicas avançadas de processamento de imagem e aprendizado de máquina no contexto agrícola.</a:t>
             </a:r>
           </a:p>
           <a:p>
             <a:r>
-              <a:rPr lang="pt-BR" sz="2000" dirty="0"/>
+              <a:rPr lang="pt-BR" sz="3000" dirty="0"/>
               <a:t>A importância do uso de tecnologias inovadoras na agricultura moderna.</a:t>
             </a:r>
           </a:p>
@@ -7875,7 +12240,7 @@
           <a:lstStyle/>
           <a:p>
             <a:r>
-              <a:rPr lang="pt-BR" sz="2000"/>
+              <a:rPr lang="pt-BR" sz="3000" dirty="0"/>
               <a:t>Desenvolver uma ontologia que represente semanticamente o processo de identificação de efeitos de herbicidas em plantas daninhas.</a:t>
             </a:r>
           </a:p>
@@ -8083,7 +12448,7 @@
       </p:grpSpPr>
       <p:sp useBgFill="1">
         <p:nvSpPr>
-          <p:cNvPr id="4103" name="Rectangle 4102">
+          <p:cNvPr id="17" name="Rectangle 8">
             <a:extLst>
               <a:ext uri="{FF2B5EF4-FFF2-40B4-BE49-F238E27FC236}">
                 <a16:creationId xmlns:a16="http://schemas.microsoft.com/office/drawing/2014/main" id="{79BB35BC-D5C2-4C8B-A22A-A71E6191913B}"/>
@@ -8146,6 +12511,968 @@
           <p:cNvPr id="2" name="Título 1">
             <a:extLst>
               <a:ext uri="{FF2B5EF4-FFF2-40B4-BE49-F238E27FC236}">
+                <a16:creationId xmlns:a16="http://schemas.microsoft.com/office/drawing/2014/main" id="{1A8AE268-49C9-559E-EF8B-42538BAE6381}"/>
+              </a:ext>
+            </a:extLst>
+          </p:cNvPr>
+          <p:cNvSpPr>
+            <a:spLocks noGrp="1"/>
+          </p:cNvSpPr>
+          <p:nvPr>
+            <p:ph type="title"/>
+          </p:nvPr>
+        </p:nvSpPr>
+        <p:spPr>
+          <a:xfrm>
+            <a:off x="530087" y="365125"/>
+            <a:ext cx="10823711" cy="1807305"/>
+          </a:xfrm>
+        </p:spPr>
+        <p:txBody>
+          <a:bodyPr>
+            <a:normAutofit/>
+          </a:bodyPr>
+          <a:lstStyle/>
+          <a:p>
+            <a:r>
+              <a:rPr lang="pt-BR" b="1" i="0" dirty="0">
+                <a:effectLst/>
+                <a:latin typeface="Söhne"/>
+              </a:rPr>
+              <a:t>Questões da Ontologia</a:t>
+            </a:r>
+            <a:endParaRPr lang="pt-BR" dirty="0"/>
+          </a:p>
+        </p:txBody>
+      </p:sp>
+      <p:sp>
+        <p:nvSpPr>
+          <p:cNvPr id="3" name="Espaço Reservado para Conteúdo 2">
+            <a:extLst>
+              <a:ext uri="{FF2B5EF4-FFF2-40B4-BE49-F238E27FC236}">
+                <a16:creationId xmlns:a16="http://schemas.microsoft.com/office/drawing/2014/main" id="{FC95AD75-5FF0-9FC3-075F-EE6DD5E10399}"/>
+              </a:ext>
+            </a:extLst>
+          </p:cNvPr>
+          <p:cNvSpPr>
+            <a:spLocks noGrp="1"/>
+          </p:cNvSpPr>
+          <p:nvPr>
+            <p:ph idx="1"/>
+          </p:nvPr>
+        </p:nvSpPr>
+        <p:spPr>
+          <a:xfrm>
+            <a:off x="530087" y="1762539"/>
+            <a:ext cx="10823711" cy="4414424"/>
+          </a:xfrm>
+        </p:spPr>
+        <p:txBody>
+          <a:bodyPr>
+            <a:noAutofit/>
+          </a:bodyPr>
+          <a:lstStyle/>
+          <a:p>
+            <a:pPr marL="342900" lvl="0" indent="-342900" algn="just">
+              <a:lnSpc>
+                <a:spcPct val="150000"/>
+              </a:lnSpc>
+              <a:buSzPts val="1100"/>
+              <a:buFont typeface="Symbol" panose="05050102010706020507" pitchFamily="18" charset="2"/>
+              <a:buChar char=""/>
+            </a:pPr>
+            <a:r>
+              <a:rPr lang="pt-BR" sz="2500" b="1" dirty="0">
+                <a:effectLst/>
+                <a:ea typeface="Arial" panose="020B0604020202020204" pitchFamily="34" charset="0"/>
+              </a:rPr>
+              <a:t>QC1</a:t>
+            </a:r>
+            <a:r>
+              <a:rPr lang="pt-BR" sz="2500" dirty="0">
+                <a:effectLst/>
+                <a:ea typeface="Arial" panose="020B0604020202020204" pitchFamily="34" charset="0"/>
+              </a:rPr>
+              <a:t>. </a:t>
+            </a:r>
+            <a:r>
+              <a:rPr lang="pt-BR" sz="2500" dirty="0">
+                <a:solidFill>
+                  <a:srgbClr val="000000"/>
+                </a:solidFill>
+                <a:effectLst/>
+                <a:ea typeface="Arial" panose="020B0604020202020204" pitchFamily="34" charset="0"/>
+              </a:rPr>
+              <a:t>Como é feita a identificação visual de características de plantas daninhas?</a:t>
+            </a:r>
+            <a:endParaRPr lang="pt-BR" sz="2500" dirty="0">
+              <a:effectLst/>
+              <a:ea typeface="Arial" panose="020B0604020202020204" pitchFamily="34" charset="0"/>
+            </a:endParaRPr>
+          </a:p>
+          <a:p>
+            <a:pPr marL="342900" lvl="0" indent="-342900" algn="just">
+              <a:lnSpc>
+                <a:spcPct val="150000"/>
+              </a:lnSpc>
+              <a:buSzPts val="1100"/>
+              <a:buFont typeface="Symbol" panose="05050102010706020507" pitchFamily="18" charset="2"/>
+              <a:buChar char=""/>
+            </a:pPr>
+            <a:r>
+              <a:rPr lang="pt-BR" sz="2500" b="1" dirty="0">
+                <a:effectLst/>
+                <a:ea typeface="Arial" panose="020B0604020202020204" pitchFamily="34" charset="0"/>
+              </a:rPr>
+              <a:t>QC2</a:t>
+            </a:r>
+            <a:r>
+              <a:rPr lang="pt-BR" sz="2500" dirty="0">
+                <a:solidFill>
+                  <a:srgbClr val="000000"/>
+                </a:solidFill>
+                <a:effectLst/>
+                <a:ea typeface="Arial" panose="020B0604020202020204" pitchFamily="34" charset="0"/>
+              </a:rPr>
+              <a:t>. Como </a:t>
+            </a:r>
+            <a:r>
+              <a:rPr lang="pt-BR" sz="2500" dirty="0">
+                <a:effectLst/>
+                <a:ea typeface="Arial" panose="020B0604020202020204" pitchFamily="34" charset="0"/>
+              </a:rPr>
+              <a:t>herbicidas</a:t>
+            </a:r>
+            <a:r>
+              <a:rPr lang="pt-BR" sz="2500" dirty="0">
+                <a:solidFill>
+                  <a:srgbClr val="000000"/>
+                </a:solidFill>
+                <a:effectLst/>
+                <a:ea typeface="Arial" panose="020B0604020202020204" pitchFamily="34" charset="0"/>
+              </a:rPr>
+              <a:t> são aplicados com base nesse tipo de identificação?</a:t>
+            </a:r>
+            <a:endParaRPr lang="pt-BR" sz="2500" dirty="0">
+              <a:effectLst/>
+              <a:ea typeface="Arial" panose="020B0604020202020204" pitchFamily="34" charset="0"/>
+            </a:endParaRPr>
+          </a:p>
+          <a:p>
+            <a:pPr marL="342900" lvl="0" indent="-342900" algn="just">
+              <a:lnSpc>
+                <a:spcPct val="150000"/>
+              </a:lnSpc>
+              <a:buSzPts val="1100"/>
+              <a:buFont typeface="Symbol" panose="05050102010706020507" pitchFamily="18" charset="2"/>
+              <a:buChar char=""/>
+            </a:pPr>
+            <a:r>
+              <a:rPr lang="pt-BR" sz="2500" b="1" dirty="0">
+                <a:effectLst/>
+                <a:ea typeface="Arial" panose="020B0604020202020204" pitchFamily="34" charset="0"/>
+              </a:rPr>
+              <a:t>QC3</a:t>
+            </a:r>
+            <a:r>
+              <a:rPr lang="pt-BR" sz="2500" dirty="0">
+                <a:solidFill>
+                  <a:srgbClr val="000000"/>
+                </a:solidFill>
+                <a:effectLst/>
+                <a:ea typeface="Arial" panose="020B0604020202020204" pitchFamily="34" charset="0"/>
+              </a:rPr>
+              <a:t>. Quais são os problemas atuais nesse tipo de abordagem?</a:t>
+            </a:r>
+            <a:endParaRPr lang="pt-BR" sz="2500" dirty="0">
+              <a:effectLst/>
+              <a:ea typeface="Arial" panose="020B0604020202020204" pitchFamily="34" charset="0"/>
+            </a:endParaRPr>
+          </a:p>
+          <a:p>
+            <a:pPr marL="342900" lvl="0" indent="-342900" algn="just">
+              <a:lnSpc>
+                <a:spcPct val="150000"/>
+              </a:lnSpc>
+              <a:buSzPts val="1100"/>
+              <a:buFont typeface="Symbol" panose="05050102010706020507" pitchFamily="18" charset="2"/>
+              <a:buChar char=""/>
+            </a:pPr>
+            <a:r>
+              <a:rPr lang="pt-BR" sz="2500" b="1" dirty="0">
+                <a:effectLst/>
+                <a:ea typeface="Arial" panose="020B0604020202020204" pitchFamily="34" charset="0"/>
+              </a:rPr>
+              <a:t>QC4</a:t>
+            </a:r>
+            <a:r>
+              <a:rPr lang="pt-BR" sz="2500" dirty="0">
+                <a:solidFill>
+                  <a:srgbClr val="000000"/>
+                </a:solidFill>
+                <a:effectLst/>
+                <a:ea typeface="Arial" panose="020B0604020202020204" pitchFamily="34" charset="0"/>
+              </a:rPr>
+              <a:t>. Quais </a:t>
+            </a:r>
+            <a:r>
+              <a:rPr lang="pt-BR" sz="2500" dirty="0">
+                <a:effectLst/>
+                <a:ea typeface="Arial" panose="020B0604020202020204" pitchFamily="34" charset="0"/>
+              </a:rPr>
+              <a:t>características</a:t>
+            </a:r>
+            <a:r>
+              <a:rPr lang="pt-BR" sz="2500" dirty="0">
+                <a:solidFill>
+                  <a:srgbClr val="000000"/>
+                </a:solidFill>
+                <a:effectLst/>
+                <a:ea typeface="Arial" panose="020B0604020202020204" pitchFamily="34" charset="0"/>
+              </a:rPr>
+              <a:t> de imagem são mais relevantes para a detecção e quantificação dos efeitos dos herbicidas em ervas daninhas?</a:t>
+            </a:r>
+          </a:p>
+          <a:p>
+            <a:pPr marL="342900" indent="-342900" algn="just">
+              <a:lnSpc>
+                <a:spcPct val="150000"/>
+              </a:lnSpc>
+              <a:buSzPts val="1100"/>
+              <a:buFont typeface="Symbol" panose="05050102010706020507" pitchFamily="18" charset="2"/>
+              <a:buChar char=""/>
+            </a:pPr>
+            <a:r>
+              <a:rPr lang="pt-BR" sz="2500" b="1" dirty="0">
+                <a:effectLst/>
+                <a:latin typeface="Calibri" panose="020F0502020204030204" pitchFamily="34" charset="0"/>
+                <a:ea typeface="Arial" panose="020B0604020202020204" pitchFamily="34" charset="0"/>
+              </a:rPr>
+              <a:t>QC5</a:t>
+            </a:r>
+            <a:r>
+              <a:rPr lang="pt-BR" sz="2500" dirty="0">
+                <a:solidFill>
+                  <a:srgbClr val="000000"/>
+                </a:solidFill>
+                <a:effectLst/>
+                <a:latin typeface="Calibri" panose="020F0502020204030204" pitchFamily="34" charset="0"/>
+                <a:ea typeface="Arial" panose="020B0604020202020204" pitchFamily="34" charset="0"/>
+              </a:rPr>
+              <a:t>. Quais métodos de segmentação de imagens são mais eficazes para isolamento das áreas de interesse?</a:t>
+            </a:r>
+            <a:endParaRPr lang="pt-BR" sz="2500" dirty="0">
+              <a:effectLst/>
+              <a:latin typeface="Arial" panose="020B0604020202020204" pitchFamily="34" charset="0"/>
+              <a:ea typeface="Arial" panose="020B0604020202020204" pitchFamily="34" charset="0"/>
+            </a:endParaRPr>
+          </a:p>
+          <a:p>
+            <a:pPr marL="342900" lvl="0" indent="-342900" algn="just">
+              <a:lnSpc>
+                <a:spcPct val="150000"/>
+              </a:lnSpc>
+              <a:buSzPts val="1100"/>
+              <a:buFont typeface="Symbol" panose="05050102010706020507" pitchFamily="18" charset="2"/>
+              <a:buChar char=""/>
+            </a:pPr>
+            <a:endParaRPr lang="pt-BR" sz="2500" dirty="0">
+              <a:effectLst/>
+              <a:ea typeface="Arial" panose="020B0604020202020204" pitchFamily="34" charset="0"/>
+            </a:endParaRPr>
+          </a:p>
+          <a:p>
+            <a:pPr marL="0" indent="0">
+              <a:buNone/>
+            </a:pPr>
+            <a:endParaRPr lang="pt-BR" sz="2500" dirty="0"/>
+          </a:p>
+        </p:txBody>
+      </p:sp>
+      <p:grpSp>
+        <p:nvGrpSpPr>
+          <p:cNvPr id="10" name="Agrupar 9">
+            <a:extLst>
+              <a:ext uri="{FF2B5EF4-FFF2-40B4-BE49-F238E27FC236}">
+                <a16:creationId xmlns:a16="http://schemas.microsoft.com/office/drawing/2014/main" id="{13D02DB9-E29E-93AB-E2EA-56DE488E5CF9}"/>
+              </a:ext>
+            </a:extLst>
+          </p:cNvPr>
+          <p:cNvGrpSpPr/>
+          <p:nvPr/>
+        </p:nvGrpSpPr>
+        <p:grpSpPr>
+          <a:xfrm>
+            <a:off x="9894759" y="230526"/>
+            <a:ext cx="1767154" cy="450511"/>
+            <a:chOff x="463685" y="371326"/>
+            <a:chExt cx="4527137" cy="1154130"/>
+          </a:xfrm>
+        </p:grpSpPr>
+        <p:pic>
+          <p:nvPicPr>
+            <p:cNvPr id="12" name="Picture 6" descr="Universidade do Estado do Rio Grande do Norte – Wikipédia, a enciclopédia  livre">
+              <a:extLst>
+                <a:ext uri="{FF2B5EF4-FFF2-40B4-BE49-F238E27FC236}">
+                  <a16:creationId xmlns:a16="http://schemas.microsoft.com/office/drawing/2014/main" id="{42A3CA74-4F68-CAAD-D2AC-A0C0537042A1}"/>
+                </a:ext>
+              </a:extLst>
+            </p:cNvPr>
+            <p:cNvPicPr>
+              <a:picLocks noChangeAspect="1" noChangeArrowheads="1"/>
+            </p:cNvPicPr>
+            <p:nvPr/>
+          </p:nvPicPr>
+          <p:blipFill>
+            <a:blip r:embed="rId2">
+              <a:extLst>
+                <a:ext uri="{28A0092B-C50C-407E-A947-70E740481C1C}">
+                  <a14:useLocalDpi xmlns:a14="http://schemas.microsoft.com/office/drawing/2010/main" val="0"/>
+                </a:ext>
+              </a:extLst>
+            </a:blip>
+            <a:srcRect/>
+            <a:stretch>
+              <a:fillRect/>
+            </a:stretch>
+          </p:blipFill>
+          <p:spPr bwMode="auto">
+            <a:xfrm>
+              <a:off x="4219279" y="371326"/>
+              <a:ext cx="771543" cy="1061519"/>
+            </a:xfrm>
+            <a:prstGeom prst="rect">
+              <a:avLst/>
+            </a:prstGeom>
+            <a:noFill/>
+            <a:extLst>
+              <a:ext uri="{909E8E84-426E-40DD-AFC4-6F175D3DCCD1}">
+                <a14:hiddenFill xmlns:a14="http://schemas.microsoft.com/office/drawing/2010/main">
+                  <a:solidFill>
+                    <a:srgbClr val="FFFFFF"/>
+                  </a:solidFill>
+                </a14:hiddenFill>
+              </a:ext>
+            </a:extLst>
+          </p:spPr>
+        </p:pic>
+        <p:pic>
+          <p:nvPicPr>
+            <p:cNvPr id="14" name="Picture 8" descr="Matriz de bordado - Ufersa 001 | Elo7 Produtos Especiais">
+              <a:extLst>
+                <a:ext uri="{FF2B5EF4-FFF2-40B4-BE49-F238E27FC236}">
+                  <a16:creationId xmlns:a16="http://schemas.microsoft.com/office/drawing/2014/main" id="{9AE44114-4915-77C3-0271-D242BE8C05C2}"/>
+                </a:ext>
+              </a:extLst>
+            </p:cNvPr>
+            <p:cNvPicPr>
+              <a:picLocks noChangeAspect="1" noChangeArrowheads="1"/>
+            </p:cNvPicPr>
+            <p:nvPr/>
+          </p:nvPicPr>
+          <p:blipFill>
+            <a:blip r:embed="rId3">
+              <a:extLst>
+                <a:ext uri="{28A0092B-C50C-407E-A947-70E740481C1C}">
+                  <a14:useLocalDpi xmlns:a14="http://schemas.microsoft.com/office/drawing/2010/main" val="0"/>
+                </a:ext>
+              </a:extLst>
+            </a:blip>
+            <a:srcRect/>
+            <a:stretch>
+              <a:fillRect/>
+            </a:stretch>
+          </p:blipFill>
+          <p:spPr bwMode="auto">
+            <a:xfrm>
+              <a:off x="463685" y="371326"/>
+              <a:ext cx="1441227" cy="1154130"/>
+            </a:xfrm>
+            <a:prstGeom prst="rect">
+              <a:avLst/>
+            </a:prstGeom>
+            <a:noFill/>
+            <a:extLst>
+              <a:ext uri="{909E8E84-426E-40DD-AFC4-6F175D3DCCD1}">
+                <a14:hiddenFill xmlns:a14="http://schemas.microsoft.com/office/drawing/2010/main">
+                  <a:solidFill>
+                    <a:srgbClr val="FFFFFF"/>
+                  </a:solidFill>
+                </a14:hiddenFill>
+              </a:ext>
+            </a:extLst>
+          </p:spPr>
+        </p:pic>
+        <p:pic>
+          <p:nvPicPr>
+            <p:cNvPr id="16" name="Picture 4" descr="Programa de Pósgraduação em Ciência da Computação - ppgcc - Uern/Ufersa |  Mossoró RN">
+              <a:extLst>
+                <a:ext uri="{FF2B5EF4-FFF2-40B4-BE49-F238E27FC236}">
+                  <a16:creationId xmlns:a16="http://schemas.microsoft.com/office/drawing/2014/main" id="{A1C8D27C-E7E3-E517-9493-CE4641874FAE}"/>
+                </a:ext>
+              </a:extLst>
+            </p:cNvPr>
+            <p:cNvPicPr>
+              <a:picLocks noChangeAspect="1" noChangeArrowheads="1"/>
+            </p:cNvPicPr>
+            <p:nvPr/>
+          </p:nvPicPr>
+          <p:blipFill>
+            <a:blip r:embed="rId4">
+              <a:extLst>
+                <a:ext uri="{28A0092B-C50C-407E-A947-70E740481C1C}">
+                  <a14:useLocalDpi xmlns:a14="http://schemas.microsoft.com/office/drawing/2010/main" val="0"/>
+                </a:ext>
+              </a:extLst>
+            </a:blip>
+            <a:srcRect/>
+            <a:stretch>
+              <a:fillRect/>
+            </a:stretch>
+          </p:blipFill>
+          <p:spPr bwMode="auto">
+            <a:xfrm>
+              <a:off x="1879600" y="442839"/>
+              <a:ext cx="2005076" cy="990006"/>
+            </a:xfrm>
+            <a:prstGeom prst="rect">
+              <a:avLst/>
+            </a:prstGeom>
+            <a:noFill/>
+            <a:extLst>
+              <a:ext uri="{909E8E84-426E-40DD-AFC4-6F175D3DCCD1}">
+                <a14:hiddenFill xmlns:a14="http://schemas.microsoft.com/office/drawing/2010/main">
+                  <a:solidFill>
+                    <a:srgbClr val="FFFFFF"/>
+                  </a:solidFill>
+                </a14:hiddenFill>
+              </a:ext>
+            </a:extLst>
+          </p:spPr>
+        </p:pic>
+      </p:grpSp>
+    </p:spTree>
+    <p:extLst>
+      <p:ext uri="{BB962C8B-B14F-4D97-AF65-F5344CB8AC3E}">
+        <p14:creationId xmlns:p14="http://schemas.microsoft.com/office/powerpoint/2010/main" val="2063041379"/>
+      </p:ext>
+    </p:extLst>
+  </p:cSld>
+  <p:clrMapOvr>
+    <a:masterClrMapping/>
+  </p:clrMapOvr>
+</p:sld>
+</file>
+
+<file path=ppt/slides/slide5.xml><?xml version="1.0" encoding="utf-8"?>
+<p:sld xmlns:a="http://schemas.openxmlformats.org/drawingml/2006/main" xmlns:r="http://schemas.openxmlformats.org/officeDocument/2006/relationships" xmlns:p="http://schemas.openxmlformats.org/presentationml/2006/main">
+  <p:cSld>
+    <p:spTree>
+      <p:nvGrpSpPr>
+        <p:cNvPr id="1" name=""/>
+        <p:cNvGrpSpPr/>
+        <p:nvPr/>
+      </p:nvGrpSpPr>
+      <p:grpSpPr>
+        <a:xfrm>
+          <a:off x="0" y="0"/>
+          <a:ext cx="0" cy="0"/>
+          <a:chOff x="0" y="0"/>
+          <a:chExt cx="0" cy="0"/>
+        </a:xfrm>
+      </p:grpSpPr>
+      <p:sp>
+        <p:nvSpPr>
+          <p:cNvPr id="2" name="Título 1">
+            <a:extLst>
+              <a:ext uri="{FF2B5EF4-FFF2-40B4-BE49-F238E27FC236}">
+                <a16:creationId xmlns:a16="http://schemas.microsoft.com/office/drawing/2014/main" id="{1A8AE268-49C9-559E-EF8B-42538BAE6381}"/>
+              </a:ext>
+            </a:extLst>
+          </p:cNvPr>
+          <p:cNvSpPr>
+            <a:spLocks noGrp="1"/>
+          </p:cNvSpPr>
+          <p:nvPr>
+            <p:ph type="title"/>
+          </p:nvPr>
+        </p:nvSpPr>
+        <p:spPr>
+          <a:xfrm>
+            <a:off x="530087" y="365125"/>
+            <a:ext cx="10823711" cy="1807305"/>
+          </a:xfrm>
+        </p:spPr>
+        <p:txBody>
+          <a:bodyPr>
+            <a:normAutofit/>
+          </a:bodyPr>
+          <a:lstStyle/>
+          <a:p>
+            <a:r>
+              <a:rPr lang="pt-BR" b="1" i="0" dirty="0">
+                <a:effectLst/>
+                <a:latin typeface="Söhne"/>
+              </a:rPr>
+              <a:t>Questões da Ontologia</a:t>
+            </a:r>
+            <a:endParaRPr lang="pt-BR" dirty="0"/>
+          </a:p>
+        </p:txBody>
+      </p:sp>
+      <p:sp>
+        <p:nvSpPr>
+          <p:cNvPr id="3" name="Espaço Reservado para Conteúdo 2">
+            <a:extLst>
+              <a:ext uri="{FF2B5EF4-FFF2-40B4-BE49-F238E27FC236}">
+                <a16:creationId xmlns:a16="http://schemas.microsoft.com/office/drawing/2014/main" id="{FC95AD75-5FF0-9FC3-075F-EE6DD5E10399}"/>
+              </a:ext>
+            </a:extLst>
+          </p:cNvPr>
+          <p:cNvSpPr>
+            <a:spLocks noGrp="1"/>
+          </p:cNvSpPr>
+          <p:nvPr>
+            <p:ph idx="1"/>
+          </p:nvPr>
+        </p:nvSpPr>
+        <p:spPr>
+          <a:xfrm>
+            <a:off x="530087" y="1762539"/>
+            <a:ext cx="10823711" cy="4414424"/>
+          </a:xfrm>
+        </p:spPr>
+        <p:txBody>
+          <a:bodyPr>
+            <a:noAutofit/>
+          </a:bodyPr>
+          <a:lstStyle/>
+          <a:p>
+            <a:pPr marL="342900" lvl="0" indent="-342900" algn="just">
+              <a:lnSpc>
+                <a:spcPct val="150000"/>
+              </a:lnSpc>
+              <a:buSzPts val="1100"/>
+              <a:buFont typeface="Symbol" panose="05050102010706020507" pitchFamily="18" charset="2"/>
+              <a:buChar char=""/>
+            </a:pPr>
+            <a:r>
+              <a:rPr lang="pt-BR" sz="2500" b="1" dirty="0">
+                <a:effectLst/>
+                <a:latin typeface="Calibri" panose="020F0502020204030204" pitchFamily="34" charset="0"/>
+                <a:ea typeface="Arial" panose="020B0604020202020204" pitchFamily="34" charset="0"/>
+              </a:rPr>
+              <a:t>QC6</a:t>
+            </a:r>
+            <a:r>
+              <a:rPr lang="pt-BR" sz="2500" dirty="0">
+                <a:solidFill>
+                  <a:srgbClr val="000000"/>
+                </a:solidFill>
+                <a:effectLst/>
+                <a:latin typeface="Calibri" panose="020F0502020204030204" pitchFamily="34" charset="0"/>
+                <a:ea typeface="Arial" panose="020B0604020202020204" pitchFamily="34" charset="0"/>
+              </a:rPr>
+              <a:t>. </a:t>
+            </a:r>
+            <a:r>
+              <a:rPr lang="pt-BR" sz="2500" dirty="0">
+                <a:effectLst/>
+                <a:latin typeface="Calibri" panose="020F0502020204030204" pitchFamily="34" charset="0"/>
+                <a:ea typeface="Arial" panose="020B0604020202020204" pitchFamily="34" charset="0"/>
+              </a:rPr>
+              <a:t>Quais</a:t>
+            </a:r>
+            <a:r>
+              <a:rPr lang="pt-BR" sz="2500" dirty="0">
+                <a:solidFill>
+                  <a:srgbClr val="000000"/>
+                </a:solidFill>
+                <a:effectLst/>
+                <a:latin typeface="Calibri" panose="020F0502020204030204" pitchFamily="34" charset="0"/>
+                <a:ea typeface="Arial" panose="020B0604020202020204" pitchFamily="34" charset="0"/>
+              </a:rPr>
+              <a:t> combinações de técnicas de processamento digital de imagens poderiam ser </a:t>
+            </a:r>
+            <a:r>
+              <a:rPr lang="pt-BR" sz="2500" dirty="0">
+                <a:effectLst/>
+                <a:latin typeface="Calibri" panose="020F0502020204030204" pitchFamily="34" charset="0"/>
+                <a:ea typeface="Arial" panose="020B0604020202020204" pitchFamily="34" charset="0"/>
+              </a:rPr>
+              <a:t>usadas</a:t>
+            </a:r>
+            <a:r>
+              <a:rPr lang="pt-BR" sz="2500" dirty="0">
+                <a:solidFill>
+                  <a:srgbClr val="000000"/>
+                </a:solidFill>
+                <a:effectLst/>
+                <a:latin typeface="Calibri" panose="020F0502020204030204" pitchFamily="34" charset="0"/>
+                <a:ea typeface="Arial" panose="020B0604020202020204" pitchFamily="34" charset="0"/>
+              </a:rPr>
+              <a:t> para uma análise mais precisa dos efeitos dos herbicidas em ervas daninhas?</a:t>
+            </a:r>
+            <a:endParaRPr lang="pt-BR" sz="2500" dirty="0">
+              <a:effectLst/>
+              <a:latin typeface="Arial" panose="020B0604020202020204" pitchFamily="34" charset="0"/>
+              <a:ea typeface="Arial" panose="020B0604020202020204" pitchFamily="34" charset="0"/>
+            </a:endParaRPr>
+          </a:p>
+          <a:p>
+            <a:pPr marL="342900" lvl="0" indent="-342900" algn="just">
+              <a:lnSpc>
+                <a:spcPct val="150000"/>
+              </a:lnSpc>
+              <a:buSzPts val="1100"/>
+              <a:buFont typeface="Symbol" panose="05050102010706020507" pitchFamily="18" charset="2"/>
+              <a:buChar char=""/>
+            </a:pPr>
+            <a:r>
+              <a:rPr lang="pt-BR" sz="2500" b="1" dirty="0">
+                <a:effectLst/>
+                <a:latin typeface="Calibri" panose="020F0502020204030204" pitchFamily="34" charset="0"/>
+                <a:ea typeface="Arial" panose="020B0604020202020204" pitchFamily="34" charset="0"/>
+              </a:rPr>
+              <a:t>QC7</a:t>
+            </a:r>
+            <a:r>
+              <a:rPr lang="pt-BR" sz="2500" dirty="0">
+                <a:solidFill>
+                  <a:srgbClr val="000000"/>
+                </a:solidFill>
+                <a:effectLst/>
+                <a:latin typeface="Calibri" panose="020F0502020204030204" pitchFamily="34" charset="0"/>
+                <a:ea typeface="Arial" panose="020B0604020202020204" pitchFamily="34" charset="0"/>
+              </a:rPr>
+              <a:t>. Em que os resultados obtidos por meio do processamento digital de imagens são mais precisos do que observações visuais ou medições laboratoriais tradicionais?</a:t>
+            </a:r>
+            <a:endParaRPr lang="pt-BR" sz="2500" dirty="0">
+              <a:effectLst/>
+              <a:latin typeface="Arial" panose="020B0604020202020204" pitchFamily="34" charset="0"/>
+              <a:ea typeface="Arial" panose="020B0604020202020204" pitchFamily="34" charset="0"/>
+            </a:endParaRPr>
+          </a:p>
+          <a:p>
+            <a:pPr marL="342900" lvl="0" indent="-342900" algn="just">
+              <a:lnSpc>
+                <a:spcPct val="150000"/>
+              </a:lnSpc>
+              <a:buSzPts val="1100"/>
+              <a:buFont typeface="Symbol" panose="05050102010706020507" pitchFamily="18" charset="2"/>
+              <a:buChar char=""/>
+            </a:pPr>
+            <a:r>
+              <a:rPr lang="pt-BR" sz="2500" b="1" dirty="0">
+                <a:effectLst/>
+                <a:latin typeface="Calibri" panose="020F0502020204030204" pitchFamily="34" charset="0"/>
+                <a:ea typeface="Arial" panose="020B0604020202020204" pitchFamily="34" charset="0"/>
+              </a:rPr>
+              <a:t>QC8</a:t>
+            </a:r>
+            <a:r>
+              <a:rPr lang="pt-BR" sz="2500" dirty="0">
+                <a:solidFill>
+                  <a:srgbClr val="000000"/>
+                </a:solidFill>
+                <a:effectLst/>
+                <a:latin typeface="Calibri" panose="020F0502020204030204" pitchFamily="34" charset="0"/>
+                <a:ea typeface="Arial" panose="020B0604020202020204" pitchFamily="34" charset="0"/>
+              </a:rPr>
+              <a:t>. Quais </a:t>
+            </a:r>
+            <a:r>
+              <a:rPr lang="pt-BR" sz="2500" dirty="0">
+                <a:effectLst/>
+                <a:latin typeface="Calibri" panose="020F0502020204030204" pitchFamily="34" charset="0"/>
+                <a:ea typeface="Arial" panose="020B0604020202020204" pitchFamily="34" charset="0"/>
+              </a:rPr>
+              <a:t>seriam</a:t>
+            </a:r>
+            <a:r>
+              <a:rPr lang="pt-BR" sz="2500" dirty="0">
+                <a:solidFill>
+                  <a:srgbClr val="000000"/>
+                </a:solidFill>
+                <a:effectLst/>
+                <a:latin typeface="Calibri" panose="020F0502020204030204" pitchFamily="34" charset="0"/>
+                <a:ea typeface="Arial" panose="020B0604020202020204" pitchFamily="34" charset="0"/>
+              </a:rPr>
+              <a:t> os benefícios econômicos ou ambientais do uso de tal abordagem? Quais partes interessadas poderiam ser beneficiadas e como?</a:t>
+            </a:r>
+            <a:endParaRPr lang="pt-BR" sz="2500" dirty="0">
+              <a:effectLst/>
+              <a:latin typeface="Arial" panose="020B0604020202020204" pitchFamily="34" charset="0"/>
+              <a:ea typeface="Arial" panose="020B0604020202020204" pitchFamily="34" charset="0"/>
+            </a:endParaRPr>
+          </a:p>
+        </p:txBody>
+      </p:sp>
+      <p:grpSp>
+        <p:nvGrpSpPr>
+          <p:cNvPr id="4" name="Agrupar 3">
+            <a:extLst>
+              <a:ext uri="{FF2B5EF4-FFF2-40B4-BE49-F238E27FC236}">
+                <a16:creationId xmlns:a16="http://schemas.microsoft.com/office/drawing/2014/main" id="{A58DB318-D765-AA00-37B5-4D9FF9E31FEC}"/>
+              </a:ext>
+            </a:extLst>
+          </p:cNvPr>
+          <p:cNvGrpSpPr/>
+          <p:nvPr/>
+        </p:nvGrpSpPr>
+        <p:grpSpPr>
+          <a:xfrm>
+            <a:off x="9894759" y="230526"/>
+            <a:ext cx="1767154" cy="450511"/>
+            <a:chOff x="463685" y="371326"/>
+            <a:chExt cx="4527137" cy="1154130"/>
+          </a:xfrm>
+        </p:grpSpPr>
+        <p:pic>
+          <p:nvPicPr>
+            <p:cNvPr id="5" name="Picture 6" descr="Universidade do Estado do Rio Grande do Norte – Wikipédia, a enciclopédia  livre">
+              <a:extLst>
+                <a:ext uri="{FF2B5EF4-FFF2-40B4-BE49-F238E27FC236}">
+                  <a16:creationId xmlns:a16="http://schemas.microsoft.com/office/drawing/2014/main" id="{2E3C9C17-D2F0-DA44-3BD1-C5AA710AE4EA}"/>
+                </a:ext>
+              </a:extLst>
+            </p:cNvPr>
+            <p:cNvPicPr>
+              <a:picLocks noChangeAspect="1" noChangeArrowheads="1"/>
+            </p:cNvPicPr>
+            <p:nvPr/>
+          </p:nvPicPr>
+          <p:blipFill>
+            <a:blip r:embed="rId2">
+              <a:extLst>
+                <a:ext uri="{28A0092B-C50C-407E-A947-70E740481C1C}">
+                  <a14:useLocalDpi xmlns:a14="http://schemas.microsoft.com/office/drawing/2010/main" val="0"/>
+                </a:ext>
+              </a:extLst>
+            </a:blip>
+            <a:srcRect/>
+            <a:stretch>
+              <a:fillRect/>
+            </a:stretch>
+          </p:blipFill>
+          <p:spPr bwMode="auto">
+            <a:xfrm>
+              <a:off x="4219279" y="371326"/>
+              <a:ext cx="771543" cy="1061519"/>
+            </a:xfrm>
+            <a:prstGeom prst="rect">
+              <a:avLst/>
+            </a:prstGeom>
+            <a:noFill/>
+            <a:extLst>
+              <a:ext uri="{909E8E84-426E-40DD-AFC4-6F175D3DCCD1}">
+                <a14:hiddenFill xmlns:a14="http://schemas.microsoft.com/office/drawing/2010/main">
+                  <a:solidFill>
+                    <a:srgbClr val="FFFFFF"/>
+                  </a:solidFill>
+                </a14:hiddenFill>
+              </a:ext>
+            </a:extLst>
+          </p:spPr>
+        </p:pic>
+        <p:pic>
+          <p:nvPicPr>
+            <p:cNvPr id="6" name="Picture 8" descr="Matriz de bordado - Ufersa 001 | Elo7 Produtos Especiais">
+              <a:extLst>
+                <a:ext uri="{FF2B5EF4-FFF2-40B4-BE49-F238E27FC236}">
+                  <a16:creationId xmlns:a16="http://schemas.microsoft.com/office/drawing/2014/main" id="{AAF09B23-DEB6-5FFA-7676-C96E2F48DF7D}"/>
+                </a:ext>
+              </a:extLst>
+            </p:cNvPr>
+            <p:cNvPicPr>
+              <a:picLocks noChangeAspect="1" noChangeArrowheads="1"/>
+            </p:cNvPicPr>
+            <p:nvPr/>
+          </p:nvPicPr>
+          <p:blipFill>
+            <a:blip r:embed="rId3">
+              <a:extLst>
+                <a:ext uri="{28A0092B-C50C-407E-A947-70E740481C1C}">
+                  <a14:useLocalDpi xmlns:a14="http://schemas.microsoft.com/office/drawing/2010/main" val="0"/>
+                </a:ext>
+              </a:extLst>
+            </a:blip>
+            <a:srcRect/>
+            <a:stretch>
+              <a:fillRect/>
+            </a:stretch>
+          </p:blipFill>
+          <p:spPr bwMode="auto">
+            <a:xfrm>
+              <a:off x="463685" y="371326"/>
+              <a:ext cx="1441227" cy="1154130"/>
+            </a:xfrm>
+            <a:prstGeom prst="rect">
+              <a:avLst/>
+            </a:prstGeom>
+            <a:noFill/>
+            <a:extLst>
+              <a:ext uri="{909E8E84-426E-40DD-AFC4-6F175D3DCCD1}">
+                <a14:hiddenFill xmlns:a14="http://schemas.microsoft.com/office/drawing/2010/main">
+                  <a:solidFill>
+                    <a:srgbClr val="FFFFFF"/>
+                  </a:solidFill>
+                </a14:hiddenFill>
+              </a:ext>
+            </a:extLst>
+          </p:spPr>
+        </p:pic>
+        <p:pic>
+          <p:nvPicPr>
+            <p:cNvPr id="7" name="Picture 4" descr="Programa de Pósgraduação em Ciência da Computação - ppgcc - Uern/Ufersa |  Mossoró RN">
+              <a:extLst>
+                <a:ext uri="{FF2B5EF4-FFF2-40B4-BE49-F238E27FC236}">
+                  <a16:creationId xmlns:a16="http://schemas.microsoft.com/office/drawing/2014/main" id="{02F70D37-253C-69C4-CE53-05054A6EE41A}"/>
+                </a:ext>
+              </a:extLst>
+            </p:cNvPr>
+            <p:cNvPicPr>
+              <a:picLocks noChangeAspect="1" noChangeArrowheads="1"/>
+            </p:cNvPicPr>
+            <p:nvPr/>
+          </p:nvPicPr>
+          <p:blipFill>
+            <a:blip r:embed="rId4">
+              <a:extLst>
+                <a:ext uri="{28A0092B-C50C-407E-A947-70E740481C1C}">
+                  <a14:useLocalDpi xmlns:a14="http://schemas.microsoft.com/office/drawing/2010/main" val="0"/>
+                </a:ext>
+              </a:extLst>
+            </a:blip>
+            <a:srcRect/>
+            <a:stretch>
+              <a:fillRect/>
+            </a:stretch>
+          </p:blipFill>
+          <p:spPr bwMode="auto">
+            <a:xfrm>
+              <a:off x="1879600" y="442839"/>
+              <a:ext cx="2005076" cy="990006"/>
+            </a:xfrm>
+            <a:prstGeom prst="rect">
+              <a:avLst/>
+            </a:prstGeom>
+            <a:noFill/>
+            <a:extLst>
+              <a:ext uri="{909E8E84-426E-40DD-AFC4-6F175D3DCCD1}">
+                <a14:hiddenFill xmlns:a14="http://schemas.microsoft.com/office/drawing/2010/main">
+                  <a:solidFill>
+                    <a:srgbClr val="FFFFFF"/>
+                  </a:solidFill>
+                </a14:hiddenFill>
+              </a:ext>
+            </a:extLst>
+          </p:spPr>
+        </p:pic>
+      </p:grpSp>
+    </p:spTree>
+    <p:extLst>
+      <p:ext uri="{BB962C8B-B14F-4D97-AF65-F5344CB8AC3E}">
+        <p14:creationId xmlns:p14="http://schemas.microsoft.com/office/powerpoint/2010/main" val="3284547053"/>
+      </p:ext>
+    </p:extLst>
+  </p:cSld>
+  <p:clrMapOvr>
+    <a:masterClrMapping/>
+  </p:clrMapOvr>
+</p:sld>
+</file>
+
+<file path=ppt/slides/slide6.xml><?xml version="1.0" encoding="utf-8"?>
+<p:sld xmlns:a="http://schemas.openxmlformats.org/drawingml/2006/main" xmlns:r="http://schemas.openxmlformats.org/officeDocument/2006/relationships" xmlns:p="http://schemas.openxmlformats.org/presentationml/2006/main">
+  <p:cSld>
+    <p:bg>
+      <p:bgPr>
+        <a:solidFill>
+          <a:schemeClr val="bg1"/>
+        </a:solidFill>
+        <a:effectLst/>
+      </p:bgPr>
+    </p:bg>
+    <p:spTree>
+      <p:nvGrpSpPr>
+        <p:cNvPr id="1" name=""/>
+        <p:cNvGrpSpPr/>
+        <p:nvPr/>
+      </p:nvGrpSpPr>
+      <p:grpSpPr>
+        <a:xfrm>
+          <a:off x="0" y="0"/>
+          <a:ext cx="0" cy="0"/>
+          <a:chOff x="0" y="0"/>
+          <a:chExt cx="0" cy="0"/>
+        </a:xfrm>
+      </p:grpSpPr>
+      <p:sp useBgFill="1">
+        <p:nvSpPr>
+          <p:cNvPr id="4103" name="Rectangle 4102">
+            <a:extLst>
+              <a:ext uri="{FF2B5EF4-FFF2-40B4-BE49-F238E27FC236}">
+                <a16:creationId xmlns:a16="http://schemas.microsoft.com/office/drawing/2014/main" id="{79BB35BC-D5C2-4C8B-A22A-A71E6191913B}"/>
+              </a:ext>
+              <a:ext uri="{C183D7F6-B498-43B3-948B-1728B52AA6E4}">
+                <adec:decorative xmlns:adec="http://schemas.microsoft.com/office/drawing/2017/decorative" val="1"/>
+              </a:ext>
+            </a:extLst>
+          </p:cNvPr>
+          <p:cNvSpPr>
+            <a:spLocks noGrp="1" noRot="1" noChangeAspect="1" noMove="1" noResize="1" noEditPoints="1" noAdjustHandles="1" noChangeArrowheads="1" noChangeShapeType="1" noTextEdit="1"/>
+          </p:cNvSpPr>
+          <p:nvPr>
+            <p:extLst>
+              <p:ext uri="{386F3935-93C4-4BCD-93E2-E3B085C9AB24}">
+                <p16:designElem xmlns:p16="http://schemas.microsoft.com/office/powerpoint/2015/main" val="1"/>
+              </p:ext>
+            </p:extLst>
+          </p:nvPr>
+        </p:nvSpPr>
+        <p:spPr>
+          <a:xfrm>
+            <a:off x="0" y="0"/>
+            <a:ext cx="12188952" cy="6858000"/>
+          </a:xfrm>
+          <a:prstGeom prst="rect">
+            <a:avLst/>
+          </a:prstGeom>
+          <a:ln>
+            <a:noFill/>
+          </a:ln>
+        </p:spPr>
+        <p:style>
+          <a:lnRef idx="2">
+            <a:schemeClr val="accent1">
+              <a:shade val="50000"/>
+            </a:schemeClr>
+          </a:lnRef>
+          <a:fillRef idx="1">
+            <a:schemeClr val="accent1"/>
+          </a:fillRef>
+          <a:effectRef idx="0">
+            <a:schemeClr val="accent1"/>
+          </a:effectRef>
+          <a:fontRef idx="minor">
+            <a:schemeClr val="lt1"/>
+          </a:fontRef>
+        </p:style>
+        <p:txBody>
+          <a:bodyPr rtlCol="0" anchor="ctr"/>
+          <a:lstStyle/>
+          <a:p>
+            <a:pPr algn="ctr"/>
+            <a:endParaRPr lang="en-US"/>
+          </a:p>
+        </p:txBody>
+      </p:sp>
+      <p:sp>
+        <p:nvSpPr>
+          <p:cNvPr id="2" name="Título 1">
+            <a:extLst>
+              <a:ext uri="{FF2B5EF4-FFF2-40B4-BE49-F238E27FC236}">
                 <a16:creationId xmlns:a16="http://schemas.microsoft.com/office/drawing/2014/main" id="{501E0939-5BAC-5649-25DA-EB637BB1DD3D}"/>
               </a:ext>
             </a:extLst>
@@ -8591,54 +13918,94 @@
         </p:nvSpPr>
         <p:spPr>
           <a:xfrm>
-            <a:off x="6513788" y="2333297"/>
-            <a:ext cx="4840010" cy="3843666"/>
+            <a:off x="6669105" y="1630931"/>
+            <a:ext cx="5081912" cy="4861943"/>
           </a:xfrm>
         </p:spPr>
         <p:txBody>
           <a:bodyPr>
-            <a:normAutofit/>
+            <a:noAutofit/>
           </a:bodyPr>
           <a:lstStyle/>
           <a:p>
             <a:r>
-              <a:rPr lang="pt-BR" sz="2000" b="1"/>
+              <a:rPr lang="pt-BR" sz="2700" b="1" dirty="0"/>
               <a:t>Linguagem Utilizada: </a:t>
             </a:r>
             <a:r>
-              <a:rPr lang="pt-BR" sz="2000"/>
-              <a:t>OntoUML (Unified Modeling Language for Ontologies).</a:t>
-            </a:r>
-          </a:p>
-          <a:p>
-            <a:pPr marL="0" indent="0">
-              <a:buNone/>
-            </a:pPr>
-            <a:endParaRPr lang="pt-BR" sz="2000"/>
-          </a:p>
-          <a:p>
-            <a:r>
-              <a:rPr lang="pt-BR" sz="2000" b="1"/>
+              <a:rPr lang="pt-BR" sz="2700" dirty="0" err="1"/>
+              <a:t>OntoUML</a:t>
+            </a:r>
+            <a:r>
+              <a:rPr lang="pt-BR" sz="2700" dirty="0"/>
+              <a:t> (</a:t>
+            </a:r>
+            <a:r>
+              <a:rPr lang="pt-BR" sz="2700" dirty="0" err="1"/>
+              <a:t>Unified</a:t>
+            </a:r>
+            <a:r>
+              <a:rPr lang="pt-BR" sz="2700" dirty="0"/>
+              <a:t> </a:t>
+            </a:r>
+            <a:r>
+              <a:rPr lang="pt-BR" sz="2700" dirty="0" err="1"/>
+              <a:t>Modeling</a:t>
+            </a:r>
+            <a:r>
+              <a:rPr lang="pt-BR" sz="2700" dirty="0"/>
+              <a:t> </a:t>
+            </a:r>
+            <a:r>
+              <a:rPr lang="pt-BR" sz="2700" dirty="0" err="1"/>
+              <a:t>Language</a:t>
+            </a:r>
+            <a:r>
+              <a:rPr lang="pt-BR" sz="2700" dirty="0"/>
+              <a:t> for </a:t>
+            </a:r>
+            <a:r>
+              <a:rPr lang="pt-BR" sz="2700" dirty="0" err="1"/>
+              <a:t>Ontologies</a:t>
+            </a:r>
+            <a:r>
+              <a:rPr lang="pt-BR" sz="2700" dirty="0"/>
+              <a:t>).</a:t>
+            </a:r>
+          </a:p>
+          <a:p>
+            <a:r>
+              <a:rPr lang="pt-BR" sz="2700" b="1" dirty="0"/>
               <a:t>Ferramentas de Desenvolvimento: </a:t>
             </a:r>
             <a:r>
-              <a:rPr lang="pt-BR" sz="2000"/>
-              <a:t>Visual Paradigm e Protégé Community.</a:t>
-            </a:r>
-          </a:p>
-          <a:p>
-            <a:pPr marL="0" indent="0">
-              <a:buNone/>
-            </a:pPr>
-            <a:endParaRPr lang="pt-BR" sz="2000"/>
-          </a:p>
-          <a:p>
-            <a:r>
-              <a:rPr lang="pt-BR" sz="2000" b="1"/>
+              <a:rPr lang="pt-BR" sz="2700" dirty="0"/>
+              <a:t>Visual </a:t>
+            </a:r>
+            <a:r>
+              <a:rPr lang="pt-BR" sz="2700" dirty="0" err="1"/>
+              <a:t>Paradigm</a:t>
+            </a:r>
+            <a:r>
+              <a:rPr lang="pt-BR" sz="2700" dirty="0"/>
+              <a:t> e </a:t>
+            </a:r>
+            <a:r>
+              <a:rPr lang="pt-BR" sz="2700" dirty="0" err="1"/>
+              <a:t>Protégé</a:t>
+            </a:r>
+            <a:r>
+              <a:rPr lang="pt-BR" sz="2700" dirty="0"/>
+              <a:t> Community.</a:t>
+            </a:r>
+          </a:p>
+          <a:p>
+            <a:r>
+              <a:rPr lang="pt-BR" sz="2700" b="1" dirty="0"/>
               <a:t>Etapas de Construção: </a:t>
             </a:r>
             <a:r>
-              <a:rPr lang="pt-BR" sz="2000"/>
+              <a:rPr lang="pt-BR" sz="2700" dirty="0"/>
               <a:t>Identificação de entidades, estabelecimento de relações semânticas e inclusão de restrições.</a:t>
             </a:r>
           </a:p>
@@ -8819,7 +14186,327 @@
 </p:sld>
 </file>
 
-<file path=ppt/slides/slide5.xml><?xml version="1.0" encoding="utf-8"?>
+<file path=ppt/slides/slide7.xml><?xml version="1.0" encoding="utf-8"?>
+<p:sld xmlns:a="http://schemas.openxmlformats.org/drawingml/2006/main" xmlns:r="http://schemas.openxmlformats.org/officeDocument/2006/relationships" xmlns:p="http://schemas.openxmlformats.org/presentationml/2006/main">
+  <p:cSld>
+    <p:spTree>
+      <p:nvGrpSpPr>
+        <p:cNvPr id="1" name=""/>
+        <p:cNvGrpSpPr/>
+        <p:nvPr/>
+      </p:nvGrpSpPr>
+      <p:grpSpPr>
+        <a:xfrm>
+          <a:off x="0" y="0"/>
+          <a:ext cx="0" cy="0"/>
+          <a:chOff x="0" y="0"/>
+          <a:chExt cx="0" cy="0"/>
+        </a:xfrm>
+      </p:grpSpPr>
+      <p:sp>
+        <p:nvSpPr>
+          <p:cNvPr id="2" name="Título 1">
+            <a:extLst>
+              <a:ext uri="{FF2B5EF4-FFF2-40B4-BE49-F238E27FC236}">
+                <a16:creationId xmlns:a16="http://schemas.microsoft.com/office/drawing/2014/main" id="{4883F4E8-32EB-535F-81B3-7535D85C587E}"/>
+              </a:ext>
+            </a:extLst>
+          </p:cNvPr>
+          <p:cNvSpPr>
+            <a:spLocks noGrp="1"/>
+          </p:cNvSpPr>
+          <p:nvPr>
+            <p:ph type="title"/>
+          </p:nvPr>
+        </p:nvSpPr>
+        <p:spPr>
+          <a:xfrm>
+            <a:off x="504192" y="456819"/>
+            <a:ext cx="3438144" cy="1239012"/>
+          </a:xfrm>
+        </p:spPr>
+        <p:txBody>
+          <a:bodyPr anchor="ctr">
+            <a:normAutofit/>
+          </a:bodyPr>
+          <a:lstStyle/>
+          <a:p>
+            <a:r>
+              <a:rPr lang="pt-BR" sz="2800" b="1" i="0" dirty="0">
+                <a:effectLst/>
+                <a:latin typeface="Söhne"/>
+              </a:rPr>
+              <a:t>Visões Específicas da Ontologia (</a:t>
+            </a:r>
+            <a:r>
+              <a:rPr lang="pt-BR" sz="2800" b="1" i="0" dirty="0" err="1">
+                <a:effectLst/>
+                <a:latin typeface="Söhne"/>
+              </a:rPr>
+              <a:t>OntoUML</a:t>
+            </a:r>
+            <a:r>
+              <a:rPr lang="pt-BR" sz="2800" b="1" i="0" dirty="0">
+                <a:effectLst/>
+                <a:latin typeface="Söhne"/>
+              </a:rPr>
+              <a:t>)</a:t>
+            </a:r>
+            <a:endParaRPr lang="pt-BR" sz="2800" dirty="0"/>
+          </a:p>
+        </p:txBody>
+      </p:sp>
+      <p:sp>
+        <p:nvSpPr>
+          <p:cNvPr id="3" name="Espaço Reservado para Conteúdo 2">
+            <a:extLst>
+              <a:ext uri="{FF2B5EF4-FFF2-40B4-BE49-F238E27FC236}">
+                <a16:creationId xmlns:a16="http://schemas.microsoft.com/office/drawing/2014/main" id="{B77614A7-58E5-7793-19B4-3E7D96F6CF6D}"/>
+              </a:ext>
+            </a:extLst>
+          </p:cNvPr>
+          <p:cNvSpPr>
+            <a:spLocks noGrp="1"/>
+          </p:cNvSpPr>
+          <p:nvPr>
+            <p:ph idx="1"/>
+          </p:nvPr>
+        </p:nvSpPr>
+        <p:spPr>
+          <a:xfrm>
+            <a:off x="4831847" y="649358"/>
+            <a:ext cx="7479423" cy="1524000"/>
+          </a:xfrm>
+        </p:spPr>
+        <p:txBody>
+          <a:bodyPr anchor="t">
+            <a:normAutofit/>
+          </a:bodyPr>
+          <a:lstStyle/>
+          <a:p>
+            <a:r>
+              <a:rPr lang="pt-BR" sz="3000" b="1" dirty="0"/>
+              <a:t>Visão de Computação: </a:t>
+            </a:r>
+            <a:r>
+              <a:rPr lang="pt-BR" sz="3000" dirty="0"/>
+              <a:t>Sistemas computacionais, processamento de imagem, aprendizado de máquina.</a:t>
+            </a:r>
+          </a:p>
+          <a:p>
+            <a:endParaRPr lang="pt-BR" sz="3000" dirty="0"/>
+          </a:p>
+          <a:p>
+            <a:endParaRPr lang="pt-BR" sz="3000" dirty="0"/>
+          </a:p>
+        </p:txBody>
+      </p:sp>
+      <p:grpSp>
+        <p:nvGrpSpPr>
+          <p:cNvPr id="6" name="Agrupar 5">
+            <a:extLst>
+              <a:ext uri="{FF2B5EF4-FFF2-40B4-BE49-F238E27FC236}">
+                <a16:creationId xmlns:a16="http://schemas.microsoft.com/office/drawing/2014/main" id="{883BD476-0A2F-2D31-B557-3A7B4D1907BB}"/>
+              </a:ext>
+            </a:extLst>
+          </p:cNvPr>
+          <p:cNvGrpSpPr/>
+          <p:nvPr/>
+        </p:nvGrpSpPr>
+        <p:grpSpPr>
+          <a:xfrm>
+            <a:off x="10173742" y="6176963"/>
+            <a:ext cx="1767154" cy="450511"/>
+            <a:chOff x="463685" y="371326"/>
+            <a:chExt cx="4527137" cy="1154130"/>
+          </a:xfrm>
+        </p:grpSpPr>
+        <p:pic>
+          <p:nvPicPr>
+            <p:cNvPr id="7" name="Picture 6" descr="Universidade do Estado do Rio Grande do Norte – Wikipédia, a enciclopédia  livre">
+              <a:extLst>
+                <a:ext uri="{FF2B5EF4-FFF2-40B4-BE49-F238E27FC236}">
+                  <a16:creationId xmlns:a16="http://schemas.microsoft.com/office/drawing/2014/main" id="{2B24FB28-246A-0070-3FF1-6BA39C85A56A}"/>
+                </a:ext>
+              </a:extLst>
+            </p:cNvPr>
+            <p:cNvPicPr>
+              <a:picLocks noChangeAspect="1" noChangeArrowheads="1"/>
+            </p:cNvPicPr>
+            <p:nvPr/>
+          </p:nvPicPr>
+          <p:blipFill>
+            <a:blip r:embed="rId2">
+              <a:extLst>
+                <a:ext uri="{28A0092B-C50C-407E-A947-70E740481C1C}">
+                  <a14:useLocalDpi xmlns:a14="http://schemas.microsoft.com/office/drawing/2010/main" val="0"/>
+                </a:ext>
+              </a:extLst>
+            </a:blip>
+            <a:srcRect/>
+            <a:stretch>
+              <a:fillRect/>
+            </a:stretch>
+          </p:blipFill>
+          <p:spPr bwMode="auto">
+            <a:xfrm>
+              <a:off x="4219279" y="371326"/>
+              <a:ext cx="771543" cy="1061519"/>
+            </a:xfrm>
+            <a:prstGeom prst="rect">
+              <a:avLst/>
+            </a:prstGeom>
+            <a:noFill/>
+            <a:extLst>
+              <a:ext uri="{909E8E84-426E-40DD-AFC4-6F175D3DCCD1}">
+                <a14:hiddenFill xmlns:a14="http://schemas.microsoft.com/office/drawing/2010/main">
+                  <a:solidFill>
+                    <a:srgbClr val="FFFFFF"/>
+                  </a:solidFill>
+                </a14:hiddenFill>
+              </a:ext>
+            </a:extLst>
+          </p:spPr>
+        </p:pic>
+        <p:pic>
+          <p:nvPicPr>
+            <p:cNvPr id="8" name="Picture 8" descr="Matriz de bordado - Ufersa 001 | Elo7 Produtos Especiais">
+              <a:extLst>
+                <a:ext uri="{FF2B5EF4-FFF2-40B4-BE49-F238E27FC236}">
+                  <a16:creationId xmlns:a16="http://schemas.microsoft.com/office/drawing/2014/main" id="{03204066-2118-E2FA-8A17-36185C97AC36}"/>
+                </a:ext>
+              </a:extLst>
+            </p:cNvPr>
+            <p:cNvPicPr>
+              <a:picLocks noChangeAspect="1" noChangeArrowheads="1"/>
+            </p:cNvPicPr>
+            <p:nvPr/>
+          </p:nvPicPr>
+          <p:blipFill>
+            <a:blip r:embed="rId3">
+              <a:extLst>
+                <a:ext uri="{28A0092B-C50C-407E-A947-70E740481C1C}">
+                  <a14:useLocalDpi xmlns:a14="http://schemas.microsoft.com/office/drawing/2010/main" val="0"/>
+                </a:ext>
+              </a:extLst>
+            </a:blip>
+            <a:srcRect/>
+            <a:stretch>
+              <a:fillRect/>
+            </a:stretch>
+          </p:blipFill>
+          <p:spPr bwMode="auto">
+            <a:xfrm>
+              <a:off x="463685" y="371326"/>
+              <a:ext cx="1441227" cy="1154130"/>
+            </a:xfrm>
+            <a:prstGeom prst="rect">
+              <a:avLst/>
+            </a:prstGeom>
+            <a:noFill/>
+            <a:extLst>
+              <a:ext uri="{909E8E84-426E-40DD-AFC4-6F175D3DCCD1}">
+                <a14:hiddenFill xmlns:a14="http://schemas.microsoft.com/office/drawing/2010/main">
+                  <a:solidFill>
+                    <a:srgbClr val="FFFFFF"/>
+                  </a:solidFill>
+                </a14:hiddenFill>
+              </a:ext>
+            </a:extLst>
+          </p:spPr>
+        </p:pic>
+        <p:pic>
+          <p:nvPicPr>
+            <p:cNvPr id="9" name="Picture 4" descr="Programa de Pósgraduação em Ciência da Computação - ppgcc - Uern/Ufersa |  Mossoró RN">
+              <a:extLst>
+                <a:ext uri="{FF2B5EF4-FFF2-40B4-BE49-F238E27FC236}">
+                  <a16:creationId xmlns:a16="http://schemas.microsoft.com/office/drawing/2014/main" id="{87FEB6B4-AC85-3BEC-A5EC-AF0DD08A0F41}"/>
+                </a:ext>
+              </a:extLst>
+            </p:cNvPr>
+            <p:cNvPicPr>
+              <a:picLocks noChangeAspect="1" noChangeArrowheads="1"/>
+            </p:cNvPicPr>
+            <p:nvPr/>
+          </p:nvPicPr>
+          <p:blipFill>
+            <a:blip r:embed="rId4">
+              <a:extLst>
+                <a:ext uri="{28A0092B-C50C-407E-A947-70E740481C1C}">
+                  <a14:useLocalDpi xmlns:a14="http://schemas.microsoft.com/office/drawing/2010/main" val="0"/>
+                </a:ext>
+              </a:extLst>
+            </a:blip>
+            <a:srcRect/>
+            <a:stretch>
+              <a:fillRect/>
+            </a:stretch>
+          </p:blipFill>
+          <p:spPr bwMode="auto">
+            <a:xfrm>
+              <a:off x="1879600" y="442839"/>
+              <a:ext cx="2005076" cy="990006"/>
+            </a:xfrm>
+            <a:prstGeom prst="rect">
+              <a:avLst/>
+            </a:prstGeom>
+            <a:noFill/>
+            <a:extLst>
+              <a:ext uri="{909E8E84-426E-40DD-AFC4-6F175D3DCCD1}">
+                <a14:hiddenFill xmlns:a14="http://schemas.microsoft.com/office/drawing/2010/main">
+                  <a:solidFill>
+                    <a:srgbClr val="FFFFFF"/>
+                  </a:solidFill>
+                </a14:hiddenFill>
+              </a:ext>
+            </a:extLst>
+          </p:spPr>
+        </p:pic>
+      </p:grpSp>
+      <p:pic>
+        <p:nvPicPr>
+          <p:cNvPr id="4" name="Imagem 3" descr="Diagrama&#10;&#10;Descrição gerada automaticamente">
+            <a:extLst>
+              <a:ext uri="{FF2B5EF4-FFF2-40B4-BE49-F238E27FC236}">
+                <a16:creationId xmlns:a16="http://schemas.microsoft.com/office/drawing/2014/main" id="{4D58792F-530F-16CC-F3A9-089FEB6DC52D}"/>
+              </a:ext>
+            </a:extLst>
+          </p:cNvPr>
+          <p:cNvPicPr>
+            <a:picLocks noChangeAspect="1"/>
+          </p:cNvPicPr>
+          <p:nvPr/>
+        </p:nvPicPr>
+        <p:blipFill>
+          <a:blip r:embed="rId5"/>
+          <a:stretch>
+            <a:fillRect/>
+          </a:stretch>
+        </p:blipFill>
+        <p:spPr>
+          <a:xfrm>
+            <a:off x="1175598" y="1928879"/>
+            <a:ext cx="8498489" cy="4929121"/>
+          </a:xfrm>
+          <a:prstGeom prst="rect">
+            <a:avLst/>
+          </a:prstGeom>
+        </p:spPr>
+      </p:pic>
+    </p:spTree>
+    <p:extLst>
+      <p:ext uri="{BB962C8B-B14F-4D97-AF65-F5344CB8AC3E}">
+        <p14:creationId xmlns:p14="http://schemas.microsoft.com/office/powerpoint/2010/main" val="1254158152"/>
+      </p:ext>
+    </p:extLst>
+  </p:cSld>
+  <p:clrMapOvr>
+    <a:masterClrMapping/>
+  </p:clrMapOvr>
+</p:sld>
+</file>
+
+<file path=ppt/slides/slide8.xml><?xml version="1.0" encoding="utf-8"?>
 <p:sld xmlns:a="http://schemas.openxmlformats.org/drawingml/2006/main" xmlns:r="http://schemas.openxmlformats.org/officeDocument/2006/relationships" xmlns:p="http://schemas.openxmlformats.org/presentationml/2006/main">
   <p:cSld>
     <p:bg>
@@ -8846,7 +14533,7 @@
       </p:grpSpPr>
       <p:sp useBgFill="1">
         <p:nvSpPr>
-          <p:cNvPr id="19" name="Rectangle 13">
+          <p:cNvPr id="10" name="Rectangle 9">
             <a:extLst>
               <a:ext uri="{FF2B5EF4-FFF2-40B4-BE49-F238E27FC236}">
                 <a16:creationId xmlns:a16="http://schemas.microsoft.com/office/drawing/2014/main" id="{0288C6B4-AFC3-407F-A595-EFFD38D4CCAF}"/>
@@ -8906,7 +14593,7 @@
       </p:sp>
       <p:sp useBgFill="1">
         <p:nvSpPr>
-          <p:cNvPr id="21" name="Freeform: Shape 15">
+          <p:cNvPr id="12" name="Freeform: Shape 11">
             <a:extLst>
               <a:ext uri="{FF2B5EF4-FFF2-40B4-BE49-F238E27FC236}">
                 <a16:creationId xmlns:a16="http://schemas.microsoft.com/office/drawing/2014/main" id="{CF236821-17FE-429B-8D2C-08E13A64EA40}"/>
@@ -9078,7 +14765,7 @@
       </p:sp>
       <p:sp useBgFill="1">
         <p:nvSpPr>
-          <p:cNvPr id="18" name="Freeform: Shape 17">
+          <p:cNvPr id="14" name="Freeform: Shape 13">
             <a:extLst>
               <a:ext uri="{FF2B5EF4-FFF2-40B4-BE49-F238E27FC236}">
                 <a16:creationId xmlns:a16="http://schemas.microsoft.com/office/drawing/2014/main" id="{C0BDBCD2-E081-43AB-9119-C55465E59757}"/>
@@ -9244,7 +14931,7 @@
           <p:cNvPr id="2" name="Título 1">
             <a:extLst>
               <a:ext uri="{FF2B5EF4-FFF2-40B4-BE49-F238E27FC236}">
-                <a16:creationId xmlns:a16="http://schemas.microsoft.com/office/drawing/2014/main" id="{B3C61A44-8CE7-326F-3C66-027E59359703}"/>
+                <a16:creationId xmlns:a16="http://schemas.microsoft.com/office/drawing/2014/main" id="{4883F4E8-32EB-535F-81B3-7535D85C587E}"/>
               </a:ext>
             </a:extLst>
           </p:cNvPr>
@@ -9257,7 +14944,7 @@
         </p:nvSpPr>
         <p:spPr>
           <a:xfrm>
-            <a:off x="371094" y="1161288"/>
+            <a:off x="504192" y="456819"/>
             <a:ext cx="3438144" cy="1239012"/>
           </a:xfrm>
         </p:spPr>
@@ -9268,19 +14955,33 @@
           <a:lstStyle/>
           <a:p>
             <a:r>
-              <a:rPr lang="pt-BR" sz="2800" b="1" i="0">
+              <a:rPr lang="pt-BR" sz="2800" b="1" i="0" dirty="0">
                 <a:effectLst/>
                 <a:latin typeface="Söhne"/>
               </a:rPr>
-              <a:t>Visões Específicas da Ontologia</a:t>
-            </a:r>
-            <a:endParaRPr lang="pt-BR" sz="2800"/>
+              <a:t>Visões Específicas da Ontologia (</a:t>
+            </a:r>
+            <a:r>
+              <a:rPr lang="pt-BR" sz="2800" b="1" i="0" dirty="0" err="1">
+                <a:effectLst/>
+                <a:latin typeface="Söhne"/>
+              </a:rPr>
+              <a:t>OntoUML</a:t>
+            </a:r>
+            <a:r>
+              <a:rPr lang="pt-BR" sz="2800" b="1" i="0" dirty="0">
+                <a:effectLst/>
+                <a:latin typeface="Söhne"/>
+              </a:rPr>
+              <a:t>)</a:t>
+            </a:r>
+            <a:endParaRPr lang="pt-BR" sz="2800" dirty="0"/>
           </a:p>
         </p:txBody>
       </p:sp>
       <p:sp>
         <p:nvSpPr>
-          <p:cNvPr id="20" name="Rectangle 19">
+          <p:cNvPr id="16" name="Rectangle 15">
             <a:extLst>
               <a:ext uri="{FF2B5EF4-FFF2-40B4-BE49-F238E27FC236}">
                 <a16:creationId xmlns:a16="http://schemas.microsoft.com/office/drawing/2014/main" id="{98E79BE4-34FE-485A-98A5-92CE8F7C4743}"/>
@@ -9348,7 +15049,7 @@
       </p:sp>
       <p:sp>
         <p:nvSpPr>
-          <p:cNvPr id="22" name="Rectangle 21">
+          <p:cNvPr id="18" name="Rectangle 17">
             <a:extLst>
               <a:ext uri="{FF2B5EF4-FFF2-40B4-BE49-F238E27FC236}">
                 <a16:creationId xmlns:a16="http://schemas.microsoft.com/office/drawing/2014/main" id="{7A5F0580-5EE9-419F-96EE-B6529EF6E7D0}"/>
@@ -9441,10 +15142,10 @@
       </p:sp>
       <p:sp>
         <p:nvSpPr>
-          <p:cNvPr id="8" name="Espaço Reservado para Conteúdo 2">
+          <p:cNvPr id="3" name="Espaço Reservado para Conteúdo 2">
             <a:extLst>
               <a:ext uri="{FF2B5EF4-FFF2-40B4-BE49-F238E27FC236}">
-                <a16:creationId xmlns:a16="http://schemas.microsoft.com/office/drawing/2014/main" id="{ECFFF7FE-B1E1-4D11-B0F6-4B21E6B5E210}"/>
+                <a16:creationId xmlns:a16="http://schemas.microsoft.com/office/drawing/2014/main" id="{B77614A7-58E5-7793-19B4-3E7D96F6CF6D}"/>
               </a:ext>
             </a:extLst>
           </p:cNvPr>
@@ -9457,8 +15158,8 @@
         </p:nvSpPr>
         <p:spPr>
           <a:xfrm>
-            <a:off x="371094" y="2718054"/>
-            <a:ext cx="3438906" cy="3207258"/>
+            <a:off x="4831847" y="649357"/>
+            <a:ext cx="6807879" cy="1794123"/>
           </a:xfrm>
         </p:spPr>
         <p:txBody>
@@ -9468,25 +15169,28 @@
           <a:lstStyle/>
           <a:p>
             <a:r>
-              <a:rPr lang="pt-BR" sz="1700" b="1"/>
-              <a:t>Visão de Computação: </a:t>
-            </a:r>
-            <a:r>
-              <a:rPr lang="pt-BR" sz="1700"/>
-              <a:t>Sistemas computacionais, processamento de imagem, aprendizado de máquina.</a:t>
-            </a:r>
-          </a:p>
-          <a:p>
-            <a:endParaRPr lang="pt-BR" sz="1700"/>
+              <a:rPr lang="pt-BR" sz="3000" b="1" dirty="0"/>
+              <a:t>Visão de Agricultura: </a:t>
+            </a:r>
+            <a:r>
+              <a:rPr lang="pt-BR" sz="3000" dirty="0"/>
+              <a:t>Herbicidas, plantas daninhas, práticas agrícolas.</a:t>
+            </a:r>
+          </a:p>
+          <a:p>
+            <a:endParaRPr lang="pt-BR" sz="3000" dirty="0"/>
+          </a:p>
+          <a:p>
+            <a:endParaRPr lang="pt-BR" sz="3000" dirty="0"/>
           </a:p>
         </p:txBody>
       </p:sp>
       <p:pic>
         <p:nvPicPr>
-          <p:cNvPr id="9" name="Imagem 8" descr="Diagrama&#10;&#10;Descrição gerada automaticamente">
+          <p:cNvPr id="5" name="Imagem 4" descr="Diagrama&#10;&#10;Descrição gerada automaticamente">
             <a:extLst>
               <a:ext uri="{FF2B5EF4-FFF2-40B4-BE49-F238E27FC236}">
-                <a16:creationId xmlns:a16="http://schemas.microsoft.com/office/drawing/2014/main" id="{298736ED-F653-B14F-5CDD-51929DAEBE9F}"/>
+                <a16:creationId xmlns:a16="http://schemas.microsoft.com/office/drawing/2014/main" id="{0EABD2F5-CCD4-9AD4-CFD7-987348353916}"/>
               </a:ext>
             </a:extLst>
           </p:cNvPr>
@@ -9503,878 +15207,8 @@
         </p:blipFill>
         <p:spPr>
           <a:xfrm>
-            <a:off x="4901184" y="1471910"/>
-            <a:ext cx="6922008" cy="4014763"/>
-          </a:xfrm>
-          <a:prstGeom prst="rect">
-            <a:avLst/>
-          </a:prstGeom>
-        </p:spPr>
-      </p:pic>
-      <p:grpSp>
-        <p:nvGrpSpPr>
-          <p:cNvPr id="10" name="Agrupar 9">
-            <a:extLst>
-              <a:ext uri="{FF2B5EF4-FFF2-40B4-BE49-F238E27FC236}">
-                <a16:creationId xmlns:a16="http://schemas.microsoft.com/office/drawing/2014/main" id="{E2058CFB-F534-7A10-1FA3-618F9ED2C421}"/>
-              </a:ext>
-            </a:extLst>
-          </p:cNvPr>
-          <p:cNvGrpSpPr/>
-          <p:nvPr/>
-        </p:nvGrpSpPr>
-        <p:grpSpPr>
-          <a:xfrm>
-            <a:off x="10173742" y="6176963"/>
-            <a:ext cx="1767154" cy="450511"/>
-            <a:chOff x="463685" y="371326"/>
-            <a:chExt cx="4527137" cy="1154130"/>
-          </a:xfrm>
-        </p:grpSpPr>
-        <p:pic>
-          <p:nvPicPr>
-            <p:cNvPr id="11" name="Picture 6" descr="Universidade do Estado do Rio Grande do Norte – Wikipédia, a enciclopédia  livre">
-              <a:extLst>
-                <a:ext uri="{FF2B5EF4-FFF2-40B4-BE49-F238E27FC236}">
-                  <a16:creationId xmlns:a16="http://schemas.microsoft.com/office/drawing/2014/main" id="{2E64C9E1-3F3C-54F5-0968-E32C150B697B}"/>
-                </a:ext>
-              </a:extLst>
-            </p:cNvPr>
-            <p:cNvPicPr>
-              <a:picLocks noChangeAspect="1" noChangeArrowheads="1"/>
-            </p:cNvPicPr>
-            <p:nvPr/>
-          </p:nvPicPr>
-          <p:blipFill>
-            <a:blip r:embed="rId3">
-              <a:extLst>
-                <a:ext uri="{28A0092B-C50C-407E-A947-70E740481C1C}">
-                  <a14:useLocalDpi xmlns:a14="http://schemas.microsoft.com/office/drawing/2010/main" val="0"/>
-                </a:ext>
-              </a:extLst>
-            </a:blip>
-            <a:srcRect/>
-            <a:stretch>
-              <a:fillRect/>
-            </a:stretch>
-          </p:blipFill>
-          <p:spPr bwMode="auto">
-            <a:xfrm>
-              <a:off x="4219279" y="371326"/>
-              <a:ext cx="771543" cy="1061519"/>
-            </a:xfrm>
-            <a:prstGeom prst="rect">
-              <a:avLst/>
-            </a:prstGeom>
-            <a:noFill/>
-            <a:extLst>
-              <a:ext uri="{909E8E84-426E-40DD-AFC4-6F175D3DCCD1}">
-                <a14:hiddenFill xmlns:a14="http://schemas.microsoft.com/office/drawing/2010/main">
-                  <a:solidFill>
-                    <a:srgbClr val="FFFFFF"/>
-                  </a:solidFill>
-                </a14:hiddenFill>
-              </a:ext>
-            </a:extLst>
-          </p:spPr>
-        </p:pic>
-        <p:pic>
-          <p:nvPicPr>
-            <p:cNvPr id="12" name="Picture 8" descr="Matriz de bordado - Ufersa 001 | Elo7 Produtos Especiais">
-              <a:extLst>
-                <a:ext uri="{FF2B5EF4-FFF2-40B4-BE49-F238E27FC236}">
-                  <a16:creationId xmlns:a16="http://schemas.microsoft.com/office/drawing/2014/main" id="{33C9A70F-719B-1F2A-6842-79A415D61E43}"/>
-                </a:ext>
-              </a:extLst>
-            </p:cNvPr>
-            <p:cNvPicPr>
-              <a:picLocks noChangeAspect="1" noChangeArrowheads="1"/>
-            </p:cNvPicPr>
-            <p:nvPr/>
-          </p:nvPicPr>
-          <p:blipFill>
-            <a:blip r:embed="rId4">
-              <a:extLst>
-                <a:ext uri="{28A0092B-C50C-407E-A947-70E740481C1C}">
-                  <a14:useLocalDpi xmlns:a14="http://schemas.microsoft.com/office/drawing/2010/main" val="0"/>
-                </a:ext>
-              </a:extLst>
-            </a:blip>
-            <a:srcRect/>
-            <a:stretch>
-              <a:fillRect/>
-            </a:stretch>
-          </p:blipFill>
-          <p:spPr bwMode="auto">
-            <a:xfrm>
-              <a:off x="463685" y="371326"/>
-              <a:ext cx="1441227" cy="1154130"/>
-            </a:xfrm>
-            <a:prstGeom prst="rect">
-              <a:avLst/>
-            </a:prstGeom>
-            <a:noFill/>
-            <a:extLst>
-              <a:ext uri="{909E8E84-426E-40DD-AFC4-6F175D3DCCD1}">
-                <a14:hiddenFill xmlns:a14="http://schemas.microsoft.com/office/drawing/2010/main">
-                  <a:solidFill>
-                    <a:srgbClr val="FFFFFF"/>
-                  </a:solidFill>
-                </a14:hiddenFill>
-              </a:ext>
-            </a:extLst>
-          </p:spPr>
-        </p:pic>
-        <p:pic>
-          <p:nvPicPr>
-            <p:cNvPr id="13" name="Picture 4" descr="Programa de Pósgraduação em Ciência da Computação - ppgcc - Uern/Ufersa |  Mossoró RN">
-              <a:extLst>
-                <a:ext uri="{FF2B5EF4-FFF2-40B4-BE49-F238E27FC236}">
-                  <a16:creationId xmlns:a16="http://schemas.microsoft.com/office/drawing/2014/main" id="{2B5E5558-1EDA-C81F-64D5-2FE6E94B0193}"/>
-                </a:ext>
-              </a:extLst>
-            </p:cNvPr>
-            <p:cNvPicPr>
-              <a:picLocks noChangeAspect="1" noChangeArrowheads="1"/>
-            </p:cNvPicPr>
-            <p:nvPr/>
-          </p:nvPicPr>
-          <p:blipFill>
-            <a:blip r:embed="rId5">
-              <a:extLst>
-                <a:ext uri="{28A0092B-C50C-407E-A947-70E740481C1C}">
-                  <a14:useLocalDpi xmlns:a14="http://schemas.microsoft.com/office/drawing/2010/main" val="0"/>
-                </a:ext>
-              </a:extLst>
-            </a:blip>
-            <a:srcRect/>
-            <a:stretch>
-              <a:fillRect/>
-            </a:stretch>
-          </p:blipFill>
-          <p:spPr bwMode="auto">
-            <a:xfrm>
-              <a:off x="1879600" y="442839"/>
-              <a:ext cx="2005076" cy="990006"/>
-            </a:xfrm>
-            <a:prstGeom prst="rect">
-              <a:avLst/>
-            </a:prstGeom>
-            <a:noFill/>
-            <a:extLst>
-              <a:ext uri="{909E8E84-426E-40DD-AFC4-6F175D3DCCD1}">
-                <a14:hiddenFill xmlns:a14="http://schemas.microsoft.com/office/drawing/2010/main">
-                  <a:solidFill>
-                    <a:srgbClr val="FFFFFF"/>
-                  </a:solidFill>
-                </a14:hiddenFill>
-              </a:ext>
-            </a:extLst>
-          </p:spPr>
-        </p:pic>
-      </p:grpSp>
-    </p:spTree>
-    <p:extLst>
-      <p:ext uri="{BB962C8B-B14F-4D97-AF65-F5344CB8AC3E}">
-        <p14:creationId xmlns:p14="http://schemas.microsoft.com/office/powerpoint/2010/main" val="1983034648"/>
-      </p:ext>
-    </p:extLst>
-  </p:cSld>
-  <p:clrMapOvr>
-    <a:masterClrMapping/>
-  </p:clrMapOvr>
-</p:sld>
-</file>
-
-<file path=ppt/slides/slide6.xml><?xml version="1.0" encoding="utf-8"?>
-<p:sld xmlns:a="http://schemas.openxmlformats.org/drawingml/2006/main" xmlns:r="http://schemas.openxmlformats.org/officeDocument/2006/relationships" xmlns:p="http://schemas.openxmlformats.org/presentationml/2006/main">
-  <p:cSld>
-    <p:bg>
-      <p:bgPr>
-        <a:solidFill>
-          <a:schemeClr val="bg1"/>
-        </a:solidFill>
-        <a:effectLst/>
-      </p:bgPr>
-    </p:bg>
-    <p:spTree>
-      <p:nvGrpSpPr>
-        <p:cNvPr id="1" name=""/>
-        <p:cNvGrpSpPr/>
-        <p:nvPr/>
-      </p:nvGrpSpPr>
-      <p:grpSpPr>
-        <a:xfrm>
-          <a:off x="0" y="0"/>
-          <a:ext cx="0" cy="0"/>
-          <a:chOff x="0" y="0"/>
-          <a:chExt cx="0" cy="0"/>
-        </a:xfrm>
-      </p:grpSpPr>
-      <p:sp useBgFill="1">
-        <p:nvSpPr>
-          <p:cNvPr id="10" name="Rectangle 9">
-            <a:extLst>
-              <a:ext uri="{FF2B5EF4-FFF2-40B4-BE49-F238E27FC236}">
-                <a16:creationId xmlns:a16="http://schemas.microsoft.com/office/drawing/2014/main" id="{0288C6B4-AFC3-407F-A595-EFFD38D4CCAF}"/>
-              </a:ext>
-              <a:ext uri="{C183D7F6-B498-43B3-948B-1728B52AA6E4}">
-                <adec:decorative xmlns:adec="http://schemas.microsoft.com/office/drawing/2017/decorative" val="1"/>
-              </a:ext>
-            </a:extLst>
-          </p:cNvPr>
-          <p:cNvSpPr>
-            <a:spLocks noGrp="1" noRot="1" noChangeAspect="1" noMove="1" noResize="1" noEditPoints="1" noAdjustHandles="1" noChangeArrowheads="1" noChangeShapeType="1" noTextEdit="1"/>
-          </p:cNvSpPr>
-          <p:nvPr>
-            <p:extLst>
-              <p:ext uri="{386F3935-93C4-4BCD-93E2-E3B085C9AB24}">
-                <p16:designElem xmlns:p16="http://schemas.microsoft.com/office/powerpoint/2015/main" val="1"/>
-              </p:ext>
-            </p:extLst>
-          </p:nvPr>
-        </p:nvSpPr>
-        <p:spPr>
-          <a:xfrm>
-            <a:off x="0" y="0"/>
-            <a:ext cx="12192000" cy="6858000"/>
-          </a:xfrm>
-          <a:prstGeom prst="rect">
-            <a:avLst/>
-          </a:prstGeom>
-          <a:ln>
-            <a:noFill/>
-          </a:ln>
-        </p:spPr>
-        <p:style>
-          <a:lnRef idx="2">
-            <a:schemeClr val="accent1">
-              <a:shade val="50000"/>
-            </a:schemeClr>
-          </a:lnRef>
-          <a:fillRef idx="1">
-            <a:schemeClr val="accent1"/>
-          </a:fillRef>
-          <a:effectRef idx="0">
-            <a:schemeClr val="accent1"/>
-          </a:effectRef>
-          <a:fontRef idx="minor">
-            <a:schemeClr val="lt1"/>
-          </a:fontRef>
-        </p:style>
-        <p:txBody>
-          <a:bodyPr rtlCol="0" anchor="ctr"/>
-          <a:lstStyle/>
-          <a:p>
-            <a:pPr algn="ctr"/>
-            <a:endParaRPr lang="en-US"/>
-          </a:p>
-        </p:txBody>
-      </p:sp>
-      <p:sp useBgFill="1">
-        <p:nvSpPr>
-          <p:cNvPr id="12" name="Freeform: Shape 11">
-            <a:extLst>
-              <a:ext uri="{FF2B5EF4-FFF2-40B4-BE49-F238E27FC236}">
-                <a16:creationId xmlns:a16="http://schemas.microsoft.com/office/drawing/2014/main" id="{CF236821-17FE-429B-8D2C-08E13A64EA40}"/>
-              </a:ext>
-              <a:ext uri="{C183D7F6-B498-43B3-948B-1728B52AA6E4}">
-                <adec:decorative xmlns:adec="http://schemas.microsoft.com/office/drawing/2017/decorative" val="1"/>
-              </a:ext>
-            </a:extLst>
-          </p:cNvPr>
-          <p:cNvSpPr>
-            <a:spLocks noGrp="1" noRot="1" noChangeAspect="1" noMove="1" noResize="1" noEditPoints="1" noAdjustHandles="1" noChangeArrowheads="1" noChangeShapeType="1" noTextEdit="1"/>
-          </p:cNvSpPr>
-          <p:nvPr>
-            <p:extLst>
-              <p:ext uri="{386F3935-93C4-4BCD-93E2-E3B085C9AB24}">
-                <p16:designElem xmlns:p16="http://schemas.microsoft.com/office/powerpoint/2015/main" val="1"/>
-              </p:ext>
-            </p:extLst>
-          </p:nvPr>
-        </p:nvSpPr>
-        <p:spPr>
-          <a:xfrm>
-            <a:off x="-1" y="0"/>
-            <a:ext cx="4455673" cy="6858000"/>
-          </a:xfrm>
-          <a:custGeom>
-            <a:avLst/>
-            <a:gdLst>
-              <a:gd name="connsiteX0" fmla="*/ 0 w 4455673"/>
-              <a:gd name="connsiteY0" fmla="*/ 0 h 6858000"/>
-              <a:gd name="connsiteX1" fmla="*/ 3242695 w 4455673"/>
-              <a:gd name="connsiteY1" fmla="*/ 0 h 6858000"/>
-              <a:gd name="connsiteX2" fmla="*/ 3305678 w 4455673"/>
-              <a:gd name="connsiteY2" fmla="*/ 69271 h 6858000"/>
-              <a:gd name="connsiteX3" fmla="*/ 4455673 w 4455673"/>
-              <a:gd name="connsiteY3" fmla="*/ 3429000 h 6858000"/>
-              <a:gd name="connsiteX4" fmla="*/ 3305678 w 4455673"/>
-              <a:gd name="connsiteY4" fmla="*/ 6788730 h 6858000"/>
-              <a:gd name="connsiteX5" fmla="*/ 3242695 w 4455673"/>
-              <a:gd name="connsiteY5" fmla="*/ 6858000 h 6858000"/>
-              <a:gd name="connsiteX6" fmla="*/ 0 w 4455673"/>
-              <a:gd name="connsiteY6" fmla="*/ 6858000 h 6858000"/>
-            </a:gdLst>
-            <a:ahLst/>
-            <a:cxnLst>
-              <a:cxn ang="0">
-                <a:pos x="connsiteX0" y="connsiteY0"/>
-              </a:cxn>
-              <a:cxn ang="0">
-                <a:pos x="connsiteX1" y="connsiteY1"/>
-              </a:cxn>
-              <a:cxn ang="0">
-                <a:pos x="connsiteX2" y="connsiteY2"/>
-              </a:cxn>
-              <a:cxn ang="0">
-                <a:pos x="connsiteX3" y="connsiteY3"/>
-              </a:cxn>
-              <a:cxn ang="0">
-                <a:pos x="connsiteX4" y="connsiteY4"/>
-              </a:cxn>
-              <a:cxn ang="0">
-                <a:pos x="connsiteX5" y="connsiteY5"/>
-              </a:cxn>
-              <a:cxn ang="0">
-                <a:pos x="connsiteX6" y="connsiteY6"/>
-              </a:cxn>
-            </a:cxnLst>
-            <a:rect l="l" t="t" r="r" b="b"/>
-            <a:pathLst>
-              <a:path w="4455673" h="6858000">
-                <a:moveTo>
-                  <a:pt x="0" y="0"/>
-                </a:moveTo>
-                <a:lnTo>
-                  <a:pt x="3242695" y="0"/>
-                </a:lnTo>
-                <a:lnTo>
-                  <a:pt x="3305678" y="69271"/>
-                </a:lnTo>
-                <a:cubicBezTo>
-                  <a:pt x="4016204" y="929100"/>
-                  <a:pt x="4455673" y="2116944"/>
-                  <a:pt x="4455673" y="3429000"/>
-                </a:cubicBezTo>
-                <a:cubicBezTo>
-                  <a:pt x="4455673" y="4741056"/>
-                  <a:pt x="4016204" y="5928900"/>
-                  <a:pt x="3305678" y="6788730"/>
-                </a:cubicBezTo>
-                <a:lnTo>
-                  <a:pt x="3242695" y="6858000"/>
-                </a:lnTo>
-                <a:lnTo>
-                  <a:pt x="0" y="6858000"/>
-                </a:lnTo>
-                <a:close/>
-              </a:path>
-            </a:pathLst>
-          </a:custGeom>
-          <a:ln w="9525">
-            <a:solidFill>
-              <a:srgbClr val="EFEFEF"/>
-            </a:solidFill>
-          </a:ln>
-          <a:effectLst>
-            <a:outerShdw blurRad="88900" dist="38100" algn="l" rotWithShape="0">
-              <a:schemeClr val="bg1">
-                <a:lumMod val="85000"/>
-                <a:alpha val="50000"/>
-              </a:schemeClr>
-            </a:outerShdw>
-          </a:effectLst>
-        </p:spPr>
-        <p:style>
-          <a:lnRef idx="2">
-            <a:schemeClr val="accent1">
-              <a:shade val="50000"/>
-            </a:schemeClr>
-          </a:lnRef>
-          <a:fillRef idx="1">
-            <a:schemeClr val="accent1"/>
-          </a:fillRef>
-          <a:effectRef idx="0">
-            <a:schemeClr val="accent1"/>
-          </a:effectRef>
-          <a:fontRef idx="minor">
-            <a:schemeClr val="lt1"/>
-          </a:fontRef>
-        </p:style>
-        <p:txBody>
-          <a:bodyPr wrap="square" rtlCol="0" anchor="ctr">
-            <a:noAutofit/>
-          </a:bodyPr>
-          <a:lstStyle/>
-          <a:p>
-            <a:pPr marL="0" marR="0" lvl="0" indent="0" algn="ctr" defTabSz="914400" rtl="0" eaLnBrk="1" fontAlgn="auto" latinLnBrk="0" hangingPunct="1">
-              <a:lnSpc>
-                <a:spcPct val="100000"/>
-              </a:lnSpc>
-              <a:spcBef>
-                <a:spcPts val="0"/>
-              </a:spcBef>
-              <a:spcAft>
-                <a:spcPts val="0"/>
-              </a:spcAft>
-              <a:buClrTx/>
-              <a:buSzTx/>
-              <a:buFontTx/>
-              <a:buNone/>
-              <a:tabLst/>
-              <a:defRPr/>
-            </a:pPr>
-            <a:endParaRPr kumimoji="0" lang="en-US" sz="1800" b="0" i="0" u="none" strike="noStrike" kern="1200" cap="none" spc="0" normalizeH="0" baseline="0" noProof="0">
-              <a:ln>
-                <a:noFill/>
-              </a:ln>
-              <a:solidFill>
-                <a:prstClr val="white"/>
-              </a:solidFill>
-              <a:effectLst/>
-              <a:uLnTx/>
-              <a:uFillTx/>
-              <a:latin typeface="Calibri" panose="020F0502020204030204"/>
-              <a:ea typeface="+mn-ea"/>
-              <a:cs typeface="+mn-cs"/>
-            </a:endParaRPr>
-          </a:p>
-        </p:txBody>
-      </p:sp>
-      <p:sp useBgFill="1">
-        <p:nvSpPr>
-          <p:cNvPr id="14" name="Freeform: Shape 13">
-            <a:extLst>
-              <a:ext uri="{FF2B5EF4-FFF2-40B4-BE49-F238E27FC236}">
-                <a16:creationId xmlns:a16="http://schemas.microsoft.com/office/drawing/2014/main" id="{C0BDBCD2-E081-43AB-9119-C55465E59757}"/>
-              </a:ext>
-              <a:ext uri="{C183D7F6-B498-43B3-948B-1728B52AA6E4}">
-                <adec:decorative xmlns:adec="http://schemas.microsoft.com/office/drawing/2017/decorative" val="1"/>
-              </a:ext>
-            </a:extLst>
-          </p:cNvPr>
-          <p:cNvSpPr>
-            <a:spLocks noGrp="1" noRot="1" noChangeAspect="1" noMove="1" noResize="1" noEditPoints="1" noAdjustHandles="1" noChangeArrowheads="1" noChangeShapeType="1" noTextEdit="1"/>
-          </p:cNvSpPr>
-          <p:nvPr>
-            <p:extLst>
-              <p:ext uri="{386F3935-93C4-4BCD-93E2-E3B085C9AB24}">
-                <p16:designElem xmlns:p16="http://schemas.microsoft.com/office/powerpoint/2015/main" val="1"/>
-              </p:ext>
-            </p:extLst>
-          </p:nvPr>
-        </p:nvSpPr>
-        <p:spPr>
-          <a:xfrm>
-            <a:off x="0" y="0"/>
-            <a:ext cx="4446529" cy="6858000"/>
-          </a:xfrm>
-          <a:custGeom>
-            <a:avLst/>
-            <a:gdLst>
-              <a:gd name="connsiteX0" fmla="*/ 0 w 4446529"/>
-              <a:gd name="connsiteY0" fmla="*/ 0 h 6858000"/>
-              <a:gd name="connsiteX1" fmla="*/ 3233551 w 4446529"/>
-              <a:gd name="connsiteY1" fmla="*/ 0 h 6858000"/>
-              <a:gd name="connsiteX2" fmla="*/ 3296534 w 4446529"/>
-              <a:gd name="connsiteY2" fmla="*/ 69271 h 6858000"/>
-              <a:gd name="connsiteX3" fmla="*/ 4446529 w 4446529"/>
-              <a:gd name="connsiteY3" fmla="*/ 3429000 h 6858000"/>
-              <a:gd name="connsiteX4" fmla="*/ 3296534 w 4446529"/>
-              <a:gd name="connsiteY4" fmla="*/ 6788730 h 6858000"/>
-              <a:gd name="connsiteX5" fmla="*/ 3233551 w 4446529"/>
-              <a:gd name="connsiteY5" fmla="*/ 6858000 h 6858000"/>
-              <a:gd name="connsiteX6" fmla="*/ 0 w 4446529"/>
-              <a:gd name="connsiteY6" fmla="*/ 6858000 h 6858000"/>
-            </a:gdLst>
-            <a:ahLst/>
-            <a:cxnLst>
-              <a:cxn ang="0">
-                <a:pos x="connsiteX0" y="connsiteY0"/>
-              </a:cxn>
-              <a:cxn ang="0">
-                <a:pos x="connsiteX1" y="connsiteY1"/>
-              </a:cxn>
-              <a:cxn ang="0">
-                <a:pos x="connsiteX2" y="connsiteY2"/>
-              </a:cxn>
-              <a:cxn ang="0">
-                <a:pos x="connsiteX3" y="connsiteY3"/>
-              </a:cxn>
-              <a:cxn ang="0">
-                <a:pos x="connsiteX4" y="connsiteY4"/>
-              </a:cxn>
-              <a:cxn ang="0">
-                <a:pos x="connsiteX5" y="connsiteY5"/>
-              </a:cxn>
-              <a:cxn ang="0">
-                <a:pos x="connsiteX6" y="connsiteY6"/>
-              </a:cxn>
-            </a:cxnLst>
-            <a:rect l="l" t="t" r="r" b="b"/>
-            <a:pathLst>
-              <a:path w="4446529" h="6858000">
-                <a:moveTo>
-                  <a:pt x="0" y="0"/>
-                </a:moveTo>
-                <a:lnTo>
-                  <a:pt x="3233551" y="0"/>
-                </a:lnTo>
-                <a:lnTo>
-                  <a:pt x="3296534" y="69271"/>
-                </a:lnTo>
-                <a:cubicBezTo>
-                  <a:pt x="4007060" y="929100"/>
-                  <a:pt x="4446529" y="2116944"/>
-                  <a:pt x="4446529" y="3429000"/>
-                </a:cubicBezTo>
-                <a:cubicBezTo>
-                  <a:pt x="4446529" y="4741056"/>
-                  <a:pt x="4007060" y="5928900"/>
-                  <a:pt x="3296534" y="6788730"/>
-                </a:cubicBezTo>
-                <a:lnTo>
-                  <a:pt x="3233551" y="6858000"/>
-                </a:lnTo>
-                <a:lnTo>
-                  <a:pt x="0" y="6858000"/>
-                </a:lnTo>
-                <a:close/>
-              </a:path>
-            </a:pathLst>
-          </a:custGeom>
-          <a:ln w="9525">
-            <a:noFill/>
-          </a:ln>
-          <a:effectLst/>
-        </p:spPr>
-        <p:style>
-          <a:lnRef idx="2">
-            <a:schemeClr val="accent1">
-              <a:shade val="50000"/>
-            </a:schemeClr>
-          </a:lnRef>
-          <a:fillRef idx="1">
-            <a:schemeClr val="accent1"/>
-          </a:fillRef>
-          <a:effectRef idx="0">
-            <a:schemeClr val="accent1"/>
-          </a:effectRef>
-          <a:fontRef idx="minor">
-            <a:schemeClr val="lt1"/>
-          </a:fontRef>
-        </p:style>
-        <p:txBody>
-          <a:bodyPr wrap="square" rtlCol="0" anchor="ctr">
-            <a:noAutofit/>
-          </a:bodyPr>
-          <a:lstStyle/>
-          <a:p>
-            <a:pPr marL="0" marR="0" lvl="0" indent="0" algn="ctr" defTabSz="914400" rtl="0" eaLnBrk="1" fontAlgn="auto" latinLnBrk="0" hangingPunct="1">
-              <a:lnSpc>
-                <a:spcPct val="100000"/>
-              </a:lnSpc>
-              <a:spcBef>
-                <a:spcPts val="0"/>
-              </a:spcBef>
-              <a:spcAft>
-                <a:spcPts val="0"/>
-              </a:spcAft>
-              <a:buClrTx/>
-              <a:buSzTx/>
-              <a:buFontTx/>
-              <a:buNone/>
-              <a:tabLst/>
-              <a:defRPr/>
-            </a:pPr>
-            <a:endParaRPr kumimoji="0" lang="en-US" sz="1800" b="0" i="0" u="none" strike="noStrike" kern="1200" cap="none" spc="0" normalizeH="0" baseline="0" noProof="0">
-              <a:ln>
-                <a:noFill/>
-              </a:ln>
-              <a:solidFill>
-                <a:prstClr val="white"/>
-              </a:solidFill>
-              <a:effectLst/>
-              <a:uLnTx/>
-              <a:uFillTx/>
-              <a:latin typeface="Calibri" panose="020F0502020204030204"/>
-              <a:ea typeface="+mn-ea"/>
-              <a:cs typeface="+mn-cs"/>
-            </a:endParaRPr>
-          </a:p>
-        </p:txBody>
-      </p:sp>
-      <p:sp>
-        <p:nvSpPr>
-          <p:cNvPr id="2" name="Título 1">
-            <a:extLst>
-              <a:ext uri="{FF2B5EF4-FFF2-40B4-BE49-F238E27FC236}">
-                <a16:creationId xmlns:a16="http://schemas.microsoft.com/office/drawing/2014/main" id="{4883F4E8-32EB-535F-81B3-7535D85C587E}"/>
-              </a:ext>
-            </a:extLst>
-          </p:cNvPr>
-          <p:cNvSpPr>
-            <a:spLocks noGrp="1"/>
-          </p:cNvSpPr>
-          <p:nvPr>
-            <p:ph type="title"/>
-          </p:nvPr>
-        </p:nvSpPr>
-        <p:spPr>
-          <a:xfrm>
-            <a:off x="371094" y="1161288"/>
-            <a:ext cx="3438144" cy="1239012"/>
-          </a:xfrm>
-        </p:spPr>
-        <p:txBody>
-          <a:bodyPr anchor="ctr">
-            <a:normAutofit/>
-          </a:bodyPr>
-          <a:lstStyle/>
-          <a:p>
-            <a:r>
-              <a:rPr lang="pt-BR" sz="2800" b="1" i="0">
-                <a:effectLst/>
-                <a:latin typeface="Söhne"/>
-              </a:rPr>
-              <a:t>Visões Específicas da Ontologia</a:t>
-            </a:r>
-            <a:endParaRPr lang="pt-BR" sz="2800"/>
-          </a:p>
-        </p:txBody>
-      </p:sp>
-      <p:sp>
-        <p:nvSpPr>
-          <p:cNvPr id="16" name="Rectangle 15">
-            <a:extLst>
-              <a:ext uri="{FF2B5EF4-FFF2-40B4-BE49-F238E27FC236}">
-                <a16:creationId xmlns:a16="http://schemas.microsoft.com/office/drawing/2014/main" id="{98E79BE4-34FE-485A-98A5-92CE8F7C4743}"/>
-              </a:ext>
-              <a:ext uri="{C183D7F6-B498-43B3-948B-1728B52AA6E4}">
-                <adec:decorative xmlns:adec="http://schemas.microsoft.com/office/drawing/2017/decorative" val="1"/>
-              </a:ext>
-            </a:extLst>
-          </p:cNvPr>
-          <p:cNvSpPr>
-            <a:spLocks noGrp="1" noRot="1" noChangeAspect="1" noMove="1" noResize="1" noEditPoints="1" noAdjustHandles="1" noChangeArrowheads="1" noChangeShapeType="1" noTextEdit="1"/>
-          </p:cNvSpPr>
-          <p:nvPr>
-            <p:extLst>
-              <p:ext uri="{386F3935-93C4-4BCD-93E2-E3B085C9AB24}">
-                <p16:designElem xmlns:p16="http://schemas.microsoft.com/office/powerpoint/2015/main" val="1"/>
-              </p:ext>
-            </p:extLst>
-          </p:nvPr>
-        </p:nvSpPr>
-        <p:spPr>
-          <a:xfrm>
-            <a:off x="0" y="1426546"/>
-            <a:ext cx="128016" cy="653903"/>
-          </a:xfrm>
-          <a:prstGeom prst="rect">
-            <a:avLst/>
-          </a:prstGeom>
-          <a:solidFill>
-            <a:schemeClr val="accent2"/>
-          </a:solidFill>
-          <a:ln>
-            <a:noFill/>
-          </a:ln>
-        </p:spPr>
-        <p:style>
-          <a:lnRef idx="2">
-            <a:schemeClr val="accent1">
-              <a:shade val="50000"/>
-            </a:schemeClr>
-          </a:lnRef>
-          <a:fillRef idx="1">
-            <a:schemeClr val="accent1"/>
-          </a:fillRef>
-          <a:effectRef idx="0">
-            <a:schemeClr val="accent1"/>
-          </a:effectRef>
-          <a:fontRef idx="minor">
-            <a:schemeClr val="lt1"/>
-          </a:fontRef>
-        </p:style>
-        <p:txBody>
-          <a:bodyPr rtlCol="0" anchor="ctr"/>
-          <a:lstStyle/>
-          <a:p>
-            <a:pPr algn="ctr"/>
-            <a:endParaRPr lang="en-US">
-              <a:solidFill>
-                <a:prstClr val="white"/>
-              </a:solidFill>
-              <a:latin typeface="Calibri" panose="020F0502020204030204"/>
-            </a:endParaRPr>
-          </a:p>
-        </p:txBody>
-      </p:sp>
-      <p:sp>
-        <p:nvSpPr>
-          <p:cNvPr id="18" name="Rectangle 17">
-            <a:extLst>
-              <a:ext uri="{FF2B5EF4-FFF2-40B4-BE49-F238E27FC236}">
-                <a16:creationId xmlns:a16="http://schemas.microsoft.com/office/drawing/2014/main" id="{7A5F0580-5EE9-419F-96EE-B6529EF6E7D0}"/>
-              </a:ext>
-              <a:ext uri="{C183D7F6-B498-43B3-948B-1728B52AA6E4}">
-                <adec:decorative xmlns:adec="http://schemas.microsoft.com/office/drawing/2017/decorative" val="1"/>
-              </a:ext>
-            </a:extLst>
-          </p:cNvPr>
-          <p:cNvSpPr>
-            <a:spLocks noGrp="1" noRot="1" noChangeAspect="1" noMove="1" noResize="1" noEditPoints="1" noAdjustHandles="1" noChangeArrowheads="1" noChangeShapeType="1" noTextEdit="1"/>
-          </p:cNvSpPr>
-          <p:nvPr>
-            <p:extLst>
-              <p:ext uri="{386F3935-93C4-4BCD-93E2-E3B085C9AB24}">
-                <p16:designElem xmlns:p16="http://schemas.microsoft.com/office/powerpoint/2015/main" val="1"/>
-              </p:ext>
-            </p:extLst>
-          </p:nvPr>
-        </p:nvSpPr>
-        <p:spPr>
-          <a:xfrm>
-            <a:off x="395893" y="2443480"/>
-            <a:ext cx="3383280" cy="18288"/>
-          </a:xfrm>
-          <a:prstGeom prst="rect">
-            <a:avLst/>
-          </a:prstGeom>
-          <a:solidFill>
-            <a:srgbClr val="D5D5D5"/>
-          </a:solidFill>
-          <a:ln w="3175">
-            <a:noFill/>
-          </a:ln>
-          <a:effectLst/>
-        </p:spPr>
-        <p:style>
-          <a:lnRef idx="2">
-            <a:schemeClr val="accent1">
-              <a:shade val="50000"/>
-            </a:schemeClr>
-          </a:lnRef>
-          <a:fillRef idx="1">
-            <a:schemeClr val="accent1"/>
-          </a:fillRef>
-          <a:effectRef idx="0">
-            <a:schemeClr val="accent1"/>
-          </a:effectRef>
-          <a:fontRef idx="minor">
-            <a:schemeClr val="lt1"/>
-          </a:fontRef>
-        </p:style>
-        <p:txBody>
-          <a:bodyPr rtlCol="0" anchor="ctr"/>
-          <a:lstStyle/>
-          <a:p>
-            <a:pPr marL="0" marR="0" lvl="0" indent="0" algn="ctr" defTabSz="914400" rtl="0" eaLnBrk="1" fontAlgn="auto" latinLnBrk="0" hangingPunct="1">
-              <a:lnSpc>
-                <a:spcPct val="100000"/>
-              </a:lnSpc>
-              <a:spcBef>
-                <a:spcPts val="0"/>
-              </a:spcBef>
-              <a:spcAft>
-                <a:spcPts val="0"/>
-              </a:spcAft>
-              <a:buClrTx/>
-              <a:buSzTx/>
-              <a:buFontTx/>
-              <a:buNone/>
-              <a:tabLst/>
-              <a:defRPr/>
-            </a:pPr>
-            <a:endParaRPr kumimoji="0" lang="en-US" sz="1800" b="0" i="0" u="none" strike="noStrike" kern="1200" cap="none" spc="0" normalizeH="0" baseline="0" noProof="0">
-              <a:ln>
-                <a:noFill/>
-              </a:ln>
-              <a:solidFill>
-                <a:prstClr val="white"/>
-              </a:solidFill>
-              <a:effectLst/>
-              <a:uLnTx/>
-              <a:uFillTx/>
-              <a:latin typeface="Calibri" panose="020F0502020204030204"/>
-              <a:ea typeface="+mn-ea"/>
-              <a:cs typeface="+mn-cs"/>
-            </a:endParaRPr>
-          </a:p>
-        </p:txBody>
-      </p:sp>
-      <p:sp>
-        <p:nvSpPr>
-          <p:cNvPr id="3" name="Espaço Reservado para Conteúdo 2">
-            <a:extLst>
-              <a:ext uri="{FF2B5EF4-FFF2-40B4-BE49-F238E27FC236}">
-                <a16:creationId xmlns:a16="http://schemas.microsoft.com/office/drawing/2014/main" id="{B77614A7-58E5-7793-19B4-3E7D96F6CF6D}"/>
-              </a:ext>
-            </a:extLst>
-          </p:cNvPr>
-          <p:cNvSpPr>
-            <a:spLocks noGrp="1"/>
-          </p:cNvSpPr>
-          <p:nvPr>
-            <p:ph idx="1"/>
-          </p:nvPr>
-        </p:nvSpPr>
-        <p:spPr>
-          <a:xfrm>
-            <a:off x="371094" y="2718054"/>
-            <a:ext cx="3438906" cy="3207258"/>
-          </a:xfrm>
-        </p:spPr>
-        <p:txBody>
-          <a:bodyPr anchor="t">
-            <a:normAutofit/>
-          </a:bodyPr>
-          <a:lstStyle/>
-          <a:p>
-            <a:r>
-              <a:rPr lang="pt-BR" sz="1700" b="1"/>
-              <a:t>Visão de Agricultura: </a:t>
-            </a:r>
-            <a:r>
-              <a:rPr lang="pt-BR" sz="1700"/>
-              <a:t>Herbicidas, plantas daninhas, práticas agrícolas.</a:t>
-            </a:r>
-          </a:p>
-          <a:p>
-            <a:endParaRPr lang="pt-BR" sz="1700"/>
-          </a:p>
-          <a:p>
-            <a:endParaRPr lang="pt-BR" sz="1700"/>
-          </a:p>
-        </p:txBody>
-      </p:sp>
-      <p:pic>
-        <p:nvPicPr>
-          <p:cNvPr id="5" name="Imagem 4" descr="Diagrama&#10;&#10;Descrição gerada automaticamente">
-            <a:extLst>
-              <a:ext uri="{FF2B5EF4-FFF2-40B4-BE49-F238E27FC236}">
-                <a16:creationId xmlns:a16="http://schemas.microsoft.com/office/drawing/2014/main" id="{0EABD2F5-CCD4-9AD4-CFD7-987348353916}"/>
-              </a:ext>
-            </a:extLst>
-          </p:cNvPr>
-          <p:cNvPicPr>
-            <a:picLocks noChangeAspect="1"/>
-          </p:cNvPicPr>
-          <p:nvPr/>
-        </p:nvPicPr>
-        <p:blipFill>
-          <a:blip r:embed="rId2"/>
-          <a:stretch>
-            <a:fillRect/>
-          </a:stretch>
-        </p:blipFill>
-        <p:spPr>
-          <a:xfrm>
-            <a:off x="4901184" y="1956450"/>
-            <a:ext cx="6922008" cy="3045683"/>
+            <a:off x="258628" y="1481001"/>
+            <a:ext cx="11009502" cy="4844180"/>
           </a:xfrm>
           <a:prstGeom prst="rect">
             <a:avLst/>
@@ -10556,17 +15390,9 @@
 </p:sld>
 </file>
 
-<file path=ppt/slides/slide7.xml><?xml version="1.0" encoding="utf-8"?>
+<file path=ppt/slides/slide9.xml><?xml version="1.0" encoding="utf-8"?>
 <p:sld xmlns:a="http://schemas.openxmlformats.org/drawingml/2006/main" xmlns:r="http://schemas.openxmlformats.org/officeDocument/2006/relationships" xmlns:p="http://schemas.openxmlformats.org/presentationml/2006/main">
   <p:cSld>
-    <p:bg>
-      <p:bgPr>
-        <a:solidFill>
-          <a:schemeClr val="bg1"/>
-        </a:solidFill>
-        <a:effectLst/>
-      </p:bgPr>
-    </p:bg>
     <p:spTree>
       <p:nvGrpSpPr>
         <p:cNvPr id="1" name=""/>
@@ -10581,407 +15407,12 @@
           <a:chExt cx="0" cy="0"/>
         </a:xfrm>
       </p:grpSpPr>
-      <p:sp useBgFill="1">
-        <p:nvSpPr>
-          <p:cNvPr id="11" name="Rectangle 10">
-            <a:extLst>
-              <a:ext uri="{FF2B5EF4-FFF2-40B4-BE49-F238E27FC236}">
-                <a16:creationId xmlns:a16="http://schemas.microsoft.com/office/drawing/2014/main" id="{0288C6B4-AFC3-407F-A595-EFFD38D4CCAF}"/>
-              </a:ext>
-              <a:ext uri="{C183D7F6-B498-43B3-948B-1728B52AA6E4}">
-                <adec:decorative xmlns:adec="http://schemas.microsoft.com/office/drawing/2017/decorative" val="1"/>
-              </a:ext>
-            </a:extLst>
-          </p:cNvPr>
-          <p:cNvSpPr>
-            <a:spLocks noGrp="1" noRot="1" noChangeAspect="1" noMove="1" noResize="1" noEditPoints="1" noAdjustHandles="1" noChangeArrowheads="1" noChangeShapeType="1" noTextEdit="1"/>
-          </p:cNvSpPr>
-          <p:nvPr>
-            <p:extLst>
-              <p:ext uri="{386F3935-93C4-4BCD-93E2-E3B085C9AB24}">
-                <p16:designElem xmlns:p16="http://schemas.microsoft.com/office/powerpoint/2015/main" val="1"/>
-              </p:ext>
-            </p:extLst>
-          </p:nvPr>
-        </p:nvSpPr>
-        <p:spPr>
-          <a:xfrm>
-            <a:off x="0" y="0"/>
-            <a:ext cx="12192000" cy="6858000"/>
-          </a:xfrm>
-          <a:prstGeom prst="rect">
-            <a:avLst/>
-          </a:prstGeom>
-          <a:ln>
-            <a:noFill/>
-          </a:ln>
-        </p:spPr>
-        <p:style>
-          <a:lnRef idx="2">
-            <a:schemeClr val="accent1">
-              <a:shade val="50000"/>
-            </a:schemeClr>
-          </a:lnRef>
-          <a:fillRef idx="1">
-            <a:schemeClr val="accent1"/>
-          </a:fillRef>
-          <a:effectRef idx="0">
-            <a:schemeClr val="accent1"/>
-          </a:effectRef>
-          <a:fontRef idx="minor">
-            <a:schemeClr val="lt1"/>
-          </a:fontRef>
-        </p:style>
-        <p:txBody>
-          <a:bodyPr rtlCol="0" anchor="ctr"/>
-          <a:lstStyle/>
-          <a:p>
-            <a:pPr algn="ctr"/>
-            <a:endParaRPr lang="en-US"/>
-          </a:p>
-        </p:txBody>
-      </p:sp>
-      <p:sp useBgFill="1">
-        <p:nvSpPr>
-          <p:cNvPr id="13" name="Freeform: Shape 12">
-            <a:extLst>
-              <a:ext uri="{FF2B5EF4-FFF2-40B4-BE49-F238E27FC236}">
-                <a16:creationId xmlns:a16="http://schemas.microsoft.com/office/drawing/2014/main" id="{CF236821-17FE-429B-8D2C-08E13A64EA40}"/>
-              </a:ext>
-              <a:ext uri="{C183D7F6-B498-43B3-948B-1728B52AA6E4}">
-                <adec:decorative xmlns:adec="http://schemas.microsoft.com/office/drawing/2017/decorative" val="1"/>
-              </a:ext>
-            </a:extLst>
-          </p:cNvPr>
-          <p:cNvSpPr>
-            <a:spLocks noGrp="1" noRot="1" noChangeAspect="1" noMove="1" noResize="1" noEditPoints="1" noAdjustHandles="1" noChangeArrowheads="1" noChangeShapeType="1" noTextEdit="1"/>
-          </p:cNvSpPr>
-          <p:nvPr>
-            <p:extLst>
-              <p:ext uri="{386F3935-93C4-4BCD-93E2-E3B085C9AB24}">
-                <p16:designElem xmlns:p16="http://schemas.microsoft.com/office/powerpoint/2015/main" val="1"/>
-              </p:ext>
-            </p:extLst>
-          </p:nvPr>
-        </p:nvSpPr>
-        <p:spPr>
-          <a:xfrm>
-            <a:off x="-1" y="0"/>
-            <a:ext cx="4455673" cy="6858000"/>
-          </a:xfrm>
-          <a:custGeom>
-            <a:avLst/>
-            <a:gdLst>
-              <a:gd name="connsiteX0" fmla="*/ 0 w 4455673"/>
-              <a:gd name="connsiteY0" fmla="*/ 0 h 6858000"/>
-              <a:gd name="connsiteX1" fmla="*/ 3242695 w 4455673"/>
-              <a:gd name="connsiteY1" fmla="*/ 0 h 6858000"/>
-              <a:gd name="connsiteX2" fmla="*/ 3305678 w 4455673"/>
-              <a:gd name="connsiteY2" fmla="*/ 69271 h 6858000"/>
-              <a:gd name="connsiteX3" fmla="*/ 4455673 w 4455673"/>
-              <a:gd name="connsiteY3" fmla="*/ 3429000 h 6858000"/>
-              <a:gd name="connsiteX4" fmla="*/ 3305678 w 4455673"/>
-              <a:gd name="connsiteY4" fmla="*/ 6788730 h 6858000"/>
-              <a:gd name="connsiteX5" fmla="*/ 3242695 w 4455673"/>
-              <a:gd name="connsiteY5" fmla="*/ 6858000 h 6858000"/>
-              <a:gd name="connsiteX6" fmla="*/ 0 w 4455673"/>
-              <a:gd name="connsiteY6" fmla="*/ 6858000 h 6858000"/>
-            </a:gdLst>
-            <a:ahLst/>
-            <a:cxnLst>
-              <a:cxn ang="0">
-                <a:pos x="connsiteX0" y="connsiteY0"/>
-              </a:cxn>
-              <a:cxn ang="0">
-                <a:pos x="connsiteX1" y="connsiteY1"/>
-              </a:cxn>
-              <a:cxn ang="0">
-                <a:pos x="connsiteX2" y="connsiteY2"/>
-              </a:cxn>
-              <a:cxn ang="0">
-                <a:pos x="connsiteX3" y="connsiteY3"/>
-              </a:cxn>
-              <a:cxn ang="0">
-                <a:pos x="connsiteX4" y="connsiteY4"/>
-              </a:cxn>
-              <a:cxn ang="0">
-                <a:pos x="connsiteX5" y="connsiteY5"/>
-              </a:cxn>
-              <a:cxn ang="0">
-                <a:pos x="connsiteX6" y="connsiteY6"/>
-              </a:cxn>
-            </a:cxnLst>
-            <a:rect l="l" t="t" r="r" b="b"/>
-            <a:pathLst>
-              <a:path w="4455673" h="6858000">
-                <a:moveTo>
-                  <a:pt x="0" y="0"/>
-                </a:moveTo>
-                <a:lnTo>
-                  <a:pt x="3242695" y="0"/>
-                </a:lnTo>
-                <a:lnTo>
-                  <a:pt x="3305678" y="69271"/>
-                </a:lnTo>
-                <a:cubicBezTo>
-                  <a:pt x="4016204" y="929100"/>
-                  <a:pt x="4455673" y="2116944"/>
-                  <a:pt x="4455673" y="3429000"/>
-                </a:cubicBezTo>
-                <a:cubicBezTo>
-                  <a:pt x="4455673" y="4741056"/>
-                  <a:pt x="4016204" y="5928900"/>
-                  <a:pt x="3305678" y="6788730"/>
-                </a:cubicBezTo>
-                <a:lnTo>
-                  <a:pt x="3242695" y="6858000"/>
-                </a:lnTo>
-                <a:lnTo>
-                  <a:pt x="0" y="6858000"/>
-                </a:lnTo>
-                <a:close/>
-              </a:path>
-            </a:pathLst>
-          </a:custGeom>
-          <a:ln w="9525">
-            <a:solidFill>
-              <a:srgbClr val="EFEFEF"/>
-            </a:solidFill>
-          </a:ln>
-          <a:effectLst>
-            <a:outerShdw blurRad="88900" dist="38100" algn="l" rotWithShape="0">
-              <a:schemeClr val="bg1">
-                <a:lumMod val="85000"/>
-                <a:alpha val="50000"/>
-              </a:schemeClr>
-            </a:outerShdw>
-          </a:effectLst>
-        </p:spPr>
-        <p:style>
-          <a:lnRef idx="2">
-            <a:schemeClr val="accent1">
-              <a:shade val="50000"/>
-            </a:schemeClr>
-          </a:lnRef>
-          <a:fillRef idx="1">
-            <a:schemeClr val="accent1"/>
-          </a:fillRef>
-          <a:effectRef idx="0">
-            <a:schemeClr val="accent1"/>
-          </a:effectRef>
-          <a:fontRef idx="minor">
-            <a:schemeClr val="lt1"/>
-          </a:fontRef>
-        </p:style>
-        <p:txBody>
-          <a:bodyPr wrap="square" rtlCol="0" anchor="ctr">
-            <a:noAutofit/>
-          </a:bodyPr>
-          <a:lstStyle/>
-          <a:p>
-            <a:pPr marL="0" marR="0" lvl="0" indent="0" algn="ctr" defTabSz="914400" rtl="0" eaLnBrk="1" fontAlgn="auto" latinLnBrk="0" hangingPunct="1">
-              <a:lnSpc>
-                <a:spcPct val="100000"/>
-              </a:lnSpc>
-              <a:spcBef>
-                <a:spcPts val="0"/>
-              </a:spcBef>
-              <a:spcAft>
-                <a:spcPts val="0"/>
-              </a:spcAft>
-              <a:buClrTx/>
-              <a:buSzTx/>
-              <a:buFontTx/>
-              <a:buNone/>
-              <a:tabLst/>
-              <a:defRPr/>
-            </a:pPr>
-            <a:endParaRPr kumimoji="0" lang="en-US" sz="1800" b="0" i="0" u="none" strike="noStrike" kern="1200" cap="none" spc="0" normalizeH="0" baseline="0" noProof="0">
-              <a:ln>
-                <a:noFill/>
-              </a:ln>
-              <a:solidFill>
-                <a:prstClr val="white"/>
-              </a:solidFill>
-              <a:effectLst/>
-              <a:uLnTx/>
-              <a:uFillTx/>
-              <a:latin typeface="Calibri" panose="020F0502020204030204"/>
-              <a:ea typeface="+mn-ea"/>
-              <a:cs typeface="+mn-cs"/>
-            </a:endParaRPr>
-          </a:p>
-        </p:txBody>
-      </p:sp>
-      <p:sp useBgFill="1">
-        <p:nvSpPr>
-          <p:cNvPr id="15" name="Freeform: Shape 14">
-            <a:extLst>
-              <a:ext uri="{FF2B5EF4-FFF2-40B4-BE49-F238E27FC236}">
-                <a16:creationId xmlns:a16="http://schemas.microsoft.com/office/drawing/2014/main" id="{C0BDBCD2-E081-43AB-9119-C55465E59757}"/>
-              </a:ext>
-              <a:ext uri="{C183D7F6-B498-43B3-948B-1728B52AA6E4}">
-                <adec:decorative xmlns:adec="http://schemas.microsoft.com/office/drawing/2017/decorative" val="1"/>
-              </a:ext>
-            </a:extLst>
-          </p:cNvPr>
-          <p:cNvSpPr>
-            <a:spLocks noGrp="1" noRot="1" noChangeAspect="1" noMove="1" noResize="1" noEditPoints="1" noAdjustHandles="1" noChangeArrowheads="1" noChangeShapeType="1" noTextEdit="1"/>
-          </p:cNvSpPr>
-          <p:nvPr>
-            <p:extLst>
-              <p:ext uri="{386F3935-93C4-4BCD-93E2-E3B085C9AB24}">
-                <p16:designElem xmlns:p16="http://schemas.microsoft.com/office/powerpoint/2015/main" val="1"/>
-              </p:ext>
-            </p:extLst>
-          </p:nvPr>
-        </p:nvSpPr>
-        <p:spPr>
-          <a:xfrm>
-            <a:off x="0" y="0"/>
-            <a:ext cx="4446529" cy="6858000"/>
-          </a:xfrm>
-          <a:custGeom>
-            <a:avLst/>
-            <a:gdLst>
-              <a:gd name="connsiteX0" fmla="*/ 0 w 4446529"/>
-              <a:gd name="connsiteY0" fmla="*/ 0 h 6858000"/>
-              <a:gd name="connsiteX1" fmla="*/ 3233551 w 4446529"/>
-              <a:gd name="connsiteY1" fmla="*/ 0 h 6858000"/>
-              <a:gd name="connsiteX2" fmla="*/ 3296534 w 4446529"/>
-              <a:gd name="connsiteY2" fmla="*/ 69271 h 6858000"/>
-              <a:gd name="connsiteX3" fmla="*/ 4446529 w 4446529"/>
-              <a:gd name="connsiteY3" fmla="*/ 3429000 h 6858000"/>
-              <a:gd name="connsiteX4" fmla="*/ 3296534 w 4446529"/>
-              <a:gd name="connsiteY4" fmla="*/ 6788730 h 6858000"/>
-              <a:gd name="connsiteX5" fmla="*/ 3233551 w 4446529"/>
-              <a:gd name="connsiteY5" fmla="*/ 6858000 h 6858000"/>
-              <a:gd name="connsiteX6" fmla="*/ 0 w 4446529"/>
-              <a:gd name="connsiteY6" fmla="*/ 6858000 h 6858000"/>
-            </a:gdLst>
-            <a:ahLst/>
-            <a:cxnLst>
-              <a:cxn ang="0">
-                <a:pos x="connsiteX0" y="connsiteY0"/>
-              </a:cxn>
-              <a:cxn ang="0">
-                <a:pos x="connsiteX1" y="connsiteY1"/>
-              </a:cxn>
-              <a:cxn ang="0">
-                <a:pos x="connsiteX2" y="connsiteY2"/>
-              </a:cxn>
-              <a:cxn ang="0">
-                <a:pos x="connsiteX3" y="connsiteY3"/>
-              </a:cxn>
-              <a:cxn ang="0">
-                <a:pos x="connsiteX4" y="connsiteY4"/>
-              </a:cxn>
-              <a:cxn ang="0">
-                <a:pos x="connsiteX5" y="connsiteY5"/>
-              </a:cxn>
-              <a:cxn ang="0">
-                <a:pos x="connsiteX6" y="connsiteY6"/>
-              </a:cxn>
-            </a:cxnLst>
-            <a:rect l="l" t="t" r="r" b="b"/>
-            <a:pathLst>
-              <a:path w="4446529" h="6858000">
-                <a:moveTo>
-                  <a:pt x="0" y="0"/>
-                </a:moveTo>
-                <a:lnTo>
-                  <a:pt x="3233551" y="0"/>
-                </a:lnTo>
-                <a:lnTo>
-                  <a:pt x="3296534" y="69271"/>
-                </a:lnTo>
-                <a:cubicBezTo>
-                  <a:pt x="4007060" y="929100"/>
-                  <a:pt x="4446529" y="2116944"/>
-                  <a:pt x="4446529" y="3429000"/>
-                </a:cubicBezTo>
-                <a:cubicBezTo>
-                  <a:pt x="4446529" y="4741056"/>
-                  <a:pt x="4007060" y="5928900"/>
-                  <a:pt x="3296534" y="6788730"/>
-                </a:cubicBezTo>
-                <a:lnTo>
-                  <a:pt x="3233551" y="6858000"/>
-                </a:lnTo>
-                <a:lnTo>
-                  <a:pt x="0" y="6858000"/>
-                </a:lnTo>
-                <a:close/>
-              </a:path>
-            </a:pathLst>
-          </a:custGeom>
-          <a:ln w="9525">
-            <a:noFill/>
-          </a:ln>
-          <a:effectLst/>
-        </p:spPr>
-        <p:style>
-          <a:lnRef idx="2">
-            <a:schemeClr val="accent1">
-              <a:shade val="50000"/>
-            </a:schemeClr>
-          </a:lnRef>
-          <a:fillRef idx="1">
-            <a:schemeClr val="accent1"/>
-          </a:fillRef>
-          <a:effectRef idx="0">
-            <a:schemeClr val="accent1"/>
-          </a:effectRef>
-          <a:fontRef idx="minor">
-            <a:schemeClr val="lt1"/>
-          </a:fontRef>
-        </p:style>
-        <p:txBody>
-          <a:bodyPr wrap="square" rtlCol="0" anchor="ctr">
-            <a:noAutofit/>
-          </a:bodyPr>
-          <a:lstStyle/>
-          <a:p>
-            <a:pPr marL="0" marR="0" lvl="0" indent="0" algn="ctr" defTabSz="914400" rtl="0" eaLnBrk="1" fontAlgn="auto" latinLnBrk="0" hangingPunct="1">
-              <a:lnSpc>
-                <a:spcPct val="100000"/>
-              </a:lnSpc>
-              <a:spcBef>
-                <a:spcPts val="0"/>
-              </a:spcBef>
-              <a:spcAft>
-                <a:spcPts val="0"/>
-              </a:spcAft>
-              <a:buClrTx/>
-              <a:buSzTx/>
-              <a:buFontTx/>
-              <a:buNone/>
-              <a:tabLst/>
-              <a:defRPr/>
-            </a:pPr>
-            <a:endParaRPr kumimoji="0" lang="en-US" sz="1800" b="0" i="0" u="none" strike="noStrike" kern="1200" cap="none" spc="0" normalizeH="0" baseline="0" noProof="0">
-              <a:ln>
-                <a:noFill/>
-              </a:ln>
-              <a:solidFill>
-                <a:prstClr val="white"/>
-              </a:solidFill>
-              <a:effectLst/>
-              <a:uLnTx/>
-              <a:uFillTx/>
-              <a:latin typeface="Calibri" panose="020F0502020204030204"/>
-              <a:ea typeface="+mn-ea"/>
-              <a:cs typeface="+mn-cs"/>
-            </a:endParaRPr>
-          </a:p>
-        </p:txBody>
-      </p:sp>
       <p:sp>
         <p:nvSpPr>
           <p:cNvPr id="2" name="Título 1">
             <a:extLst>
               <a:ext uri="{FF2B5EF4-FFF2-40B4-BE49-F238E27FC236}">
-                <a16:creationId xmlns:a16="http://schemas.microsoft.com/office/drawing/2014/main" id="{8D379824-01AE-4CB1-28FF-97222CC0AE47}"/>
+                <a16:creationId xmlns:a16="http://schemas.microsoft.com/office/drawing/2014/main" id="{4883F4E8-32EB-535F-81B3-7535D85C587E}"/>
               </a:ext>
             </a:extLst>
           </p:cNvPr>
@@ -10994,7 +15425,7 @@
         </p:nvSpPr>
         <p:spPr>
           <a:xfrm>
-            <a:off x="371094" y="1161288"/>
+            <a:off x="504192" y="456819"/>
             <a:ext cx="3438144" cy="1239012"/>
           </a:xfrm>
         </p:spPr>
@@ -11005,174 +15436,27 @@
           <a:lstStyle/>
           <a:p>
             <a:r>
-              <a:rPr lang="pt-BR" sz="2800" b="1" i="0">
+              <a:rPr lang="pt-BR" sz="2800" b="1" i="0" dirty="0">
                 <a:effectLst/>
                 <a:latin typeface="Söhne"/>
               </a:rPr>
-              <a:t>Visões Específicas da Ontologia</a:t>
-            </a:r>
-            <a:endParaRPr lang="pt-BR" sz="2800"/>
-          </a:p>
-        </p:txBody>
-      </p:sp>
-      <p:sp>
-        <p:nvSpPr>
-          <p:cNvPr id="17" name="Rectangle 16">
-            <a:extLst>
-              <a:ext uri="{FF2B5EF4-FFF2-40B4-BE49-F238E27FC236}">
-                <a16:creationId xmlns:a16="http://schemas.microsoft.com/office/drawing/2014/main" id="{98E79BE4-34FE-485A-98A5-92CE8F7C4743}"/>
-              </a:ext>
-              <a:ext uri="{C183D7F6-B498-43B3-948B-1728B52AA6E4}">
-                <adec:decorative xmlns:adec="http://schemas.microsoft.com/office/drawing/2017/decorative" val="1"/>
-              </a:ext>
-            </a:extLst>
-          </p:cNvPr>
-          <p:cNvSpPr>
-            <a:spLocks noGrp="1" noRot="1" noChangeAspect="1" noMove="1" noResize="1" noEditPoints="1" noAdjustHandles="1" noChangeArrowheads="1" noChangeShapeType="1" noTextEdit="1"/>
-          </p:cNvSpPr>
-          <p:nvPr>
-            <p:extLst>
-              <p:ext uri="{386F3935-93C4-4BCD-93E2-E3B085C9AB24}">
-                <p16:designElem xmlns:p16="http://schemas.microsoft.com/office/powerpoint/2015/main" val="1"/>
-              </p:ext>
-            </p:extLst>
-          </p:nvPr>
-        </p:nvSpPr>
-        <p:spPr>
-          <a:xfrm>
-            <a:off x="0" y="1426546"/>
-            <a:ext cx="128016" cy="653903"/>
-          </a:xfrm>
-          <a:prstGeom prst="rect">
-            <a:avLst/>
-          </a:prstGeom>
-          <a:solidFill>
-            <a:schemeClr val="accent2"/>
-          </a:solidFill>
-          <a:ln>
-            <a:noFill/>
-          </a:ln>
-        </p:spPr>
-        <p:style>
-          <a:lnRef idx="2">
-            <a:schemeClr val="accent1">
-              <a:shade val="50000"/>
-            </a:schemeClr>
-          </a:lnRef>
-          <a:fillRef idx="1">
-            <a:schemeClr val="accent1"/>
-          </a:fillRef>
-          <a:effectRef idx="0">
-            <a:schemeClr val="accent1"/>
-          </a:effectRef>
-          <a:fontRef idx="minor">
-            <a:schemeClr val="lt1"/>
-          </a:fontRef>
-        </p:style>
-        <p:txBody>
-          <a:bodyPr rtlCol="0" anchor="ctr"/>
-          <a:lstStyle/>
-          <a:p>
-            <a:pPr algn="ctr"/>
-            <a:endParaRPr lang="en-US">
-              <a:solidFill>
-                <a:prstClr val="white"/>
-              </a:solidFill>
-              <a:latin typeface="Calibri" panose="020F0502020204030204"/>
-            </a:endParaRPr>
-          </a:p>
-        </p:txBody>
-      </p:sp>
-      <p:sp>
-        <p:nvSpPr>
-          <p:cNvPr id="19" name="Rectangle 18">
-            <a:extLst>
-              <a:ext uri="{FF2B5EF4-FFF2-40B4-BE49-F238E27FC236}">
-                <a16:creationId xmlns:a16="http://schemas.microsoft.com/office/drawing/2014/main" id="{7A5F0580-5EE9-419F-96EE-B6529EF6E7D0}"/>
-              </a:ext>
-              <a:ext uri="{C183D7F6-B498-43B3-948B-1728B52AA6E4}">
-                <adec:decorative xmlns:adec="http://schemas.microsoft.com/office/drawing/2017/decorative" val="1"/>
-              </a:ext>
-            </a:extLst>
-          </p:cNvPr>
-          <p:cNvSpPr>
-            <a:spLocks noGrp="1" noRot="1" noChangeAspect="1" noMove="1" noResize="1" noEditPoints="1" noAdjustHandles="1" noChangeArrowheads="1" noChangeShapeType="1" noTextEdit="1"/>
-          </p:cNvSpPr>
-          <p:nvPr>
-            <p:extLst>
-              <p:ext uri="{386F3935-93C4-4BCD-93E2-E3B085C9AB24}">
-                <p16:designElem xmlns:p16="http://schemas.microsoft.com/office/powerpoint/2015/main" val="1"/>
-              </p:ext>
-            </p:extLst>
-          </p:nvPr>
-        </p:nvSpPr>
-        <p:spPr>
-          <a:xfrm>
-            <a:off x="395893" y="2443480"/>
-            <a:ext cx="3383280" cy="18288"/>
-          </a:xfrm>
-          <a:prstGeom prst="rect">
-            <a:avLst/>
-          </a:prstGeom>
-          <a:solidFill>
-            <a:srgbClr val="D5D5D5"/>
-          </a:solidFill>
-          <a:ln w="3175">
-            <a:noFill/>
-          </a:ln>
-          <a:effectLst/>
-        </p:spPr>
-        <p:style>
-          <a:lnRef idx="2">
-            <a:schemeClr val="accent1">
-              <a:shade val="50000"/>
-            </a:schemeClr>
-          </a:lnRef>
-          <a:fillRef idx="1">
-            <a:schemeClr val="accent1"/>
-          </a:fillRef>
-          <a:effectRef idx="0">
-            <a:schemeClr val="accent1"/>
-          </a:effectRef>
-          <a:fontRef idx="minor">
-            <a:schemeClr val="lt1"/>
-          </a:fontRef>
-        </p:style>
-        <p:txBody>
-          <a:bodyPr rtlCol="0" anchor="ctr"/>
-          <a:lstStyle/>
-          <a:p>
-            <a:pPr marL="0" marR="0" lvl="0" indent="0" algn="ctr" defTabSz="914400" rtl="0" eaLnBrk="1" fontAlgn="auto" latinLnBrk="0" hangingPunct="1">
-              <a:lnSpc>
-                <a:spcPct val="100000"/>
-              </a:lnSpc>
-              <a:spcBef>
-                <a:spcPts val="0"/>
-              </a:spcBef>
-              <a:spcAft>
-                <a:spcPts val="0"/>
-              </a:spcAft>
-              <a:buClrTx/>
-              <a:buSzTx/>
-              <a:buFontTx/>
-              <a:buNone/>
-              <a:tabLst/>
-              <a:defRPr/>
-            </a:pPr>
-            <a:endParaRPr kumimoji="0" lang="en-US" sz="1800" b="0" i="0" u="none" strike="noStrike" kern="1200" cap="none" spc="0" normalizeH="0" baseline="0" noProof="0">
-              <a:ln>
-                <a:noFill/>
-              </a:ln>
-              <a:solidFill>
-                <a:prstClr val="white"/>
-              </a:solidFill>
-              <a:effectLst/>
-              <a:uLnTx/>
-              <a:uFillTx/>
-              <a:latin typeface="Calibri" panose="020F0502020204030204"/>
-              <a:ea typeface="+mn-ea"/>
-              <a:cs typeface="+mn-cs"/>
-            </a:endParaRPr>
+              <a:t>Visões Específicas da Ontologia (</a:t>
+            </a:r>
+            <a:r>
+              <a:rPr lang="pt-BR" sz="2800" b="1" i="0" dirty="0" err="1">
+                <a:effectLst/>
+                <a:latin typeface="Söhne"/>
+              </a:rPr>
+              <a:t>OntoUML</a:t>
+            </a:r>
+            <a:r>
+              <a:rPr lang="pt-BR" sz="2800" b="1" i="0" dirty="0">
+                <a:effectLst/>
+                <a:latin typeface="Söhne"/>
+              </a:rPr>
+              <a:t>)</a:t>
+            </a:r>
+            <a:endParaRPr lang="pt-BR" sz="2800" dirty="0"/>
           </a:p>
         </p:txBody>
       </p:sp>
@@ -11181,7 +15465,7 @@
           <p:cNvPr id="3" name="Espaço Reservado para Conteúdo 2">
             <a:extLst>
               <a:ext uri="{FF2B5EF4-FFF2-40B4-BE49-F238E27FC236}">
-                <a16:creationId xmlns:a16="http://schemas.microsoft.com/office/drawing/2014/main" id="{CE0EDFA2-CD50-2F84-37A8-C01E9145FB87}"/>
+                <a16:creationId xmlns:a16="http://schemas.microsoft.com/office/drawing/2014/main" id="{B77614A7-58E5-7793-19B4-3E7D96F6CF6D}"/>
               </a:ext>
             </a:extLst>
           </p:cNvPr>
@@ -11194,8 +15478,8 @@
         </p:nvSpPr>
         <p:spPr>
           <a:xfrm>
-            <a:off x="371094" y="2718054"/>
-            <a:ext cx="3438906" cy="3207258"/>
+            <a:off x="4831847" y="649357"/>
+            <a:ext cx="6807879" cy="1794123"/>
           </a:xfrm>
         </p:spPr>
         <p:txBody>
@@ -11205,55 +15489,28 @@
           <a:lstStyle/>
           <a:p>
             <a:r>
-              <a:rPr lang="pt-BR" sz="1700" b="1"/>
-              <a:t>Visão de Bioquímica: </a:t>
-            </a:r>
-            <a:r>
-              <a:rPr lang="pt-BR" sz="1700"/>
-              <a:t>Propriedades bioquímicas dos herbicidas em nível molecular.</a:t>
-            </a:r>
-          </a:p>
-          <a:p>
-            <a:endParaRPr lang="pt-BR" sz="1700"/>
+              <a:rPr lang="pt-BR" sz="3000" b="1" dirty="0"/>
+              <a:t>Visão de Agricultura: </a:t>
+            </a:r>
+            <a:r>
+              <a:rPr lang="pt-BR" sz="3000" dirty="0"/>
+              <a:t>Herbicidas, plantas daninhas, práticas agrícolas.</a:t>
+            </a:r>
+          </a:p>
+          <a:p>
+            <a:endParaRPr lang="pt-BR" sz="3000" dirty="0"/>
+          </a:p>
+          <a:p>
+            <a:endParaRPr lang="pt-BR" sz="3000" dirty="0"/>
           </a:p>
         </p:txBody>
       </p:sp>
-      <p:pic>
-        <p:nvPicPr>
-          <p:cNvPr id="6" name="Imagem 5" descr="Diagrama&#10;&#10;Descrição gerada automaticamente">
-            <a:extLst>
-              <a:ext uri="{FF2B5EF4-FFF2-40B4-BE49-F238E27FC236}">
-                <a16:creationId xmlns:a16="http://schemas.microsoft.com/office/drawing/2014/main" id="{34C5B171-9E9D-230A-789A-25F2AD2CCEEF}"/>
-              </a:ext>
-            </a:extLst>
-          </p:cNvPr>
-          <p:cNvPicPr>
-            <a:picLocks noChangeAspect="1"/>
-          </p:cNvPicPr>
-          <p:nvPr/>
-        </p:nvPicPr>
-        <p:blipFill>
-          <a:blip r:embed="rId2"/>
-          <a:stretch>
-            <a:fillRect/>
-          </a:stretch>
-        </p:blipFill>
-        <p:spPr>
-          <a:xfrm>
-            <a:off x="4901184" y="1982408"/>
-            <a:ext cx="6922008" cy="2993768"/>
-          </a:xfrm>
-          <a:prstGeom prst="rect">
-            <a:avLst/>
-          </a:prstGeom>
-        </p:spPr>
-      </p:pic>
       <p:grpSp>
         <p:nvGrpSpPr>
-          <p:cNvPr id="7" name="Agrupar 6">
+          <p:cNvPr id="6" name="Agrupar 5">
             <a:extLst>
               <a:ext uri="{FF2B5EF4-FFF2-40B4-BE49-F238E27FC236}">
-                <a16:creationId xmlns:a16="http://schemas.microsoft.com/office/drawing/2014/main" id="{F22A613A-60DC-C28F-667F-0473AB629F7B}"/>
+                <a16:creationId xmlns:a16="http://schemas.microsoft.com/office/drawing/2014/main" id="{883BD476-0A2F-2D31-B557-3A7B4D1907BB}"/>
               </a:ext>
             </a:extLst>
           </p:cNvPr>
@@ -11270,10 +15527,57 @@
         </p:grpSpPr>
         <p:pic>
           <p:nvPicPr>
-            <p:cNvPr id="8" name="Picture 6" descr="Universidade do Estado do Rio Grande do Norte – Wikipédia, a enciclopédia  livre">
+            <p:cNvPr id="7" name="Picture 6" descr="Universidade do Estado do Rio Grande do Norte – Wikipédia, a enciclopédia  livre">
               <a:extLst>
                 <a:ext uri="{FF2B5EF4-FFF2-40B4-BE49-F238E27FC236}">
-                  <a16:creationId xmlns:a16="http://schemas.microsoft.com/office/drawing/2014/main" id="{D8B2103A-A0D8-B17D-737D-46A5CB87ABEF}"/>
+                  <a16:creationId xmlns:a16="http://schemas.microsoft.com/office/drawing/2014/main" id="{2B24FB28-246A-0070-3FF1-6BA39C85A56A}"/>
+                </a:ext>
+              </a:extLst>
+            </p:cNvPr>
+            <p:cNvPicPr>
+              <a:picLocks noChangeAspect="1" noChangeArrowheads="1"/>
+            </p:cNvPicPr>
+            <p:nvPr/>
+          </p:nvPicPr>
+          <p:blipFill>
+            <a:blip r:embed="rId2">
+              <a:extLst>
+                <a:ext uri="{28A0092B-C50C-407E-A947-70E740481C1C}">
+                  <a14:useLocalDpi xmlns:a14="http://schemas.microsoft.com/office/drawing/2010/main" val="0"/>
+                </a:ext>
+              </a:extLst>
+            </a:blip>
+            <a:srcRect/>
+            <a:stretch>
+              <a:fillRect/>
+            </a:stretch>
+          </p:blipFill>
+          <p:spPr bwMode="auto">
+            <a:xfrm>
+              <a:off x="4219279" y="371326"/>
+              <a:ext cx="771543" cy="1061519"/>
+            </a:xfrm>
+            <a:prstGeom prst="rect">
+              <a:avLst/>
+            </a:prstGeom>
+            <a:noFill/>
+            <a:extLst>
+              <a:ext uri="{909E8E84-426E-40DD-AFC4-6F175D3DCCD1}">
+                <a14:hiddenFill xmlns:a14="http://schemas.microsoft.com/office/drawing/2010/main">
+                  <a:solidFill>
+                    <a:srgbClr val="FFFFFF"/>
+                  </a:solidFill>
+                </a14:hiddenFill>
+              </a:ext>
+            </a:extLst>
+          </p:spPr>
+        </p:pic>
+        <p:pic>
+          <p:nvPicPr>
+            <p:cNvPr id="8" name="Picture 8" descr="Matriz de bordado - Ufersa 001 | Elo7 Produtos Especiais">
+              <a:extLst>
+                <a:ext uri="{FF2B5EF4-FFF2-40B4-BE49-F238E27FC236}">
+                  <a16:creationId xmlns:a16="http://schemas.microsoft.com/office/drawing/2014/main" id="{03204066-2118-E2FA-8A17-36185C97AC36}"/>
                 </a:ext>
               </a:extLst>
             </p:cNvPr>
@@ -11297,8 +15601,8 @@
           </p:blipFill>
           <p:spPr bwMode="auto">
             <a:xfrm>
-              <a:off x="4219279" y="371326"/>
-              <a:ext cx="771543" cy="1061519"/>
+              <a:off x="463685" y="371326"/>
+              <a:ext cx="1441227" cy="1154130"/>
             </a:xfrm>
             <a:prstGeom prst="rect">
               <a:avLst/>
@@ -11317,10 +15621,10 @@
         </p:pic>
         <p:pic>
           <p:nvPicPr>
-            <p:cNvPr id="9" name="Picture 8" descr="Matriz de bordado - Ufersa 001 | Elo7 Produtos Especiais">
+            <p:cNvPr id="9" name="Picture 4" descr="Programa de Pósgraduação em Ciência da Computação - ppgcc - Uern/Ufersa |  Mossoró RN">
               <a:extLst>
                 <a:ext uri="{FF2B5EF4-FFF2-40B4-BE49-F238E27FC236}">
-                  <a16:creationId xmlns:a16="http://schemas.microsoft.com/office/drawing/2014/main" id="{6ADF72E6-D93D-D191-0A88-E15C4C093C68}"/>
+                  <a16:creationId xmlns:a16="http://schemas.microsoft.com/office/drawing/2014/main" id="{87FEB6B4-AC85-3BEC-A5EC-AF0DD08A0F41}"/>
                 </a:ext>
               </a:extLst>
             </p:cNvPr>
@@ -11344,53 +15648,6 @@
           </p:blipFill>
           <p:spPr bwMode="auto">
             <a:xfrm>
-              <a:off x="463685" y="371326"/>
-              <a:ext cx="1441227" cy="1154130"/>
-            </a:xfrm>
-            <a:prstGeom prst="rect">
-              <a:avLst/>
-            </a:prstGeom>
-            <a:noFill/>
-            <a:extLst>
-              <a:ext uri="{909E8E84-426E-40DD-AFC4-6F175D3DCCD1}">
-                <a14:hiddenFill xmlns:a14="http://schemas.microsoft.com/office/drawing/2010/main">
-                  <a:solidFill>
-                    <a:srgbClr val="FFFFFF"/>
-                  </a:solidFill>
-                </a14:hiddenFill>
-              </a:ext>
-            </a:extLst>
-          </p:spPr>
-        </p:pic>
-        <p:pic>
-          <p:nvPicPr>
-            <p:cNvPr id="10" name="Picture 4" descr="Programa de Pósgraduação em Ciência da Computação - ppgcc - Uern/Ufersa |  Mossoró RN">
-              <a:extLst>
-                <a:ext uri="{FF2B5EF4-FFF2-40B4-BE49-F238E27FC236}">
-                  <a16:creationId xmlns:a16="http://schemas.microsoft.com/office/drawing/2014/main" id="{992912F0-C57D-F3FE-8502-50465377AF2E}"/>
-                </a:ext>
-              </a:extLst>
-            </p:cNvPr>
-            <p:cNvPicPr>
-              <a:picLocks noChangeAspect="1" noChangeArrowheads="1"/>
-            </p:cNvPicPr>
-            <p:nvPr/>
-          </p:nvPicPr>
-          <p:blipFill>
-            <a:blip r:embed="rId5">
-              <a:extLst>
-                <a:ext uri="{28A0092B-C50C-407E-A947-70E740481C1C}">
-                  <a14:useLocalDpi xmlns:a14="http://schemas.microsoft.com/office/drawing/2010/main" val="0"/>
-                </a:ext>
-              </a:extLst>
-            </a:blip>
-            <a:srcRect/>
-            <a:stretch>
-              <a:fillRect/>
-            </a:stretch>
-          </p:blipFill>
-          <p:spPr bwMode="auto">
-            <a:xfrm>
               <a:off x="1879600" y="442839"/>
               <a:ext cx="2005076" cy="990006"/>
             </a:xfrm>
@@ -11410,149 +15667,12 @@
           </p:spPr>
         </p:pic>
       </p:grpSp>
-    </p:spTree>
-    <p:extLst>
-      <p:ext uri="{BB962C8B-B14F-4D97-AF65-F5344CB8AC3E}">
-        <p14:creationId xmlns:p14="http://schemas.microsoft.com/office/powerpoint/2010/main" val="1711750934"/>
-      </p:ext>
-    </p:extLst>
-  </p:cSld>
-  <p:clrMapOvr>
-    <a:masterClrMapping/>
-  </p:clrMapOvr>
-</p:sld>
-</file>
-
-<file path=ppt/slides/slide8.xml><?xml version="1.0" encoding="utf-8"?>
-<p:sld xmlns:a="http://schemas.openxmlformats.org/drawingml/2006/main" xmlns:r="http://schemas.openxmlformats.org/officeDocument/2006/relationships" xmlns:p="http://schemas.openxmlformats.org/presentationml/2006/main">
-  <p:cSld>
-    <p:bg>
-      <p:bgPr>
-        <a:solidFill>
-          <a:schemeClr val="bg1"/>
-        </a:solidFill>
-        <a:effectLst/>
-      </p:bgPr>
-    </p:bg>
-    <p:spTree>
-      <p:nvGrpSpPr>
-        <p:cNvPr id="1" name=""/>
-        <p:cNvGrpSpPr/>
-        <p:nvPr/>
-      </p:nvGrpSpPr>
-      <p:grpSpPr>
-        <a:xfrm>
-          <a:off x="0" y="0"/>
-          <a:ext cx="0" cy="0"/>
-          <a:chOff x="0" y="0"/>
-          <a:chExt cx="0" cy="0"/>
-        </a:xfrm>
-      </p:grpSpPr>
-      <p:sp useBgFill="1">
-        <p:nvSpPr>
-          <p:cNvPr id="72" name="Rectangle 71">
-            <a:extLst>
-              <a:ext uri="{FF2B5EF4-FFF2-40B4-BE49-F238E27FC236}">
-                <a16:creationId xmlns:a16="http://schemas.microsoft.com/office/drawing/2014/main" id="{79BB35BC-D5C2-4C8B-A22A-A71E6191913B}"/>
-              </a:ext>
-              <a:ext uri="{C183D7F6-B498-43B3-948B-1728B52AA6E4}">
-                <adec:decorative xmlns:adec="http://schemas.microsoft.com/office/drawing/2017/decorative" val="1"/>
-              </a:ext>
-            </a:extLst>
-          </p:cNvPr>
-          <p:cNvSpPr>
-            <a:spLocks noGrp="1" noRot="1" noChangeAspect="1" noMove="1" noResize="1" noEditPoints="1" noAdjustHandles="1" noChangeArrowheads="1" noChangeShapeType="1" noTextEdit="1"/>
-          </p:cNvSpPr>
-          <p:nvPr>
-            <p:extLst>
-              <p:ext uri="{386F3935-93C4-4BCD-93E2-E3B085C9AB24}">
-                <p16:designElem xmlns:p16="http://schemas.microsoft.com/office/powerpoint/2015/main" val="1"/>
-              </p:ext>
-            </p:extLst>
-          </p:nvPr>
-        </p:nvSpPr>
-        <p:spPr>
-          <a:xfrm>
-            <a:off x="0" y="0"/>
-            <a:ext cx="12188952" cy="6858000"/>
-          </a:xfrm>
-          <a:prstGeom prst="rect">
-            <a:avLst/>
-          </a:prstGeom>
-          <a:ln>
-            <a:noFill/>
-          </a:ln>
-        </p:spPr>
-        <p:style>
-          <a:lnRef idx="2">
-            <a:schemeClr val="accent1">
-              <a:shade val="50000"/>
-            </a:schemeClr>
-          </a:lnRef>
-          <a:fillRef idx="1">
-            <a:schemeClr val="accent1"/>
-          </a:fillRef>
-          <a:effectRef idx="0">
-            <a:schemeClr val="accent1"/>
-          </a:effectRef>
-          <a:fontRef idx="minor">
-            <a:schemeClr val="lt1"/>
-          </a:fontRef>
-        </p:style>
-        <p:txBody>
-          <a:bodyPr rtlCol="0" anchor="ctr"/>
-          <a:lstStyle/>
-          <a:p>
-            <a:pPr algn="ctr"/>
-            <a:endParaRPr lang="en-US"/>
-          </a:p>
-        </p:txBody>
-      </p:sp>
-      <p:sp>
-        <p:nvSpPr>
-          <p:cNvPr id="2" name="Título 1">
-            <a:extLst>
-              <a:ext uri="{FF2B5EF4-FFF2-40B4-BE49-F238E27FC236}">
-                <a16:creationId xmlns:a16="http://schemas.microsoft.com/office/drawing/2014/main" id="{87C8F801-C1CD-6B21-B7DF-D9D7D028C819}"/>
-              </a:ext>
-            </a:extLst>
-          </p:cNvPr>
-          <p:cNvSpPr>
-            <a:spLocks noGrp="1"/>
-          </p:cNvSpPr>
-          <p:nvPr>
-            <p:ph type="title"/>
-          </p:nvPr>
-        </p:nvSpPr>
-        <p:spPr>
-          <a:xfrm>
-            <a:off x="6513788" y="365125"/>
-            <a:ext cx="4840010" cy="1807305"/>
-          </a:xfrm>
-        </p:spPr>
-        <p:txBody>
-          <a:bodyPr>
-            <a:normAutofit/>
-          </a:bodyPr>
-          <a:lstStyle/>
-          <a:p>
-            <a:r>
-              <a:rPr lang="pt-BR" b="1" i="0">
-                <a:effectLst/>
-                <a:latin typeface="Söhne"/>
-              </a:rPr>
-              <a:t>Estrutura da Ontologia</a:t>
-            </a:r>
-            <a:endParaRPr lang="pt-BR"/>
-          </a:p>
-        </p:txBody>
-      </p:sp>
       <p:pic>
         <p:nvPicPr>
-          <p:cNvPr id="6" name="Imagem 5">
+          <p:cNvPr id="4" name="Imagem 3" descr="Diagrama&#10;&#10;Descrição gerada automaticamente">
             <a:extLst>
               <a:ext uri="{FF2B5EF4-FFF2-40B4-BE49-F238E27FC236}">
-                <a16:creationId xmlns:a16="http://schemas.microsoft.com/office/drawing/2014/main" id="{DBC6190B-5E79-3B3D-1DC0-26C2EC4C186B}"/>
+                <a16:creationId xmlns:a16="http://schemas.microsoft.com/office/drawing/2014/main" id="{A2B01795-488F-CD63-817E-B478D57BBAB2}"/>
               </a:ext>
             </a:extLst>
           </p:cNvPr>
@@ -11561,1363 +15681,26 @@
           </p:cNvPicPr>
           <p:nvPr/>
         </p:nvPicPr>
-        <p:blipFill rotWithShape="1">
-          <a:blip r:embed="rId2"/>
-          <a:srcRect t="15341" r="2" b="12081"/>
-          <a:stretch/>
+        <p:blipFill>
+          <a:blip r:embed="rId5"/>
+          <a:stretch>
+            <a:fillRect/>
+          </a:stretch>
         </p:blipFill>
         <p:spPr>
           <a:xfrm>
-            <a:off x="20" y="10"/>
-            <a:ext cx="6116549" cy="6857990"/>
-          </a:xfrm>
-          <a:custGeom>
-            <a:avLst/>
-            <a:gdLst/>
-            <a:ahLst/>
-            <a:cxnLst/>
-            <a:rect l="l" t="t" r="r" b="b"/>
-            <a:pathLst>
-              <a:path w="6116569" h="6879321">
-                <a:moveTo>
-                  <a:pt x="0" y="0"/>
-                </a:moveTo>
-                <a:lnTo>
-                  <a:pt x="2935851" y="0"/>
-                </a:lnTo>
-                <a:cubicBezTo>
-                  <a:pt x="3035710" y="10660"/>
-                  <a:pt x="3138421" y="17767"/>
-                  <a:pt x="3238280" y="31980"/>
-                </a:cubicBezTo>
-                <a:cubicBezTo>
-                  <a:pt x="3817462" y="106602"/>
-                  <a:pt x="3127009" y="277163"/>
-                  <a:pt x="3660541" y="550772"/>
-                </a:cubicBezTo>
-                <a:cubicBezTo>
-                  <a:pt x="3706191" y="575645"/>
-                  <a:pt x="3757546" y="579199"/>
-                  <a:pt x="3808902" y="589860"/>
-                </a:cubicBezTo>
-                <a:cubicBezTo>
-                  <a:pt x="4008620" y="625393"/>
-                  <a:pt x="4211192" y="618286"/>
-                  <a:pt x="4413762" y="625393"/>
-                </a:cubicBezTo>
-                <a:cubicBezTo>
-                  <a:pt x="4465118" y="628946"/>
-                  <a:pt x="4525033" y="625393"/>
-                  <a:pt x="4567830" y="721333"/>
-                </a:cubicBezTo>
-                <a:cubicBezTo>
-                  <a:pt x="4425175" y="724888"/>
-                  <a:pt x="4305344" y="731994"/>
-                  <a:pt x="4171247" y="792401"/>
-                </a:cubicBezTo>
-                <a:cubicBezTo>
-                  <a:pt x="4239722" y="859916"/>
-                  <a:pt x="4322462" y="795955"/>
-                  <a:pt x="4376671" y="842148"/>
-                </a:cubicBezTo>
-                <a:cubicBezTo>
-                  <a:pt x="4428027" y="888342"/>
-                  <a:pt x="4470824" y="891896"/>
-                  <a:pt x="4527887" y="813722"/>
-                </a:cubicBezTo>
-                <a:cubicBezTo>
-                  <a:pt x="4556417" y="774634"/>
-                  <a:pt x="4604920" y="778187"/>
-                  <a:pt x="4633452" y="799508"/>
-                </a:cubicBezTo>
-                <a:cubicBezTo>
-                  <a:pt x="4781813" y="913216"/>
-                  <a:pt x="4778960" y="909662"/>
-                  <a:pt x="4947293" y="870576"/>
-                </a:cubicBezTo>
-                <a:cubicBezTo>
-                  <a:pt x="5055712" y="845701"/>
-                  <a:pt x="5166983" y="806615"/>
-                  <a:pt x="5263988" y="820828"/>
-                </a:cubicBezTo>
-                <a:cubicBezTo>
-                  <a:pt x="5275401" y="867022"/>
-                  <a:pt x="5263988" y="888342"/>
-                  <a:pt x="5249723" y="895449"/>
-                </a:cubicBezTo>
-                <a:cubicBezTo>
-                  <a:pt x="5021475" y="1005604"/>
-                  <a:pt x="4975825" y="1122864"/>
-                  <a:pt x="4744723" y="1197485"/>
-                </a:cubicBezTo>
-                <a:cubicBezTo>
-                  <a:pt x="4724751" y="1268552"/>
-                  <a:pt x="4807491" y="1275660"/>
-                  <a:pt x="4767548" y="1346727"/>
-                </a:cubicBezTo>
-                <a:cubicBezTo>
-                  <a:pt x="4693367" y="1407134"/>
-                  <a:pt x="4610627" y="1346727"/>
-                  <a:pt x="4539299" y="1421348"/>
-                </a:cubicBezTo>
-                <a:cubicBezTo>
-                  <a:pt x="4550712" y="1471094"/>
-                  <a:pt x="4610627" y="1432008"/>
-                  <a:pt x="4607773" y="1485309"/>
-                </a:cubicBezTo>
-                <a:cubicBezTo>
-                  <a:pt x="4604920" y="1517288"/>
-                  <a:pt x="4593508" y="1527948"/>
-                  <a:pt x="4579242" y="1535055"/>
-                </a:cubicBezTo>
-                <a:cubicBezTo>
-                  <a:pt x="4776107" y="1538608"/>
-                  <a:pt x="5383820" y="1574142"/>
-                  <a:pt x="5278255" y="1609676"/>
-                </a:cubicBezTo>
-                <a:cubicBezTo>
-                  <a:pt x="5418057" y="1698511"/>
-                  <a:pt x="5623481" y="1609676"/>
-                  <a:pt x="5771843" y="1630997"/>
-                </a:cubicBezTo>
-                <a:cubicBezTo>
-                  <a:pt x="5925911" y="1652316"/>
-                  <a:pt x="6171278" y="1719830"/>
-                  <a:pt x="6105656" y="1748257"/>
-                </a:cubicBezTo>
-                <a:cubicBezTo>
-                  <a:pt x="6031475" y="1780238"/>
-                  <a:pt x="5766136" y="2146235"/>
-                  <a:pt x="5691955" y="2167555"/>
-                </a:cubicBezTo>
-                <a:cubicBezTo>
-                  <a:pt x="5606362" y="2188875"/>
-                  <a:pt x="5589243" y="2217302"/>
-                  <a:pt x="5475118" y="2348776"/>
-                </a:cubicBezTo>
-                <a:cubicBezTo>
-                  <a:pt x="5398085" y="2437610"/>
-                  <a:pt x="5709074" y="2238623"/>
-                  <a:pt x="5826051" y="2291922"/>
-                </a:cubicBezTo>
-                <a:cubicBezTo>
-                  <a:pt x="5868848" y="2309690"/>
-                  <a:pt x="5552153" y="2554872"/>
-                  <a:pt x="5552153" y="2597513"/>
-                </a:cubicBezTo>
-                <a:cubicBezTo>
-                  <a:pt x="5549300" y="2640153"/>
-                  <a:pt x="5577831" y="2647260"/>
-                  <a:pt x="5603508" y="2647260"/>
-                </a:cubicBezTo>
-                <a:cubicBezTo>
-                  <a:pt x="5660571" y="2647260"/>
-                  <a:pt x="5640599" y="2686346"/>
-                  <a:pt x="5700515" y="2679240"/>
-                </a:cubicBezTo>
-                <a:cubicBezTo>
-                  <a:pt x="5523622" y="2800055"/>
-                  <a:pt x="5418057" y="2778734"/>
-                  <a:pt x="5246870" y="2888889"/>
-                </a:cubicBezTo>
-                <a:cubicBezTo>
-                  <a:pt x="5164130" y="2942189"/>
-                  <a:pt x="4921615" y="3119857"/>
-                  <a:pt x="4836022" y="3169605"/>
-                </a:cubicBezTo>
-                <a:cubicBezTo>
-                  <a:pt x="4801785" y="3187371"/>
-                  <a:pt x="4758988" y="3173158"/>
-                  <a:pt x="4736163" y="3233565"/>
-                </a:cubicBezTo>
-                <a:cubicBezTo>
-                  <a:pt x="4770400" y="3279759"/>
-                  <a:pt x="4816050" y="3254885"/>
-                  <a:pt x="4853141" y="3233565"/>
-                </a:cubicBezTo>
-                <a:cubicBezTo>
-                  <a:pt x="4944440" y="3176711"/>
-                  <a:pt x="4935881" y="3190925"/>
-                  <a:pt x="4944440" y="3226459"/>
-                </a:cubicBezTo>
-                <a:cubicBezTo>
-                  <a:pt x="4972972" y="3350827"/>
-                  <a:pt x="5044300" y="3308186"/>
-                  <a:pt x="5109921" y="3283313"/>
-                </a:cubicBezTo>
-                <a:cubicBezTo>
-                  <a:pt x="5303932" y="3208692"/>
-                  <a:pt x="5500797" y="3215799"/>
-                  <a:pt x="5694809" y="3141178"/>
-                </a:cubicBezTo>
-                <a:cubicBezTo>
-                  <a:pt x="5714781" y="3134070"/>
-                  <a:pt x="5612068" y="3283313"/>
-                  <a:pt x="5566419" y="3301079"/>
-                </a:cubicBezTo>
-                <a:cubicBezTo>
-                  <a:pt x="5515063" y="3322399"/>
-                  <a:pt x="5452294" y="3311739"/>
-                  <a:pt x="5415203" y="3397020"/>
-                </a:cubicBezTo>
-                <a:cubicBezTo>
-                  <a:pt x="5477972" y="3414787"/>
-                  <a:pt x="5552153" y="3372147"/>
-                  <a:pt x="5612068" y="3432554"/>
-                </a:cubicBezTo>
-                <a:cubicBezTo>
-                  <a:pt x="5469413" y="3528494"/>
-                  <a:pt x="5329610" y="3535601"/>
-                  <a:pt x="5206927" y="3599562"/>
-                </a:cubicBezTo>
-                <a:cubicBezTo>
-                  <a:pt x="5192661" y="3706163"/>
-                  <a:pt x="5272548" y="3663523"/>
-                  <a:pt x="5301079" y="3723930"/>
-                </a:cubicBezTo>
-                <a:cubicBezTo>
-                  <a:pt x="5072830" y="3844745"/>
-                  <a:pt x="4564977" y="4232062"/>
-                  <a:pt x="4507915" y="4306683"/>
-                </a:cubicBezTo>
-                <a:cubicBezTo>
-                  <a:pt x="4390937" y="4463031"/>
-                  <a:pt x="3900202" y="4562525"/>
-                  <a:pt x="3982942" y="4587399"/>
-                </a:cubicBezTo>
-                <a:cubicBezTo>
-                  <a:pt x="4051417" y="4608719"/>
-                  <a:pt x="4119891" y="4587399"/>
-                  <a:pt x="4185513" y="4541205"/>
-                </a:cubicBezTo>
-                <a:cubicBezTo>
-                  <a:pt x="4291078" y="4466584"/>
-                  <a:pt x="5010062" y="4523438"/>
-                  <a:pt x="5212633" y="4455924"/>
-                </a:cubicBezTo>
-                <a:cubicBezTo>
-                  <a:pt x="5241164" y="4445264"/>
-                  <a:pt x="5283960" y="4409730"/>
-                  <a:pt x="5312492" y="4473691"/>
-                </a:cubicBezTo>
-                <a:cubicBezTo>
-                  <a:pt x="5098508" y="4704659"/>
-                  <a:pt x="4833169" y="4654913"/>
-                  <a:pt x="4596361" y="4818368"/>
-                </a:cubicBezTo>
-                <a:cubicBezTo>
-                  <a:pt x="4684807" y="4917861"/>
-                  <a:pt x="4776107" y="4907202"/>
-                  <a:pt x="4873113" y="4885882"/>
-                </a:cubicBezTo>
-                <a:cubicBezTo>
-                  <a:pt x="4895938" y="4878775"/>
-                  <a:pt x="4930175" y="4871668"/>
-                  <a:pt x="4935881" y="4914309"/>
-                </a:cubicBezTo>
-                <a:cubicBezTo>
-                  <a:pt x="4941587" y="4967609"/>
-                  <a:pt x="4898790" y="4978270"/>
-                  <a:pt x="4873113" y="5003143"/>
-                </a:cubicBezTo>
-                <a:cubicBezTo>
-                  <a:pt x="4833169" y="5038676"/>
-                  <a:pt x="4773254" y="4999590"/>
-                  <a:pt x="4721898" y="5095530"/>
-                </a:cubicBezTo>
-                <a:cubicBezTo>
-                  <a:pt x="4873113" y="5067104"/>
-                  <a:pt x="4998650" y="5020910"/>
-                  <a:pt x="5132745" y="4949842"/>
-                </a:cubicBezTo>
-                <a:cubicBezTo>
-                  <a:pt x="5121333" y="5006696"/>
-                  <a:pt x="5081390" y="5035123"/>
-                  <a:pt x="5101362" y="5081317"/>
-                </a:cubicBezTo>
-                <a:cubicBezTo>
-                  <a:pt x="5118480" y="5116850"/>
-                  <a:pt x="5164130" y="5131063"/>
-                  <a:pt x="5138452" y="5198578"/>
-                </a:cubicBezTo>
-                <a:cubicBezTo>
-                  <a:pt x="5067125" y="5273199"/>
-                  <a:pt x="4967265" y="5258986"/>
-                  <a:pt x="4904497" y="5362033"/>
-                </a:cubicBezTo>
-                <a:cubicBezTo>
-                  <a:pt x="4818903" y="5507721"/>
-                  <a:pt x="4684807" y="5564575"/>
-                  <a:pt x="4579242" y="5674729"/>
-                </a:cubicBezTo>
-                <a:cubicBezTo>
-                  <a:pt x="4545005" y="5713816"/>
-                  <a:pt x="4313903" y="5841738"/>
-                  <a:pt x="4253988" y="5884379"/>
-                </a:cubicBezTo>
-                <a:cubicBezTo>
-                  <a:pt x="4168395" y="5944786"/>
-                  <a:pt x="4071389" y="5966106"/>
-                  <a:pt x="3985795" y="6069153"/>
-                </a:cubicBezTo>
-                <a:cubicBezTo>
-                  <a:pt x="4065682" y="6086921"/>
-                  <a:pt x="4134157" y="5990979"/>
-                  <a:pt x="4231163" y="6030066"/>
-                </a:cubicBezTo>
-                <a:cubicBezTo>
-                  <a:pt x="4074242" y="6133114"/>
-                  <a:pt x="3931586" y="6182861"/>
-                  <a:pt x="3814609" y="6317889"/>
-                </a:cubicBezTo>
-                <a:cubicBezTo>
-                  <a:pt x="3800343" y="6335656"/>
-                  <a:pt x="3771812" y="6332102"/>
-                  <a:pt x="3751840" y="6339209"/>
-                </a:cubicBezTo>
-                <a:cubicBezTo>
-                  <a:pt x="3529298" y="6406723"/>
-                  <a:pt x="3309608" y="6467130"/>
-                  <a:pt x="3089919" y="6563071"/>
-                </a:cubicBezTo>
-                <a:cubicBezTo>
-                  <a:pt x="3041416" y="6584392"/>
-                  <a:pt x="2955823" y="6595052"/>
-                  <a:pt x="2961529" y="6662566"/>
-                </a:cubicBezTo>
-                <a:cubicBezTo>
-                  <a:pt x="2972941" y="6765613"/>
-                  <a:pt x="3055681" y="6687439"/>
-                  <a:pt x="3107038" y="6673226"/>
-                </a:cubicBezTo>
-                <a:cubicBezTo>
-                  <a:pt x="3269664" y="6634138"/>
-                  <a:pt x="3432292" y="6570178"/>
-                  <a:pt x="3594919" y="6591499"/>
-                </a:cubicBezTo>
-                <a:cubicBezTo>
-                  <a:pt x="3483648" y="6637693"/>
-                  <a:pt x="3372376" y="6680332"/>
-                  <a:pt x="3261106" y="6726527"/>
-                </a:cubicBezTo>
-                <a:cubicBezTo>
-                  <a:pt x="3386642" y="6705206"/>
-                  <a:pt x="3495061" y="6786934"/>
-                  <a:pt x="3620597" y="6740740"/>
-                </a:cubicBezTo>
-                <a:cubicBezTo>
-                  <a:pt x="3660541" y="6726527"/>
-                  <a:pt x="3700484" y="6765613"/>
-                  <a:pt x="3703337" y="6826020"/>
-                </a:cubicBezTo>
-                <a:cubicBezTo>
-                  <a:pt x="3706191" y="6847340"/>
-                  <a:pt x="3700484" y="6865108"/>
-                  <a:pt x="3689072" y="6879321"/>
-                </a:cubicBezTo>
-                <a:lnTo>
-                  <a:pt x="0" y="6879321"/>
-                </a:lnTo>
-                <a:close/>
-              </a:path>
-            </a:pathLst>
-          </a:custGeom>
-        </p:spPr>
-      </p:pic>
-      <p:sp>
-        <p:nvSpPr>
-          <p:cNvPr id="3" name="Espaço Reservado para Conteúdo 2">
-            <a:extLst>
-              <a:ext uri="{FF2B5EF4-FFF2-40B4-BE49-F238E27FC236}">
-                <a16:creationId xmlns:a16="http://schemas.microsoft.com/office/drawing/2014/main" id="{4CA99AD0-5797-8371-0EB4-6D85EAC047E6}"/>
-              </a:ext>
-            </a:extLst>
-          </p:cNvPr>
-          <p:cNvSpPr>
-            <a:spLocks noGrp="1"/>
-          </p:cNvSpPr>
-          <p:nvPr>
-            <p:ph idx="1"/>
-          </p:nvPr>
-        </p:nvSpPr>
-        <p:spPr>
-          <a:xfrm>
-            <a:off x="6513788" y="2333297"/>
-            <a:ext cx="4840010" cy="3843666"/>
-          </a:xfrm>
-        </p:spPr>
-        <p:txBody>
-          <a:bodyPr>
-            <a:normAutofit/>
-          </a:bodyPr>
-          <a:lstStyle/>
-          <a:p>
-            <a:r>
-              <a:rPr lang="pt-BR" sz="2000" b="1"/>
-              <a:t>Classes Principais: </a:t>
-            </a:r>
-            <a:r>
-              <a:rPr lang="pt-BR" sz="2000"/>
-              <a:t>Herbicida, Planta Daninha, Imagem, Efeito, Processamento de Imagem, Aprendizado de Máquina, entre outras.</a:t>
-            </a:r>
-          </a:p>
-          <a:p>
-            <a:pPr marL="0" indent="0">
-              <a:buNone/>
-            </a:pPr>
-            <a:endParaRPr lang="pt-BR" sz="2000"/>
-          </a:p>
-          <a:p>
-            <a:r>
-              <a:rPr lang="pt-BR" sz="2000" b="1"/>
-              <a:t>Propriedades de Objetos: </a:t>
-            </a:r>
-            <a:r>
-              <a:rPr lang="pt-BR" sz="2000"/>
-              <a:t>Exemplo - "Utiliza", "Detecta", "InheresIn".</a:t>
-            </a:r>
-          </a:p>
-          <a:p>
-            <a:endParaRPr lang="pt-BR" sz="2000"/>
-          </a:p>
-          <a:p>
-            <a:r>
-              <a:rPr lang="pt-BR" sz="2000" b="1"/>
-              <a:t>Consulta à Ontologia: </a:t>
-            </a:r>
-            <a:r>
-              <a:rPr lang="pt-BR" sz="2000"/>
-              <a:t>Uso de SPARQL para recuperar informações estruturadas.</a:t>
-            </a:r>
-          </a:p>
-        </p:txBody>
-      </p:sp>
-      <p:grpSp>
-        <p:nvGrpSpPr>
-          <p:cNvPr id="7" name="Agrupar 6">
-            <a:extLst>
-              <a:ext uri="{FF2B5EF4-FFF2-40B4-BE49-F238E27FC236}">
-                <a16:creationId xmlns:a16="http://schemas.microsoft.com/office/drawing/2014/main" id="{83F4C8F7-9F26-FCAD-16D7-B219C0F7E855}"/>
-              </a:ext>
-            </a:extLst>
-          </p:cNvPr>
-          <p:cNvGrpSpPr/>
-          <p:nvPr/>
-        </p:nvGrpSpPr>
-        <p:grpSpPr>
-          <a:xfrm>
-            <a:off x="10173742" y="6176963"/>
-            <a:ext cx="1767154" cy="450511"/>
-            <a:chOff x="463685" y="371326"/>
-            <a:chExt cx="4527137" cy="1154130"/>
-          </a:xfrm>
-        </p:grpSpPr>
-        <p:pic>
-          <p:nvPicPr>
-            <p:cNvPr id="8" name="Picture 6" descr="Universidade do Estado do Rio Grande do Norte – Wikipédia, a enciclopédia  livre">
-              <a:extLst>
-                <a:ext uri="{FF2B5EF4-FFF2-40B4-BE49-F238E27FC236}">
-                  <a16:creationId xmlns:a16="http://schemas.microsoft.com/office/drawing/2014/main" id="{F92CB0E4-9BD1-DC04-A4F4-2E28AB718DC8}"/>
-                </a:ext>
-              </a:extLst>
-            </p:cNvPr>
-            <p:cNvPicPr>
-              <a:picLocks noChangeAspect="1" noChangeArrowheads="1"/>
-            </p:cNvPicPr>
-            <p:nvPr/>
-          </p:nvPicPr>
-          <p:blipFill>
-            <a:blip r:embed="rId3">
-              <a:extLst>
-                <a:ext uri="{28A0092B-C50C-407E-A947-70E740481C1C}">
-                  <a14:useLocalDpi xmlns:a14="http://schemas.microsoft.com/office/drawing/2010/main" val="0"/>
-                </a:ext>
-              </a:extLst>
-            </a:blip>
-            <a:srcRect/>
-            <a:stretch>
-              <a:fillRect/>
-            </a:stretch>
-          </p:blipFill>
-          <p:spPr bwMode="auto">
-            <a:xfrm>
-              <a:off x="4219279" y="371326"/>
-              <a:ext cx="771543" cy="1061519"/>
-            </a:xfrm>
-            <a:prstGeom prst="rect">
-              <a:avLst/>
-            </a:prstGeom>
-            <a:noFill/>
-            <a:extLst>
-              <a:ext uri="{909E8E84-426E-40DD-AFC4-6F175D3DCCD1}">
-                <a14:hiddenFill xmlns:a14="http://schemas.microsoft.com/office/drawing/2010/main">
-                  <a:solidFill>
-                    <a:srgbClr val="FFFFFF"/>
-                  </a:solidFill>
-                </a14:hiddenFill>
-              </a:ext>
-            </a:extLst>
-          </p:spPr>
-        </p:pic>
-        <p:pic>
-          <p:nvPicPr>
-            <p:cNvPr id="9" name="Picture 8" descr="Matriz de bordado - Ufersa 001 | Elo7 Produtos Especiais">
-              <a:extLst>
-                <a:ext uri="{FF2B5EF4-FFF2-40B4-BE49-F238E27FC236}">
-                  <a16:creationId xmlns:a16="http://schemas.microsoft.com/office/drawing/2014/main" id="{9885EA06-3967-A3CD-EDD7-F0E83C1BE537}"/>
-                </a:ext>
-              </a:extLst>
-            </p:cNvPr>
-            <p:cNvPicPr>
-              <a:picLocks noChangeAspect="1" noChangeArrowheads="1"/>
-            </p:cNvPicPr>
-            <p:nvPr/>
-          </p:nvPicPr>
-          <p:blipFill>
-            <a:blip r:embed="rId4">
-              <a:extLst>
-                <a:ext uri="{28A0092B-C50C-407E-A947-70E740481C1C}">
-                  <a14:useLocalDpi xmlns:a14="http://schemas.microsoft.com/office/drawing/2010/main" val="0"/>
-                </a:ext>
-              </a:extLst>
-            </a:blip>
-            <a:srcRect/>
-            <a:stretch>
-              <a:fillRect/>
-            </a:stretch>
-          </p:blipFill>
-          <p:spPr bwMode="auto">
-            <a:xfrm>
-              <a:off x="463685" y="371326"/>
-              <a:ext cx="1441227" cy="1154130"/>
-            </a:xfrm>
-            <a:prstGeom prst="rect">
-              <a:avLst/>
-            </a:prstGeom>
-            <a:noFill/>
-            <a:extLst>
-              <a:ext uri="{909E8E84-426E-40DD-AFC4-6F175D3DCCD1}">
-                <a14:hiddenFill xmlns:a14="http://schemas.microsoft.com/office/drawing/2010/main">
-                  <a:solidFill>
-                    <a:srgbClr val="FFFFFF"/>
-                  </a:solidFill>
-                </a14:hiddenFill>
-              </a:ext>
-            </a:extLst>
-          </p:spPr>
-        </p:pic>
-        <p:pic>
-          <p:nvPicPr>
-            <p:cNvPr id="10" name="Picture 4" descr="Programa de Pósgraduação em Ciência da Computação - ppgcc - Uern/Ufersa |  Mossoró RN">
-              <a:extLst>
-                <a:ext uri="{FF2B5EF4-FFF2-40B4-BE49-F238E27FC236}">
-                  <a16:creationId xmlns:a16="http://schemas.microsoft.com/office/drawing/2014/main" id="{A848740B-78D2-7E4E-E17E-98609A6818B3}"/>
-                </a:ext>
-              </a:extLst>
-            </p:cNvPr>
-            <p:cNvPicPr>
-              <a:picLocks noChangeAspect="1" noChangeArrowheads="1"/>
-            </p:cNvPicPr>
-            <p:nvPr/>
-          </p:nvPicPr>
-          <p:blipFill>
-            <a:blip r:embed="rId5">
-              <a:extLst>
-                <a:ext uri="{28A0092B-C50C-407E-A947-70E740481C1C}">
-                  <a14:useLocalDpi xmlns:a14="http://schemas.microsoft.com/office/drawing/2010/main" val="0"/>
-                </a:ext>
-              </a:extLst>
-            </a:blip>
-            <a:srcRect/>
-            <a:stretch>
-              <a:fillRect/>
-            </a:stretch>
-          </p:blipFill>
-          <p:spPr bwMode="auto">
-            <a:xfrm>
-              <a:off x="1879600" y="442839"/>
-              <a:ext cx="2005076" cy="990006"/>
-            </a:xfrm>
-            <a:prstGeom prst="rect">
-              <a:avLst/>
-            </a:prstGeom>
-            <a:noFill/>
-            <a:extLst>
-              <a:ext uri="{909E8E84-426E-40DD-AFC4-6F175D3DCCD1}">
-                <a14:hiddenFill xmlns:a14="http://schemas.microsoft.com/office/drawing/2010/main">
-                  <a:solidFill>
-                    <a:srgbClr val="FFFFFF"/>
-                  </a:solidFill>
-                </a14:hiddenFill>
-              </a:ext>
-            </a:extLst>
-          </p:spPr>
-        </p:pic>
-      </p:grpSp>
-    </p:spTree>
-    <p:extLst>
-      <p:ext uri="{BB962C8B-B14F-4D97-AF65-F5344CB8AC3E}">
-        <p14:creationId xmlns:p14="http://schemas.microsoft.com/office/powerpoint/2010/main" val="3160726127"/>
-      </p:ext>
-    </p:extLst>
-  </p:cSld>
-  <p:clrMapOvr>
-    <a:masterClrMapping/>
-  </p:clrMapOvr>
-</p:sld>
-</file>
-
-<file path=ppt/slides/slide9.xml><?xml version="1.0" encoding="utf-8"?>
-<p:sld xmlns:a="http://schemas.openxmlformats.org/drawingml/2006/main" xmlns:r="http://schemas.openxmlformats.org/officeDocument/2006/relationships" xmlns:p="http://schemas.openxmlformats.org/presentationml/2006/main">
-  <p:cSld>
-    <p:bg>
-      <p:bgPr>
-        <a:solidFill>
-          <a:schemeClr val="bg1"/>
-        </a:solidFill>
-        <a:effectLst/>
-      </p:bgPr>
-    </p:bg>
-    <p:spTree>
-      <p:nvGrpSpPr>
-        <p:cNvPr id="1" name=""/>
-        <p:cNvGrpSpPr/>
-        <p:nvPr/>
-      </p:nvGrpSpPr>
-      <p:grpSpPr>
-        <a:xfrm>
-          <a:off x="0" y="0"/>
-          <a:ext cx="0" cy="0"/>
-          <a:chOff x="0" y="0"/>
-          <a:chExt cx="0" cy="0"/>
-        </a:xfrm>
-      </p:grpSpPr>
-      <p:sp useBgFill="1">
-        <p:nvSpPr>
-          <p:cNvPr id="5129" name="Rectangle 5126">
-            <a:extLst>
-              <a:ext uri="{FF2B5EF4-FFF2-40B4-BE49-F238E27FC236}">
-                <a16:creationId xmlns:a16="http://schemas.microsoft.com/office/drawing/2014/main" id="{79BB35BC-D5C2-4C8B-A22A-A71E6191913B}"/>
-              </a:ext>
-              <a:ext uri="{C183D7F6-B498-43B3-948B-1728B52AA6E4}">
-                <adec:decorative xmlns:adec="http://schemas.microsoft.com/office/drawing/2017/decorative" val="1"/>
-              </a:ext>
-            </a:extLst>
-          </p:cNvPr>
-          <p:cNvSpPr>
-            <a:spLocks noGrp="1" noRot="1" noChangeAspect="1" noMove="1" noResize="1" noEditPoints="1" noAdjustHandles="1" noChangeArrowheads="1" noChangeShapeType="1" noTextEdit="1"/>
-          </p:cNvSpPr>
-          <p:nvPr>
-            <p:extLst>
-              <p:ext uri="{386F3935-93C4-4BCD-93E2-E3B085C9AB24}">
-                <p16:designElem xmlns:p16="http://schemas.microsoft.com/office/powerpoint/2015/main" val="1"/>
-              </p:ext>
-            </p:extLst>
-          </p:nvPr>
-        </p:nvSpPr>
-        <p:spPr>
-          <a:xfrm>
-            <a:off x="0" y="0"/>
-            <a:ext cx="12188952" cy="6858000"/>
+            <a:off x="1211345" y="1915588"/>
+            <a:ext cx="9769309" cy="4225225"/>
           </a:xfrm>
           <a:prstGeom prst="rect">
             <a:avLst/>
           </a:prstGeom>
-          <a:ln>
-            <a:noFill/>
-          </a:ln>
-        </p:spPr>
-        <p:style>
-          <a:lnRef idx="2">
-            <a:schemeClr val="accent1">
-              <a:shade val="50000"/>
-            </a:schemeClr>
-          </a:lnRef>
-          <a:fillRef idx="1">
-            <a:schemeClr val="accent1"/>
-          </a:fillRef>
-          <a:effectRef idx="0">
-            <a:schemeClr val="accent1"/>
-          </a:effectRef>
-          <a:fontRef idx="minor">
-            <a:schemeClr val="lt1"/>
-          </a:fontRef>
-        </p:style>
-        <p:txBody>
-          <a:bodyPr rtlCol="0" anchor="ctr"/>
-          <a:lstStyle/>
-          <a:p>
-            <a:pPr algn="ctr"/>
-            <a:endParaRPr lang="en-US"/>
-          </a:p>
-        </p:txBody>
-      </p:sp>
-      <p:sp>
-        <p:nvSpPr>
-          <p:cNvPr id="2" name="Título 1">
-            <a:extLst>
-              <a:ext uri="{FF2B5EF4-FFF2-40B4-BE49-F238E27FC236}">
-                <a16:creationId xmlns:a16="http://schemas.microsoft.com/office/drawing/2014/main" id="{6DDA4021-2595-FAED-8D5F-30A303CB94DA}"/>
-              </a:ext>
-            </a:extLst>
-          </p:cNvPr>
-          <p:cNvSpPr>
-            <a:spLocks noGrp="1"/>
-          </p:cNvSpPr>
-          <p:nvPr>
-            <p:ph type="title"/>
-          </p:nvPr>
-        </p:nvSpPr>
-        <p:spPr>
-          <a:xfrm>
-            <a:off x="6513788" y="365125"/>
-            <a:ext cx="4840010" cy="1807305"/>
-          </a:xfrm>
-        </p:spPr>
-        <p:txBody>
-          <a:bodyPr>
-            <a:normAutofit/>
-          </a:bodyPr>
-          <a:lstStyle/>
-          <a:p>
-            <a:r>
-              <a:rPr lang="pt-BR" b="1" i="0" dirty="0">
-                <a:effectLst/>
-                <a:latin typeface="Söhne"/>
-              </a:rPr>
-              <a:t>Usos Potenciais</a:t>
-            </a:r>
-            <a:endParaRPr lang="pt-BR" dirty="0"/>
-          </a:p>
-        </p:txBody>
-      </p:sp>
-      <p:pic>
-        <p:nvPicPr>
-          <p:cNvPr id="5122" name="Picture 2">
-            <a:extLst>
-              <a:ext uri="{FF2B5EF4-FFF2-40B4-BE49-F238E27FC236}">
-                <a16:creationId xmlns:a16="http://schemas.microsoft.com/office/drawing/2014/main" id="{32992524-A920-96F6-962E-DB32DD69F396}"/>
-              </a:ext>
-            </a:extLst>
-          </p:cNvPr>
-          <p:cNvPicPr>
-            <a:picLocks noChangeAspect="1" noChangeArrowheads="1"/>
-          </p:cNvPicPr>
-          <p:nvPr/>
-        </p:nvPicPr>
-        <p:blipFill rotWithShape="1">
-          <a:blip r:embed="rId2">
-            <a:extLst>
-              <a:ext uri="{28A0092B-C50C-407E-A947-70E740481C1C}">
-                <a14:useLocalDpi xmlns:a14="http://schemas.microsoft.com/office/drawing/2010/main" val="0"/>
-              </a:ext>
-            </a:extLst>
-          </a:blip>
-          <a:srcRect r="10811"/>
-          <a:stretch/>
-        </p:blipFill>
-        <p:spPr bwMode="auto">
-          <a:xfrm>
-            <a:off x="20" y="10"/>
-            <a:ext cx="6116549" cy="6857990"/>
-          </a:xfrm>
-          <a:custGeom>
-            <a:avLst/>
-            <a:gdLst/>
-            <a:ahLst/>
-            <a:cxnLst/>
-            <a:rect l="l" t="t" r="r" b="b"/>
-            <a:pathLst>
-              <a:path w="6116569" h="6879321">
-                <a:moveTo>
-                  <a:pt x="0" y="0"/>
-                </a:moveTo>
-                <a:lnTo>
-                  <a:pt x="2935851" y="0"/>
-                </a:lnTo>
-                <a:cubicBezTo>
-                  <a:pt x="3035710" y="10660"/>
-                  <a:pt x="3138421" y="17767"/>
-                  <a:pt x="3238280" y="31980"/>
-                </a:cubicBezTo>
-                <a:cubicBezTo>
-                  <a:pt x="3817462" y="106602"/>
-                  <a:pt x="3127009" y="277163"/>
-                  <a:pt x="3660541" y="550772"/>
-                </a:cubicBezTo>
-                <a:cubicBezTo>
-                  <a:pt x="3706191" y="575645"/>
-                  <a:pt x="3757546" y="579199"/>
-                  <a:pt x="3808902" y="589860"/>
-                </a:cubicBezTo>
-                <a:cubicBezTo>
-                  <a:pt x="4008620" y="625393"/>
-                  <a:pt x="4211192" y="618286"/>
-                  <a:pt x="4413762" y="625393"/>
-                </a:cubicBezTo>
-                <a:cubicBezTo>
-                  <a:pt x="4465118" y="628946"/>
-                  <a:pt x="4525033" y="625393"/>
-                  <a:pt x="4567830" y="721333"/>
-                </a:cubicBezTo>
-                <a:cubicBezTo>
-                  <a:pt x="4425175" y="724888"/>
-                  <a:pt x="4305344" y="731994"/>
-                  <a:pt x="4171247" y="792401"/>
-                </a:cubicBezTo>
-                <a:cubicBezTo>
-                  <a:pt x="4239722" y="859916"/>
-                  <a:pt x="4322462" y="795955"/>
-                  <a:pt x="4376671" y="842148"/>
-                </a:cubicBezTo>
-                <a:cubicBezTo>
-                  <a:pt x="4428027" y="888342"/>
-                  <a:pt x="4470824" y="891896"/>
-                  <a:pt x="4527887" y="813722"/>
-                </a:cubicBezTo>
-                <a:cubicBezTo>
-                  <a:pt x="4556417" y="774634"/>
-                  <a:pt x="4604920" y="778187"/>
-                  <a:pt x="4633452" y="799508"/>
-                </a:cubicBezTo>
-                <a:cubicBezTo>
-                  <a:pt x="4781813" y="913216"/>
-                  <a:pt x="4778960" y="909662"/>
-                  <a:pt x="4947293" y="870576"/>
-                </a:cubicBezTo>
-                <a:cubicBezTo>
-                  <a:pt x="5055712" y="845701"/>
-                  <a:pt x="5166983" y="806615"/>
-                  <a:pt x="5263988" y="820828"/>
-                </a:cubicBezTo>
-                <a:cubicBezTo>
-                  <a:pt x="5275401" y="867022"/>
-                  <a:pt x="5263988" y="888342"/>
-                  <a:pt x="5249723" y="895449"/>
-                </a:cubicBezTo>
-                <a:cubicBezTo>
-                  <a:pt x="5021475" y="1005604"/>
-                  <a:pt x="4975825" y="1122864"/>
-                  <a:pt x="4744723" y="1197485"/>
-                </a:cubicBezTo>
-                <a:cubicBezTo>
-                  <a:pt x="4724751" y="1268552"/>
-                  <a:pt x="4807491" y="1275660"/>
-                  <a:pt x="4767548" y="1346727"/>
-                </a:cubicBezTo>
-                <a:cubicBezTo>
-                  <a:pt x="4693367" y="1407134"/>
-                  <a:pt x="4610627" y="1346727"/>
-                  <a:pt x="4539299" y="1421348"/>
-                </a:cubicBezTo>
-                <a:cubicBezTo>
-                  <a:pt x="4550712" y="1471094"/>
-                  <a:pt x="4610627" y="1432008"/>
-                  <a:pt x="4607773" y="1485309"/>
-                </a:cubicBezTo>
-                <a:cubicBezTo>
-                  <a:pt x="4604920" y="1517288"/>
-                  <a:pt x="4593508" y="1527948"/>
-                  <a:pt x="4579242" y="1535055"/>
-                </a:cubicBezTo>
-                <a:cubicBezTo>
-                  <a:pt x="4776107" y="1538608"/>
-                  <a:pt x="5383820" y="1574142"/>
-                  <a:pt x="5278255" y="1609676"/>
-                </a:cubicBezTo>
-                <a:cubicBezTo>
-                  <a:pt x="5418057" y="1698511"/>
-                  <a:pt x="5623481" y="1609676"/>
-                  <a:pt x="5771843" y="1630997"/>
-                </a:cubicBezTo>
-                <a:cubicBezTo>
-                  <a:pt x="5925911" y="1652316"/>
-                  <a:pt x="6171278" y="1719830"/>
-                  <a:pt x="6105656" y="1748257"/>
-                </a:cubicBezTo>
-                <a:cubicBezTo>
-                  <a:pt x="6031475" y="1780238"/>
-                  <a:pt x="5766136" y="2146235"/>
-                  <a:pt x="5691955" y="2167555"/>
-                </a:cubicBezTo>
-                <a:cubicBezTo>
-                  <a:pt x="5606362" y="2188875"/>
-                  <a:pt x="5589243" y="2217302"/>
-                  <a:pt x="5475118" y="2348776"/>
-                </a:cubicBezTo>
-                <a:cubicBezTo>
-                  <a:pt x="5398085" y="2437610"/>
-                  <a:pt x="5709074" y="2238623"/>
-                  <a:pt x="5826051" y="2291922"/>
-                </a:cubicBezTo>
-                <a:cubicBezTo>
-                  <a:pt x="5868848" y="2309690"/>
-                  <a:pt x="5552153" y="2554872"/>
-                  <a:pt x="5552153" y="2597513"/>
-                </a:cubicBezTo>
-                <a:cubicBezTo>
-                  <a:pt x="5549300" y="2640153"/>
-                  <a:pt x="5577831" y="2647260"/>
-                  <a:pt x="5603508" y="2647260"/>
-                </a:cubicBezTo>
-                <a:cubicBezTo>
-                  <a:pt x="5660571" y="2647260"/>
-                  <a:pt x="5640599" y="2686346"/>
-                  <a:pt x="5700515" y="2679240"/>
-                </a:cubicBezTo>
-                <a:cubicBezTo>
-                  <a:pt x="5523622" y="2800055"/>
-                  <a:pt x="5418057" y="2778734"/>
-                  <a:pt x="5246870" y="2888889"/>
-                </a:cubicBezTo>
-                <a:cubicBezTo>
-                  <a:pt x="5164130" y="2942189"/>
-                  <a:pt x="4921615" y="3119857"/>
-                  <a:pt x="4836022" y="3169605"/>
-                </a:cubicBezTo>
-                <a:cubicBezTo>
-                  <a:pt x="4801785" y="3187371"/>
-                  <a:pt x="4758988" y="3173158"/>
-                  <a:pt x="4736163" y="3233565"/>
-                </a:cubicBezTo>
-                <a:cubicBezTo>
-                  <a:pt x="4770400" y="3279759"/>
-                  <a:pt x="4816050" y="3254885"/>
-                  <a:pt x="4853141" y="3233565"/>
-                </a:cubicBezTo>
-                <a:cubicBezTo>
-                  <a:pt x="4944440" y="3176711"/>
-                  <a:pt x="4935881" y="3190925"/>
-                  <a:pt x="4944440" y="3226459"/>
-                </a:cubicBezTo>
-                <a:cubicBezTo>
-                  <a:pt x="4972972" y="3350827"/>
-                  <a:pt x="5044300" y="3308186"/>
-                  <a:pt x="5109921" y="3283313"/>
-                </a:cubicBezTo>
-                <a:cubicBezTo>
-                  <a:pt x="5303932" y="3208692"/>
-                  <a:pt x="5500797" y="3215799"/>
-                  <a:pt x="5694809" y="3141178"/>
-                </a:cubicBezTo>
-                <a:cubicBezTo>
-                  <a:pt x="5714781" y="3134070"/>
-                  <a:pt x="5612068" y="3283313"/>
-                  <a:pt x="5566419" y="3301079"/>
-                </a:cubicBezTo>
-                <a:cubicBezTo>
-                  <a:pt x="5515063" y="3322399"/>
-                  <a:pt x="5452294" y="3311739"/>
-                  <a:pt x="5415203" y="3397020"/>
-                </a:cubicBezTo>
-                <a:cubicBezTo>
-                  <a:pt x="5477972" y="3414787"/>
-                  <a:pt x="5552153" y="3372147"/>
-                  <a:pt x="5612068" y="3432554"/>
-                </a:cubicBezTo>
-                <a:cubicBezTo>
-                  <a:pt x="5469413" y="3528494"/>
-                  <a:pt x="5329610" y="3535601"/>
-                  <a:pt x="5206927" y="3599562"/>
-                </a:cubicBezTo>
-                <a:cubicBezTo>
-                  <a:pt x="5192661" y="3706163"/>
-                  <a:pt x="5272548" y="3663523"/>
-                  <a:pt x="5301079" y="3723930"/>
-                </a:cubicBezTo>
-                <a:cubicBezTo>
-                  <a:pt x="5072830" y="3844745"/>
-                  <a:pt x="4564977" y="4232062"/>
-                  <a:pt x="4507915" y="4306683"/>
-                </a:cubicBezTo>
-                <a:cubicBezTo>
-                  <a:pt x="4390937" y="4463031"/>
-                  <a:pt x="3900202" y="4562525"/>
-                  <a:pt x="3982942" y="4587399"/>
-                </a:cubicBezTo>
-                <a:cubicBezTo>
-                  <a:pt x="4051417" y="4608719"/>
-                  <a:pt x="4119891" y="4587399"/>
-                  <a:pt x="4185513" y="4541205"/>
-                </a:cubicBezTo>
-                <a:cubicBezTo>
-                  <a:pt x="4291078" y="4466584"/>
-                  <a:pt x="5010062" y="4523438"/>
-                  <a:pt x="5212633" y="4455924"/>
-                </a:cubicBezTo>
-                <a:cubicBezTo>
-                  <a:pt x="5241164" y="4445264"/>
-                  <a:pt x="5283960" y="4409730"/>
-                  <a:pt x="5312492" y="4473691"/>
-                </a:cubicBezTo>
-                <a:cubicBezTo>
-                  <a:pt x="5098508" y="4704659"/>
-                  <a:pt x="4833169" y="4654913"/>
-                  <a:pt x="4596361" y="4818368"/>
-                </a:cubicBezTo>
-                <a:cubicBezTo>
-                  <a:pt x="4684807" y="4917861"/>
-                  <a:pt x="4776107" y="4907202"/>
-                  <a:pt x="4873113" y="4885882"/>
-                </a:cubicBezTo>
-                <a:cubicBezTo>
-                  <a:pt x="4895938" y="4878775"/>
-                  <a:pt x="4930175" y="4871668"/>
-                  <a:pt x="4935881" y="4914309"/>
-                </a:cubicBezTo>
-                <a:cubicBezTo>
-                  <a:pt x="4941587" y="4967609"/>
-                  <a:pt x="4898790" y="4978270"/>
-                  <a:pt x="4873113" y="5003143"/>
-                </a:cubicBezTo>
-                <a:cubicBezTo>
-                  <a:pt x="4833169" y="5038676"/>
-                  <a:pt x="4773254" y="4999590"/>
-                  <a:pt x="4721898" y="5095530"/>
-                </a:cubicBezTo>
-                <a:cubicBezTo>
-                  <a:pt x="4873113" y="5067104"/>
-                  <a:pt x="4998650" y="5020910"/>
-                  <a:pt x="5132745" y="4949842"/>
-                </a:cubicBezTo>
-                <a:cubicBezTo>
-                  <a:pt x="5121333" y="5006696"/>
-                  <a:pt x="5081390" y="5035123"/>
-                  <a:pt x="5101362" y="5081317"/>
-                </a:cubicBezTo>
-                <a:cubicBezTo>
-                  <a:pt x="5118480" y="5116850"/>
-                  <a:pt x="5164130" y="5131063"/>
-                  <a:pt x="5138452" y="5198578"/>
-                </a:cubicBezTo>
-                <a:cubicBezTo>
-                  <a:pt x="5067125" y="5273199"/>
-                  <a:pt x="4967265" y="5258986"/>
-                  <a:pt x="4904497" y="5362033"/>
-                </a:cubicBezTo>
-                <a:cubicBezTo>
-                  <a:pt x="4818903" y="5507721"/>
-                  <a:pt x="4684807" y="5564575"/>
-                  <a:pt x="4579242" y="5674729"/>
-                </a:cubicBezTo>
-                <a:cubicBezTo>
-                  <a:pt x="4545005" y="5713816"/>
-                  <a:pt x="4313903" y="5841738"/>
-                  <a:pt x="4253988" y="5884379"/>
-                </a:cubicBezTo>
-                <a:cubicBezTo>
-                  <a:pt x="4168395" y="5944786"/>
-                  <a:pt x="4071389" y="5966106"/>
-                  <a:pt x="3985795" y="6069153"/>
-                </a:cubicBezTo>
-                <a:cubicBezTo>
-                  <a:pt x="4065682" y="6086921"/>
-                  <a:pt x="4134157" y="5990979"/>
-                  <a:pt x="4231163" y="6030066"/>
-                </a:cubicBezTo>
-                <a:cubicBezTo>
-                  <a:pt x="4074242" y="6133114"/>
-                  <a:pt x="3931586" y="6182861"/>
-                  <a:pt x="3814609" y="6317889"/>
-                </a:cubicBezTo>
-                <a:cubicBezTo>
-                  <a:pt x="3800343" y="6335656"/>
-                  <a:pt x="3771812" y="6332102"/>
-                  <a:pt x="3751840" y="6339209"/>
-                </a:cubicBezTo>
-                <a:cubicBezTo>
-                  <a:pt x="3529298" y="6406723"/>
-                  <a:pt x="3309608" y="6467130"/>
-                  <a:pt x="3089919" y="6563071"/>
-                </a:cubicBezTo>
-                <a:cubicBezTo>
-                  <a:pt x="3041416" y="6584392"/>
-                  <a:pt x="2955823" y="6595052"/>
-                  <a:pt x="2961529" y="6662566"/>
-                </a:cubicBezTo>
-                <a:cubicBezTo>
-                  <a:pt x="2972941" y="6765613"/>
-                  <a:pt x="3055681" y="6687439"/>
-                  <a:pt x="3107038" y="6673226"/>
-                </a:cubicBezTo>
-                <a:cubicBezTo>
-                  <a:pt x="3269664" y="6634138"/>
-                  <a:pt x="3432292" y="6570178"/>
-                  <a:pt x="3594919" y="6591499"/>
-                </a:cubicBezTo>
-                <a:cubicBezTo>
-                  <a:pt x="3483648" y="6637693"/>
-                  <a:pt x="3372376" y="6680332"/>
-                  <a:pt x="3261106" y="6726527"/>
-                </a:cubicBezTo>
-                <a:cubicBezTo>
-                  <a:pt x="3386642" y="6705206"/>
-                  <a:pt x="3495061" y="6786934"/>
-                  <a:pt x="3620597" y="6740740"/>
-                </a:cubicBezTo>
-                <a:cubicBezTo>
-                  <a:pt x="3660541" y="6726527"/>
-                  <a:pt x="3700484" y="6765613"/>
-                  <a:pt x="3703337" y="6826020"/>
-                </a:cubicBezTo>
-                <a:cubicBezTo>
-                  <a:pt x="3706191" y="6847340"/>
-                  <a:pt x="3700484" y="6865108"/>
-                  <a:pt x="3689072" y="6879321"/>
-                </a:cubicBezTo>
-                <a:lnTo>
-                  <a:pt x="0" y="6879321"/>
-                </a:lnTo>
-                <a:close/>
-              </a:path>
-            </a:pathLst>
-          </a:custGeom>
-          <a:noFill/>
-          <a:extLst>
-            <a:ext uri="{909E8E84-426E-40DD-AFC4-6F175D3DCCD1}">
-              <a14:hiddenFill xmlns:a14="http://schemas.microsoft.com/office/drawing/2010/main">
-                <a:solidFill>
-                  <a:srgbClr val="FFFFFF"/>
-                </a:solidFill>
-              </a14:hiddenFill>
-            </a:ext>
-          </a:extLst>
         </p:spPr>
       </p:pic>
-      <p:sp>
-        <p:nvSpPr>
-          <p:cNvPr id="3" name="Espaço Reservado para Conteúdo 2">
-            <a:extLst>
-              <a:ext uri="{FF2B5EF4-FFF2-40B4-BE49-F238E27FC236}">
-                <a16:creationId xmlns:a16="http://schemas.microsoft.com/office/drawing/2014/main" id="{71692BF3-8F85-771B-A91A-44CC89B68E29}"/>
-              </a:ext>
-            </a:extLst>
-          </p:cNvPr>
-          <p:cNvSpPr>
-            <a:spLocks noGrp="1"/>
-          </p:cNvSpPr>
-          <p:nvPr>
-            <p:ph idx="1"/>
-          </p:nvPr>
-        </p:nvSpPr>
-        <p:spPr>
-          <a:xfrm>
-            <a:off x="6513788" y="2333297"/>
-            <a:ext cx="4840010" cy="3843666"/>
-          </a:xfrm>
-        </p:spPr>
-        <p:txBody>
-          <a:bodyPr>
-            <a:normAutofit/>
-          </a:bodyPr>
-          <a:lstStyle/>
-          <a:p>
-            <a:r>
-              <a:rPr lang="pt-BR" sz="1900" b="1"/>
-              <a:t>Aprimoramento da Compreensão do Processo: </a:t>
-            </a:r>
-            <a:r>
-              <a:rPr lang="pt-BR" sz="1900"/>
-              <a:t>Representação precisa e semântica do processo de identificação de efeitos de herbicidas.</a:t>
-            </a:r>
-          </a:p>
-          <a:p>
-            <a:pPr marL="0" indent="0">
-              <a:buNone/>
-            </a:pPr>
-            <a:endParaRPr lang="pt-BR" sz="1900"/>
-          </a:p>
-          <a:p>
-            <a:r>
-              <a:rPr lang="pt-BR" sz="1900" b="1"/>
-              <a:t>Integração de Tecnologias: </a:t>
-            </a:r>
-            <a:r>
-              <a:rPr lang="pt-BR" sz="1900"/>
-              <a:t>Ponte semântica entre processamento de imagem e aprendizado de máquina.</a:t>
-            </a:r>
-          </a:p>
-          <a:p>
-            <a:endParaRPr lang="pt-BR" sz="1900"/>
-          </a:p>
-          <a:p>
-            <a:r>
-              <a:rPr lang="pt-BR" sz="1900" b="1"/>
-              <a:t>Padronização de Dados: </a:t>
-            </a:r>
-            <a:r>
-              <a:rPr lang="pt-BR" sz="1900"/>
-              <a:t>Estabelecimento de padrões claros para representação de informações.</a:t>
-            </a:r>
-          </a:p>
-        </p:txBody>
-      </p:sp>
-      <p:grpSp>
-        <p:nvGrpSpPr>
-          <p:cNvPr id="4" name="Agrupar 3">
-            <a:extLst>
-              <a:ext uri="{FF2B5EF4-FFF2-40B4-BE49-F238E27FC236}">
-                <a16:creationId xmlns:a16="http://schemas.microsoft.com/office/drawing/2014/main" id="{DA79D8CA-316E-E363-DDBC-820A112BC6F5}"/>
-              </a:ext>
-            </a:extLst>
-          </p:cNvPr>
-          <p:cNvGrpSpPr/>
-          <p:nvPr/>
-        </p:nvGrpSpPr>
-        <p:grpSpPr>
-          <a:xfrm>
-            <a:off x="10173742" y="6176963"/>
-            <a:ext cx="1767154" cy="450511"/>
-            <a:chOff x="463685" y="371326"/>
-            <a:chExt cx="4527137" cy="1154130"/>
-          </a:xfrm>
-        </p:grpSpPr>
-        <p:pic>
-          <p:nvPicPr>
-            <p:cNvPr id="5" name="Picture 6" descr="Universidade do Estado do Rio Grande do Norte – Wikipédia, a enciclopédia  livre">
-              <a:extLst>
-                <a:ext uri="{FF2B5EF4-FFF2-40B4-BE49-F238E27FC236}">
-                  <a16:creationId xmlns:a16="http://schemas.microsoft.com/office/drawing/2014/main" id="{72DE999A-A847-2CD3-5E68-6B9B3C88EDB7}"/>
-                </a:ext>
-              </a:extLst>
-            </p:cNvPr>
-            <p:cNvPicPr>
-              <a:picLocks noChangeAspect="1" noChangeArrowheads="1"/>
-            </p:cNvPicPr>
-            <p:nvPr/>
-          </p:nvPicPr>
-          <p:blipFill>
-            <a:blip r:embed="rId3">
-              <a:extLst>
-                <a:ext uri="{28A0092B-C50C-407E-A947-70E740481C1C}">
-                  <a14:useLocalDpi xmlns:a14="http://schemas.microsoft.com/office/drawing/2010/main" val="0"/>
-                </a:ext>
-              </a:extLst>
-            </a:blip>
-            <a:srcRect/>
-            <a:stretch>
-              <a:fillRect/>
-            </a:stretch>
-          </p:blipFill>
-          <p:spPr bwMode="auto">
-            <a:xfrm>
-              <a:off x="4219279" y="371326"/>
-              <a:ext cx="771543" cy="1061519"/>
-            </a:xfrm>
-            <a:prstGeom prst="rect">
-              <a:avLst/>
-            </a:prstGeom>
-            <a:noFill/>
-            <a:extLst>
-              <a:ext uri="{909E8E84-426E-40DD-AFC4-6F175D3DCCD1}">
-                <a14:hiddenFill xmlns:a14="http://schemas.microsoft.com/office/drawing/2010/main">
-                  <a:solidFill>
-                    <a:srgbClr val="FFFFFF"/>
-                  </a:solidFill>
-                </a14:hiddenFill>
-              </a:ext>
-            </a:extLst>
-          </p:spPr>
-        </p:pic>
-        <p:pic>
-          <p:nvPicPr>
-            <p:cNvPr id="6" name="Picture 8" descr="Matriz de bordado - Ufersa 001 | Elo7 Produtos Especiais">
-              <a:extLst>
-                <a:ext uri="{FF2B5EF4-FFF2-40B4-BE49-F238E27FC236}">
-                  <a16:creationId xmlns:a16="http://schemas.microsoft.com/office/drawing/2014/main" id="{CE27A7DB-DBE0-DA0D-E52A-4C0C8D3D39CD}"/>
-                </a:ext>
-              </a:extLst>
-            </p:cNvPr>
-            <p:cNvPicPr>
-              <a:picLocks noChangeAspect="1" noChangeArrowheads="1"/>
-            </p:cNvPicPr>
-            <p:nvPr/>
-          </p:nvPicPr>
-          <p:blipFill>
-            <a:blip r:embed="rId4">
-              <a:extLst>
-                <a:ext uri="{28A0092B-C50C-407E-A947-70E740481C1C}">
-                  <a14:useLocalDpi xmlns:a14="http://schemas.microsoft.com/office/drawing/2010/main" val="0"/>
-                </a:ext>
-              </a:extLst>
-            </a:blip>
-            <a:srcRect/>
-            <a:stretch>
-              <a:fillRect/>
-            </a:stretch>
-          </p:blipFill>
-          <p:spPr bwMode="auto">
-            <a:xfrm>
-              <a:off x="463685" y="371326"/>
-              <a:ext cx="1441227" cy="1154130"/>
-            </a:xfrm>
-            <a:prstGeom prst="rect">
-              <a:avLst/>
-            </a:prstGeom>
-            <a:noFill/>
-            <a:extLst>
-              <a:ext uri="{909E8E84-426E-40DD-AFC4-6F175D3DCCD1}">
-                <a14:hiddenFill xmlns:a14="http://schemas.microsoft.com/office/drawing/2010/main">
-                  <a:solidFill>
-                    <a:srgbClr val="FFFFFF"/>
-                  </a:solidFill>
-                </a14:hiddenFill>
-              </a:ext>
-            </a:extLst>
-          </p:spPr>
-        </p:pic>
-        <p:pic>
-          <p:nvPicPr>
-            <p:cNvPr id="7" name="Picture 4" descr="Programa de Pósgraduação em Ciência da Computação - ppgcc - Uern/Ufersa |  Mossoró RN">
-              <a:extLst>
-                <a:ext uri="{FF2B5EF4-FFF2-40B4-BE49-F238E27FC236}">
-                  <a16:creationId xmlns:a16="http://schemas.microsoft.com/office/drawing/2014/main" id="{D8B0DD3D-9062-CDCF-F5CE-FA34B1A63D40}"/>
-                </a:ext>
-              </a:extLst>
-            </p:cNvPr>
-            <p:cNvPicPr>
-              <a:picLocks noChangeAspect="1" noChangeArrowheads="1"/>
-            </p:cNvPicPr>
-            <p:nvPr/>
-          </p:nvPicPr>
-          <p:blipFill>
-            <a:blip r:embed="rId5">
-              <a:extLst>
-                <a:ext uri="{28A0092B-C50C-407E-A947-70E740481C1C}">
-                  <a14:useLocalDpi xmlns:a14="http://schemas.microsoft.com/office/drawing/2010/main" val="0"/>
-                </a:ext>
-              </a:extLst>
-            </a:blip>
-            <a:srcRect/>
-            <a:stretch>
-              <a:fillRect/>
-            </a:stretch>
-          </p:blipFill>
-          <p:spPr bwMode="auto">
-            <a:xfrm>
-              <a:off x="1879600" y="442839"/>
-              <a:ext cx="2005076" cy="990006"/>
-            </a:xfrm>
-            <a:prstGeom prst="rect">
-              <a:avLst/>
-            </a:prstGeom>
-            <a:noFill/>
-            <a:extLst>
-              <a:ext uri="{909E8E84-426E-40DD-AFC4-6F175D3DCCD1}">
-                <a14:hiddenFill xmlns:a14="http://schemas.microsoft.com/office/drawing/2010/main">
-                  <a:solidFill>
-                    <a:srgbClr val="FFFFFF"/>
-                  </a:solidFill>
-                </a14:hiddenFill>
-              </a:ext>
-            </a:extLst>
-          </p:spPr>
-        </p:pic>
-      </p:grpSp>
     </p:spTree>
     <p:extLst>
       <p:ext uri="{BB962C8B-B14F-4D97-AF65-F5344CB8AC3E}">
-        <p14:creationId xmlns:p14="http://schemas.microsoft.com/office/powerpoint/2010/main" val="1521491632"/>
+        <p14:creationId xmlns:p14="http://schemas.microsoft.com/office/powerpoint/2010/main" val="4042145475"/>
       </p:ext>
     </p:extLst>
   </p:cSld>
